--- a/week02/04.Loops.pptx
+++ b/week02/04.Loops.pptx
@@ -5,29 +5,30 @@
     <p:sldMasterId id="2147483648" r:id="rId1"/>
   </p:sldMasterIdLst>
   <p:notesMasterIdLst>
-    <p:notesMasterId r:id="rId22"/>
+    <p:notesMasterId r:id="rId23"/>
   </p:notesMasterIdLst>
   <p:sldIdLst>
     <p:sldId id="256" r:id="rId2"/>
     <p:sldId id="328" r:id="rId3"/>
-    <p:sldId id="352" r:id="rId4"/>
-    <p:sldId id="353" r:id="rId5"/>
-    <p:sldId id="354" r:id="rId6"/>
-    <p:sldId id="355" r:id="rId7"/>
-    <p:sldId id="356" r:id="rId8"/>
-    <p:sldId id="389" r:id="rId9"/>
-    <p:sldId id="358" r:id="rId10"/>
-    <p:sldId id="359" r:id="rId11"/>
-    <p:sldId id="390" r:id="rId12"/>
-    <p:sldId id="361" r:id="rId13"/>
-    <p:sldId id="371" r:id="rId14"/>
-    <p:sldId id="377" r:id="rId15"/>
-    <p:sldId id="378" r:id="rId16"/>
-    <p:sldId id="379" r:id="rId17"/>
-    <p:sldId id="380" r:id="rId18"/>
-    <p:sldId id="322" r:id="rId19"/>
-    <p:sldId id="329" r:id="rId20"/>
-    <p:sldId id="351" r:id="rId21"/>
+    <p:sldId id="391" r:id="rId4"/>
+    <p:sldId id="352" r:id="rId5"/>
+    <p:sldId id="353" r:id="rId6"/>
+    <p:sldId id="354" r:id="rId7"/>
+    <p:sldId id="355" r:id="rId8"/>
+    <p:sldId id="356" r:id="rId9"/>
+    <p:sldId id="389" r:id="rId10"/>
+    <p:sldId id="358" r:id="rId11"/>
+    <p:sldId id="359" r:id="rId12"/>
+    <p:sldId id="390" r:id="rId13"/>
+    <p:sldId id="361" r:id="rId14"/>
+    <p:sldId id="371" r:id="rId15"/>
+    <p:sldId id="377" r:id="rId16"/>
+    <p:sldId id="378" r:id="rId17"/>
+    <p:sldId id="379" r:id="rId18"/>
+    <p:sldId id="380" r:id="rId19"/>
+    <p:sldId id="322" r:id="rId20"/>
+    <p:sldId id="329" r:id="rId21"/>
+    <p:sldId id="351" r:id="rId22"/>
   </p:sldIdLst>
   <p:sldSz cx="9144000" cy="6858000" type="screen4x3"/>
   <p:notesSz cx="6858000" cy="9144000"/>
@@ -128,7 +129,7 @@
   </p:defaultTextStyle>
   <p:extLst>
     <p:ext uri="{EFAFB233-063F-42B5-8137-9DF3F51BA10A}">
-      <p15:sldGuideLst xmlns:p15="http://schemas.microsoft.com/office/powerpoint/2012/main" xmlns="">
+      <p15:sldGuideLst xmlns:p15="http://schemas.microsoft.com/office/powerpoint/2012/main">
         <p15:guide id="1" orient="horz" pos="2160">
           <p15:clr>
             <a:srgbClr val="A4A3A4"/>
@@ -5362,6 +5363,1221 @@
   <p:cSld>
     <p:spTree>
       <p:nvGrpSpPr>
+        <p:cNvPr id="1" name="Shape 304"/>
+        <p:cNvGrpSpPr/>
+        <p:nvPr/>
+      </p:nvGrpSpPr>
+      <p:grpSpPr>
+        <a:xfrm>
+          <a:off x="0" y="0"/>
+          <a:ext cx="0" cy="0"/>
+          <a:chOff x="0" y="0"/>
+          <a:chExt cx="0" cy="0"/>
+        </a:xfrm>
+      </p:grpSpPr>
+      <p:cxnSp>
+        <p:nvCxnSpPr>
+          <p:cNvPr id="305" name="Shape 305"/>
+          <p:cNvCxnSpPr/>
+          <p:nvPr/>
+        </p:nvCxnSpPr>
+        <p:spPr>
+          <a:xfrm rot="10800000">
+            <a:off x="6197139" y="1170703"/>
+            <a:ext cx="8100" cy="318768"/>
+          </a:xfrm>
+          <a:prstGeom prst="straightConnector1">
+            <a:avLst/>
+          </a:prstGeom>
+          <a:noFill/>
+          <a:ln w="76200" cap="rnd" cmpd="sng">
+            <a:solidFill>
+              <a:srgbClr val="1155CC"/>
+            </a:solidFill>
+            <a:prstDash val="solid"/>
+            <a:miter/>
+            <a:headEnd type="stealth" w="med" len="med"/>
+            <a:tailEnd type="none" w="med" len="med"/>
+          </a:ln>
+        </p:spPr>
+      </p:cxnSp>
+      <p:sp>
+        <p:nvSpPr>
+          <p:cNvPr id="306" name="Shape 306"/>
+          <p:cNvSpPr/>
+          <p:nvPr/>
+        </p:nvSpPr>
+        <p:spPr>
+          <a:xfrm>
+            <a:off x="5400675" y="1485900"/>
+            <a:ext cx="1614431" cy="714318"/>
+          </a:xfrm>
+          <a:prstGeom prst="diamond">
+            <a:avLst/>
+          </a:prstGeom>
+          <a:solidFill>
+            <a:srgbClr val="0000FF"/>
+          </a:solidFill>
+          <a:ln>
+            <a:noFill/>
+          </a:ln>
+        </p:spPr>
+        <p:txBody>
+          <a:bodyPr lIns="0" tIns="0" rIns="0" bIns="0" anchor="ctr" anchorCtr="0">
+            <a:noAutofit/>
+          </a:bodyPr>
+          <a:lstStyle/>
+          <a:p>
+            <a:pPr algn="ctr">
+              <a:buClr>
+                <a:srgbClr val="FF0000"/>
+              </a:buClr>
+              <a:buSzPct val="25000"/>
+            </a:pPr>
+            <a:r>
+              <a:rPr lang="en-US" sz="1575">
+                <a:solidFill>
+                  <a:srgbClr val="FF0000"/>
+                </a:solidFill>
+                <a:latin typeface="Cabin"/>
+                <a:ea typeface="Cabin"/>
+                <a:cs typeface="Cabin"/>
+                <a:sym typeface="Cabin"/>
+              </a:rPr>
+              <a:t>Верно</a:t>
+            </a:r>
+            <a:r>
+              <a:rPr lang="en-US" sz="2025">
+                <a:solidFill>
+                  <a:srgbClr val="FF0000"/>
+                </a:solidFill>
+                <a:latin typeface="Cabin"/>
+                <a:ea typeface="Cabin"/>
+                <a:cs typeface="Cabin"/>
+                <a:sym typeface="Cabin"/>
+              </a:rPr>
+              <a:t> ?</a:t>
+            </a:r>
+          </a:p>
+        </p:txBody>
+      </p:sp>
+      <p:cxnSp>
+        <p:nvCxnSpPr>
+          <p:cNvPr id="307" name="Shape 307"/>
+          <p:cNvCxnSpPr/>
+          <p:nvPr/>
+        </p:nvCxnSpPr>
+        <p:spPr>
+          <a:xfrm rot="10800000" flipH="1">
+            <a:off x="6153447" y="2221790"/>
+            <a:ext cx="54506" cy="2260913"/>
+          </a:xfrm>
+          <a:prstGeom prst="straightConnector1">
+            <a:avLst/>
+          </a:prstGeom>
+          <a:noFill/>
+          <a:ln w="76200" cap="rnd" cmpd="sng">
+            <a:solidFill>
+              <a:srgbClr val="1155CC"/>
+            </a:solidFill>
+            <a:prstDash val="solid"/>
+            <a:miter/>
+            <a:headEnd type="none" w="med" len="med"/>
+            <a:tailEnd type="stealth" w="med" len="med"/>
+          </a:ln>
+        </p:spPr>
+      </p:cxnSp>
+      <p:cxnSp>
+        <p:nvCxnSpPr>
+          <p:cNvPr id="308" name="Shape 308"/>
+          <p:cNvCxnSpPr/>
+          <p:nvPr/>
+        </p:nvCxnSpPr>
+        <p:spPr>
+          <a:xfrm rot="10800000">
+            <a:off x="6965143" y="1839502"/>
+            <a:ext cx="437568" cy="8943"/>
+          </a:xfrm>
+          <a:prstGeom prst="straightConnector1">
+            <a:avLst/>
+          </a:prstGeom>
+          <a:noFill/>
+          <a:ln w="76200" cap="rnd" cmpd="sng">
+            <a:solidFill>
+              <a:srgbClr val="1155CC"/>
+            </a:solidFill>
+            <a:prstDash val="solid"/>
+            <a:miter/>
+            <a:headEnd type="none" w="med" len="med"/>
+            <a:tailEnd type="none" w="med" len="med"/>
+          </a:ln>
+        </p:spPr>
+      </p:cxnSp>
+      <p:cxnSp>
+        <p:nvCxnSpPr>
+          <p:cNvPr id="309" name="Shape 309"/>
+          <p:cNvCxnSpPr/>
+          <p:nvPr/>
+        </p:nvCxnSpPr>
+        <p:spPr>
+          <a:xfrm rot="10800000">
+            <a:off x="7419677" y="1839530"/>
+            <a:ext cx="0" cy="2648531"/>
+          </a:xfrm>
+          <a:prstGeom prst="straightConnector1">
+            <a:avLst/>
+          </a:prstGeom>
+          <a:noFill/>
+          <a:ln w="76200" cap="rnd" cmpd="sng">
+            <a:solidFill>
+              <a:srgbClr val="1155CC"/>
+            </a:solidFill>
+            <a:prstDash val="solid"/>
+            <a:miter/>
+            <a:headEnd type="none" w="med" len="med"/>
+            <a:tailEnd type="none" w="med" len="med"/>
+          </a:ln>
+        </p:spPr>
+      </p:cxnSp>
+      <p:cxnSp>
+        <p:nvCxnSpPr>
+          <p:cNvPr id="310" name="Shape 310"/>
+          <p:cNvCxnSpPr/>
+          <p:nvPr/>
+        </p:nvCxnSpPr>
+        <p:spPr>
+          <a:xfrm>
+            <a:off x="6162377" y="4463950"/>
+            <a:ext cx="1230525" cy="8100"/>
+          </a:xfrm>
+          <a:prstGeom prst="straightConnector1">
+            <a:avLst/>
+          </a:prstGeom>
+          <a:noFill/>
+          <a:ln w="76200" cap="rnd" cmpd="sng">
+            <a:solidFill>
+              <a:srgbClr val="1155CC"/>
+            </a:solidFill>
+            <a:prstDash val="solid"/>
+            <a:miter/>
+            <a:headEnd type="none" w="med" len="med"/>
+            <a:tailEnd type="none" w="med" len="med"/>
+          </a:ln>
+        </p:spPr>
+      </p:cxnSp>
+      <p:cxnSp>
+        <p:nvCxnSpPr>
+          <p:cNvPr id="311" name="Shape 311"/>
+          <p:cNvCxnSpPr/>
+          <p:nvPr/>
+        </p:nvCxnSpPr>
+        <p:spPr>
+          <a:xfrm flipH="1">
+            <a:off x="5200636" y="1848445"/>
+            <a:ext cx="223256" cy="1856"/>
+          </a:xfrm>
+          <a:prstGeom prst="straightConnector1">
+            <a:avLst/>
+          </a:prstGeom>
+          <a:noFill/>
+          <a:ln w="76200" cap="rnd" cmpd="sng">
+            <a:solidFill>
+              <a:srgbClr val="1155CC"/>
+            </a:solidFill>
+            <a:prstDash val="solid"/>
+            <a:miter/>
+            <a:headEnd type="none" w="med" len="med"/>
+            <a:tailEnd type="stealth" w="med" len="med"/>
+          </a:ln>
+        </p:spPr>
+      </p:cxnSp>
+      <p:cxnSp>
+        <p:nvCxnSpPr>
+          <p:cNvPr id="312" name="Shape 312"/>
+          <p:cNvCxnSpPr/>
+          <p:nvPr/>
+        </p:nvCxnSpPr>
+        <p:spPr>
+          <a:xfrm rot="10800000" flipH="1">
+            <a:off x="6155233" y="4732804"/>
+            <a:ext cx="8943" cy="362475"/>
+          </a:xfrm>
+          <a:prstGeom prst="straightConnector1">
+            <a:avLst/>
+          </a:prstGeom>
+          <a:noFill/>
+          <a:ln w="76200" cap="rnd" cmpd="sng">
+            <a:solidFill>
+              <a:srgbClr val="1155CC"/>
+            </a:solidFill>
+            <a:prstDash val="solid"/>
+            <a:miter/>
+            <a:headEnd type="stealth" w="med" len="med"/>
+            <a:tailEnd type="none" w="med" len="med"/>
+          </a:ln>
+        </p:spPr>
+      </p:cxnSp>
+      <p:cxnSp>
+        <p:nvCxnSpPr>
+          <p:cNvPr id="313" name="Shape 313"/>
+          <p:cNvCxnSpPr/>
+          <p:nvPr/>
+        </p:nvCxnSpPr>
+        <p:spPr>
+          <a:xfrm rot="10800000" flipH="1">
+            <a:off x="5176539" y="1843094"/>
+            <a:ext cx="33075" cy="2899462"/>
+          </a:xfrm>
+          <a:prstGeom prst="straightConnector1">
+            <a:avLst/>
+          </a:prstGeom>
+          <a:noFill/>
+          <a:ln w="76200" cap="rnd" cmpd="sng">
+            <a:solidFill>
+              <a:srgbClr val="1155CC"/>
+            </a:solidFill>
+            <a:prstDash val="solid"/>
+            <a:miter/>
+            <a:headEnd type="stealth" w="med" len="med"/>
+            <a:tailEnd type="none" w="med" len="med"/>
+          </a:ln>
+        </p:spPr>
+      </p:cxnSp>
+      <p:cxnSp>
+        <p:nvCxnSpPr>
+          <p:cNvPr id="314" name="Shape 314"/>
+          <p:cNvCxnSpPr/>
+          <p:nvPr/>
+        </p:nvCxnSpPr>
+        <p:spPr>
+          <a:xfrm>
+            <a:off x="5184084" y="4721738"/>
+            <a:ext cx="969300" cy="20756"/>
+          </a:xfrm>
+          <a:prstGeom prst="straightConnector1">
+            <a:avLst/>
+          </a:prstGeom>
+          <a:noFill/>
+          <a:ln w="76200" cap="rnd" cmpd="sng">
+            <a:solidFill>
+              <a:srgbClr val="1155CC"/>
+            </a:solidFill>
+            <a:prstDash val="solid"/>
+            <a:miter/>
+            <a:headEnd type="none" w="med" len="med"/>
+            <a:tailEnd type="none" w="med" len="med"/>
+          </a:ln>
+        </p:spPr>
+      </p:cxnSp>
+      <p:sp>
+        <p:nvSpPr>
+          <p:cNvPr id="315" name="Shape 315"/>
+          <p:cNvSpPr txBox="1"/>
+          <p:nvPr/>
+        </p:nvSpPr>
+        <p:spPr>
+          <a:xfrm>
+            <a:off x="4674713" y="1421607"/>
+            <a:ext cx="638381" cy="349987"/>
+          </a:xfrm>
+          <a:prstGeom prst="rect">
+            <a:avLst/>
+          </a:prstGeom>
+          <a:noFill/>
+          <a:ln>
+            <a:noFill/>
+          </a:ln>
+        </p:spPr>
+        <p:txBody>
+          <a:bodyPr lIns="0" tIns="0" rIns="0" bIns="0" anchor="ctr" anchorCtr="0">
+            <a:noAutofit/>
+          </a:bodyPr>
+          <a:lstStyle/>
+          <a:p>
+            <a:pPr algn="ctr">
+              <a:buClr>
+                <a:schemeClr val="lt1"/>
+              </a:buClr>
+              <a:buSzPct val="25000"/>
+            </a:pPr>
+            <a:r>
+              <a:rPr lang="en-US" sz="2025">
+                <a:solidFill>
+                  <a:schemeClr val="lt1"/>
+                </a:solidFill>
+                <a:latin typeface="Cabin"/>
+                <a:ea typeface="Cabin"/>
+                <a:cs typeface="Cabin"/>
+                <a:sym typeface="Cabin"/>
+              </a:rPr>
+              <a:t>Нет</a:t>
+            </a:r>
+          </a:p>
+        </p:txBody>
+      </p:sp>
+      <p:sp>
+        <p:nvSpPr>
+          <p:cNvPr id="316" name="Shape 316"/>
+          <p:cNvSpPr txBox="1"/>
+          <p:nvPr/>
+        </p:nvSpPr>
+        <p:spPr>
+          <a:xfrm>
+            <a:off x="5343525" y="5079207"/>
+            <a:ext cx="1643118" cy="421537"/>
+          </a:xfrm>
+          <a:prstGeom prst="rect">
+            <a:avLst/>
+          </a:prstGeom>
+          <a:solidFill>
+            <a:srgbClr val="0000FF"/>
+          </a:solidFill>
+          <a:ln>
+            <a:noFill/>
+          </a:ln>
+        </p:spPr>
+        <p:txBody>
+          <a:bodyPr lIns="0" tIns="0" rIns="0" bIns="0" anchor="ctr" anchorCtr="0">
+            <a:noAutofit/>
+          </a:bodyPr>
+          <a:lstStyle/>
+          <a:p>
+            <a:pPr algn="ctr">
+              <a:buClr>
+                <a:schemeClr val="lt1"/>
+              </a:buClr>
+              <a:buSzPct val="25000"/>
+            </a:pPr>
+            <a:r>
+              <a:rPr lang="en-US" sz="1969" dirty="0">
+                <a:solidFill>
+                  <a:schemeClr val="lt1"/>
+                </a:solidFill>
+                <a:latin typeface="Cabin"/>
+                <a:ea typeface="Cabin"/>
+                <a:cs typeface="Cabin"/>
+                <a:sym typeface="Cabin"/>
+              </a:rPr>
+              <a:t>print </a:t>
+            </a:r>
+            <a:r>
+              <a:rPr lang="en-US" sz="1969" dirty="0" smtClean="0">
+                <a:solidFill>
+                  <a:schemeClr val="lt1"/>
+                </a:solidFill>
+                <a:latin typeface="Cabin"/>
+                <a:ea typeface="Cabin"/>
+                <a:cs typeface="Cabin"/>
+                <a:sym typeface="Cabin"/>
+              </a:rPr>
+              <a:t>('Done‘)</a:t>
+            </a:r>
+            <a:endParaRPr lang="en-US" sz="1969" dirty="0">
+              <a:solidFill>
+                <a:schemeClr val="lt1"/>
+              </a:solidFill>
+              <a:latin typeface="Cabin"/>
+              <a:ea typeface="Cabin"/>
+              <a:cs typeface="Cabin"/>
+              <a:sym typeface="Cabin"/>
+            </a:endParaRPr>
+          </a:p>
+        </p:txBody>
+      </p:sp>
+      <p:sp>
+        <p:nvSpPr>
+          <p:cNvPr id="317" name="Shape 317"/>
+          <p:cNvSpPr txBox="1"/>
+          <p:nvPr/>
+        </p:nvSpPr>
+        <p:spPr>
+          <a:xfrm>
+            <a:off x="7221438" y="1421607"/>
+            <a:ext cx="408037" cy="349987"/>
+          </a:xfrm>
+          <a:prstGeom prst="rect">
+            <a:avLst/>
+          </a:prstGeom>
+          <a:noFill/>
+          <a:ln>
+            <a:noFill/>
+          </a:ln>
+        </p:spPr>
+        <p:txBody>
+          <a:bodyPr lIns="0" tIns="0" rIns="0" bIns="0" anchor="ctr" anchorCtr="0">
+            <a:noAutofit/>
+          </a:bodyPr>
+          <a:lstStyle/>
+          <a:p>
+            <a:pPr algn="ctr">
+              <a:buClr>
+                <a:schemeClr val="lt1"/>
+              </a:buClr>
+              <a:buSzPct val="25000"/>
+            </a:pPr>
+            <a:r>
+              <a:rPr lang="en-US" sz="2025">
+                <a:solidFill>
+                  <a:schemeClr val="lt1"/>
+                </a:solidFill>
+                <a:latin typeface="Cabin"/>
+                <a:ea typeface="Cabin"/>
+                <a:cs typeface="Cabin"/>
+                <a:sym typeface="Cabin"/>
+              </a:rPr>
+              <a:t>Да</a:t>
+            </a:r>
+          </a:p>
+        </p:txBody>
+      </p:sp>
+      <p:sp>
+        <p:nvSpPr>
+          <p:cNvPr id="318" name="Shape 318"/>
+          <p:cNvSpPr txBox="1"/>
+          <p:nvPr/>
+        </p:nvSpPr>
+        <p:spPr>
+          <a:xfrm>
+            <a:off x="6615113" y="2207419"/>
+            <a:ext cx="1643118" cy="421537"/>
+          </a:xfrm>
+          <a:prstGeom prst="rect">
+            <a:avLst/>
+          </a:prstGeom>
+          <a:solidFill>
+            <a:srgbClr val="0000FF"/>
+          </a:solidFill>
+          <a:ln>
+            <a:noFill/>
+          </a:ln>
+        </p:spPr>
+        <p:txBody>
+          <a:bodyPr lIns="0" tIns="0" rIns="0" bIns="0" anchor="ctr" anchorCtr="0">
+            <a:noAutofit/>
+          </a:bodyPr>
+          <a:lstStyle/>
+          <a:p>
+            <a:pPr algn="ctr">
+              <a:buClr>
+                <a:schemeClr val="lt1"/>
+              </a:buClr>
+              <a:buSzPct val="25000"/>
+            </a:pPr>
+            <a:r>
+              <a:rPr lang="en-US" sz="1969">
+                <a:solidFill>
+                  <a:schemeClr val="lt1"/>
+                </a:solidFill>
+                <a:latin typeface="Cabin"/>
+                <a:ea typeface="Cabin"/>
+                <a:cs typeface="Cabin"/>
+                <a:sym typeface="Cabin"/>
+              </a:rPr>
+              <a:t>....</a:t>
+            </a:r>
+          </a:p>
+        </p:txBody>
+      </p:sp>
+      <p:sp>
+        <p:nvSpPr>
+          <p:cNvPr id="319" name="Shape 319"/>
+          <p:cNvSpPr txBox="1"/>
+          <p:nvPr/>
+        </p:nvSpPr>
+        <p:spPr>
+          <a:xfrm>
+            <a:off x="6586538" y="3864769"/>
+            <a:ext cx="1643118" cy="421537"/>
+          </a:xfrm>
+          <a:prstGeom prst="rect">
+            <a:avLst/>
+          </a:prstGeom>
+          <a:solidFill>
+            <a:srgbClr val="0000FF"/>
+          </a:solidFill>
+          <a:ln>
+            <a:noFill/>
+          </a:ln>
+        </p:spPr>
+        <p:txBody>
+          <a:bodyPr lIns="0" tIns="0" rIns="0" bIns="0" anchor="ctr" anchorCtr="0">
+            <a:noAutofit/>
+          </a:bodyPr>
+          <a:lstStyle/>
+          <a:p>
+            <a:pPr algn="ctr">
+              <a:buClr>
+                <a:schemeClr val="lt1"/>
+              </a:buClr>
+              <a:buSzPct val="25000"/>
+            </a:pPr>
+            <a:r>
+              <a:rPr lang="en-US" sz="1969">
+                <a:solidFill>
+                  <a:schemeClr val="lt1"/>
+                </a:solidFill>
+                <a:latin typeface="Cabin"/>
+                <a:ea typeface="Cabin"/>
+                <a:cs typeface="Cabin"/>
+                <a:sym typeface="Cabin"/>
+              </a:rPr>
+              <a:t>...</a:t>
+            </a:r>
+          </a:p>
+        </p:txBody>
+      </p:sp>
+      <p:cxnSp>
+        <p:nvCxnSpPr>
+          <p:cNvPr id="320" name="Shape 320"/>
+          <p:cNvCxnSpPr/>
+          <p:nvPr/>
+        </p:nvCxnSpPr>
+        <p:spPr>
+          <a:xfrm rot="10800000">
+            <a:off x="8334021" y="3446838"/>
+            <a:ext cx="571556" cy="838518"/>
+          </a:xfrm>
+          <a:prstGeom prst="straightConnector1">
+            <a:avLst/>
+          </a:prstGeom>
+          <a:noFill/>
+          <a:ln w="76200" cap="rnd" cmpd="sng">
+            <a:solidFill>
+              <a:schemeClr val="accent1"/>
+            </a:solidFill>
+            <a:prstDash val="solid"/>
+            <a:miter/>
+            <a:headEnd type="stealth" w="med" len="med"/>
+            <a:tailEnd type="none" w="med" len="med"/>
+          </a:ln>
+        </p:spPr>
+      </p:cxnSp>
+      <p:cxnSp>
+        <p:nvCxnSpPr>
+          <p:cNvPr id="321" name="Shape 321"/>
+          <p:cNvCxnSpPr/>
+          <p:nvPr/>
+        </p:nvCxnSpPr>
+        <p:spPr>
+          <a:xfrm rot="10800000" flipH="1">
+            <a:off x="6723161" y="4271125"/>
+            <a:ext cx="2165400" cy="757181"/>
+          </a:xfrm>
+          <a:prstGeom prst="straightConnector1">
+            <a:avLst/>
+          </a:prstGeom>
+          <a:noFill/>
+          <a:ln w="76200" cap="rnd" cmpd="sng">
+            <a:solidFill>
+              <a:schemeClr val="accent1"/>
+            </a:solidFill>
+            <a:prstDash val="solid"/>
+            <a:miter/>
+            <a:headEnd type="stealth" w="med" len="med"/>
+            <a:tailEnd type="none" w="med" len="med"/>
+          </a:ln>
+        </p:spPr>
+      </p:cxnSp>
+      <p:sp>
+        <p:nvSpPr>
+          <p:cNvPr id="322" name="Shape 322"/>
+          <p:cNvSpPr txBox="1"/>
+          <p:nvPr/>
+        </p:nvSpPr>
+        <p:spPr>
+          <a:xfrm>
+            <a:off x="995687" y="2617581"/>
+            <a:ext cx="3688875" cy="1869919"/>
+          </a:xfrm>
+          <a:prstGeom prst="rect">
+            <a:avLst/>
+          </a:prstGeom>
+          <a:noFill/>
+          <a:ln>
+            <a:noFill/>
+          </a:ln>
+        </p:spPr>
+        <p:txBody>
+          <a:bodyPr lIns="0" tIns="0" rIns="0" bIns="0" anchor="ctr" anchorCtr="0">
+            <a:noAutofit/>
+          </a:bodyPr>
+          <a:lstStyle/>
+          <a:p>
+            <a:pPr>
+              <a:buClr>
+                <a:srgbClr val="FFFF00"/>
+              </a:buClr>
+              <a:buSzPct val="25000"/>
+            </a:pPr>
+            <a:r>
+              <a:rPr lang="en-US" sz="1688" dirty="0">
+                <a:latin typeface="Courier New"/>
+                <a:ea typeface="Courier New"/>
+                <a:cs typeface="Courier New"/>
+                <a:sym typeface="Courier New"/>
+              </a:rPr>
+              <a:t>while</a:t>
+            </a:r>
+            <a:r>
+              <a:rPr lang="en-US" sz="1688" dirty="0">
+                <a:solidFill>
+                  <a:schemeClr val="lt1"/>
+                </a:solidFill>
+                <a:latin typeface="Courier New"/>
+                <a:ea typeface="Courier New"/>
+                <a:cs typeface="Courier New"/>
+                <a:sym typeface="Courier New"/>
+              </a:rPr>
+              <a:t> </a:t>
+            </a:r>
+            <a:r>
+              <a:rPr lang="en-US" sz="1688" dirty="0" smtClean="0">
+                <a:solidFill>
+                  <a:srgbClr val="FF7F00"/>
+                </a:solidFill>
+                <a:latin typeface="Courier New"/>
+                <a:ea typeface="Courier New"/>
+                <a:cs typeface="Courier New"/>
+                <a:sym typeface="Courier New"/>
+              </a:rPr>
+              <a:t>True </a:t>
+            </a:r>
+            <a:r>
+              <a:rPr lang="en-US" sz="1688" dirty="0" smtClean="0">
+                <a:latin typeface="Courier New"/>
+                <a:ea typeface="Courier New"/>
+                <a:cs typeface="Courier New"/>
+                <a:sym typeface="Courier New"/>
+              </a:rPr>
+              <a:t>:</a:t>
+            </a:r>
+            <a:endParaRPr lang="en-US" sz="1688" dirty="0">
+              <a:latin typeface="Courier New"/>
+              <a:ea typeface="Courier New"/>
+              <a:cs typeface="Courier New"/>
+              <a:sym typeface="Courier New"/>
+            </a:endParaRPr>
+          </a:p>
+          <a:p>
+            <a:pPr>
+              <a:buClr>
+                <a:schemeClr val="lt1"/>
+              </a:buClr>
+              <a:buSzPct val="25000"/>
+            </a:pPr>
+            <a:r>
+              <a:rPr lang="en-US" sz="1688" dirty="0">
+                <a:solidFill>
+                  <a:schemeClr val="lt1"/>
+                </a:solidFill>
+                <a:latin typeface="Courier New"/>
+                <a:ea typeface="Courier New"/>
+                <a:cs typeface="Courier New"/>
+                <a:sym typeface="Courier New"/>
+              </a:rPr>
+              <a:t>    </a:t>
+            </a:r>
+            <a:r>
+              <a:rPr lang="en-US" sz="1688" dirty="0">
+                <a:solidFill>
+                  <a:srgbClr val="00FF00"/>
+                </a:solidFill>
+                <a:latin typeface="Courier New"/>
+                <a:ea typeface="Courier New"/>
+                <a:cs typeface="Courier New"/>
+                <a:sym typeface="Courier New"/>
+              </a:rPr>
+              <a:t>line</a:t>
+            </a:r>
+            <a:r>
+              <a:rPr lang="en-US" sz="1688" dirty="0">
+                <a:solidFill>
+                  <a:schemeClr val="lt1"/>
+                </a:solidFill>
+                <a:latin typeface="Courier New"/>
+                <a:ea typeface="Courier New"/>
+                <a:cs typeface="Courier New"/>
+                <a:sym typeface="Courier New"/>
+              </a:rPr>
+              <a:t> </a:t>
+            </a:r>
+            <a:r>
+              <a:rPr lang="en-US" sz="1688" dirty="0">
+                <a:solidFill>
+                  <a:srgbClr val="00FFFF"/>
+                </a:solidFill>
+                <a:latin typeface="Courier New"/>
+                <a:ea typeface="Courier New"/>
+                <a:cs typeface="Courier New"/>
+                <a:sym typeface="Courier New"/>
+              </a:rPr>
+              <a:t>=</a:t>
+            </a:r>
+            <a:r>
+              <a:rPr lang="en-US" sz="1688" dirty="0">
+                <a:solidFill>
+                  <a:schemeClr val="lt1"/>
+                </a:solidFill>
+                <a:latin typeface="Courier New"/>
+                <a:ea typeface="Courier New"/>
+                <a:cs typeface="Courier New"/>
+                <a:sym typeface="Courier New"/>
+              </a:rPr>
+              <a:t> </a:t>
+            </a:r>
+            <a:r>
+              <a:rPr lang="en-US" sz="1688" dirty="0" smtClean="0">
+                <a:solidFill>
+                  <a:srgbClr val="FF00FF"/>
+                </a:solidFill>
+                <a:latin typeface="Courier New"/>
+                <a:ea typeface="Courier New"/>
+                <a:cs typeface="Courier New"/>
+                <a:sym typeface="Courier New"/>
+              </a:rPr>
+              <a:t>input</a:t>
+            </a:r>
+            <a:r>
+              <a:rPr lang="en-US" sz="1688" dirty="0">
+                <a:latin typeface="Courier New"/>
+                <a:ea typeface="Courier New"/>
+                <a:cs typeface="Courier New"/>
+                <a:sym typeface="Courier New"/>
+              </a:rPr>
+              <a:t>(</a:t>
+            </a:r>
+            <a:r>
+              <a:rPr lang="en-US" sz="1688" dirty="0">
+                <a:solidFill>
+                  <a:srgbClr val="FF7F00"/>
+                </a:solidFill>
+                <a:latin typeface="Courier New"/>
+                <a:ea typeface="Courier New"/>
+                <a:cs typeface="Courier New"/>
+                <a:sym typeface="Courier New"/>
+              </a:rPr>
+              <a:t>'&gt; '</a:t>
+            </a:r>
+            <a:r>
+              <a:rPr lang="en-US" sz="1688" dirty="0">
+                <a:latin typeface="Courier New"/>
+                <a:ea typeface="Courier New"/>
+                <a:cs typeface="Courier New"/>
+                <a:sym typeface="Courier New"/>
+              </a:rPr>
+              <a:t>)</a:t>
+            </a:r>
+          </a:p>
+          <a:p>
+            <a:pPr>
+              <a:buClr>
+                <a:schemeClr val="lt1"/>
+              </a:buClr>
+              <a:buSzPct val="25000"/>
+            </a:pPr>
+            <a:r>
+              <a:rPr lang="en-US" sz="1688" dirty="0">
+                <a:solidFill>
+                  <a:schemeClr val="lt1"/>
+                </a:solidFill>
+                <a:latin typeface="Courier New"/>
+                <a:ea typeface="Courier New"/>
+                <a:cs typeface="Courier New"/>
+                <a:sym typeface="Courier New"/>
+              </a:rPr>
+              <a:t>    </a:t>
+            </a:r>
+            <a:r>
+              <a:rPr lang="en-US" sz="1688" dirty="0">
+                <a:latin typeface="Courier New"/>
+                <a:ea typeface="Courier New"/>
+                <a:cs typeface="Courier New"/>
+                <a:sym typeface="Courier New"/>
+              </a:rPr>
+              <a:t>if</a:t>
+            </a:r>
+            <a:r>
+              <a:rPr lang="en-US" sz="1688" dirty="0">
+                <a:solidFill>
+                  <a:srgbClr val="FFFF00"/>
+                </a:solidFill>
+                <a:latin typeface="Courier New"/>
+                <a:ea typeface="Courier New"/>
+                <a:cs typeface="Courier New"/>
+                <a:sym typeface="Courier New"/>
+              </a:rPr>
+              <a:t> </a:t>
+            </a:r>
+            <a:r>
+              <a:rPr lang="en-US" sz="1688" dirty="0">
+                <a:solidFill>
+                  <a:srgbClr val="00FF00"/>
+                </a:solidFill>
+                <a:latin typeface="Courier New"/>
+                <a:ea typeface="Courier New"/>
+                <a:cs typeface="Courier New"/>
+                <a:sym typeface="Courier New"/>
+              </a:rPr>
+              <a:t>line</a:t>
+            </a:r>
+            <a:r>
+              <a:rPr lang="en-US" sz="1688" dirty="0">
+                <a:solidFill>
+                  <a:schemeClr val="lt1"/>
+                </a:solidFill>
+                <a:latin typeface="Courier New"/>
+                <a:ea typeface="Courier New"/>
+                <a:cs typeface="Courier New"/>
+                <a:sym typeface="Courier New"/>
+              </a:rPr>
+              <a:t> </a:t>
+            </a:r>
+            <a:r>
+              <a:rPr lang="en-US" sz="1688" dirty="0">
+                <a:solidFill>
+                  <a:srgbClr val="FF7F00"/>
+                </a:solidFill>
+                <a:latin typeface="Courier New"/>
+                <a:ea typeface="Courier New"/>
+                <a:cs typeface="Courier New"/>
+                <a:sym typeface="Courier New"/>
+              </a:rPr>
+              <a:t>==</a:t>
+            </a:r>
+            <a:r>
+              <a:rPr lang="en-US" sz="1688" dirty="0">
+                <a:solidFill>
+                  <a:schemeClr val="lt1"/>
+                </a:solidFill>
+                <a:latin typeface="Courier New"/>
+                <a:ea typeface="Courier New"/>
+                <a:cs typeface="Courier New"/>
+                <a:sym typeface="Courier New"/>
+              </a:rPr>
+              <a:t> </a:t>
+            </a:r>
+            <a:r>
+              <a:rPr lang="en-US" sz="1688" dirty="0">
+                <a:solidFill>
+                  <a:srgbClr val="FF7F00"/>
+                </a:solidFill>
+                <a:latin typeface="Courier New"/>
+                <a:ea typeface="Courier New"/>
+                <a:cs typeface="Courier New"/>
+                <a:sym typeface="Courier New"/>
+              </a:rPr>
+              <a:t>'done'</a:t>
+            </a:r>
+            <a:r>
+              <a:rPr lang="en-US" sz="1688" dirty="0">
+                <a:latin typeface="Courier New"/>
+                <a:ea typeface="Courier New"/>
+                <a:cs typeface="Courier New"/>
+                <a:sym typeface="Courier New"/>
+              </a:rPr>
+              <a:t> :</a:t>
+            </a:r>
+            <a:r>
+              <a:rPr lang="en-US" sz="1688" dirty="0">
+                <a:solidFill>
+                  <a:schemeClr val="lt1"/>
+                </a:solidFill>
+                <a:latin typeface="Courier New"/>
+                <a:ea typeface="Courier New"/>
+                <a:cs typeface="Courier New"/>
+                <a:sym typeface="Courier New"/>
+              </a:rPr>
+              <a:t> </a:t>
+            </a:r>
+          </a:p>
+          <a:p>
+            <a:pPr>
+              <a:buClr>
+                <a:schemeClr val="lt1"/>
+              </a:buClr>
+              <a:buSzPct val="25000"/>
+            </a:pPr>
+            <a:r>
+              <a:rPr lang="en-US" sz="1688" dirty="0">
+                <a:solidFill>
+                  <a:schemeClr val="lt1"/>
+                </a:solidFill>
+                <a:latin typeface="Courier New"/>
+                <a:ea typeface="Courier New"/>
+                <a:cs typeface="Courier New"/>
+                <a:sym typeface="Courier New"/>
+              </a:rPr>
+              <a:t>       </a:t>
+            </a:r>
+            <a:r>
+              <a:rPr lang="en-US" sz="1688" dirty="0">
+                <a:latin typeface="Courier New"/>
+                <a:ea typeface="Courier New"/>
+                <a:cs typeface="Courier New"/>
+                <a:sym typeface="Courier New"/>
+              </a:rPr>
+              <a:t>break</a:t>
+            </a:r>
+          </a:p>
+          <a:p>
+            <a:pPr>
+              <a:buClr>
+                <a:schemeClr val="lt1"/>
+              </a:buClr>
+              <a:buSzPct val="25000"/>
+            </a:pPr>
+            <a:r>
+              <a:rPr lang="en-US" sz="1688" dirty="0">
+                <a:solidFill>
+                  <a:schemeClr val="lt1"/>
+                </a:solidFill>
+                <a:latin typeface="Courier New"/>
+                <a:ea typeface="Courier New"/>
+                <a:cs typeface="Courier New"/>
+                <a:sym typeface="Courier New"/>
+              </a:rPr>
+              <a:t>    </a:t>
+            </a:r>
+            <a:r>
+              <a:rPr lang="en-US" sz="1688" dirty="0" smtClean="0">
+                <a:latin typeface="Courier New"/>
+                <a:ea typeface="Courier New"/>
+                <a:cs typeface="Courier New"/>
+                <a:sym typeface="Courier New"/>
+              </a:rPr>
+              <a:t>print(</a:t>
+            </a:r>
+            <a:r>
+              <a:rPr lang="en-US" sz="1688" dirty="0" smtClean="0">
+                <a:solidFill>
+                  <a:srgbClr val="00FF00"/>
+                </a:solidFill>
+                <a:latin typeface="Courier New"/>
+                <a:ea typeface="Courier New"/>
+                <a:cs typeface="Courier New"/>
+                <a:sym typeface="Courier New"/>
+              </a:rPr>
+              <a:t>line</a:t>
+            </a:r>
+            <a:r>
+              <a:rPr lang="en-US" sz="1688" dirty="0">
+                <a:latin typeface="Courier New"/>
+                <a:ea typeface="Courier New"/>
+                <a:cs typeface="Courier New"/>
+                <a:sym typeface="Courier New"/>
+              </a:rPr>
+              <a:t>)</a:t>
+            </a:r>
+            <a:endParaRPr lang="en-US" sz="1688" dirty="0">
+              <a:solidFill>
+                <a:srgbClr val="00FF00"/>
+              </a:solidFill>
+              <a:latin typeface="Courier New"/>
+              <a:ea typeface="Courier New"/>
+              <a:cs typeface="Courier New"/>
+              <a:sym typeface="Courier New"/>
+            </a:endParaRPr>
+          </a:p>
+          <a:p>
+            <a:pPr>
+              <a:buClr>
+                <a:srgbClr val="FFFF00"/>
+              </a:buClr>
+              <a:buSzPct val="25000"/>
+            </a:pPr>
+            <a:r>
+              <a:rPr lang="en-US" sz="1688" dirty="0" smtClean="0">
+                <a:latin typeface="Courier New"/>
+                <a:ea typeface="Courier New"/>
+                <a:cs typeface="Courier New"/>
+                <a:sym typeface="Courier New"/>
+              </a:rPr>
+              <a:t>print(</a:t>
+            </a:r>
+            <a:r>
+              <a:rPr lang="en-US" sz="1688" dirty="0" smtClean="0">
+                <a:solidFill>
+                  <a:srgbClr val="FF7F00"/>
+                </a:solidFill>
+                <a:latin typeface="Courier New"/>
+                <a:ea typeface="Courier New"/>
+                <a:cs typeface="Courier New"/>
+                <a:sym typeface="Courier New"/>
+              </a:rPr>
+              <a:t>'Done!'</a:t>
+            </a:r>
+            <a:r>
+              <a:rPr lang="en-US" sz="1688" dirty="0">
+                <a:latin typeface="Courier New"/>
+                <a:ea typeface="Courier New"/>
+                <a:cs typeface="Courier New"/>
+                <a:sym typeface="Courier New"/>
+              </a:rPr>
+              <a:t>)</a:t>
+            </a:r>
+            <a:endParaRPr lang="en-US" sz="1688" dirty="0">
+              <a:solidFill>
+                <a:srgbClr val="FF7F00"/>
+              </a:solidFill>
+              <a:latin typeface="Courier New"/>
+              <a:ea typeface="Courier New"/>
+              <a:cs typeface="Courier New"/>
+              <a:sym typeface="Courier New"/>
+            </a:endParaRPr>
+          </a:p>
+        </p:txBody>
+      </p:sp>
+      <p:cxnSp>
+        <p:nvCxnSpPr>
+          <p:cNvPr id="323" name="Shape 323"/>
+          <p:cNvCxnSpPr/>
+          <p:nvPr/>
+        </p:nvCxnSpPr>
+        <p:spPr>
+          <a:xfrm rot="10800000">
+            <a:off x="751730" y="3916267"/>
+            <a:ext cx="196256" cy="306281"/>
+          </a:xfrm>
+          <a:prstGeom prst="straightConnector1">
+            <a:avLst/>
+          </a:prstGeom>
+          <a:noFill/>
+          <a:ln w="50800" cap="rnd" cmpd="sng">
+            <a:solidFill>
+              <a:schemeClr val="accent1"/>
+            </a:solidFill>
+            <a:prstDash val="solid"/>
+            <a:miter/>
+            <a:headEnd type="stealth" w="med" len="med"/>
+            <a:tailEnd type="none" w="med" len="med"/>
+          </a:ln>
+        </p:spPr>
+      </p:cxnSp>
+      <p:cxnSp>
+        <p:nvCxnSpPr>
+          <p:cNvPr id="324" name="Shape 324"/>
+          <p:cNvCxnSpPr/>
+          <p:nvPr/>
+        </p:nvCxnSpPr>
+        <p:spPr>
+          <a:xfrm rot="10800000" flipH="1">
+            <a:off x="748074" y="3680622"/>
+            <a:ext cx="1005244" cy="212118"/>
+          </a:xfrm>
+          <a:prstGeom prst="straightConnector1">
+            <a:avLst/>
+          </a:prstGeom>
+          <a:noFill/>
+          <a:ln w="50800" cap="rnd" cmpd="sng">
+            <a:solidFill>
+              <a:schemeClr val="accent1"/>
+            </a:solidFill>
+            <a:prstDash val="solid"/>
+            <a:miter/>
+            <a:headEnd type="stealth" w="med" len="med"/>
+            <a:tailEnd type="none" w="med" len="med"/>
+          </a:ln>
+        </p:spPr>
+      </p:cxnSp>
+      <p:cxnSp>
+        <p:nvCxnSpPr>
+          <p:cNvPr id="325" name="Shape 325"/>
+          <p:cNvCxnSpPr/>
+          <p:nvPr/>
+        </p:nvCxnSpPr>
+        <p:spPr>
+          <a:xfrm rot="10800000">
+            <a:off x="7430315" y="2649452"/>
+            <a:ext cx="788568" cy="462544"/>
+          </a:xfrm>
+          <a:prstGeom prst="straightConnector1">
+            <a:avLst/>
+          </a:prstGeom>
+          <a:noFill/>
+          <a:ln w="76200" cap="rnd" cmpd="sng">
+            <a:solidFill>
+              <a:srgbClr val="1155CC"/>
+            </a:solidFill>
+            <a:prstDash val="solid"/>
+            <a:miter/>
+            <a:headEnd type="none" w="med" len="med"/>
+            <a:tailEnd type="none" w="med" len="med"/>
+          </a:ln>
+        </p:spPr>
+      </p:cxnSp>
+      <p:sp>
+        <p:nvSpPr>
+          <p:cNvPr id="328" name="Shape 328"/>
+          <p:cNvSpPr txBox="1"/>
+          <p:nvPr/>
+        </p:nvSpPr>
+        <p:spPr>
+          <a:xfrm>
+            <a:off x="7686675" y="3036094"/>
+            <a:ext cx="1228669" cy="421537"/>
+          </a:xfrm>
+          <a:prstGeom prst="rect">
+            <a:avLst/>
+          </a:prstGeom>
+          <a:solidFill>
+            <a:srgbClr val="0000FF"/>
+          </a:solidFill>
+          <a:ln>
+            <a:noFill/>
+          </a:ln>
+        </p:spPr>
+        <p:txBody>
+          <a:bodyPr lIns="0" tIns="0" rIns="0" bIns="0" anchor="ctr" anchorCtr="0">
+            <a:noAutofit/>
+          </a:bodyPr>
+          <a:lstStyle/>
+          <a:p>
+            <a:pPr algn="ctr">
+              <a:buClr>
+                <a:schemeClr val="lt1"/>
+              </a:buClr>
+              <a:buSzPct val="25000"/>
+            </a:pPr>
+            <a:r>
+              <a:rPr lang="en-US" sz="1969">
+                <a:solidFill>
+                  <a:schemeClr val="lt1"/>
+                </a:solidFill>
+                <a:latin typeface="Cabin"/>
+                <a:ea typeface="Cabin"/>
+                <a:cs typeface="Cabin"/>
+                <a:sym typeface="Cabin"/>
+              </a:rPr>
+              <a:t>break</a:t>
+            </a:r>
+          </a:p>
+        </p:txBody>
+      </p:sp>
+    </p:spTree>
+    <p:extLst>
+      <p:ext uri="{BB962C8B-B14F-4D97-AF65-F5344CB8AC3E}">
+        <p14:creationId xmlns:p14="http://schemas.microsoft.com/office/powerpoint/2010/main" val="2334834089"/>
+      </p:ext>
+    </p:extLst>
+  </p:cSld>
+  <p:clrMapOvr>
+    <a:masterClrMapping/>
+  </p:clrMapOvr>
+  <p:timing>
+    <p:tnLst>
+      <p:par>
+        <p:cTn id="1" dur="indefinite" restart="never" nodeType="tmRoot"/>
+      </p:par>
+    </p:tnLst>
+  </p:timing>
+</p:sld>
+</file>
+
+<file path=ppt/slides/slide11.xml><?xml version="1.0" encoding="utf-8"?>
+<p:sld xmlns:a="http://schemas.openxmlformats.org/drawingml/2006/main" xmlns:r="http://schemas.openxmlformats.org/officeDocument/2006/relationships" xmlns:p="http://schemas.openxmlformats.org/presentationml/2006/main">
+  <p:cSld>
+    <p:spTree>
+      <p:nvGrpSpPr>
         <p:cNvPr id="1" name="Shape 332"/>
         <p:cNvGrpSpPr/>
         <p:nvPr/>
@@ -6554,7 +7770,7 @@
 </p:sld>
 </file>
 
-<file path=ppt/slides/slide11.xml><?xml version="1.0" encoding="utf-8"?>
+<file path=ppt/slides/slide12.xml><?xml version="1.0" encoding="utf-8"?>
 <p:sld xmlns:a="http://schemas.openxmlformats.org/drawingml/2006/main" xmlns:r="http://schemas.openxmlformats.org/officeDocument/2006/relationships" xmlns:p="http://schemas.openxmlformats.org/presentationml/2006/main">
   <p:cSld>
     <p:spTree>
@@ -7833,7 +9049,7 @@
 </p:sld>
 </file>
 
-<file path=ppt/slides/slide12.xml><?xml version="1.0" encoding="utf-8"?>
+<file path=ppt/slides/slide13.xml><?xml version="1.0" encoding="utf-8"?>
 <p:sld xmlns:a="http://schemas.openxmlformats.org/drawingml/2006/main" xmlns:r="http://schemas.openxmlformats.org/officeDocument/2006/relationships" xmlns:p="http://schemas.openxmlformats.org/presentationml/2006/main">
   <p:cSld>
     <p:spTree>
@@ -9157,7 +10373,7 @@
 </p:sld>
 </file>
 
-<file path=ppt/slides/slide13.xml><?xml version="1.0" encoding="utf-8"?>
+<file path=ppt/slides/slide14.xml><?xml version="1.0" encoding="utf-8"?>
 <p:sld xmlns:a="http://schemas.openxmlformats.org/drawingml/2006/main" xmlns:r="http://schemas.openxmlformats.org/officeDocument/2006/relationships" xmlns:p="http://schemas.openxmlformats.org/presentationml/2006/main">
   <p:cSld>
     <p:spTree>
@@ -9285,7 +10501,7 @@
 </p:sld>
 </file>
 
-<file path=ppt/slides/slide14.xml><?xml version="1.0" encoding="utf-8"?>
+<file path=ppt/slides/slide15.xml><?xml version="1.0" encoding="utf-8"?>
 <p:sld xmlns:a="http://schemas.openxmlformats.org/drawingml/2006/main" xmlns:r="http://schemas.openxmlformats.org/officeDocument/2006/relationships" xmlns:p="http://schemas.openxmlformats.org/presentationml/2006/main">
   <p:cSld>
     <p:spTree>
@@ -9894,7 +11110,7 @@
 </p:sld>
 </file>
 
-<file path=ppt/slides/slide15.xml><?xml version="1.0" encoding="utf-8"?>
+<file path=ppt/slides/slide16.xml><?xml version="1.0" encoding="utf-8"?>
 <p:sld xmlns:a="http://schemas.openxmlformats.org/drawingml/2006/main" xmlns:r="http://schemas.openxmlformats.org/officeDocument/2006/relationships" xmlns:p="http://schemas.openxmlformats.org/presentationml/2006/main">
   <p:cSld>
     <p:spTree>
@@ -10512,7 +11728,7 @@
 </p:sld>
 </file>
 
-<file path=ppt/slides/slide16.xml><?xml version="1.0" encoding="utf-8"?>
+<file path=ppt/slides/slide17.xml><?xml version="1.0" encoding="utf-8"?>
 <p:sld xmlns:a="http://schemas.openxmlformats.org/drawingml/2006/main" xmlns:r="http://schemas.openxmlformats.org/officeDocument/2006/relationships" xmlns:p="http://schemas.openxmlformats.org/presentationml/2006/main">
   <p:cSld>
     <p:spTree>
@@ -11070,7 +12286,7 @@
 </p:sld>
 </file>
 
-<file path=ppt/slides/slide17.xml><?xml version="1.0" encoding="utf-8"?>
+<file path=ppt/slides/slide18.xml><?xml version="1.0" encoding="utf-8"?>
 <p:sld xmlns:a="http://schemas.openxmlformats.org/drawingml/2006/main" xmlns:r="http://schemas.openxmlformats.org/officeDocument/2006/relationships" xmlns:p="http://schemas.openxmlformats.org/presentationml/2006/main">
   <p:cSld>
     <p:spTree>
@@ -11406,7 +12622,7 @@
 </p:sld>
 </file>
 
-<file path=ppt/slides/slide18.xml><?xml version="1.0" encoding="utf-8"?>
+<file path=ppt/slides/slide19.xml><?xml version="1.0" encoding="utf-8"?>
 <p:sld xmlns:a="http://schemas.openxmlformats.org/drawingml/2006/main" xmlns:r="http://schemas.openxmlformats.org/officeDocument/2006/relationships" xmlns:p="http://schemas.openxmlformats.org/presentationml/2006/main">
   <p:cSld>
     <p:spTree>
@@ -12066,107 +13282,6 @@
     <p:extLst>
       <p:ext uri="{BB962C8B-B14F-4D97-AF65-F5344CB8AC3E}">
         <p14:creationId xmlns:p14="http://schemas.microsoft.com/office/powerpoint/2010/main" val="638381637"/>
-      </p:ext>
-    </p:extLst>
-  </p:cSld>
-  <p:clrMapOvr>
-    <a:masterClrMapping/>
-  </p:clrMapOvr>
-  <p:timing>
-    <p:tnLst>
-      <p:par>
-        <p:cTn id="1" dur="indefinite" restart="never" nodeType="tmRoot"/>
-      </p:par>
-    </p:tnLst>
-  </p:timing>
-</p:sld>
-</file>
-
-<file path=ppt/slides/slide19.xml><?xml version="1.0" encoding="utf-8"?>
-<p:sld xmlns:a="http://schemas.openxmlformats.org/drawingml/2006/main" xmlns:r="http://schemas.openxmlformats.org/officeDocument/2006/relationships" xmlns:p="http://schemas.openxmlformats.org/presentationml/2006/main">
-  <p:cSld>
-    <p:spTree>
-      <p:nvGrpSpPr>
-        <p:cNvPr id="1" name=""/>
-        <p:cNvGrpSpPr/>
-        <p:nvPr/>
-      </p:nvGrpSpPr>
-      <p:grpSpPr>
-        <a:xfrm>
-          <a:off x="0" y="0"/>
-          <a:ext cx="0" cy="0"/>
-          <a:chOff x="0" y="0"/>
-          <a:chExt cx="0" cy="0"/>
-        </a:xfrm>
-      </p:grpSpPr>
-      <p:sp>
-        <p:nvSpPr>
-          <p:cNvPr id="2" name="Заголовок 1"/>
-          <p:cNvSpPr>
-            <a:spLocks noGrp="1"/>
-          </p:cNvSpPr>
-          <p:nvPr>
-            <p:ph type="title"/>
-          </p:nvPr>
-        </p:nvSpPr>
-        <p:spPr/>
-        <p:txBody>
-          <a:bodyPr/>
-          <a:lstStyle/>
-          <a:p>
-            <a:r>
-              <a:rPr lang="ru-RU" dirty="0"/>
-              <a:t>Форматирование строк</a:t>
-            </a:r>
-          </a:p>
-        </p:txBody>
-      </p:sp>
-      <p:sp>
-        <p:nvSpPr>
-          <p:cNvPr id="3" name="Объект 2"/>
-          <p:cNvSpPr>
-            <a:spLocks noGrp="1"/>
-          </p:cNvSpPr>
-          <p:nvPr>
-            <p:ph idx="1"/>
-          </p:nvPr>
-        </p:nvSpPr>
-        <p:spPr/>
-        <p:txBody>
-          <a:bodyPr/>
-          <a:lstStyle/>
-          <a:p>
-            <a:endParaRPr lang="ru-RU" dirty="0"/>
-          </a:p>
-        </p:txBody>
-      </p:sp>
-      <p:pic>
-        <p:nvPicPr>
-          <p:cNvPr id="4" name="Рисунок 3"/>
-          <p:cNvPicPr>
-            <a:picLocks noChangeAspect="1"/>
-          </p:cNvPicPr>
-          <p:nvPr/>
-        </p:nvPicPr>
-        <p:blipFill rotWithShape="1">
-          <a:blip r:embed="rId2"/>
-          <a:srcRect l="38976" t="49300" r="16137" b="17801"/>
-          <a:stretch/>
-        </p:blipFill>
-        <p:spPr>
-          <a:xfrm>
-            <a:off x="236458" y="2026977"/>
-            <a:ext cx="8907542" cy="3672408"/>
-          </a:xfrm>
-          <a:prstGeom prst="rect">
-            <a:avLst/>
-          </a:prstGeom>
-        </p:spPr>
-      </p:pic>
-    </p:spTree>
-    <p:extLst>
-      <p:ext uri="{BB962C8B-B14F-4D97-AF65-F5344CB8AC3E}">
-        <p14:creationId xmlns:p14="http://schemas.microsoft.com/office/powerpoint/2010/main" val="552746190"/>
       </p:ext>
     </p:extLst>
   </p:cSld>
@@ -12360,6 +13475,107 @@
 </file>
 
 <file path=ppt/slides/slide20.xml><?xml version="1.0" encoding="utf-8"?>
+<p:sld xmlns:a="http://schemas.openxmlformats.org/drawingml/2006/main" xmlns:r="http://schemas.openxmlformats.org/officeDocument/2006/relationships" xmlns:p="http://schemas.openxmlformats.org/presentationml/2006/main">
+  <p:cSld>
+    <p:spTree>
+      <p:nvGrpSpPr>
+        <p:cNvPr id="1" name=""/>
+        <p:cNvGrpSpPr/>
+        <p:nvPr/>
+      </p:nvGrpSpPr>
+      <p:grpSpPr>
+        <a:xfrm>
+          <a:off x="0" y="0"/>
+          <a:ext cx="0" cy="0"/>
+          <a:chOff x="0" y="0"/>
+          <a:chExt cx="0" cy="0"/>
+        </a:xfrm>
+      </p:grpSpPr>
+      <p:sp>
+        <p:nvSpPr>
+          <p:cNvPr id="2" name="Заголовок 1"/>
+          <p:cNvSpPr>
+            <a:spLocks noGrp="1"/>
+          </p:cNvSpPr>
+          <p:nvPr>
+            <p:ph type="title"/>
+          </p:nvPr>
+        </p:nvSpPr>
+        <p:spPr/>
+        <p:txBody>
+          <a:bodyPr/>
+          <a:lstStyle/>
+          <a:p>
+            <a:r>
+              <a:rPr lang="ru-RU" dirty="0"/>
+              <a:t>Форматирование строк</a:t>
+            </a:r>
+          </a:p>
+        </p:txBody>
+      </p:sp>
+      <p:sp>
+        <p:nvSpPr>
+          <p:cNvPr id="3" name="Объект 2"/>
+          <p:cNvSpPr>
+            <a:spLocks noGrp="1"/>
+          </p:cNvSpPr>
+          <p:nvPr>
+            <p:ph idx="1"/>
+          </p:nvPr>
+        </p:nvSpPr>
+        <p:spPr/>
+        <p:txBody>
+          <a:bodyPr/>
+          <a:lstStyle/>
+          <a:p>
+            <a:endParaRPr lang="ru-RU" dirty="0"/>
+          </a:p>
+        </p:txBody>
+      </p:sp>
+      <p:pic>
+        <p:nvPicPr>
+          <p:cNvPr id="4" name="Рисунок 3"/>
+          <p:cNvPicPr>
+            <a:picLocks noChangeAspect="1"/>
+          </p:cNvPicPr>
+          <p:nvPr/>
+        </p:nvPicPr>
+        <p:blipFill rotWithShape="1">
+          <a:blip r:embed="rId2"/>
+          <a:srcRect l="38976" t="49300" r="16137" b="17801"/>
+          <a:stretch/>
+        </p:blipFill>
+        <p:spPr>
+          <a:xfrm>
+            <a:off x="236458" y="2026977"/>
+            <a:ext cx="8907542" cy="3672408"/>
+          </a:xfrm>
+          <a:prstGeom prst="rect">
+            <a:avLst/>
+          </a:prstGeom>
+        </p:spPr>
+      </p:pic>
+    </p:spTree>
+    <p:extLst>
+      <p:ext uri="{BB962C8B-B14F-4D97-AF65-F5344CB8AC3E}">
+        <p14:creationId xmlns:p14="http://schemas.microsoft.com/office/powerpoint/2010/main" val="552746190"/>
+      </p:ext>
+    </p:extLst>
+  </p:cSld>
+  <p:clrMapOvr>
+    <a:masterClrMapping/>
+  </p:clrMapOvr>
+  <p:timing>
+    <p:tnLst>
+      <p:par>
+        <p:cTn id="1" dur="indefinite" restart="never" nodeType="tmRoot"/>
+      </p:par>
+    </p:tnLst>
+  </p:timing>
+</p:sld>
+</file>
+
+<file path=ppt/slides/slide21.xml><?xml version="1.0" encoding="utf-8"?>
 <p:sld xmlns:a="http://schemas.openxmlformats.org/drawingml/2006/main" xmlns:r="http://schemas.openxmlformats.org/officeDocument/2006/relationships" xmlns:p="http://schemas.openxmlformats.org/presentationml/2006/main" show="0">
   <p:cSld>
     <p:spTree>
@@ -13086,6 +14302,263 @@
       </p:grpSpPr>
       <p:sp>
         <p:nvSpPr>
+          <p:cNvPr id="2" name="Заголовок 1"/>
+          <p:cNvSpPr>
+            <a:spLocks noGrp="1"/>
+          </p:cNvSpPr>
+          <p:nvPr>
+            <p:ph type="title"/>
+          </p:nvPr>
+        </p:nvSpPr>
+        <p:spPr/>
+        <p:txBody>
+          <a:bodyPr/>
+          <a:lstStyle/>
+          <a:p>
+            <a:r>
+              <a:rPr lang="ru-RU" dirty="0" smtClean="0"/>
+              <a:t>Задача на повторение</a:t>
+            </a:r>
+            <a:endParaRPr lang="ru-RU" dirty="0"/>
+          </a:p>
+        </p:txBody>
+      </p:sp>
+      <p:sp>
+        <p:nvSpPr>
+          <p:cNvPr id="3" name="Объект 2"/>
+          <p:cNvSpPr>
+            <a:spLocks noGrp="1"/>
+          </p:cNvSpPr>
+          <p:nvPr>
+            <p:ph idx="1"/>
+          </p:nvPr>
+        </p:nvSpPr>
+        <p:spPr>
+          <a:xfrm>
+            <a:off x="457200" y="1196752"/>
+            <a:ext cx="8363272" cy="5472608"/>
+          </a:xfrm>
+        </p:spPr>
+        <p:txBody>
+          <a:bodyPr>
+            <a:normAutofit fontScale="55000" lnSpcReduction="20000"/>
+          </a:bodyPr>
+          <a:lstStyle/>
+          <a:p>
+            <a:pPr marL="0" indent="0">
+              <a:buNone/>
+            </a:pPr>
+            <a:r>
+              <a:rPr lang="ru-RU" dirty="0"/>
+              <a:t>Напишите простой калькулятор, который считывает с пользовательского ввода три строки: первое число, второе число и операцию, после чего применяет операцию к введённым числам ("первое число" "операция" "второе число") и выводит результат на экран.</a:t>
+            </a:r>
+          </a:p>
+          <a:p>
+            <a:pPr marL="0" indent="0">
+              <a:buNone/>
+            </a:pPr>
+            <a:endParaRPr lang="ru-RU" dirty="0"/>
+          </a:p>
+          <a:p>
+            <a:pPr marL="0" indent="0">
+              <a:buNone/>
+            </a:pPr>
+            <a:r>
+              <a:rPr lang="ru-RU" dirty="0"/>
+              <a:t>Поддерживаемые операции: +, -, /, *, </a:t>
+            </a:r>
+            <a:r>
+              <a:rPr lang="ru-RU" dirty="0" err="1"/>
+              <a:t>mod</a:t>
+            </a:r>
+            <a:r>
+              <a:rPr lang="ru-RU" dirty="0"/>
+              <a:t>, </a:t>
+            </a:r>
+            <a:r>
+              <a:rPr lang="ru-RU" dirty="0" err="1"/>
+              <a:t>pow</a:t>
+            </a:r>
+            <a:r>
+              <a:rPr lang="ru-RU" dirty="0"/>
+              <a:t>, </a:t>
+            </a:r>
+            <a:r>
+              <a:rPr lang="ru-RU" dirty="0" err="1"/>
+              <a:t>div</a:t>
+            </a:r>
+            <a:r>
+              <a:rPr lang="ru-RU" dirty="0"/>
+              <a:t>, где</a:t>
+            </a:r>
+          </a:p>
+          <a:p>
+            <a:pPr marL="0" indent="0">
+              <a:buNone/>
+            </a:pPr>
+            <a:r>
+              <a:rPr lang="ru-RU" dirty="0" err="1"/>
+              <a:t>mod</a:t>
+            </a:r>
+            <a:r>
+              <a:rPr lang="ru-RU" dirty="0"/>
+              <a:t> — это взятие остатка от деления,</a:t>
+            </a:r>
+          </a:p>
+          <a:p>
+            <a:pPr marL="0" indent="0">
+              <a:buNone/>
+            </a:pPr>
+            <a:r>
+              <a:rPr lang="ru-RU" dirty="0" err="1"/>
+              <a:t>pow</a:t>
+            </a:r>
+            <a:r>
+              <a:rPr lang="ru-RU" dirty="0"/>
+              <a:t> — возведение в степень,</a:t>
+            </a:r>
+          </a:p>
+          <a:p>
+            <a:pPr marL="0" indent="0">
+              <a:buNone/>
+            </a:pPr>
+            <a:r>
+              <a:rPr lang="ru-RU" dirty="0" err="1"/>
+              <a:t>div</a:t>
+            </a:r>
+            <a:r>
+              <a:rPr lang="ru-RU" dirty="0"/>
+              <a:t> — целочисленное деление.</a:t>
+            </a:r>
+          </a:p>
+          <a:p>
+            <a:pPr marL="0" indent="0">
+              <a:buNone/>
+            </a:pPr>
+            <a:endParaRPr lang="ru-RU" dirty="0"/>
+          </a:p>
+          <a:p>
+            <a:pPr marL="0" indent="0">
+              <a:buNone/>
+            </a:pPr>
+            <a:r>
+              <a:rPr lang="ru-RU" dirty="0"/>
+              <a:t>Если выполняется деление и второе число равно 0, необходимо выводить строку "Деление на 0!".</a:t>
+            </a:r>
+          </a:p>
+          <a:p>
+            <a:pPr marL="0" indent="0">
+              <a:buNone/>
+            </a:pPr>
+            <a:endParaRPr lang="ru-RU" dirty="0"/>
+          </a:p>
+          <a:p>
+            <a:pPr marL="0" indent="0">
+              <a:buNone/>
+            </a:pPr>
+            <a:r>
+              <a:rPr lang="ru-RU" dirty="0"/>
+              <a:t>Обратите внимание, что на вход программе приходят вещественные числа.</a:t>
+            </a:r>
+          </a:p>
+          <a:p>
+            <a:pPr marL="0" indent="0">
+              <a:buNone/>
+            </a:pPr>
+            <a:endParaRPr lang="ru-RU" dirty="0"/>
+          </a:p>
+          <a:p>
+            <a:pPr marL="0" indent="0">
+              <a:buNone/>
+            </a:pPr>
+            <a:r>
+              <a:rPr lang="en-US" dirty="0" smtClean="0"/>
+              <a:t>&gt;&gt;&gt; </a:t>
+            </a:r>
+            <a:r>
+              <a:rPr lang="ru-RU" dirty="0" smtClean="0"/>
+              <a:t>Первое число: 5.0</a:t>
+            </a:r>
+            <a:endParaRPr lang="ru-RU" dirty="0"/>
+          </a:p>
+          <a:p>
+            <a:pPr marL="0" indent="0">
+              <a:buNone/>
+            </a:pPr>
+            <a:r>
+              <a:rPr lang="en-US" dirty="0" smtClean="0"/>
+              <a:t>&gt;&gt;&gt; </a:t>
+            </a:r>
+            <a:r>
+              <a:rPr lang="ru-RU" dirty="0" smtClean="0"/>
+              <a:t>Второе число: 0.0</a:t>
+            </a:r>
+            <a:endParaRPr lang="ru-RU" dirty="0"/>
+          </a:p>
+          <a:p>
+            <a:pPr marL="0" indent="0">
+              <a:buNone/>
+            </a:pPr>
+            <a:r>
+              <a:rPr lang="en-US" dirty="0" smtClean="0"/>
+              <a:t>&gt;&gt;&gt; </a:t>
+            </a:r>
+            <a:r>
+              <a:rPr lang="ru-RU" dirty="0" smtClean="0"/>
+              <a:t>Операция: </a:t>
+            </a:r>
+            <a:r>
+              <a:rPr lang="ru-RU" dirty="0" err="1" smtClean="0"/>
+              <a:t>mod</a:t>
+            </a:r>
+            <a:endParaRPr lang="ru-RU" dirty="0" smtClean="0"/>
+          </a:p>
+          <a:p>
+            <a:pPr marL="0" indent="0">
+              <a:buNone/>
+            </a:pPr>
+            <a:r>
+              <a:rPr lang="ru-RU" dirty="0"/>
+              <a:t>Деление на 0!</a:t>
+            </a:r>
+          </a:p>
+          <a:p>
+            <a:endParaRPr lang="ru-RU" dirty="0"/>
+          </a:p>
+        </p:txBody>
+      </p:sp>
+    </p:spTree>
+    <p:extLst>
+      <p:ext uri="{BB962C8B-B14F-4D97-AF65-F5344CB8AC3E}">
+        <p14:creationId xmlns:p14="http://schemas.microsoft.com/office/powerpoint/2010/main" val="1820888537"/>
+      </p:ext>
+    </p:extLst>
+  </p:cSld>
+  <p:clrMapOvr>
+    <a:masterClrMapping/>
+  </p:clrMapOvr>
+</p:sld>
+</file>
+
+<file path=ppt/slides/slide4.xml><?xml version="1.0" encoding="utf-8"?>
+<p:sld xmlns:a="http://schemas.openxmlformats.org/drawingml/2006/main" xmlns:r="http://schemas.openxmlformats.org/officeDocument/2006/relationships" xmlns:p="http://schemas.openxmlformats.org/presentationml/2006/main">
+  <p:cSld>
+    <p:spTree>
+      <p:nvGrpSpPr>
+        <p:cNvPr id="1" name=""/>
+        <p:cNvGrpSpPr/>
+        <p:nvPr/>
+      </p:nvGrpSpPr>
+      <p:grpSpPr>
+        <a:xfrm>
+          <a:off x="0" y="0"/>
+          <a:ext cx="0" cy="0"/>
+          <a:chOff x="0" y="0"/>
+          <a:chExt cx="0" cy="0"/>
+        </a:xfrm>
+      </p:grpSpPr>
+      <p:sp>
+        <p:nvSpPr>
           <p:cNvPr id="6" name="Заголовок 5"/>
           <p:cNvSpPr>
             <a:spLocks noGrp="1"/>
@@ -13132,7 +14605,7 @@
 </p:sld>
 </file>
 
-<file path=ppt/slides/slide4.xml><?xml version="1.0" encoding="utf-8"?>
+<file path=ppt/slides/slide5.xml><?xml version="1.0" encoding="utf-8"?>
 <p:sld xmlns:a="http://schemas.openxmlformats.org/drawingml/2006/main" xmlns:r="http://schemas.openxmlformats.org/officeDocument/2006/relationships" xmlns:p="http://schemas.openxmlformats.org/presentationml/2006/main">
   <p:cSld>
     <p:spTree>
@@ -15191,7 +16664,7 @@
 </p:sld>
 </file>
 
-<file path=ppt/slides/slide5.xml><?xml version="1.0" encoding="utf-8"?>
+<file path=ppt/slides/slide6.xml><?xml version="1.0" encoding="utf-8"?>
 <p:sld xmlns:a="http://schemas.openxmlformats.org/drawingml/2006/main" xmlns:r="http://schemas.openxmlformats.org/officeDocument/2006/relationships" xmlns:p="http://schemas.openxmlformats.org/presentationml/2006/main">
   <p:cSld>
     <p:spTree>
@@ -16543,7 +18016,7 @@
 </p:sld>
 </file>
 
-<file path=ppt/slides/slide6.xml><?xml version="1.0" encoding="utf-8"?>
+<file path=ppt/slides/slide7.xml><?xml version="1.0" encoding="utf-8"?>
 <p:sld xmlns:a="http://schemas.openxmlformats.org/drawingml/2006/main" xmlns:r="http://schemas.openxmlformats.org/officeDocument/2006/relationships" xmlns:p="http://schemas.openxmlformats.org/presentationml/2006/main">
   <p:cSld>
     <p:spTree>
@@ -17904,7 +19377,7 @@
 </p:sld>
 </file>
 
-<file path=ppt/slides/slide7.xml><?xml version="1.0" encoding="utf-8"?>
+<file path=ppt/slides/slide8.xml><?xml version="1.0" encoding="utf-8"?>
 <p:sld xmlns:a="http://schemas.openxmlformats.org/drawingml/2006/main" xmlns:r="http://schemas.openxmlformats.org/officeDocument/2006/relationships" xmlns:p="http://schemas.openxmlformats.org/presentationml/2006/main">
   <p:cSld>
     <p:spTree>
@@ -19137,7 +20610,7 @@
 </p:sld>
 </file>
 
-<file path=ppt/slides/slide8.xml><?xml version="1.0" encoding="utf-8"?>
+<file path=ppt/slides/slide9.xml><?xml version="1.0" encoding="utf-8"?>
 <p:sld xmlns:a="http://schemas.openxmlformats.org/drawingml/2006/main" xmlns:r="http://schemas.openxmlformats.org/officeDocument/2006/relationships" xmlns:p="http://schemas.openxmlformats.org/presentationml/2006/main">
   <p:cSld>
     <p:spTree>
@@ -20427,1221 +21900,6 @@
     <p:extLst>
       <p:ext uri="{BB962C8B-B14F-4D97-AF65-F5344CB8AC3E}">
         <p14:creationId xmlns:p14="http://schemas.microsoft.com/office/powerpoint/2010/main" val="527994190"/>
-      </p:ext>
-    </p:extLst>
-  </p:cSld>
-  <p:clrMapOvr>
-    <a:masterClrMapping/>
-  </p:clrMapOvr>
-  <p:timing>
-    <p:tnLst>
-      <p:par>
-        <p:cTn id="1" dur="indefinite" restart="never" nodeType="tmRoot"/>
-      </p:par>
-    </p:tnLst>
-  </p:timing>
-</p:sld>
-</file>
-
-<file path=ppt/slides/slide9.xml><?xml version="1.0" encoding="utf-8"?>
-<p:sld xmlns:a="http://schemas.openxmlformats.org/drawingml/2006/main" xmlns:r="http://schemas.openxmlformats.org/officeDocument/2006/relationships" xmlns:p="http://schemas.openxmlformats.org/presentationml/2006/main">
-  <p:cSld>
-    <p:spTree>
-      <p:nvGrpSpPr>
-        <p:cNvPr id="1" name="Shape 304"/>
-        <p:cNvGrpSpPr/>
-        <p:nvPr/>
-      </p:nvGrpSpPr>
-      <p:grpSpPr>
-        <a:xfrm>
-          <a:off x="0" y="0"/>
-          <a:ext cx="0" cy="0"/>
-          <a:chOff x="0" y="0"/>
-          <a:chExt cx="0" cy="0"/>
-        </a:xfrm>
-      </p:grpSpPr>
-      <p:cxnSp>
-        <p:nvCxnSpPr>
-          <p:cNvPr id="305" name="Shape 305"/>
-          <p:cNvCxnSpPr/>
-          <p:nvPr/>
-        </p:nvCxnSpPr>
-        <p:spPr>
-          <a:xfrm rot="10800000">
-            <a:off x="6197139" y="1170703"/>
-            <a:ext cx="8100" cy="318768"/>
-          </a:xfrm>
-          <a:prstGeom prst="straightConnector1">
-            <a:avLst/>
-          </a:prstGeom>
-          <a:noFill/>
-          <a:ln w="76200" cap="rnd" cmpd="sng">
-            <a:solidFill>
-              <a:srgbClr val="1155CC"/>
-            </a:solidFill>
-            <a:prstDash val="solid"/>
-            <a:miter/>
-            <a:headEnd type="stealth" w="med" len="med"/>
-            <a:tailEnd type="none" w="med" len="med"/>
-          </a:ln>
-        </p:spPr>
-      </p:cxnSp>
-      <p:sp>
-        <p:nvSpPr>
-          <p:cNvPr id="306" name="Shape 306"/>
-          <p:cNvSpPr/>
-          <p:nvPr/>
-        </p:nvSpPr>
-        <p:spPr>
-          <a:xfrm>
-            <a:off x="5400675" y="1485900"/>
-            <a:ext cx="1614431" cy="714318"/>
-          </a:xfrm>
-          <a:prstGeom prst="diamond">
-            <a:avLst/>
-          </a:prstGeom>
-          <a:solidFill>
-            <a:srgbClr val="0000FF"/>
-          </a:solidFill>
-          <a:ln>
-            <a:noFill/>
-          </a:ln>
-        </p:spPr>
-        <p:txBody>
-          <a:bodyPr lIns="0" tIns="0" rIns="0" bIns="0" anchor="ctr" anchorCtr="0">
-            <a:noAutofit/>
-          </a:bodyPr>
-          <a:lstStyle/>
-          <a:p>
-            <a:pPr algn="ctr">
-              <a:buClr>
-                <a:srgbClr val="FF0000"/>
-              </a:buClr>
-              <a:buSzPct val="25000"/>
-            </a:pPr>
-            <a:r>
-              <a:rPr lang="en-US" sz="1575">
-                <a:solidFill>
-                  <a:srgbClr val="FF0000"/>
-                </a:solidFill>
-                <a:latin typeface="Cabin"/>
-                <a:ea typeface="Cabin"/>
-                <a:cs typeface="Cabin"/>
-                <a:sym typeface="Cabin"/>
-              </a:rPr>
-              <a:t>Верно</a:t>
-            </a:r>
-            <a:r>
-              <a:rPr lang="en-US" sz="2025">
-                <a:solidFill>
-                  <a:srgbClr val="FF0000"/>
-                </a:solidFill>
-                <a:latin typeface="Cabin"/>
-                <a:ea typeface="Cabin"/>
-                <a:cs typeface="Cabin"/>
-                <a:sym typeface="Cabin"/>
-              </a:rPr>
-              <a:t> ?</a:t>
-            </a:r>
-          </a:p>
-        </p:txBody>
-      </p:sp>
-      <p:cxnSp>
-        <p:nvCxnSpPr>
-          <p:cNvPr id="307" name="Shape 307"/>
-          <p:cNvCxnSpPr/>
-          <p:nvPr/>
-        </p:nvCxnSpPr>
-        <p:spPr>
-          <a:xfrm rot="10800000" flipH="1">
-            <a:off x="6153447" y="2221790"/>
-            <a:ext cx="54506" cy="2260913"/>
-          </a:xfrm>
-          <a:prstGeom prst="straightConnector1">
-            <a:avLst/>
-          </a:prstGeom>
-          <a:noFill/>
-          <a:ln w="76200" cap="rnd" cmpd="sng">
-            <a:solidFill>
-              <a:srgbClr val="1155CC"/>
-            </a:solidFill>
-            <a:prstDash val="solid"/>
-            <a:miter/>
-            <a:headEnd type="none" w="med" len="med"/>
-            <a:tailEnd type="stealth" w="med" len="med"/>
-          </a:ln>
-        </p:spPr>
-      </p:cxnSp>
-      <p:cxnSp>
-        <p:nvCxnSpPr>
-          <p:cNvPr id="308" name="Shape 308"/>
-          <p:cNvCxnSpPr/>
-          <p:nvPr/>
-        </p:nvCxnSpPr>
-        <p:spPr>
-          <a:xfrm rot="10800000">
-            <a:off x="6965143" y="1839502"/>
-            <a:ext cx="437568" cy="8943"/>
-          </a:xfrm>
-          <a:prstGeom prst="straightConnector1">
-            <a:avLst/>
-          </a:prstGeom>
-          <a:noFill/>
-          <a:ln w="76200" cap="rnd" cmpd="sng">
-            <a:solidFill>
-              <a:srgbClr val="1155CC"/>
-            </a:solidFill>
-            <a:prstDash val="solid"/>
-            <a:miter/>
-            <a:headEnd type="none" w="med" len="med"/>
-            <a:tailEnd type="none" w="med" len="med"/>
-          </a:ln>
-        </p:spPr>
-      </p:cxnSp>
-      <p:cxnSp>
-        <p:nvCxnSpPr>
-          <p:cNvPr id="309" name="Shape 309"/>
-          <p:cNvCxnSpPr/>
-          <p:nvPr/>
-        </p:nvCxnSpPr>
-        <p:spPr>
-          <a:xfrm rot="10800000">
-            <a:off x="7419677" y="1839530"/>
-            <a:ext cx="0" cy="2648531"/>
-          </a:xfrm>
-          <a:prstGeom prst="straightConnector1">
-            <a:avLst/>
-          </a:prstGeom>
-          <a:noFill/>
-          <a:ln w="76200" cap="rnd" cmpd="sng">
-            <a:solidFill>
-              <a:srgbClr val="1155CC"/>
-            </a:solidFill>
-            <a:prstDash val="solid"/>
-            <a:miter/>
-            <a:headEnd type="none" w="med" len="med"/>
-            <a:tailEnd type="none" w="med" len="med"/>
-          </a:ln>
-        </p:spPr>
-      </p:cxnSp>
-      <p:cxnSp>
-        <p:nvCxnSpPr>
-          <p:cNvPr id="310" name="Shape 310"/>
-          <p:cNvCxnSpPr/>
-          <p:nvPr/>
-        </p:nvCxnSpPr>
-        <p:spPr>
-          <a:xfrm>
-            <a:off x="6162377" y="4463950"/>
-            <a:ext cx="1230525" cy="8100"/>
-          </a:xfrm>
-          <a:prstGeom prst="straightConnector1">
-            <a:avLst/>
-          </a:prstGeom>
-          <a:noFill/>
-          <a:ln w="76200" cap="rnd" cmpd="sng">
-            <a:solidFill>
-              <a:srgbClr val="1155CC"/>
-            </a:solidFill>
-            <a:prstDash val="solid"/>
-            <a:miter/>
-            <a:headEnd type="none" w="med" len="med"/>
-            <a:tailEnd type="none" w="med" len="med"/>
-          </a:ln>
-        </p:spPr>
-      </p:cxnSp>
-      <p:cxnSp>
-        <p:nvCxnSpPr>
-          <p:cNvPr id="311" name="Shape 311"/>
-          <p:cNvCxnSpPr/>
-          <p:nvPr/>
-        </p:nvCxnSpPr>
-        <p:spPr>
-          <a:xfrm flipH="1">
-            <a:off x="5200636" y="1848445"/>
-            <a:ext cx="223256" cy="1856"/>
-          </a:xfrm>
-          <a:prstGeom prst="straightConnector1">
-            <a:avLst/>
-          </a:prstGeom>
-          <a:noFill/>
-          <a:ln w="76200" cap="rnd" cmpd="sng">
-            <a:solidFill>
-              <a:srgbClr val="1155CC"/>
-            </a:solidFill>
-            <a:prstDash val="solid"/>
-            <a:miter/>
-            <a:headEnd type="none" w="med" len="med"/>
-            <a:tailEnd type="stealth" w="med" len="med"/>
-          </a:ln>
-        </p:spPr>
-      </p:cxnSp>
-      <p:cxnSp>
-        <p:nvCxnSpPr>
-          <p:cNvPr id="312" name="Shape 312"/>
-          <p:cNvCxnSpPr/>
-          <p:nvPr/>
-        </p:nvCxnSpPr>
-        <p:spPr>
-          <a:xfrm rot="10800000" flipH="1">
-            <a:off x="6155233" y="4732804"/>
-            <a:ext cx="8943" cy="362475"/>
-          </a:xfrm>
-          <a:prstGeom prst="straightConnector1">
-            <a:avLst/>
-          </a:prstGeom>
-          <a:noFill/>
-          <a:ln w="76200" cap="rnd" cmpd="sng">
-            <a:solidFill>
-              <a:srgbClr val="1155CC"/>
-            </a:solidFill>
-            <a:prstDash val="solid"/>
-            <a:miter/>
-            <a:headEnd type="stealth" w="med" len="med"/>
-            <a:tailEnd type="none" w="med" len="med"/>
-          </a:ln>
-        </p:spPr>
-      </p:cxnSp>
-      <p:cxnSp>
-        <p:nvCxnSpPr>
-          <p:cNvPr id="313" name="Shape 313"/>
-          <p:cNvCxnSpPr/>
-          <p:nvPr/>
-        </p:nvCxnSpPr>
-        <p:spPr>
-          <a:xfrm rot="10800000" flipH="1">
-            <a:off x="5176539" y="1843094"/>
-            <a:ext cx="33075" cy="2899462"/>
-          </a:xfrm>
-          <a:prstGeom prst="straightConnector1">
-            <a:avLst/>
-          </a:prstGeom>
-          <a:noFill/>
-          <a:ln w="76200" cap="rnd" cmpd="sng">
-            <a:solidFill>
-              <a:srgbClr val="1155CC"/>
-            </a:solidFill>
-            <a:prstDash val="solid"/>
-            <a:miter/>
-            <a:headEnd type="stealth" w="med" len="med"/>
-            <a:tailEnd type="none" w="med" len="med"/>
-          </a:ln>
-        </p:spPr>
-      </p:cxnSp>
-      <p:cxnSp>
-        <p:nvCxnSpPr>
-          <p:cNvPr id="314" name="Shape 314"/>
-          <p:cNvCxnSpPr/>
-          <p:nvPr/>
-        </p:nvCxnSpPr>
-        <p:spPr>
-          <a:xfrm>
-            <a:off x="5184084" y="4721738"/>
-            <a:ext cx="969300" cy="20756"/>
-          </a:xfrm>
-          <a:prstGeom prst="straightConnector1">
-            <a:avLst/>
-          </a:prstGeom>
-          <a:noFill/>
-          <a:ln w="76200" cap="rnd" cmpd="sng">
-            <a:solidFill>
-              <a:srgbClr val="1155CC"/>
-            </a:solidFill>
-            <a:prstDash val="solid"/>
-            <a:miter/>
-            <a:headEnd type="none" w="med" len="med"/>
-            <a:tailEnd type="none" w="med" len="med"/>
-          </a:ln>
-        </p:spPr>
-      </p:cxnSp>
-      <p:sp>
-        <p:nvSpPr>
-          <p:cNvPr id="315" name="Shape 315"/>
-          <p:cNvSpPr txBox="1"/>
-          <p:nvPr/>
-        </p:nvSpPr>
-        <p:spPr>
-          <a:xfrm>
-            <a:off x="4674713" y="1421607"/>
-            <a:ext cx="638381" cy="349987"/>
-          </a:xfrm>
-          <a:prstGeom prst="rect">
-            <a:avLst/>
-          </a:prstGeom>
-          <a:noFill/>
-          <a:ln>
-            <a:noFill/>
-          </a:ln>
-        </p:spPr>
-        <p:txBody>
-          <a:bodyPr lIns="0" tIns="0" rIns="0" bIns="0" anchor="ctr" anchorCtr="0">
-            <a:noAutofit/>
-          </a:bodyPr>
-          <a:lstStyle/>
-          <a:p>
-            <a:pPr algn="ctr">
-              <a:buClr>
-                <a:schemeClr val="lt1"/>
-              </a:buClr>
-              <a:buSzPct val="25000"/>
-            </a:pPr>
-            <a:r>
-              <a:rPr lang="en-US" sz="2025">
-                <a:solidFill>
-                  <a:schemeClr val="lt1"/>
-                </a:solidFill>
-                <a:latin typeface="Cabin"/>
-                <a:ea typeface="Cabin"/>
-                <a:cs typeface="Cabin"/>
-                <a:sym typeface="Cabin"/>
-              </a:rPr>
-              <a:t>Нет</a:t>
-            </a:r>
-          </a:p>
-        </p:txBody>
-      </p:sp>
-      <p:sp>
-        <p:nvSpPr>
-          <p:cNvPr id="316" name="Shape 316"/>
-          <p:cNvSpPr txBox="1"/>
-          <p:nvPr/>
-        </p:nvSpPr>
-        <p:spPr>
-          <a:xfrm>
-            <a:off x="5343525" y="5079207"/>
-            <a:ext cx="1643118" cy="421537"/>
-          </a:xfrm>
-          <a:prstGeom prst="rect">
-            <a:avLst/>
-          </a:prstGeom>
-          <a:solidFill>
-            <a:srgbClr val="0000FF"/>
-          </a:solidFill>
-          <a:ln>
-            <a:noFill/>
-          </a:ln>
-        </p:spPr>
-        <p:txBody>
-          <a:bodyPr lIns="0" tIns="0" rIns="0" bIns="0" anchor="ctr" anchorCtr="0">
-            <a:noAutofit/>
-          </a:bodyPr>
-          <a:lstStyle/>
-          <a:p>
-            <a:pPr algn="ctr">
-              <a:buClr>
-                <a:schemeClr val="lt1"/>
-              </a:buClr>
-              <a:buSzPct val="25000"/>
-            </a:pPr>
-            <a:r>
-              <a:rPr lang="en-US" sz="1969" dirty="0">
-                <a:solidFill>
-                  <a:schemeClr val="lt1"/>
-                </a:solidFill>
-                <a:latin typeface="Cabin"/>
-                <a:ea typeface="Cabin"/>
-                <a:cs typeface="Cabin"/>
-                <a:sym typeface="Cabin"/>
-              </a:rPr>
-              <a:t>print </a:t>
-            </a:r>
-            <a:r>
-              <a:rPr lang="en-US" sz="1969" dirty="0" smtClean="0">
-                <a:solidFill>
-                  <a:schemeClr val="lt1"/>
-                </a:solidFill>
-                <a:latin typeface="Cabin"/>
-                <a:ea typeface="Cabin"/>
-                <a:cs typeface="Cabin"/>
-                <a:sym typeface="Cabin"/>
-              </a:rPr>
-              <a:t>('Done‘)</a:t>
-            </a:r>
-            <a:endParaRPr lang="en-US" sz="1969" dirty="0">
-              <a:solidFill>
-                <a:schemeClr val="lt1"/>
-              </a:solidFill>
-              <a:latin typeface="Cabin"/>
-              <a:ea typeface="Cabin"/>
-              <a:cs typeface="Cabin"/>
-              <a:sym typeface="Cabin"/>
-            </a:endParaRPr>
-          </a:p>
-        </p:txBody>
-      </p:sp>
-      <p:sp>
-        <p:nvSpPr>
-          <p:cNvPr id="317" name="Shape 317"/>
-          <p:cNvSpPr txBox="1"/>
-          <p:nvPr/>
-        </p:nvSpPr>
-        <p:spPr>
-          <a:xfrm>
-            <a:off x="7221438" y="1421607"/>
-            <a:ext cx="408037" cy="349987"/>
-          </a:xfrm>
-          <a:prstGeom prst="rect">
-            <a:avLst/>
-          </a:prstGeom>
-          <a:noFill/>
-          <a:ln>
-            <a:noFill/>
-          </a:ln>
-        </p:spPr>
-        <p:txBody>
-          <a:bodyPr lIns="0" tIns="0" rIns="0" bIns="0" anchor="ctr" anchorCtr="0">
-            <a:noAutofit/>
-          </a:bodyPr>
-          <a:lstStyle/>
-          <a:p>
-            <a:pPr algn="ctr">
-              <a:buClr>
-                <a:schemeClr val="lt1"/>
-              </a:buClr>
-              <a:buSzPct val="25000"/>
-            </a:pPr>
-            <a:r>
-              <a:rPr lang="en-US" sz="2025">
-                <a:solidFill>
-                  <a:schemeClr val="lt1"/>
-                </a:solidFill>
-                <a:latin typeface="Cabin"/>
-                <a:ea typeface="Cabin"/>
-                <a:cs typeface="Cabin"/>
-                <a:sym typeface="Cabin"/>
-              </a:rPr>
-              <a:t>Да</a:t>
-            </a:r>
-          </a:p>
-        </p:txBody>
-      </p:sp>
-      <p:sp>
-        <p:nvSpPr>
-          <p:cNvPr id="318" name="Shape 318"/>
-          <p:cNvSpPr txBox="1"/>
-          <p:nvPr/>
-        </p:nvSpPr>
-        <p:spPr>
-          <a:xfrm>
-            <a:off x="6615113" y="2207419"/>
-            <a:ext cx="1643118" cy="421537"/>
-          </a:xfrm>
-          <a:prstGeom prst="rect">
-            <a:avLst/>
-          </a:prstGeom>
-          <a:solidFill>
-            <a:srgbClr val="0000FF"/>
-          </a:solidFill>
-          <a:ln>
-            <a:noFill/>
-          </a:ln>
-        </p:spPr>
-        <p:txBody>
-          <a:bodyPr lIns="0" tIns="0" rIns="0" bIns="0" anchor="ctr" anchorCtr="0">
-            <a:noAutofit/>
-          </a:bodyPr>
-          <a:lstStyle/>
-          <a:p>
-            <a:pPr algn="ctr">
-              <a:buClr>
-                <a:schemeClr val="lt1"/>
-              </a:buClr>
-              <a:buSzPct val="25000"/>
-            </a:pPr>
-            <a:r>
-              <a:rPr lang="en-US" sz="1969">
-                <a:solidFill>
-                  <a:schemeClr val="lt1"/>
-                </a:solidFill>
-                <a:latin typeface="Cabin"/>
-                <a:ea typeface="Cabin"/>
-                <a:cs typeface="Cabin"/>
-                <a:sym typeface="Cabin"/>
-              </a:rPr>
-              <a:t>....</a:t>
-            </a:r>
-          </a:p>
-        </p:txBody>
-      </p:sp>
-      <p:sp>
-        <p:nvSpPr>
-          <p:cNvPr id="319" name="Shape 319"/>
-          <p:cNvSpPr txBox="1"/>
-          <p:nvPr/>
-        </p:nvSpPr>
-        <p:spPr>
-          <a:xfrm>
-            <a:off x="6586538" y="3864769"/>
-            <a:ext cx="1643118" cy="421537"/>
-          </a:xfrm>
-          <a:prstGeom prst="rect">
-            <a:avLst/>
-          </a:prstGeom>
-          <a:solidFill>
-            <a:srgbClr val="0000FF"/>
-          </a:solidFill>
-          <a:ln>
-            <a:noFill/>
-          </a:ln>
-        </p:spPr>
-        <p:txBody>
-          <a:bodyPr lIns="0" tIns="0" rIns="0" bIns="0" anchor="ctr" anchorCtr="0">
-            <a:noAutofit/>
-          </a:bodyPr>
-          <a:lstStyle/>
-          <a:p>
-            <a:pPr algn="ctr">
-              <a:buClr>
-                <a:schemeClr val="lt1"/>
-              </a:buClr>
-              <a:buSzPct val="25000"/>
-            </a:pPr>
-            <a:r>
-              <a:rPr lang="en-US" sz="1969">
-                <a:solidFill>
-                  <a:schemeClr val="lt1"/>
-                </a:solidFill>
-                <a:latin typeface="Cabin"/>
-                <a:ea typeface="Cabin"/>
-                <a:cs typeface="Cabin"/>
-                <a:sym typeface="Cabin"/>
-              </a:rPr>
-              <a:t>...</a:t>
-            </a:r>
-          </a:p>
-        </p:txBody>
-      </p:sp>
-      <p:cxnSp>
-        <p:nvCxnSpPr>
-          <p:cNvPr id="320" name="Shape 320"/>
-          <p:cNvCxnSpPr/>
-          <p:nvPr/>
-        </p:nvCxnSpPr>
-        <p:spPr>
-          <a:xfrm rot="10800000">
-            <a:off x="8334021" y="3446838"/>
-            <a:ext cx="571556" cy="838518"/>
-          </a:xfrm>
-          <a:prstGeom prst="straightConnector1">
-            <a:avLst/>
-          </a:prstGeom>
-          <a:noFill/>
-          <a:ln w="76200" cap="rnd" cmpd="sng">
-            <a:solidFill>
-              <a:schemeClr val="accent1"/>
-            </a:solidFill>
-            <a:prstDash val="solid"/>
-            <a:miter/>
-            <a:headEnd type="stealth" w="med" len="med"/>
-            <a:tailEnd type="none" w="med" len="med"/>
-          </a:ln>
-        </p:spPr>
-      </p:cxnSp>
-      <p:cxnSp>
-        <p:nvCxnSpPr>
-          <p:cNvPr id="321" name="Shape 321"/>
-          <p:cNvCxnSpPr/>
-          <p:nvPr/>
-        </p:nvCxnSpPr>
-        <p:spPr>
-          <a:xfrm rot="10800000" flipH="1">
-            <a:off x="6723161" y="4271125"/>
-            <a:ext cx="2165400" cy="757181"/>
-          </a:xfrm>
-          <a:prstGeom prst="straightConnector1">
-            <a:avLst/>
-          </a:prstGeom>
-          <a:noFill/>
-          <a:ln w="76200" cap="rnd" cmpd="sng">
-            <a:solidFill>
-              <a:schemeClr val="accent1"/>
-            </a:solidFill>
-            <a:prstDash val="solid"/>
-            <a:miter/>
-            <a:headEnd type="stealth" w="med" len="med"/>
-            <a:tailEnd type="none" w="med" len="med"/>
-          </a:ln>
-        </p:spPr>
-      </p:cxnSp>
-      <p:sp>
-        <p:nvSpPr>
-          <p:cNvPr id="322" name="Shape 322"/>
-          <p:cNvSpPr txBox="1"/>
-          <p:nvPr/>
-        </p:nvSpPr>
-        <p:spPr>
-          <a:xfrm>
-            <a:off x="995687" y="2617581"/>
-            <a:ext cx="3688875" cy="1869919"/>
-          </a:xfrm>
-          <a:prstGeom prst="rect">
-            <a:avLst/>
-          </a:prstGeom>
-          <a:noFill/>
-          <a:ln>
-            <a:noFill/>
-          </a:ln>
-        </p:spPr>
-        <p:txBody>
-          <a:bodyPr lIns="0" tIns="0" rIns="0" bIns="0" anchor="ctr" anchorCtr="0">
-            <a:noAutofit/>
-          </a:bodyPr>
-          <a:lstStyle/>
-          <a:p>
-            <a:pPr>
-              <a:buClr>
-                <a:srgbClr val="FFFF00"/>
-              </a:buClr>
-              <a:buSzPct val="25000"/>
-            </a:pPr>
-            <a:r>
-              <a:rPr lang="en-US" sz="1688" dirty="0">
-                <a:latin typeface="Courier New"/>
-                <a:ea typeface="Courier New"/>
-                <a:cs typeface="Courier New"/>
-                <a:sym typeface="Courier New"/>
-              </a:rPr>
-              <a:t>while</a:t>
-            </a:r>
-            <a:r>
-              <a:rPr lang="en-US" sz="1688" dirty="0">
-                <a:solidFill>
-                  <a:schemeClr val="lt1"/>
-                </a:solidFill>
-                <a:latin typeface="Courier New"/>
-                <a:ea typeface="Courier New"/>
-                <a:cs typeface="Courier New"/>
-                <a:sym typeface="Courier New"/>
-              </a:rPr>
-              <a:t> </a:t>
-            </a:r>
-            <a:r>
-              <a:rPr lang="en-US" sz="1688" dirty="0" smtClean="0">
-                <a:solidFill>
-                  <a:srgbClr val="FF7F00"/>
-                </a:solidFill>
-                <a:latin typeface="Courier New"/>
-                <a:ea typeface="Courier New"/>
-                <a:cs typeface="Courier New"/>
-                <a:sym typeface="Courier New"/>
-              </a:rPr>
-              <a:t>True </a:t>
-            </a:r>
-            <a:r>
-              <a:rPr lang="en-US" sz="1688" dirty="0" smtClean="0">
-                <a:latin typeface="Courier New"/>
-                <a:ea typeface="Courier New"/>
-                <a:cs typeface="Courier New"/>
-                <a:sym typeface="Courier New"/>
-              </a:rPr>
-              <a:t>:</a:t>
-            </a:r>
-            <a:endParaRPr lang="en-US" sz="1688" dirty="0">
-              <a:latin typeface="Courier New"/>
-              <a:ea typeface="Courier New"/>
-              <a:cs typeface="Courier New"/>
-              <a:sym typeface="Courier New"/>
-            </a:endParaRPr>
-          </a:p>
-          <a:p>
-            <a:pPr>
-              <a:buClr>
-                <a:schemeClr val="lt1"/>
-              </a:buClr>
-              <a:buSzPct val="25000"/>
-            </a:pPr>
-            <a:r>
-              <a:rPr lang="en-US" sz="1688" dirty="0">
-                <a:solidFill>
-                  <a:schemeClr val="lt1"/>
-                </a:solidFill>
-                <a:latin typeface="Courier New"/>
-                <a:ea typeface="Courier New"/>
-                <a:cs typeface="Courier New"/>
-                <a:sym typeface="Courier New"/>
-              </a:rPr>
-              <a:t>    </a:t>
-            </a:r>
-            <a:r>
-              <a:rPr lang="en-US" sz="1688" dirty="0">
-                <a:solidFill>
-                  <a:srgbClr val="00FF00"/>
-                </a:solidFill>
-                <a:latin typeface="Courier New"/>
-                <a:ea typeface="Courier New"/>
-                <a:cs typeface="Courier New"/>
-                <a:sym typeface="Courier New"/>
-              </a:rPr>
-              <a:t>line</a:t>
-            </a:r>
-            <a:r>
-              <a:rPr lang="en-US" sz="1688" dirty="0">
-                <a:solidFill>
-                  <a:schemeClr val="lt1"/>
-                </a:solidFill>
-                <a:latin typeface="Courier New"/>
-                <a:ea typeface="Courier New"/>
-                <a:cs typeface="Courier New"/>
-                <a:sym typeface="Courier New"/>
-              </a:rPr>
-              <a:t> </a:t>
-            </a:r>
-            <a:r>
-              <a:rPr lang="en-US" sz="1688" dirty="0">
-                <a:solidFill>
-                  <a:srgbClr val="00FFFF"/>
-                </a:solidFill>
-                <a:latin typeface="Courier New"/>
-                <a:ea typeface="Courier New"/>
-                <a:cs typeface="Courier New"/>
-                <a:sym typeface="Courier New"/>
-              </a:rPr>
-              <a:t>=</a:t>
-            </a:r>
-            <a:r>
-              <a:rPr lang="en-US" sz="1688" dirty="0">
-                <a:solidFill>
-                  <a:schemeClr val="lt1"/>
-                </a:solidFill>
-                <a:latin typeface="Courier New"/>
-                <a:ea typeface="Courier New"/>
-                <a:cs typeface="Courier New"/>
-                <a:sym typeface="Courier New"/>
-              </a:rPr>
-              <a:t> </a:t>
-            </a:r>
-            <a:r>
-              <a:rPr lang="en-US" sz="1688" dirty="0" smtClean="0">
-                <a:solidFill>
-                  <a:srgbClr val="FF00FF"/>
-                </a:solidFill>
-                <a:latin typeface="Courier New"/>
-                <a:ea typeface="Courier New"/>
-                <a:cs typeface="Courier New"/>
-                <a:sym typeface="Courier New"/>
-              </a:rPr>
-              <a:t>input</a:t>
-            </a:r>
-            <a:r>
-              <a:rPr lang="en-US" sz="1688" dirty="0">
-                <a:latin typeface="Courier New"/>
-                <a:ea typeface="Courier New"/>
-                <a:cs typeface="Courier New"/>
-                <a:sym typeface="Courier New"/>
-              </a:rPr>
-              <a:t>(</a:t>
-            </a:r>
-            <a:r>
-              <a:rPr lang="en-US" sz="1688" dirty="0">
-                <a:solidFill>
-                  <a:srgbClr val="FF7F00"/>
-                </a:solidFill>
-                <a:latin typeface="Courier New"/>
-                <a:ea typeface="Courier New"/>
-                <a:cs typeface="Courier New"/>
-                <a:sym typeface="Courier New"/>
-              </a:rPr>
-              <a:t>'&gt; '</a:t>
-            </a:r>
-            <a:r>
-              <a:rPr lang="en-US" sz="1688" dirty="0">
-                <a:latin typeface="Courier New"/>
-                <a:ea typeface="Courier New"/>
-                <a:cs typeface="Courier New"/>
-                <a:sym typeface="Courier New"/>
-              </a:rPr>
-              <a:t>)</a:t>
-            </a:r>
-          </a:p>
-          <a:p>
-            <a:pPr>
-              <a:buClr>
-                <a:schemeClr val="lt1"/>
-              </a:buClr>
-              <a:buSzPct val="25000"/>
-            </a:pPr>
-            <a:r>
-              <a:rPr lang="en-US" sz="1688" dirty="0">
-                <a:solidFill>
-                  <a:schemeClr val="lt1"/>
-                </a:solidFill>
-                <a:latin typeface="Courier New"/>
-                <a:ea typeface="Courier New"/>
-                <a:cs typeface="Courier New"/>
-                <a:sym typeface="Courier New"/>
-              </a:rPr>
-              <a:t>    </a:t>
-            </a:r>
-            <a:r>
-              <a:rPr lang="en-US" sz="1688" dirty="0">
-                <a:latin typeface="Courier New"/>
-                <a:ea typeface="Courier New"/>
-                <a:cs typeface="Courier New"/>
-                <a:sym typeface="Courier New"/>
-              </a:rPr>
-              <a:t>if</a:t>
-            </a:r>
-            <a:r>
-              <a:rPr lang="en-US" sz="1688" dirty="0">
-                <a:solidFill>
-                  <a:srgbClr val="FFFF00"/>
-                </a:solidFill>
-                <a:latin typeface="Courier New"/>
-                <a:ea typeface="Courier New"/>
-                <a:cs typeface="Courier New"/>
-                <a:sym typeface="Courier New"/>
-              </a:rPr>
-              <a:t> </a:t>
-            </a:r>
-            <a:r>
-              <a:rPr lang="en-US" sz="1688" dirty="0">
-                <a:solidFill>
-                  <a:srgbClr val="00FF00"/>
-                </a:solidFill>
-                <a:latin typeface="Courier New"/>
-                <a:ea typeface="Courier New"/>
-                <a:cs typeface="Courier New"/>
-                <a:sym typeface="Courier New"/>
-              </a:rPr>
-              <a:t>line</a:t>
-            </a:r>
-            <a:r>
-              <a:rPr lang="en-US" sz="1688" dirty="0">
-                <a:solidFill>
-                  <a:schemeClr val="lt1"/>
-                </a:solidFill>
-                <a:latin typeface="Courier New"/>
-                <a:ea typeface="Courier New"/>
-                <a:cs typeface="Courier New"/>
-                <a:sym typeface="Courier New"/>
-              </a:rPr>
-              <a:t> </a:t>
-            </a:r>
-            <a:r>
-              <a:rPr lang="en-US" sz="1688" dirty="0">
-                <a:solidFill>
-                  <a:srgbClr val="FF7F00"/>
-                </a:solidFill>
-                <a:latin typeface="Courier New"/>
-                <a:ea typeface="Courier New"/>
-                <a:cs typeface="Courier New"/>
-                <a:sym typeface="Courier New"/>
-              </a:rPr>
-              <a:t>==</a:t>
-            </a:r>
-            <a:r>
-              <a:rPr lang="en-US" sz="1688" dirty="0">
-                <a:solidFill>
-                  <a:schemeClr val="lt1"/>
-                </a:solidFill>
-                <a:latin typeface="Courier New"/>
-                <a:ea typeface="Courier New"/>
-                <a:cs typeface="Courier New"/>
-                <a:sym typeface="Courier New"/>
-              </a:rPr>
-              <a:t> </a:t>
-            </a:r>
-            <a:r>
-              <a:rPr lang="en-US" sz="1688" dirty="0">
-                <a:solidFill>
-                  <a:srgbClr val="FF7F00"/>
-                </a:solidFill>
-                <a:latin typeface="Courier New"/>
-                <a:ea typeface="Courier New"/>
-                <a:cs typeface="Courier New"/>
-                <a:sym typeface="Courier New"/>
-              </a:rPr>
-              <a:t>'done'</a:t>
-            </a:r>
-            <a:r>
-              <a:rPr lang="en-US" sz="1688" dirty="0">
-                <a:latin typeface="Courier New"/>
-                <a:ea typeface="Courier New"/>
-                <a:cs typeface="Courier New"/>
-                <a:sym typeface="Courier New"/>
-              </a:rPr>
-              <a:t> :</a:t>
-            </a:r>
-            <a:r>
-              <a:rPr lang="en-US" sz="1688" dirty="0">
-                <a:solidFill>
-                  <a:schemeClr val="lt1"/>
-                </a:solidFill>
-                <a:latin typeface="Courier New"/>
-                <a:ea typeface="Courier New"/>
-                <a:cs typeface="Courier New"/>
-                <a:sym typeface="Courier New"/>
-              </a:rPr>
-              <a:t> </a:t>
-            </a:r>
-          </a:p>
-          <a:p>
-            <a:pPr>
-              <a:buClr>
-                <a:schemeClr val="lt1"/>
-              </a:buClr>
-              <a:buSzPct val="25000"/>
-            </a:pPr>
-            <a:r>
-              <a:rPr lang="en-US" sz="1688" dirty="0">
-                <a:solidFill>
-                  <a:schemeClr val="lt1"/>
-                </a:solidFill>
-                <a:latin typeface="Courier New"/>
-                <a:ea typeface="Courier New"/>
-                <a:cs typeface="Courier New"/>
-                <a:sym typeface="Courier New"/>
-              </a:rPr>
-              <a:t>       </a:t>
-            </a:r>
-            <a:r>
-              <a:rPr lang="en-US" sz="1688" dirty="0">
-                <a:latin typeface="Courier New"/>
-                <a:ea typeface="Courier New"/>
-                <a:cs typeface="Courier New"/>
-                <a:sym typeface="Courier New"/>
-              </a:rPr>
-              <a:t>break</a:t>
-            </a:r>
-          </a:p>
-          <a:p>
-            <a:pPr>
-              <a:buClr>
-                <a:schemeClr val="lt1"/>
-              </a:buClr>
-              <a:buSzPct val="25000"/>
-            </a:pPr>
-            <a:r>
-              <a:rPr lang="en-US" sz="1688" dirty="0">
-                <a:solidFill>
-                  <a:schemeClr val="lt1"/>
-                </a:solidFill>
-                <a:latin typeface="Courier New"/>
-                <a:ea typeface="Courier New"/>
-                <a:cs typeface="Courier New"/>
-                <a:sym typeface="Courier New"/>
-              </a:rPr>
-              <a:t>    </a:t>
-            </a:r>
-            <a:r>
-              <a:rPr lang="en-US" sz="1688" dirty="0" smtClean="0">
-                <a:latin typeface="Courier New"/>
-                <a:ea typeface="Courier New"/>
-                <a:cs typeface="Courier New"/>
-                <a:sym typeface="Courier New"/>
-              </a:rPr>
-              <a:t>print(</a:t>
-            </a:r>
-            <a:r>
-              <a:rPr lang="en-US" sz="1688" dirty="0" smtClean="0">
-                <a:solidFill>
-                  <a:srgbClr val="00FF00"/>
-                </a:solidFill>
-                <a:latin typeface="Courier New"/>
-                <a:ea typeface="Courier New"/>
-                <a:cs typeface="Courier New"/>
-                <a:sym typeface="Courier New"/>
-              </a:rPr>
-              <a:t>line</a:t>
-            </a:r>
-            <a:r>
-              <a:rPr lang="en-US" sz="1688" dirty="0">
-                <a:latin typeface="Courier New"/>
-                <a:ea typeface="Courier New"/>
-                <a:cs typeface="Courier New"/>
-                <a:sym typeface="Courier New"/>
-              </a:rPr>
-              <a:t>)</a:t>
-            </a:r>
-            <a:endParaRPr lang="en-US" sz="1688" dirty="0">
-              <a:solidFill>
-                <a:srgbClr val="00FF00"/>
-              </a:solidFill>
-              <a:latin typeface="Courier New"/>
-              <a:ea typeface="Courier New"/>
-              <a:cs typeface="Courier New"/>
-              <a:sym typeface="Courier New"/>
-            </a:endParaRPr>
-          </a:p>
-          <a:p>
-            <a:pPr>
-              <a:buClr>
-                <a:srgbClr val="FFFF00"/>
-              </a:buClr>
-              <a:buSzPct val="25000"/>
-            </a:pPr>
-            <a:r>
-              <a:rPr lang="en-US" sz="1688" dirty="0" smtClean="0">
-                <a:latin typeface="Courier New"/>
-                <a:ea typeface="Courier New"/>
-                <a:cs typeface="Courier New"/>
-                <a:sym typeface="Courier New"/>
-              </a:rPr>
-              <a:t>print(</a:t>
-            </a:r>
-            <a:r>
-              <a:rPr lang="en-US" sz="1688" dirty="0" smtClean="0">
-                <a:solidFill>
-                  <a:srgbClr val="FF7F00"/>
-                </a:solidFill>
-                <a:latin typeface="Courier New"/>
-                <a:ea typeface="Courier New"/>
-                <a:cs typeface="Courier New"/>
-                <a:sym typeface="Courier New"/>
-              </a:rPr>
-              <a:t>'Done!'</a:t>
-            </a:r>
-            <a:r>
-              <a:rPr lang="en-US" sz="1688" dirty="0">
-                <a:latin typeface="Courier New"/>
-                <a:ea typeface="Courier New"/>
-                <a:cs typeface="Courier New"/>
-                <a:sym typeface="Courier New"/>
-              </a:rPr>
-              <a:t>)</a:t>
-            </a:r>
-            <a:endParaRPr lang="en-US" sz="1688" dirty="0">
-              <a:solidFill>
-                <a:srgbClr val="FF7F00"/>
-              </a:solidFill>
-              <a:latin typeface="Courier New"/>
-              <a:ea typeface="Courier New"/>
-              <a:cs typeface="Courier New"/>
-              <a:sym typeface="Courier New"/>
-            </a:endParaRPr>
-          </a:p>
-        </p:txBody>
-      </p:sp>
-      <p:cxnSp>
-        <p:nvCxnSpPr>
-          <p:cNvPr id="323" name="Shape 323"/>
-          <p:cNvCxnSpPr/>
-          <p:nvPr/>
-        </p:nvCxnSpPr>
-        <p:spPr>
-          <a:xfrm rot="10800000">
-            <a:off x="751730" y="3916267"/>
-            <a:ext cx="196256" cy="306281"/>
-          </a:xfrm>
-          <a:prstGeom prst="straightConnector1">
-            <a:avLst/>
-          </a:prstGeom>
-          <a:noFill/>
-          <a:ln w="50800" cap="rnd" cmpd="sng">
-            <a:solidFill>
-              <a:schemeClr val="accent1"/>
-            </a:solidFill>
-            <a:prstDash val="solid"/>
-            <a:miter/>
-            <a:headEnd type="stealth" w="med" len="med"/>
-            <a:tailEnd type="none" w="med" len="med"/>
-          </a:ln>
-        </p:spPr>
-      </p:cxnSp>
-      <p:cxnSp>
-        <p:nvCxnSpPr>
-          <p:cNvPr id="324" name="Shape 324"/>
-          <p:cNvCxnSpPr/>
-          <p:nvPr/>
-        </p:nvCxnSpPr>
-        <p:spPr>
-          <a:xfrm rot="10800000" flipH="1">
-            <a:off x="748074" y="3680622"/>
-            <a:ext cx="1005244" cy="212118"/>
-          </a:xfrm>
-          <a:prstGeom prst="straightConnector1">
-            <a:avLst/>
-          </a:prstGeom>
-          <a:noFill/>
-          <a:ln w="50800" cap="rnd" cmpd="sng">
-            <a:solidFill>
-              <a:schemeClr val="accent1"/>
-            </a:solidFill>
-            <a:prstDash val="solid"/>
-            <a:miter/>
-            <a:headEnd type="stealth" w="med" len="med"/>
-            <a:tailEnd type="none" w="med" len="med"/>
-          </a:ln>
-        </p:spPr>
-      </p:cxnSp>
-      <p:cxnSp>
-        <p:nvCxnSpPr>
-          <p:cNvPr id="325" name="Shape 325"/>
-          <p:cNvCxnSpPr/>
-          <p:nvPr/>
-        </p:nvCxnSpPr>
-        <p:spPr>
-          <a:xfrm rot="10800000">
-            <a:off x="7430315" y="2649452"/>
-            <a:ext cx="788568" cy="462544"/>
-          </a:xfrm>
-          <a:prstGeom prst="straightConnector1">
-            <a:avLst/>
-          </a:prstGeom>
-          <a:noFill/>
-          <a:ln w="76200" cap="rnd" cmpd="sng">
-            <a:solidFill>
-              <a:srgbClr val="1155CC"/>
-            </a:solidFill>
-            <a:prstDash val="solid"/>
-            <a:miter/>
-            <a:headEnd type="none" w="med" len="med"/>
-            <a:tailEnd type="none" w="med" len="med"/>
-          </a:ln>
-        </p:spPr>
-      </p:cxnSp>
-      <p:sp>
-        <p:nvSpPr>
-          <p:cNvPr id="328" name="Shape 328"/>
-          <p:cNvSpPr txBox="1"/>
-          <p:nvPr/>
-        </p:nvSpPr>
-        <p:spPr>
-          <a:xfrm>
-            <a:off x="7686675" y="3036094"/>
-            <a:ext cx="1228669" cy="421537"/>
-          </a:xfrm>
-          <a:prstGeom prst="rect">
-            <a:avLst/>
-          </a:prstGeom>
-          <a:solidFill>
-            <a:srgbClr val="0000FF"/>
-          </a:solidFill>
-          <a:ln>
-            <a:noFill/>
-          </a:ln>
-        </p:spPr>
-        <p:txBody>
-          <a:bodyPr lIns="0" tIns="0" rIns="0" bIns="0" anchor="ctr" anchorCtr="0">
-            <a:noAutofit/>
-          </a:bodyPr>
-          <a:lstStyle/>
-          <a:p>
-            <a:pPr algn="ctr">
-              <a:buClr>
-                <a:schemeClr val="lt1"/>
-              </a:buClr>
-              <a:buSzPct val="25000"/>
-            </a:pPr>
-            <a:r>
-              <a:rPr lang="en-US" sz="1969">
-                <a:solidFill>
-                  <a:schemeClr val="lt1"/>
-                </a:solidFill>
-                <a:latin typeface="Cabin"/>
-                <a:ea typeface="Cabin"/>
-                <a:cs typeface="Cabin"/>
-                <a:sym typeface="Cabin"/>
-              </a:rPr>
-              <a:t>break</a:t>
-            </a:r>
-          </a:p>
-        </p:txBody>
-      </p:sp>
-    </p:spTree>
-    <p:extLst>
-      <p:ext uri="{BB962C8B-B14F-4D97-AF65-F5344CB8AC3E}">
-        <p14:creationId xmlns:p14="http://schemas.microsoft.com/office/powerpoint/2010/main" val="2334834089"/>
       </p:ext>
     </p:extLst>
   </p:cSld>
@@ -22198,7 +22456,7 @@
   <a:extraClrSchemeLst/>
   <a:extLst>
     <a:ext uri="{05A4C25C-085E-4340-85A3-A5531E510DB2}">
-      <thm15:themeFamily xmlns:thm15="http://schemas.microsoft.com/office/thememl/2012/main" xmlns="" name="Office Theme" id="{62F939B6-93AF-4DB8-9C6B-D6C7DFDC589F}" vid="{4A3C46E8-61CC-4603-A589-7422A47A8E4A}"/>
+      <thm15:themeFamily xmlns:thm15="http://schemas.microsoft.com/office/thememl/2012/main" name="Office Theme" id="{62F939B6-93AF-4DB8-9C6B-D6C7DFDC589F}" vid="{4A3C46E8-61CC-4603-A589-7422A47A8E4A}"/>
     </a:ext>
   </a:extLst>
 </a:theme>

--- a/week02/04.Loops.pptx
+++ b/week02/04.Loops.pptx
@@ -5,7 +5,7 @@
     <p:sldMasterId id="2147483648" r:id="rId1"/>
   </p:sldMasterIdLst>
   <p:notesMasterIdLst>
-    <p:notesMasterId r:id="rId23"/>
+    <p:notesMasterId r:id="rId30"/>
   </p:notesMasterIdLst>
   <p:sldIdLst>
     <p:sldId id="256" r:id="rId2"/>
@@ -13,22 +13,29 @@
     <p:sldId id="391" r:id="rId4"/>
     <p:sldId id="352" r:id="rId5"/>
     <p:sldId id="353" r:id="rId6"/>
-    <p:sldId id="354" r:id="rId7"/>
-    <p:sldId id="355" r:id="rId8"/>
-    <p:sldId id="356" r:id="rId9"/>
-    <p:sldId id="389" r:id="rId10"/>
-    <p:sldId id="358" r:id="rId11"/>
-    <p:sldId id="359" r:id="rId12"/>
-    <p:sldId id="390" r:id="rId13"/>
-    <p:sldId id="361" r:id="rId14"/>
-    <p:sldId id="371" r:id="rId15"/>
-    <p:sldId id="377" r:id="rId16"/>
-    <p:sldId id="378" r:id="rId17"/>
-    <p:sldId id="379" r:id="rId18"/>
-    <p:sldId id="380" r:id="rId19"/>
-    <p:sldId id="322" r:id="rId20"/>
-    <p:sldId id="329" r:id="rId21"/>
-    <p:sldId id="351" r:id="rId22"/>
+    <p:sldId id="392" r:id="rId7"/>
+    <p:sldId id="354" r:id="rId8"/>
+    <p:sldId id="355" r:id="rId9"/>
+    <p:sldId id="356" r:id="rId10"/>
+    <p:sldId id="389" r:id="rId11"/>
+    <p:sldId id="358" r:id="rId12"/>
+    <p:sldId id="359" r:id="rId13"/>
+    <p:sldId id="390" r:id="rId14"/>
+    <p:sldId id="361" r:id="rId15"/>
+    <p:sldId id="371" r:id="rId16"/>
+    <p:sldId id="377" r:id="rId17"/>
+    <p:sldId id="378" r:id="rId18"/>
+    <p:sldId id="379" r:id="rId19"/>
+    <p:sldId id="380" r:id="rId20"/>
+    <p:sldId id="393" r:id="rId21"/>
+    <p:sldId id="394" r:id="rId22"/>
+    <p:sldId id="395" r:id="rId23"/>
+    <p:sldId id="396" r:id="rId24"/>
+    <p:sldId id="397" r:id="rId25"/>
+    <p:sldId id="398" r:id="rId26"/>
+    <p:sldId id="322" r:id="rId27"/>
+    <p:sldId id="329" r:id="rId28"/>
+    <p:sldId id="351" r:id="rId29"/>
   </p:sldIdLst>
   <p:sldSz cx="9144000" cy="6858000" type="screen4x3"/>
   <p:notesSz cx="6858000" cy="9144000"/>
@@ -228,7 +235,7 @@
           <a:p>
             <a:fld id="{02324BB6-ADF9-477E-BA61-F60537F49E1A}" type="datetimeFigureOut">
               <a:rPr lang="ru-RU" smtClean="0"/>
-              <a:t>14.08.2016</a:t>
+              <a:t>19.08.2016</a:t>
             </a:fld>
             <a:endParaRPr lang="ru-RU"/>
           </a:p>
@@ -2433,7 +2440,7 @@
           <a:p>
             <a:fld id="{FC1A96A7-B107-4A76-9BCA-351E6EBF71DD}" type="datetimeFigureOut">
               <a:rPr lang="ru-RU" smtClean="0"/>
-              <a:t>14.08.2016</a:t>
+              <a:t>19.08.2016</a:t>
             </a:fld>
             <a:endParaRPr lang="ru-RU"/>
           </a:p>
@@ -2603,7 +2610,7 @@
           <a:p>
             <a:fld id="{FC1A96A7-B107-4A76-9BCA-351E6EBF71DD}" type="datetimeFigureOut">
               <a:rPr lang="ru-RU" smtClean="0"/>
-              <a:t>14.08.2016</a:t>
+              <a:t>19.08.2016</a:t>
             </a:fld>
             <a:endParaRPr lang="ru-RU"/>
           </a:p>
@@ -2783,7 +2790,7 @@
           <a:p>
             <a:fld id="{FC1A96A7-B107-4A76-9BCA-351E6EBF71DD}" type="datetimeFigureOut">
               <a:rPr lang="ru-RU" smtClean="0"/>
-              <a:t>14.08.2016</a:t>
+              <a:t>19.08.2016</a:t>
             </a:fld>
             <a:endParaRPr lang="ru-RU"/>
           </a:p>
@@ -2953,7 +2960,7 @@
           <a:p>
             <a:fld id="{FC1A96A7-B107-4A76-9BCA-351E6EBF71DD}" type="datetimeFigureOut">
               <a:rPr lang="ru-RU" smtClean="0"/>
-              <a:t>14.08.2016</a:t>
+              <a:t>19.08.2016</a:t>
             </a:fld>
             <a:endParaRPr lang="ru-RU"/>
           </a:p>
@@ -3199,7 +3206,7 @@
           <a:p>
             <a:fld id="{FC1A96A7-B107-4A76-9BCA-351E6EBF71DD}" type="datetimeFigureOut">
               <a:rPr lang="ru-RU" smtClean="0"/>
-              <a:t>14.08.2016</a:t>
+              <a:t>19.08.2016</a:t>
             </a:fld>
             <a:endParaRPr lang="ru-RU"/>
           </a:p>
@@ -3487,7 +3494,7 @@
           <a:p>
             <a:fld id="{FC1A96A7-B107-4A76-9BCA-351E6EBF71DD}" type="datetimeFigureOut">
               <a:rPr lang="ru-RU" smtClean="0"/>
-              <a:t>14.08.2016</a:t>
+              <a:t>19.08.2016</a:t>
             </a:fld>
             <a:endParaRPr lang="ru-RU"/>
           </a:p>
@@ -3909,7 +3916,7 @@
           <a:p>
             <a:fld id="{FC1A96A7-B107-4A76-9BCA-351E6EBF71DD}" type="datetimeFigureOut">
               <a:rPr lang="ru-RU" smtClean="0"/>
-              <a:t>14.08.2016</a:t>
+              <a:t>19.08.2016</a:t>
             </a:fld>
             <a:endParaRPr lang="ru-RU"/>
           </a:p>
@@ -4027,7 +4034,7 @@
           <a:p>
             <a:fld id="{FC1A96A7-B107-4A76-9BCA-351E6EBF71DD}" type="datetimeFigureOut">
               <a:rPr lang="ru-RU" smtClean="0"/>
-              <a:t>14.08.2016</a:t>
+              <a:t>19.08.2016</a:t>
             </a:fld>
             <a:endParaRPr lang="ru-RU"/>
           </a:p>
@@ -4122,7 +4129,7 @@
           <a:p>
             <a:fld id="{FC1A96A7-B107-4A76-9BCA-351E6EBF71DD}" type="datetimeFigureOut">
               <a:rPr lang="ru-RU" smtClean="0"/>
-              <a:t>14.08.2016</a:t>
+              <a:t>19.08.2016</a:t>
             </a:fld>
             <a:endParaRPr lang="ru-RU"/>
           </a:p>
@@ -4399,7 +4406,7 @@
           <a:p>
             <a:fld id="{FC1A96A7-B107-4A76-9BCA-351E6EBF71DD}" type="datetimeFigureOut">
               <a:rPr lang="ru-RU" smtClean="0"/>
-              <a:t>14.08.2016</a:t>
+              <a:t>19.08.2016</a:t>
             </a:fld>
             <a:endParaRPr lang="ru-RU"/>
           </a:p>
@@ -4652,7 +4659,7 @@
           <a:p>
             <a:fld id="{FC1A96A7-B107-4A76-9BCA-351E6EBF71DD}" type="datetimeFigureOut">
               <a:rPr lang="ru-RU" smtClean="0"/>
-              <a:t>14.08.2016</a:t>
+              <a:t>19.08.2016</a:t>
             </a:fld>
             <a:endParaRPr lang="ru-RU"/>
           </a:p>
@@ -4865,7 +4872,7 @@
           <a:p>
             <a:fld id="{FC1A96A7-B107-4A76-9BCA-351E6EBF71DD}" type="datetimeFigureOut">
               <a:rPr lang="ru-RU" smtClean="0"/>
-              <a:t>14.08.2016</a:t>
+              <a:t>19.08.2016</a:t>
             </a:fld>
             <a:endParaRPr lang="ru-RU"/>
           </a:p>
@@ -5327,8 +5334,8 @@
           </a:p>
           <a:p>
             <a:r>
-              <a:rPr lang="ru-RU" dirty="0"/>
-              <a:t>Работа со строками</a:t>
+              <a:rPr lang="ru-RU" dirty="0" smtClean="0"/>
+              <a:t>Случайные числа</a:t>
             </a:r>
             <a:endParaRPr lang="en-US" dirty="0"/>
           </a:p>
@@ -5359,6 +5366,1104 @@
 </file>
 
 <file path=ppt/slides/slide10.xml><?xml version="1.0" encoding="utf-8"?>
+<p:sld xmlns:a="http://schemas.openxmlformats.org/drawingml/2006/main" xmlns:r="http://schemas.openxmlformats.org/officeDocument/2006/relationships" xmlns:p="http://schemas.openxmlformats.org/presentationml/2006/main">
+  <p:cSld>
+    <p:spTree>
+      <p:nvGrpSpPr>
+        <p:cNvPr id="1" name="Shape 286"/>
+        <p:cNvGrpSpPr/>
+        <p:nvPr/>
+      </p:nvGrpSpPr>
+      <p:grpSpPr>
+        <a:xfrm>
+          <a:off x="0" y="0"/>
+          <a:ext cx="0" cy="0"/>
+          <a:chOff x="0" y="0"/>
+          <a:chExt cx="0" cy="0"/>
+        </a:xfrm>
+      </p:grpSpPr>
+      <p:sp>
+        <p:nvSpPr>
+          <p:cNvPr id="287" name="Shape 287"/>
+          <p:cNvSpPr txBox="1">
+            <a:spLocks noGrp="1"/>
+          </p:cNvSpPr>
+          <p:nvPr>
+            <p:ph type="title"/>
+          </p:nvPr>
+        </p:nvSpPr>
+        <p:spPr>
+          <a:xfrm>
+            <a:off x="721519" y="370453"/>
+            <a:ext cx="7836750" cy="1121513"/>
+          </a:xfrm>
+          <a:prstGeom prst="rect">
+            <a:avLst/>
+          </a:prstGeom>
+          <a:noFill/>
+          <a:ln>
+            <a:noFill/>
+          </a:ln>
+        </p:spPr>
+        <p:txBody>
+          <a:bodyPr vert="horz" lIns="21431" tIns="21431" rIns="21431" bIns="21431" rtlCol="0" anchor="ctr" anchorCtr="0">
+            <a:noAutofit/>
+          </a:bodyPr>
+          <a:lstStyle/>
+          <a:p>
+            <a:pPr>
+              <a:spcBef>
+                <a:spcPts val="0"/>
+              </a:spcBef>
+              <a:buClr>
+                <a:srgbClr val="FFFF00"/>
+              </a:buClr>
+              <a:buSzPct val="25000"/>
+            </a:pPr>
+            <a:r>
+              <a:rPr lang="en-US" sz="4275" dirty="0" err="1">
+                <a:latin typeface="Cabin"/>
+                <a:ea typeface="Cabin"/>
+                <a:cs typeface="Cabin"/>
+                <a:sym typeface="Cabin"/>
+              </a:rPr>
+              <a:t>Выход</a:t>
+            </a:r>
+            <a:r>
+              <a:rPr lang="en-US" sz="4275" dirty="0">
+                <a:latin typeface="Cabin"/>
+                <a:ea typeface="Cabin"/>
+                <a:cs typeface="Cabin"/>
+                <a:sym typeface="Cabin"/>
+              </a:rPr>
+              <a:t> </a:t>
+            </a:r>
+            <a:r>
+              <a:rPr lang="en-US" sz="4275" dirty="0" err="1">
+                <a:latin typeface="Cabin"/>
+                <a:ea typeface="Cabin"/>
+                <a:cs typeface="Cabin"/>
+                <a:sym typeface="Cabin"/>
+              </a:rPr>
+              <a:t>из</a:t>
+            </a:r>
+            <a:r>
+              <a:rPr lang="en-US" sz="4275" dirty="0">
+                <a:latin typeface="Cabin"/>
+                <a:ea typeface="Cabin"/>
+                <a:cs typeface="Cabin"/>
+                <a:sym typeface="Cabin"/>
+              </a:rPr>
+              <a:t> </a:t>
+            </a:r>
+            <a:r>
+              <a:rPr lang="en-US" sz="4275" dirty="0" err="1">
+                <a:latin typeface="Cabin"/>
+                <a:ea typeface="Cabin"/>
+                <a:cs typeface="Cabin"/>
+                <a:sym typeface="Cabin"/>
+              </a:rPr>
+              <a:t>цикла</a:t>
+            </a:r>
+            <a:endParaRPr lang="en-US" sz="4275" dirty="0">
+              <a:latin typeface="Cabin"/>
+              <a:ea typeface="Cabin"/>
+              <a:cs typeface="Cabin"/>
+              <a:sym typeface="Cabin"/>
+            </a:endParaRPr>
+          </a:p>
+        </p:txBody>
+      </p:sp>
+      <p:sp>
+        <p:nvSpPr>
+          <p:cNvPr id="288" name="Shape 288"/>
+          <p:cNvSpPr txBox="1">
+            <a:spLocks noGrp="1"/>
+          </p:cNvSpPr>
+          <p:nvPr>
+            <p:ph type="body" idx="1"/>
+          </p:nvPr>
+        </p:nvSpPr>
+        <p:spPr>
+          <a:xfrm>
+            <a:off x="721519" y="1491966"/>
+            <a:ext cx="7915274" cy="1607343"/>
+          </a:xfrm>
+          <a:prstGeom prst="rect">
+            <a:avLst/>
+          </a:prstGeom>
+          <a:noFill/>
+          <a:ln>
+            <a:noFill/>
+          </a:ln>
+        </p:spPr>
+        <p:txBody>
+          <a:bodyPr vert="horz" lIns="21431" tIns="21431" rIns="21431" bIns="21431" rtlCol="0" anchor="ctr" anchorCtr="0">
+            <a:noAutofit/>
+          </a:bodyPr>
+          <a:lstStyle/>
+          <a:p>
+            <a:pPr marL="421481" indent="-194453">
+              <a:spcBef>
+                <a:spcPts val="0"/>
+              </a:spcBef>
+              <a:buClr>
+                <a:schemeClr val="lt1"/>
+              </a:buClr>
+              <a:buSzPct val="100000"/>
+              <a:buFont typeface="Cabin"/>
+              <a:buChar char="•"/>
+            </a:pPr>
+            <a:r>
+              <a:rPr lang="en-US" sz="1800" dirty="0" err="1">
+                <a:latin typeface="Cabin"/>
+                <a:ea typeface="Cabin"/>
+                <a:cs typeface="Cabin"/>
+                <a:sym typeface="Cabin"/>
+              </a:rPr>
+              <a:t>Инструкция</a:t>
+            </a:r>
+            <a:r>
+              <a:rPr lang="en-US" sz="1800" dirty="0">
+                <a:latin typeface="Cabin"/>
+                <a:ea typeface="Cabin"/>
+                <a:cs typeface="Cabin"/>
+                <a:sym typeface="Cabin"/>
+              </a:rPr>
+              <a:t> </a:t>
+            </a:r>
+            <a:r>
+              <a:rPr lang="en-US" sz="1800" dirty="0">
+                <a:solidFill>
+                  <a:srgbClr val="00B0F0"/>
+                </a:solidFill>
+                <a:latin typeface="Cabin"/>
+                <a:ea typeface="Cabin"/>
+                <a:cs typeface="Cabin"/>
+                <a:sym typeface="Cabin"/>
+              </a:rPr>
+              <a:t>break</a:t>
+            </a:r>
+            <a:r>
+              <a:rPr lang="en-US" sz="1800" dirty="0">
+                <a:latin typeface="Cabin"/>
+                <a:ea typeface="Cabin"/>
+                <a:cs typeface="Cabin"/>
+                <a:sym typeface="Cabin"/>
+              </a:rPr>
+              <a:t> </a:t>
+            </a:r>
+            <a:r>
+              <a:rPr lang="en-US" sz="1800" dirty="0" err="1">
+                <a:latin typeface="Cabin"/>
+                <a:ea typeface="Cabin"/>
+                <a:cs typeface="Cabin"/>
+                <a:sym typeface="Cabin"/>
+              </a:rPr>
+              <a:t>завершает</a:t>
+            </a:r>
+            <a:r>
+              <a:rPr lang="en-US" sz="1800" dirty="0">
+                <a:latin typeface="Cabin"/>
+                <a:ea typeface="Cabin"/>
+                <a:cs typeface="Cabin"/>
+                <a:sym typeface="Cabin"/>
+              </a:rPr>
+              <a:t> </a:t>
+            </a:r>
+            <a:r>
+              <a:rPr lang="en-US" sz="1800" b="1" dirty="0" err="1">
+                <a:solidFill>
+                  <a:schemeClr val="tx2"/>
+                </a:solidFill>
+                <a:latin typeface="Cabin"/>
+                <a:ea typeface="Cabin"/>
+                <a:cs typeface="Cabin"/>
+                <a:sym typeface="Cabin"/>
+              </a:rPr>
+              <a:t>текущий</a:t>
+            </a:r>
+            <a:r>
+              <a:rPr lang="en-US" sz="1800" b="1" dirty="0">
+                <a:solidFill>
+                  <a:schemeClr val="tx2"/>
+                </a:solidFill>
+                <a:latin typeface="Cabin"/>
+                <a:ea typeface="Cabin"/>
+                <a:cs typeface="Cabin"/>
+                <a:sym typeface="Cabin"/>
+              </a:rPr>
+              <a:t> </a:t>
+            </a:r>
+            <a:r>
+              <a:rPr lang="en-US" sz="1800" b="1" dirty="0" err="1">
+                <a:solidFill>
+                  <a:schemeClr val="tx2"/>
+                </a:solidFill>
+                <a:latin typeface="Cabin"/>
+                <a:ea typeface="Cabin"/>
+                <a:cs typeface="Cabin"/>
+                <a:sym typeface="Cabin"/>
+              </a:rPr>
+              <a:t>цикл</a:t>
+            </a:r>
+            <a:r>
+              <a:rPr lang="en-US" sz="1800" b="1" dirty="0">
+                <a:solidFill>
+                  <a:schemeClr val="tx2"/>
+                </a:solidFill>
+                <a:latin typeface="Cabin"/>
+                <a:ea typeface="Cabin"/>
+                <a:cs typeface="Cabin"/>
+                <a:sym typeface="Cabin"/>
+              </a:rPr>
+              <a:t> </a:t>
+            </a:r>
+            <a:r>
+              <a:rPr lang="en-US" sz="1800" dirty="0">
+                <a:latin typeface="Cabin"/>
+                <a:ea typeface="Cabin"/>
+                <a:cs typeface="Cabin"/>
+                <a:sym typeface="Cabin"/>
+              </a:rPr>
+              <a:t>и </a:t>
+            </a:r>
+            <a:r>
+              <a:rPr lang="en-US" sz="1800" dirty="0" err="1">
+                <a:latin typeface="Cabin"/>
+                <a:ea typeface="Cabin"/>
+                <a:cs typeface="Cabin"/>
+                <a:sym typeface="Cabin"/>
+              </a:rPr>
+              <a:t>переходит</a:t>
+            </a:r>
+            <a:r>
+              <a:rPr lang="en-US" sz="1800" dirty="0">
+                <a:latin typeface="Cabin"/>
+                <a:ea typeface="Cabin"/>
+                <a:cs typeface="Cabin"/>
+                <a:sym typeface="Cabin"/>
+              </a:rPr>
+              <a:t> к </a:t>
+            </a:r>
+            <a:r>
+              <a:rPr lang="en-US" sz="1800" dirty="0" err="1">
+                <a:latin typeface="Cabin"/>
+                <a:ea typeface="Cabin"/>
+                <a:cs typeface="Cabin"/>
+                <a:sym typeface="Cabin"/>
+              </a:rPr>
+              <a:t>строке</a:t>
+            </a:r>
+            <a:r>
+              <a:rPr lang="en-US" sz="1800" dirty="0">
+                <a:latin typeface="Cabin"/>
+                <a:ea typeface="Cabin"/>
+                <a:cs typeface="Cabin"/>
+                <a:sym typeface="Cabin"/>
+              </a:rPr>
+              <a:t>, </a:t>
+            </a:r>
+            <a:r>
+              <a:rPr lang="en-US" sz="1800" dirty="0" err="1">
+                <a:latin typeface="Cabin"/>
+                <a:ea typeface="Cabin"/>
+                <a:cs typeface="Cabin"/>
+                <a:sym typeface="Cabin"/>
+              </a:rPr>
+              <a:t>непосредственно</a:t>
+            </a:r>
+            <a:r>
+              <a:rPr lang="en-US" sz="1800" dirty="0">
+                <a:latin typeface="Cabin"/>
+                <a:ea typeface="Cabin"/>
+                <a:cs typeface="Cabin"/>
+                <a:sym typeface="Cabin"/>
+              </a:rPr>
+              <a:t> </a:t>
+            </a:r>
+            <a:r>
+              <a:rPr lang="en-US" sz="1800" dirty="0" err="1">
+                <a:latin typeface="Cabin"/>
+                <a:ea typeface="Cabin"/>
+                <a:cs typeface="Cabin"/>
+                <a:sym typeface="Cabin"/>
+              </a:rPr>
+              <a:t>следующей</a:t>
+            </a:r>
+            <a:r>
+              <a:rPr lang="en-US" sz="1800" dirty="0">
+                <a:latin typeface="Cabin"/>
+                <a:ea typeface="Cabin"/>
+                <a:cs typeface="Cabin"/>
+                <a:sym typeface="Cabin"/>
+              </a:rPr>
+              <a:t> </a:t>
+            </a:r>
+            <a:r>
+              <a:rPr lang="en-US" sz="1800" dirty="0" err="1">
+                <a:latin typeface="Cabin"/>
+                <a:ea typeface="Cabin"/>
+                <a:cs typeface="Cabin"/>
+                <a:sym typeface="Cabin"/>
+              </a:rPr>
+              <a:t>за</a:t>
+            </a:r>
+            <a:r>
+              <a:rPr lang="en-US" sz="1800" dirty="0">
+                <a:latin typeface="Cabin"/>
+                <a:ea typeface="Cabin"/>
+                <a:cs typeface="Cabin"/>
+                <a:sym typeface="Cabin"/>
+              </a:rPr>
+              <a:t> </a:t>
+            </a:r>
+            <a:r>
+              <a:rPr lang="en-US" sz="1800" dirty="0" err="1" smtClean="0">
+                <a:latin typeface="Cabin"/>
+                <a:ea typeface="Cabin"/>
+                <a:cs typeface="Cabin"/>
+                <a:sym typeface="Cabin"/>
+              </a:rPr>
+              <a:t>циклом</a:t>
+            </a:r>
+            <a:endParaRPr lang="en-US" sz="1800" dirty="0">
+              <a:latin typeface="Cabin"/>
+              <a:ea typeface="Cabin"/>
+              <a:cs typeface="Cabin"/>
+              <a:sym typeface="Cabin"/>
+            </a:endParaRPr>
+          </a:p>
+        </p:txBody>
+      </p:sp>
+      <p:sp>
+        <p:nvSpPr>
+          <p:cNvPr id="289" name="Shape 289"/>
+          <p:cNvSpPr txBox="1"/>
+          <p:nvPr/>
+        </p:nvSpPr>
+        <p:spPr>
+          <a:xfrm>
+            <a:off x="6156176" y="3429000"/>
+            <a:ext cx="1800200" cy="1869919"/>
+          </a:xfrm>
+          <a:prstGeom prst="rect">
+            <a:avLst/>
+          </a:prstGeom>
+          <a:noFill/>
+          <a:ln>
+            <a:noFill/>
+          </a:ln>
+        </p:spPr>
+        <p:txBody>
+          <a:bodyPr lIns="0" tIns="0" rIns="0" bIns="0" anchor="ctr" anchorCtr="0">
+            <a:noAutofit/>
+          </a:bodyPr>
+          <a:lstStyle/>
+          <a:p>
+            <a:pPr>
+              <a:buClr>
+                <a:schemeClr val="lt1"/>
+              </a:buClr>
+              <a:buSzPct val="25000"/>
+            </a:pPr>
+            <a:r>
+              <a:rPr lang="en-US" sz="2025" dirty="0" smtClean="0">
+                <a:latin typeface="Cabin"/>
+                <a:ea typeface="Cabin"/>
+                <a:cs typeface="Cabin"/>
+                <a:sym typeface="Cabin"/>
+              </a:rPr>
+              <a:t>&gt;&gt;&gt;</a:t>
+            </a:r>
+            <a:r>
+              <a:rPr lang="en-US" sz="2025" dirty="0" smtClean="0">
+                <a:solidFill>
+                  <a:schemeClr val="lt1"/>
+                </a:solidFill>
+                <a:latin typeface="Cabin"/>
+                <a:ea typeface="Cabin"/>
+                <a:cs typeface="Cabin"/>
+                <a:sym typeface="Cabin"/>
+              </a:rPr>
+              <a:t> </a:t>
+            </a:r>
+            <a:r>
+              <a:rPr lang="en-US" sz="2025" dirty="0">
+                <a:solidFill>
+                  <a:srgbClr val="00FF00"/>
+                </a:solidFill>
+                <a:latin typeface="Cabin"/>
+                <a:ea typeface="Cabin"/>
+                <a:cs typeface="Cabin"/>
+                <a:sym typeface="Cabin"/>
+              </a:rPr>
+              <a:t>hello there</a:t>
+            </a:r>
+          </a:p>
+          <a:p>
+            <a:pPr>
+              <a:buClr>
+                <a:schemeClr val="lt1"/>
+              </a:buClr>
+              <a:buSzPct val="25000"/>
+            </a:pPr>
+            <a:r>
+              <a:rPr lang="en-US" sz="2025" dirty="0">
+                <a:latin typeface="Cabin"/>
+                <a:ea typeface="Cabin"/>
+                <a:cs typeface="Cabin"/>
+                <a:sym typeface="Cabin"/>
+              </a:rPr>
+              <a:t>hello there</a:t>
+            </a:r>
+          </a:p>
+          <a:p>
+            <a:pPr>
+              <a:buClr>
+                <a:schemeClr val="lt1"/>
+              </a:buClr>
+              <a:buSzPct val="25000"/>
+            </a:pPr>
+            <a:r>
+              <a:rPr lang="en-US" sz="2025" dirty="0" smtClean="0">
+                <a:latin typeface="Cabin"/>
+                <a:ea typeface="Cabin"/>
+                <a:cs typeface="Cabin"/>
+                <a:sym typeface="Cabin"/>
+              </a:rPr>
+              <a:t>&gt;&gt;&gt;</a:t>
+            </a:r>
+            <a:r>
+              <a:rPr lang="en-US" sz="2025" dirty="0" smtClean="0">
+                <a:solidFill>
+                  <a:schemeClr val="lt1"/>
+                </a:solidFill>
+                <a:latin typeface="Cabin"/>
+                <a:ea typeface="Cabin"/>
+                <a:cs typeface="Cabin"/>
+                <a:sym typeface="Cabin"/>
+              </a:rPr>
+              <a:t> </a:t>
+            </a:r>
+            <a:r>
+              <a:rPr lang="en-US" sz="2025" dirty="0">
+                <a:solidFill>
+                  <a:srgbClr val="00FF00"/>
+                </a:solidFill>
+                <a:latin typeface="Cabin"/>
+                <a:ea typeface="Cabin"/>
+                <a:cs typeface="Cabin"/>
+                <a:sym typeface="Cabin"/>
+              </a:rPr>
+              <a:t>finished</a:t>
+            </a:r>
+          </a:p>
+          <a:p>
+            <a:pPr>
+              <a:buClr>
+                <a:schemeClr val="lt1"/>
+              </a:buClr>
+              <a:buSzPct val="25000"/>
+            </a:pPr>
+            <a:r>
+              <a:rPr lang="en-US" sz="2025" dirty="0">
+                <a:latin typeface="Cabin"/>
+                <a:ea typeface="Cabin"/>
+                <a:cs typeface="Cabin"/>
+                <a:sym typeface="Cabin"/>
+              </a:rPr>
+              <a:t>finished</a:t>
+            </a:r>
+          </a:p>
+          <a:p>
+            <a:pPr>
+              <a:buClr>
+                <a:schemeClr val="lt1"/>
+              </a:buClr>
+              <a:buSzPct val="25000"/>
+            </a:pPr>
+            <a:r>
+              <a:rPr lang="en-US" sz="2025" dirty="0" smtClean="0">
+                <a:latin typeface="Cabin"/>
+                <a:ea typeface="Cabin"/>
+                <a:cs typeface="Cabin"/>
+                <a:sym typeface="Cabin"/>
+              </a:rPr>
+              <a:t>&gt;&gt;&gt; </a:t>
+            </a:r>
+            <a:r>
+              <a:rPr lang="en-US" sz="2025" dirty="0">
+                <a:solidFill>
+                  <a:srgbClr val="00FF00"/>
+                </a:solidFill>
+                <a:latin typeface="Cabin"/>
+                <a:ea typeface="Cabin"/>
+                <a:cs typeface="Cabin"/>
+                <a:sym typeface="Cabin"/>
+              </a:rPr>
+              <a:t>done</a:t>
+            </a:r>
+          </a:p>
+          <a:p>
+            <a:pPr>
+              <a:buClr>
+                <a:schemeClr val="lt1"/>
+              </a:buClr>
+              <a:buSzPct val="25000"/>
+            </a:pPr>
+            <a:r>
+              <a:rPr lang="en-US" sz="2025" dirty="0">
+                <a:latin typeface="Cabin"/>
+                <a:ea typeface="Cabin"/>
+                <a:cs typeface="Cabin"/>
+                <a:sym typeface="Cabin"/>
+              </a:rPr>
+              <a:t>Done!</a:t>
+            </a:r>
+          </a:p>
+        </p:txBody>
+      </p:sp>
+      <p:sp>
+        <p:nvSpPr>
+          <p:cNvPr id="290" name="Shape 290"/>
+          <p:cNvSpPr txBox="1"/>
+          <p:nvPr/>
+        </p:nvSpPr>
+        <p:spPr>
+          <a:xfrm>
+            <a:off x="1691680" y="3356992"/>
+            <a:ext cx="3617156" cy="1869919"/>
+          </a:xfrm>
+          <a:prstGeom prst="rect">
+            <a:avLst/>
+          </a:prstGeom>
+          <a:noFill/>
+          <a:ln>
+            <a:noFill/>
+          </a:ln>
+        </p:spPr>
+        <p:txBody>
+          <a:bodyPr lIns="0" tIns="0" rIns="0" bIns="0" anchor="ctr" anchorCtr="0">
+            <a:noAutofit/>
+          </a:bodyPr>
+          <a:lstStyle/>
+          <a:p>
+            <a:pPr>
+              <a:buClr>
+                <a:srgbClr val="FFFF00"/>
+              </a:buClr>
+              <a:buSzPct val="25000"/>
+            </a:pPr>
+            <a:r>
+              <a:rPr lang="en-US" sz="1688" dirty="0">
+                <a:latin typeface="Courier New"/>
+                <a:ea typeface="Courier New"/>
+                <a:cs typeface="Courier New"/>
+                <a:sym typeface="Courier New"/>
+              </a:rPr>
+              <a:t>while</a:t>
+            </a:r>
+            <a:r>
+              <a:rPr lang="en-US" sz="1688" dirty="0">
+                <a:solidFill>
+                  <a:schemeClr val="lt1"/>
+                </a:solidFill>
+                <a:latin typeface="Courier New"/>
+                <a:ea typeface="Courier New"/>
+                <a:cs typeface="Courier New"/>
+                <a:sym typeface="Courier New"/>
+              </a:rPr>
+              <a:t> </a:t>
+            </a:r>
+            <a:r>
+              <a:rPr lang="en-US" sz="1688" dirty="0" smtClean="0">
+                <a:solidFill>
+                  <a:srgbClr val="FF7F00"/>
+                </a:solidFill>
+                <a:latin typeface="Courier New"/>
+                <a:ea typeface="Courier New"/>
+                <a:cs typeface="Courier New"/>
+                <a:sym typeface="Courier New"/>
+              </a:rPr>
+              <a:t>True </a:t>
+            </a:r>
+            <a:r>
+              <a:rPr lang="en-US" sz="1688" dirty="0" smtClean="0">
+                <a:latin typeface="Courier New"/>
+                <a:ea typeface="Courier New"/>
+                <a:cs typeface="Courier New"/>
+                <a:sym typeface="Courier New"/>
+              </a:rPr>
+              <a:t>:</a:t>
+            </a:r>
+            <a:endParaRPr lang="en-US" sz="1688" dirty="0">
+              <a:latin typeface="Courier New"/>
+              <a:ea typeface="Courier New"/>
+              <a:cs typeface="Courier New"/>
+              <a:sym typeface="Courier New"/>
+            </a:endParaRPr>
+          </a:p>
+          <a:p>
+            <a:pPr>
+              <a:buClr>
+                <a:schemeClr val="lt1"/>
+              </a:buClr>
+              <a:buSzPct val="25000"/>
+            </a:pPr>
+            <a:r>
+              <a:rPr lang="en-US" sz="1688" dirty="0">
+                <a:solidFill>
+                  <a:schemeClr val="lt1"/>
+                </a:solidFill>
+                <a:latin typeface="Courier New"/>
+                <a:ea typeface="Courier New"/>
+                <a:cs typeface="Courier New"/>
+                <a:sym typeface="Courier New"/>
+              </a:rPr>
+              <a:t>    </a:t>
+            </a:r>
+            <a:r>
+              <a:rPr lang="en-US" sz="1688" dirty="0">
+                <a:solidFill>
+                  <a:srgbClr val="00FF00"/>
+                </a:solidFill>
+                <a:latin typeface="Courier New"/>
+                <a:ea typeface="Courier New"/>
+                <a:cs typeface="Courier New"/>
+                <a:sym typeface="Courier New"/>
+              </a:rPr>
+              <a:t>line</a:t>
+            </a:r>
+            <a:r>
+              <a:rPr lang="en-US" sz="1688" dirty="0">
+                <a:solidFill>
+                  <a:schemeClr val="lt1"/>
+                </a:solidFill>
+                <a:latin typeface="Courier New"/>
+                <a:ea typeface="Courier New"/>
+                <a:cs typeface="Courier New"/>
+                <a:sym typeface="Courier New"/>
+              </a:rPr>
+              <a:t> </a:t>
+            </a:r>
+            <a:r>
+              <a:rPr lang="en-US" sz="1688" dirty="0">
+                <a:solidFill>
+                  <a:srgbClr val="00FFFF"/>
+                </a:solidFill>
+                <a:latin typeface="Courier New"/>
+                <a:ea typeface="Courier New"/>
+                <a:cs typeface="Courier New"/>
+                <a:sym typeface="Courier New"/>
+              </a:rPr>
+              <a:t>=</a:t>
+            </a:r>
+            <a:r>
+              <a:rPr lang="en-US" sz="1688" dirty="0">
+                <a:solidFill>
+                  <a:schemeClr val="lt1"/>
+                </a:solidFill>
+                <a:latin typeface="Courier New"/>
+                <a:ea typeface="Courier New"/>
+                <a:cs typeface="Courier New"/>
+                <a:sym typeface="Courier New"/>
+              </a:rPr>
+              <a:t> </a:t>
+            </a:r>
+            <a:r>
+              <a:rPr lang="en-US" sz="1688" dirty="0" smtClean="0">
+                <a:solidFill>
+                  <a:srgbClr val="FF00FF"/>
+                </a:solidFill>
+                <a:latin typeface="Courier New"/>
+                <a:ea typeface="Courier New"/>
+                <a:cs typeface="Courier New"/>
+                <a:sym typeface="Courier New"/>
+              </a:rPr>
+              <a:t>input</a:t>
+            </a:r>
+            <a:r>
+              <a:rPr lang="en-US" sz="1688" dirty="0">
+                <a:latin typeface="Courier New"/>
+                <a:ea typeface="Courier New"/>
+                <a:cs typeface="Courier New"/>
+                <a:sym typeface="Courier New"/>
+              </a:rPr>
+              <a:t>('&gt; ')</a:t>
+            </a:r>
+          </a:p>
+          <a:p>
+            <a:pPr>
+              <a:buClr>
+                <a:schemeClr val="lt1"/>
+              </a:buClr>
+              <a:buSzPct val="25000"/>
+            </a:pPr>
+            <a:r>
+              <a:rPr lang="en-US" sz="1688" dirty="0">
+                <a:solidFill>
+                  <a:schemeClr val="lt1"/>
+                </a:solidFill>
+                <a:latin typeface="Courier New"/>
+                <a:ea typeface="Courier New"/>
+                <a:cs typeface="Courier New"/>
+                <a:sym typeface="Courier New"/>
+              </a:rPr>
+              <a:t>    </a:t>
+            </a:r>
+            <a:r>
+              <a:rPr lang="en-US" sz="1688" dirty="0">
+                <a:latin typeface="Courier New"/>
+                <a:ea typeface="Courier New"/>
+                <a:cs typeface="Courier New"/>
+                <a:sym typeface="Courier New"/>
+              </a:rPr>
+              <a:t>if</a:t>
+            </a:r>
+            <a:r>
+              <a:rPr lang="en-US" sz="1688" dirty="0">
+                <a:solidFill>
+                  <a:srgbClr val="FFFF00"/>
+                </a:solidFill>
+                <a:latin typeface="Courier New"/>
+                <a:ea typeface="Courier New"/>
+                <a:cs typeface="Courier New"/>
+                <a:sym typeface="Courier New"/>
+              </a:rPr>
+              <a:t> </a:t>
+            </a:r>
+            <a:r>
+              <a:rPr lang="en-US" sz="1688" dirty="0">
+                <a:solidFill>
+                  <a:srgbClr val="00FF00"/>
+                </a:solidFill>
+                <a:latin typeface="Courier New"/>
+                <a:ea typeface="Courier New"/>
+                <a:cs typeface="Courier New"/>
+                <a:sym typeface="Courier New"/>
+              </a:rPr>
+              <a:t>line</a:t>
+            </a:r>
+            <a:r>
+              <a:rPr lang="en-US" sz="1688" dirty="0">
+                <a:solidFill>
+                  <a:schemeClr val="lt1"/>
+                </a:solidFill>
+                <a:latin typeface="Courier New"/>
+                <a:ea typeface="Courier New"/>
+                <a:cs typeface="Courier New"/>
+                <a:sym typeface="Courier New"/>
+              </a:rPr>
+              <a:t> </a:t>
+            </a:r>
+            <a:r>
+              <a:rPr lang="en-US" sz="1688" dirty="0">
+                <a:solidFill>
+                  <a:srgbClr val="FF7F00"/>
+                </a:solidFill>
+                <a:latin typeface="Courier New"/>
+                <a:ea typeface="Courier New"/>
+                <a:cs typeface="Courier New"/>
+                <a:sym typeface="Courier New"/>
+              </a:rPr>
+              <a:t>==</a:t>
+            </a:r>
+            <a:r>
+              <a:rPr lang="en-US" sz="1688" dirty="0">
+                <a:solidFill>
+                  <a:schemeClr val="lt1"/>
+                </a:solidFill>
+                <a:latin typeface="Courier New"/>
+                <a:ea typeface="Courier New"/>
+                <a:cs typeface="Courier New"/>
+                <a:sym typeface="Courier New"/>
+              </a:rPr>
+              <a:t> </a:t>
+            </a:r>
+            <a:r>
+              <a:rPr lang="en-US" sz="1688" dirty="0">
+                <a:latin typeface="Courier New"/>
+                <a:ea typeface="Courier New"/>
+                <a:cs typeface="Courier New"/>
+                <a:sym typeface="Courier New"/>
+              </a:rPr>
+              <a:t>'</a:t>
+            </a:r>
+            <a:r>
+              <a:rPr lang="en-US" sz="1688" dirty="0">
+                <a:solidFill>
+                  <a:srgbClr val="FF7F00"/>
+                </a:solidFill>
+                <a:latin typeface="Courier New"/>
+                <a:ea typeface="Courier New"/>
+                <a:cs typeface="Courier New"/>
+                <a:sym typeface="Courier New"/>
+              </a:rPr>
+              <a:t>done</a:t>
+            </a:r>
+            <a:r>
+              <a:rPr lang="en-US" sz="1688" dirty="0">
+                <a:latin typeface="Courier New"/>
+                <a:ea typeface="Courier New"/>
+                <a:cs typeface="Courier New"/>
+                <a:sym typeface="Courier New"/>
+              </a:rPr>
+              <a:t>' :</a:t>
+            </a:r>
+          </a:p>
+          <a:p>
+            <a:pPr>
+              <a:buClr>
+                <a:schemeClr val="lt1"/>
+              </a:buClr>
+              <a:buSzPct val="25000"/>
+            </a:pPr>
+            <a:r>
+              <a:rPr lang="en-US" sz="1688" dirty="0">
+                <a:solidFill>
+                  <a:schemeClr val="lt1"/>
+                </a:solidFill>
+                <a:latin typeface="Courier New"/>
+                <a:ea typeface="Courier New"/>
+                <a:cs typeface="Courier New"/>
+                <a:sym typeface="Courier New"/>
+              </a:rPr>
+              <a:t>        </a:t>
+            </a:r>
+            <a:r>
+              <a:rPr lang="en-US" sz="1688" dirty="0">
+                <a:latin typeface="Courier New"/>
+                <a:ea typeface="Courier New"/>
+                <a:cs typeface="Courier New"/>
+                <a:sym typeface="Courier New"/>
+              </a:rPr>
+              <a:t>break</a:t>
+            </a:r>
+          </a:p>
+          <a:p>
+            <a:pPr>
+              <a:buClr>
+                <a:schemeClr val="lt1"/>
+              </a:buClr>
+              <a:buSzPct val="25000"/>
+            </a:pPr>
+            <a:r>
+              <a:rPr lang="en-US" sz="1688" dirty="0">
+                <a:solidFill>
+                  <a:schemeClr val="lt1"/>
+                </a:solidFill>
+                <a:latin typeface="Courier New"/>
+                <a:ea typeface="Courier New"/>
+                <a:cs typeface="Courier New"/>
+                <a:sym typeface="Courier New"/>
+              </a:rPr>
+              <a:t>    </a:t>
+            </a:r>
+            <a:r>
+              <a:rPr lang="en-US" sz="1688" dirty="0">
+                <a:latin typeface="Courier New"/>
+                <a:ea typeface="Courier New"/>
+                <a:cs typeface="Courier New"/>
+                <a:sym typeface="Courier New"/>
+              </a:rPr>
+              <a:t>print</a:t>
+            </a:r>
+            <a:r>
+              <a:rPr lang="en-US" sz="1688" dirty="0">
+                <a:solidFill>
+                  <a:schemeClr val="lt1"/>
+                </a:solidFill>
+                <a:latin typeface="Courier New"/>
+                <a:ea typeface="Courier New"/>
+                <a:cs typeface="Courier New"/>
+                <a:sym typeface="Courier New"/>
+              </a:rPr>
+              <a:t> </a:t>
+            </a:r>
+            <a:r>
+              <a:rPr lang="ru-RU" sz="1688" dirty="0" smtClean="0">
+                <a:latin typeface="Courier New"/>
+                <a:ea typeface="Courier New"/>
+                <a:cs typeface="Courier New"/>
+                <a:sym typeface="Courier New"/>
+              </a:rPr>
+              <a:t>(</a:t>
+            </a:r>
+            <a:r>
+              <a:rPr lang="en-US" sz="1688" dirty="0" smtClean="0">
+                <a:solidFill>
+                  <a:srgbClr val="00FF00"/>
+                </a:solidFill>
+                <a:latin typeface="Courier New"/>
+                <a:ea typeface="Courier New"/>
+                <a:cs typeface="Courier New"/>
+                <a:sym typeface="Courier New"/>
+              </a:rPr>
+              <a:t>line</a:t>
+            </a:r>
+            <a:r>
+              <a:rPr lang="ru-RU" sz="1688" dirty="0" smtClean="0">
+                <a:latin typeface="Courier New"/>
+                <a:ea typeface="Courier New"/>
+                <a:cs typeface="Courier New"/>
+                <a:sym typeface="Courier New"/>
+              </a:rPr>
+              <a:t>)</a:t>
+            </a:r>
+            <a:endParaRPr lang="en-US" sz="1688" dirty="0">
+              <a:solidFill>
+                <a:srgbClr val="00FF00"/>
+              </a:solidFill>
+              <a:latin typeface="Courier New"/>
+              <a:ea typeface="Courier New"/>
+              <a:cs typeface="Courier New"/>
+              <a:sym typeface="Courier New"/>
+            </a:endParaRPr>
+          </a:p>
+          <a:p>
+            <a:pPr>
+              <a:buClr>
+                <a:srgbClr val="FFFF00"/>
+              </a:buClr>
+              <a:buSzPct val="25000"/>
+            </a:pPr>
+            <a:r>
+              <a:rPr lang="en-US" sz="1688" dirty="0" smtClean="0">
+                <a:latin typeface="Courier New"/>
+                <a:ea typeface="Courier New"/>
+                <a:cs typeface="Courier New"/>
+                <a:sym typeface="Courier New"/>
+              </a:rPr>
+              <a:t>print</a:t>
+            </a:r>
+            <a:r>
+              <a:rPr lang="en-US" sz="1688" dirty="0" smtClean="0">
+                <a:solidFill>
+                  <a:schemeClr val="lt1"/>
+                </a:solidFill>
+                <a:latin typeface="Courier New"/>
+                <a:ea typeface="Courier New"/>
+                <a:cs typeface="Courier New"/>
+                <a:sym typeface="Courier New"/>
+              </a:rPr>
+              <a:t> </a:t>
+            </a:r>
+            <a:r>
+              <a:rPr lang="ru-RU" sz="1688" dirty="0" smtClean="0">
+                <a:latin typeface="Courier New"/>
+                <a:ea typeface="Courier New"/>
+                <a:cs typeface="Courier New"/>
+                <a:sym typeface="Courier New"/>
+              </a:rPr>
+              <a:t>(</a:t>
+            </a:r>
+            <a:r>
+              <a:rPr lang="en-US" sz="1688" dirty="0" smtClean="0">
+                <a:solidFill>
+                  <a:srgbClr val="FF7F00"/>
+                </a:solidFill>
+                <a:latin typeface="Courier New"/>
+                <a:ea typeface="Courier New"/>
+                <a:cs typeface="Courier New"/>
+                <a:sym typeface="Courier New"/>
+              </a:rPr>
+              <a:t>'Done!'</a:t>
+            </a:r>
+            <a:r>
+              <a:rPr lang="ru-RU" sz="1688" dirty="0" smtClean="0">
+                <a:latin typeface="Courier New"/>
+                <a:ea typeface="Courier New"/>
+                <a:cs typeface="Courier New"/>
+                <a:sym typeface="Courier New"/>
+              </a:rPr>
+              <a:t>)</a:t>
+            </a:r>
+            <a:endParaRPr lang="en-US" sz="1688" dirty="0">
+              <a:solidFill>
+                <a:srgbClr val="FF7F00"/>
+              </a:solidFill>
+              <a:latin typeface="Courier New"/>
+              <a:ea typeface="Courier New"/>
+              <a:cs typeface="Courier New"/>
+              <a:sym typeface="Courier New"/>
+            </a:endParaRPr>
+          </a:p>
+        </p:txBody>
+      </p:sp>
+      <p:cxnSp>
+        <p:nvCxnSpPr>
+          <p:cNvPr id="6" name="Shape 299"/>
+          <p:cNvCxnSpPr/>
+          <p:nvPr/>
+        </p:nvCxnSpPr>
+        <p:spPr>
+          <a:xfrm rot="10800000">
+            <a:off x="1291679" y="4580726"/>
+            <a:ext cx="294131" cy="361968"/>
+          </a:xfrm>
+          <a:prstGeom prst="straightConnector1">
+            <a:avLst/>
+          </a:prstGeom>
+          <a:noFill/>
+          <a:ln w="50800" cap="rnd" cmpd="sng">
+            <a:solidFill>
+              <a:srgbClr val="0070C0"/>
+            </a:solidFill>
+            <a:prstDash val="solid"/>
+            <a:miter/>
+            <a:headEnd type="stealth" w="med" len="med"/>
+            <a:tailEnd type="none" w="med" len="med"/>
+          </a:ln>
+        </p:spPr>
+      </p:cxnSp>
+      <p:cxnSp>
+        <p:nvCxnSpPr>
+          <p:cNvPr id="7" name="Shape 300"/>
+          <p:cNvCxnSpPr/>
+          <p:nvPr/>
+        </p:nvCxnSpPr>
+        <p:spPr>
+          <a:xfrm flipV="1">
+            <a:off x="1259632" y="4437112"/>
+            <a:ext cx="1368152" cy="133820"/>
+          </a:xfrm>
+          <a:prstGeom prst="straightConnector1">
+            <a:avLst/>
+          </a:prstGeom>
+          <a:noFill/>
+          <a:ln w="50800" cap="rnd" cmpd="sng">
+            <a:solidFill>
+              <a:srgbClr val="0070C0"/>
+            </a:solidFill>
+            <a:prstDash val="solid"/>
+            <a:miter/>
+            <a:headEnd type="stealth" w="med" len="med"/>
+            <a:tailEnd type="none" w="med" len="med"/>
+          </a:ln>
+        </p:spPr>
+      </p:cxnSp>
+    </p:spTree>
+    <p:extLst>
+      <p:ext uri="{BB962C8B-B14F-4D97-AF65-F5344CB8AC3E}">
+        <p14:creationId xmlns:p14="http://schemas.microsoft.com/office/powerpoint/2010/main" val="527994190"/>
+      </p:ext>
+    </p:extLst>
+  </p:cSld>
+  <p:clrMapOvr>
+    <a:masterClrMapping/>
+  </p:clrMapOvr>
+  <p:timing>
+    <p:tnLst>
+      <p:par>
+        <p:cTn id="1" dur="indefinite" restart="never" nodeType="tmRoot"/>
+      </p:par>
+    </p:tnLst>
+  </p:timing>
+</p:sld>
+</file>
+
+<file path=ppt/slides/slide11.xml><?xml version="1.0" encoding="utf-8"?>
 <p:sld xmlns:a="http://schemas.openxmlformats.org/drawingml/2006/main" xmlns:r="http://schemas.openxmlformats.org/officeDocument/2006/relationships" xmlns:p="http://schemas.openxmlformats.org/presentationml/2006/main">
   <p:cSld>
     <p:spTree>
@@ -5582,7 +6687,7 @@
           <a:noFill/>
           <a:ln w="76200" cap="rnd" cmpd="sng">
             <a:solidFill>
-              <a:srgbClr val="1155CC"/>
+              <a:schemeClr val="bg1"/>
             </a:solidFill>
             <a:prstDash val="solid"/>
             <a:miter/>
@@ -5608,7 +6713,7 @@
           <a:noFill/>
           <a:ln w="76200" cap="rnd" cmpd="sng">
             <a:solidFill>
-              <a:srgbClr val="1155CC"/>
+              <a:schemeClr val="bg1"/>
             </a:solidFill>
             <a:prstDash val="solid"/>
             <a:miter/>
@@ -5634,7 +6739,7 @@
           <a:noFill/>
           <a:ln w="76200" cap="rnd" cmpd="sng">
             <a:solidFill>
-              <a:srgbClr val="1155CC"/>
+              <a:schemeClr val="bg1"/>
             </a:solidFill>
             <a:prstDash val="solid"/>
             <a:miter/>
@@ -5660,7 +6765,7 @@
           <a:noFill/>
           <a:ln w="76200" cap="rnd" cmpd="sng">
             <a:solidFill>
-              <a:srgbClr val="1155CC"/>
+              <a:schemeClr val="bg1"/>
             </a:solidFill>
             <a:prstDash val="solid"/>
             <a:miter/>
@@ -6553,6 +7658,61 @@
           </a:p>
         </p:txBody>
       </p:sp>
+      <p:sp>
+        <p:nvSpPr>
+          <p:cNvPr id="24" name="Shape 278"/>
+          <p:cNvSpPr txBox="1"/>
+          <p:nvPr/>
+        </p:nvSpPr>
+        <p:spPr>
+          <a:xfrm>
+            <a:off x="6965143" y="1347407"/>
+            <a:ext cx="408086" cy="350043"/>
+          </a:xfrm>
+          <a:prstGeom prst="rect">
+            <a:avLst/>
+          </a:prstGeom>
+          <a:noFill/>
+          <a:ln w="9525" cap="flat" cmpd="sng">
+            <a:solidFill>
+              <a:srgbClr val="0000FF"/>
+            </a:solidFill>
+            <a:prstDash val="solid"/>
+            <a:round/>
+            <a:headEnd type="none" w="med" len="med"/>
+            <a:tailEnd type="none" w="med" len="med"/>
+          </a:ln>
+        </p:spPr>
+        <p:txBody>
+          <a:bodyPr lIns="0" tIns="0" rIns="0" bIns="0" anchor="ctr" anchorCtr="0">
+            <a:noAutofit/>
+          </a:bodyPr>
+          <a:lstStyle/>
+          <a:p>
+            <a:pPr algn="ctr">
+              <a:buClr>
+                <a:schemeClr val="lt1"/>
+              </a:buClr>
+              <a:buSzPct val="25000"/>
+            </a:pPr>
+            <a:r>
+              <a:rPr lang="en-US" sz="2025" dirty="0" err="1">
+                <a:latin typeface="Cabin"/>
+                <a:ea typeface="Cabin"/>
+                <a:cs typeface="Cabin"/>
+                <a:sym typeface="Cabin"/>
+              </a:rPr>
+              <a:t>Да</a:t>
+            </a:r>
+            <a:endParaRPr lang="en-US" sz="2025" dirty="0">
+              <a:latin typeface="Cabin"/>
+              <a:ea typeface="Cabin"/>
+              <a:cs typeface="Cabin"/>
+              <a:sym typeface="Cabin"/>
+            </a:endParaRPr>
+          </a:p>
+        </p:txBody>
+      </p:sp>
     </p:spTree>
     <p:extLst>
       <p:ext uri="{BB962C8B-B14F-4D97-AF65-F5344CB8AC3E}">
@@ -6573,7 +7733,7 @@
 </p:sld>
 </file>
 
-<file path=ppt/slides/slide11.xml><?xml version="1.0" encoding="utf-8"?>
+<file path=ppt/slides/slide12.xml><?xml version="1.0" encoding="utf-8"?>
 <p:sld xmlns:a="http://schemas.openxmlformats.org/drawingml/2006/main" xmlns:r="http://schemas.openxmlformats.org/officeDocument/2006/relationships" xmlns:p="http://schemas.openxmlformats.org/presentationml/2006/main">
   <p:cSld>
     <p:spTree>
@@ -7770,7 +8930,7 @@
 </p:sld>
 </file>
 
-<file path=ppt/slides/slide12.xml><?xml version="1.0" encoding="utf-8"?>
+<file path=ppt/slides/slide13.xml><?xml version="1.0" encoding="utf-8"?>
 <p:sld xmlns:a="http://schemas.openxmlformats.org/drawingml/2006/main" xmlns:r="http://schemas.openxmlformats.org/officeDocument/2006/relationships" xmlns:p="http://schemas.openxmlformats.org/presentationml/2006/main">
   <p:cSld>
     <p:spTree>
@@ -9049,7 +10209,7 @@
 </p:sld>
 </file>
 
-<file path=ppt/slides/slide13.xml><?xml version="1.0" encoding="utf-8"?>
+<file path=ppt/slides/slide14.xml><?xml version="1.0" encoding="utf-8"?>
 <p:sld xmlns:a="http://schemas.openxmlformats.org/drawingml/2006/main" xmlns:r="http://schemas.openxmlformats.org/officeDocument/2006/relationships" xmlns:p="http://schemas.openxmlformats.org/presentationml/2006/main">
   <p:cSld>
     <p:spTree>
@@ -9147,9 +10307,9 @@
           <p:nvPr/>
         </p:nvCxnSpPr>
         <p:spPr>
-          <a:xfrm rot="10800000">
-            <a:off x="6185082" y="2365791"/>
-            <a:ext cx="17043" cy="2282681"/>
+          <a:xfrm flipH="1" flipV="1">
+            <a:off x="6185083" y="2365792"/>
+            <a:ext cx="17042" cy="2361915"/>
           </a:xfrm>
           <a:prstGeom prst="straightConnector1">
             <a:avLst/>
@@ -9200,7 +10360,7 @@
         </p:nvCxnSpPr>
         <p:spPr>
           <a:xfrm>
-            <a:off x="6182845" y="4675585"/>
+            <a:off x="6220307" y="4727707"/>
             <a:ext cx="1225294" cy="1856"/>
           </a:xfrm>
           <a:prstGeom prst="straightConnector1">
@@ -9235,7 +10395,7 @@
           <a:noFill/>
           <a:ln w="76200" cap="rnd" cmpd="sng">
             <a:solidFill>
-              <a:srgbClr val="1155CC"/>
+              <a:schemeClr val="bg1"/>
             </a:solidFill>
             <a:prstDash val="solid"/>
             <a:miter/>
@@ -9261,7 +10421,7 @@
           <a:noFill/>
           <a:ln w="76200" cap="rnd" cmpd="sng">
             <a:solidFill>
-              <a:srgbClr val="1155CC"/>
+              <a:schemeClr val="bg1"/>
             </a:solidFill>
             <a:prstDash val="solid"/>
             <a:miter/>
@@ -9287,7 +10447,7 @@
           <a:noFill/>
           <a:ln w="76200" cap="rnd" cmpd="sng">
             <a:solidFill>
-              <a:srgbClr val="1155CC"/>
+              <a:schemeClr val="bg1"/>
             </a:solidFill>
             <a:prstDash val="solid"/>
             <a:miter/>
@@ -9313,7 +10473,7 @@
           <a:noFill/>
           <a:ln w="76200" cap="rnd" cmpd="sng">
             <a:solidFill>
-              <a:srgbClr val="1155CC"/>
+              <a:schemeClr val="bg1"/>
             </a:solidFill>
             <a:prstDash val="solid"/>
             <a:miter/>
@@ -9376,7 +10536,7 @@
         </p:nvSpPr>
         <p:spPr>
           <a:xfrm>
-            <a:off x="5329238" y="5293519"/>
+            <a:off x="5380566" y="5854852"/>
             <a:ext cx="1643118" cy="421537"/>
           </a:xfrm>
           <a:prstGeom prst="rect">
@@ -9402,7 +10562,7 @@
               <a:buSzPct val="25000"/>
             </a:pPr>
             <a:r>
-              <a:rPr lang="en-US" sz="1969">
+              <a:rPr lang="en-US" sz="1969" dirty="0">
                 <a:solidFill>
                   <a:schemeClr val="lt1"/>
                 </a:solidFill>
@@ -9465,13 +10625,15 @@
       <p:cxnSp>
         <p:nvCxnSpPr>
           <p:cNvPr id="363" name="Shape 363"/>
-          <p:cNvCxnSpPr/>
+          <p:cNvCxnSpPr>
+            <a:stCxn id="352" idx="0"/>
+          </p:cNvCxnSpPr>
           <p:nvPr/>
         </p:nvCxnSpPr>
         <p:spPr>
-          <a:xfrm rot="10800000" flipH="1">
-            <a:off x="6504385" y="1591186"/>
-            <a:ext cx="1688681" cy="160818"/>
+          <a:xfrm>
+            <a:off x="6193604" y="1700213"/>
+            <a:ext cx="2266828" cy="0"/>
           </a:xfrm>
           <a:prstGeom prst="straightConnector1">
             <a:avLst/>
@@ -9570,8 +10732,8 @@
         </p:nvCxnSpPr>
         <p:spPr>
           <a:xfrm>
-            <a:off x="8182272" y="1580555"/>
-            <a:ext cx="475875" cy="1641262"/>
+            <a:off x="8460432" y="1696644"/>
+            <a:ext cx="20671" cy="1553763"/>
           </a:xfrm>
           <a:prstGeom prst="straightConnector1">
             <a:avLst/>
@@ -10353,6 +11515,163 @@
           </a:ln>
         </p:spPr>
       </p:cxnSp>
+      <p:cxnSp>
+        <p:nvCxnSpPr>
+          <p:cNvPr id="29" name="Shape 320"/>
+          <p:cNvCxnSpPr>
+            <a:stCxn id="361" idx="0"/>
+          </p:cNvCxnSpPr>
+          <p:nvPr/>
+        </p:nvCxnSpPr>
+        <p:spPr>
+          <a:xfrm flipV="1">
+            <a:off x="6202125" y="5331825"/>
+            <a:ext cx="2181237" cy="523027"/>
+          </a:xfrm>
+          <a:prstGeom prst="straightConnector1">
+            <a:avLst/>
+          </a:prstGeom>
+          <a:noFill/>
+          <a:ln w="76200" cap="rnd" cmpd="sng">
+            <a:solidFill>
+              <a:schemeClr val="accent1"/>
+            </a:solidFill>
+            <a:prstDash val="solid"/>
+            <a:miter/>
+            <a:headEnd type="stealth" w="med" len="med"/>
+            <a:tailEnd type="none" w="med" len="med"/>
+          </a:ln>
+        </p:spPr>
+      </p:cxnSp>
+      <p:cxnSp>
+        <p:nvCxnSpPr>
+          <p:cNvPr id="31" name="Shape 325"/>
+          <p:cNvCxnSpPr/>
+          <p:nvPr/>
+        </p:nvCxnSpPr>
+        <p:spPr>
+          <a:xfrm rot="10800000">
+            <a:off x="7479656" y="4534439"/>
+            <a:ext cx="788568" cy="462544"/>
+          </a:xfrm>
+          <a:prstGeom prst="straightConnector1">
+            <a:avLst/>
+          </a:prstGeom>
+          <a:noFill/>
+          <a:ln w="76200" cap="rnd" cmpd="sng">
+            <a:solidFill>
+              <a:srgbClr val="1155CC"/>
+            </a:solidFill>
+            <a:prstDash val="solid"/>
+            <a:miter/>
+            <a:headEnd type="none" w="med" len="med"/>
+            <a:tailEnd type="none" w="med" len="med"/>
+          </a:ln>
+        </p:spPr>
+      </p:cxnSp>
+      <p:sp>
+        <p:nvSpPr>
+          <p:cNvPr id="32" name="Shape 328"/>
+          <p:cNvSpPr txBox="1"/>
+          <p:nvPr/>
+        </p:nvSpPr>
+        <p:spPr>
+          <a:xfrm>
+            <a:off x="7736016" y="4921081"/>
+            <a:ext cx="1228669" cy="421537"/>
+          </a:xfrm>
+          <a:prstGeom prst="rect">
+            <a:avLst/>
+          </a:prstGeom>
+          <a:solidFill>
+            <a:srgbClr val="0000FF"/>
+          </a:solidFill>
+          <a:ln>
+            <a:noFill/>
+          </a:ln>
+        </p:spPr>
+        <p:txBody>
+          <a:bodyPr lIns="0" tIns="0" rIns="0" bIns="0" anchor="ctr" anchorCtr="0">
+            <a:noAutofit/>
+          </a:bodyPr>
+          <a:lstStyle/>
+          <a:p>
+            <a:pPr algn="ctr">
+              <a:buClr>
+                <a:schemeClr val="lt1"/>
+              </a:buClr>
+              <a:buSzPct val="25000"/>
+            </a:pPr>
+            <a:r>
+              <a:rPr lang="en-US" sz="1969">
+                <a:solidFill>
+                  <a:schemeClr val="lt1"/>
+                </a:solidFill>
+                <a:latin typeface="Cabin"/>
+                <a:ea typeface="Cabin"/>
+                <a:cs typeface="Cabin"/>
+                <a:sym typeface="Cabin"/>
+              </a:rPr>
+              <a:t>break</a:t>
+            </a:r>
+          </a:p>
+        </p:txBody>
+      </p:sp>
+      <p:sp>
+        <p:nvSpPr>
+          <p:cNvPr id="36" name="Shape 278"/>
+          <p:cNvSpPr txBox="1"/>
+          <p:nvPr/>
+        </p:nvSpPr>
+        <p:spPr>
+          <a:xfrm>
+            <a:off x="7000053" y="1699026"/>
+            <a:ext cx="408086" cy="350043"/>
+          </a:xfrm>
+          <a:prstGeom prst="rect">
+            <a:avLst/>
+          </a:prstGeom>
+          <a:noFill/>
+          <a:ln w="9525" cap="flat" cmpd="sng">
+            <a:solidFill>
+              <a:srgbClr val="0000FF"/>
+            </a:solidFill>
+            <a:prstDash val="solid"/>
+            <a:round/>
+            <a:headEnd type="none" w="med" len="med"/>
+            <a:tailEnd type="none" w="med" len="med"/>
+          </a:ln>
+        </p:spPr>
+        <p:txBody>
+          <a:bodyPr lIns="0" tIns="0" rIns="0" bIns="0" anchor="ctr" anchorCtr="0">
+            <a:noAutofit/>
+          </a:bodyPr>
+          <a:lstStyle/>
+          <a:p>
+            <a:pPr algn="ctr">
+              <a:buClr>
+                <a:schemeClr val="lt1"/>
+              </a:buClr>
+              <a:buSzPct val="25000"/>
+            </a:pPr>
+            <a:r>
+              <a:rPr lang="en-US" sz="2025" dirty="0" err="1">
+                <a:latin typeface="Cabin"/>
+                <a:ea typeface="Cabin"/>
+                <a:cs typeface="Cabin"/>
+                <a:sym typeface="Cabin"/>
+              </a:rPr>
+              <a:t>Да</a:t>
+            </a:r>
+            <a:endParaRPr lang="en-US" sz="2025" dirty="0">
+              <a:latin typeface="Cabin"/>
+              <a:ea typeface="Cabin"/>
+              <a:cs typeface="Cabin"/>
+              <a:sym typeface="Cabin"/>
+            </a:endParaRPr>
+          </a:p>
+        </p:txBody>
+      </p:sp>
     </p:spTree>
     <p:extLst>
       <p:ext uri="{BB962C8B-B14F-4D97-AF65-F5344CB8AC3E}">
@@ -10373,7 +11692,7 @@
 </p:sld>
 </file>
 
-<file path=ppt/slides/slide14.xml><?xml version="1.0" encoding="utf-8"?>
+<file path=ppt/slides/slide15.xml><?xml version="1.0" encoding="utf-8"?>
 <p:sld xmlns:a="http://schemas.openxmlformats.org/drawingml/2006/main" xmlns:r="http://schemas.openxmlformats.org/officeDocument/2006/relationships" xmlns:p="http://schemas.openxmlformats.org/presentationml/2006/main">
   <p:cSld>
     <p:spTree>
@@ -10501,7 +11820,7 @@
 </p:sld>
 </file>
 
-<file path=ppt/slides/slide15.xml><?xml version="1.0" encoding="utf-8"?>
+<file path=ppt/slides/slide16.xml><?xml version="1.0" encoding="utf-8"?>
 <p:sld xmlns:a="http://schemas.openxmlformats.org/drawingml/2006/main" xmlns:r="http://schemas.openxmlformats.org/officeDocument/2006/relationships" xmlns:p="http://schemas.openxmlformats.org/presentationml/2006/main">
   <p:cSld>
     <p:spTree>
@@ -10804,7 +12123,82 @@
               <a:t> </a:t>
             </a:r>
             <a:r>
+              <a:rPr lang="ru-RU" sz="1575" dirty="0" smtClean="0">
+                <a:solidFill>
+                  <a:srgbClr val="00B0F0"/>
+                </a:solidFill>
+                <a:latin typeface="Cabin"/>
+                <a:ea typeface="Cabin"/>
+                <a:cs typeface="Cabin"/>
+                <a:sym typeface="Cabin"/>
+              </a:rPr>
+              <a:t>счетчик</a:t>
+            </a:r>
+            <a:r>
+              <a:rPr lang="en-US" sz="1575" dirty="0" smtClean="0">
+                <a:latin typeface="Cabin"/>
+                <a:ea typeface="Cabin"/>
+                <a:cs typeface="Cabin"/>
+                <a:sym typeface="Cabin"/>
+              </a:rPr>
+              <a:t>, </a:t>
+            </a:r>
+            <a:r>
               <a:rPr lang="en-US" sz="1575" dirty="0" err="1">
+                <a:latin typeface="Cabin"/>
+                <a:ea typeface="Cabin"/>
+                <a:cs typeface="Cabin"/>
+                <a:sym typeface="Cabin"/>
+              </a:rPr>
+              <a:t>исходное</a:t>
+            </a:r>
+            <a:r>
+              <a:rPr lang="en-US" sz="1575" dirty="0">
+                <a:latin typeface="Cabin"/>
+                <a:ea typeface="Cabin"/>
+                <a:cs typeface="Cabin"/>
+                <a:sym typeface="Cabin"/>
+              </a:rPr>
+              <a:t> </a:t>
+            </a:r>
+            <a:r>
+              <a:rPr lang="en-US" sz="1575" dirty="0" err="1">
+                <a:latin typeface="Cabin"/>
+                <a:ea typeface="Cabin"/>
+                <a:cs typeface="Cabin"/>
+                <a:sym typeface="Cabin"/>
+              </a:rPr>
+              <a:t>значение</a:t>
+            </a:r>
+            <a:r>
+              <a:rPr lang="en-US" sz="1575" dirty="0">
+                <a:latin typeface="Cabin"/>
+                <a:ea typeface="Cabin"/>
+                <a:cs typeface="Cabin"/>
+                <a:sym typeface="Cabin"/>
+              </a:rPr>
+              <a:t> </a:t>
+            </a:r>
+            <a:r>
+              <a:rPr lang="en-US" sz="1575" dirty="0" err="1">
+                <a:latin typeface="Cabin"/>
+                <a:ea typeface="Cabin"/>
+                <a:cs typeface="Cabin"/>
+                <a:sym typeface="Cabin"/>
+              </a:rPr>
+              <a:t>которой</a:t>
+            </a:r>
+            <a:r>
+              <a:rPr lang="en-US" sz="1575" dirty="0">
+                <a:latin typeface="Cabin"/>
+                <a:ea typeface="Cabin"/>
+                <a:cs typeface="Cabin"/>
+                <a:sym typeface="Cabin"/>
+              </a:rPr>
+              <a:t> </a:t>
+            </a:r>
+            <a:r>
+              <a:rPr lang="ru-RU" sz="1575" dirty="0" smtClean="0">
                 <a:solidFill>
                   <a:srgbClr val="00B0F0"/>
                 </a:solidFill>
@@ -10813,25 +12207,31 @@
                 <a:cs typeface="Cabin"/>
                 <a:sym typeface="Cabin"/>
               </a:rPr>
-              <a:t>подсчета</a:t>
+              <a:t>приравнивается</a:t>
+            </a:r>
+            <a:r>
+              <a:rPr lang="en-US" sz="1575" dirty="0" smtClean="0">
+                <a:solidFill>
+                  <a:srgbClr val="00B0F0"/>
+                </a:solidFill>
+                <a:latin typeface="Cabin"/>
+                <a:ea typeface="Cabin"/>
+                <a:cs typeface="Cabin"/>
+                <a:sym typeface="Cabin"/>
+              </a:rPr>
+              <a:t> </a:t>
             </a:r>
             <a:r>
               <a:rPr lang="en-US" sz="1575" dirty="0">
-                <a:latin typeface="Cabin"/>
-                <a:ea typeface="Cabin"/>
-                <a:cs typeface="Cabin"/>
-                <a:sym typeface="Cabin"/>
-              </a:rPr>
-              <a:t>, </a:t>
-            </a:r>
-            <a:r>
-              <a:rPr lang="en-US" sz="1575" dirty="0" err="1">
-                <a:latin typeface="Cabin"/>
-                <a:ea typeface="Cabin"/>
-                <a:cs typeface="Cabin"/>
-                <a:sym typeface="Cabin"/>
-              </a:rPr>
-              <a:t>исходное</a:t>
+                <a:solidFill>
+                  <a:srgbClr val="00B0F0"/>
+                </a:solidFill>
+                <a:latin typeface="Cabin"/>
+                <a:ea typeface="Cabin"/>
+                <a:cs typeface="Cabin"/>
+                <a:sym typeface="Cabin"/>
+              </a:rPr>
+              <a:t>0</a:t>
             </a:r>
             <a:r>
               <a:rPr lang="en-US" sz="1575" dirty="0">
@@ -10840,148 +12240,25 @@
                 <a:cs typeface="Cabin"/>
                 <a:sym typeface="Cabin"/>
               </a:rPr>
-              <a:t> </a:t>
-            </a:r>
-            <a:r>
-              <a:rPr lang="en-US" sz="1575" dirty="0" err="1">
-                <a:latin typeface="Cabin"/>
-                <a:ea typeface="Cabin"/>
-                <a:cs typeface="Cabin"/>
-                <a:sym typeface="Cabin"/>
-              </a:rPr>
-              <a:t>значение</a:t>
-            </a:r>
-            <a:r>
-              <a:rPr lang="en-US" sz="1575" dirty="0">
-                <a:latin typeface="Cabin"/>
-                <a:ea typeface="Cabin"/>
-                <a:cs typeface="Cabin"/>
-                <a:sym typeface="Cabin"/>
-              </a:rPr>
-              <a:t> </a:t>
-            </a:r>
-            <a:r>
-              <a:rPr lang="en-US" sz="1575" dirty="0" err="1">
-                <a:latin typeface="Cabin"/>
-                <a:ea typeface="Cabin"/>
-                <a:cs typeface="Cabin"/>
-                <a:sym typeface="Cabin"/>
-              </a:rPr>
-              <a:t>которой</a:t>
-            </a:r>
-            <a:r>
-              <a:rPr lang="en-US" sz="1575" dirty="0">
-                <a:latin typeface="Cabin"/>
-                <a:ea typeface="Cabin"/>
-                <a:cs typeface="Cabin"/>
-                <a:sym typeface="Cabin"/>
-              </a:rPr>
-              <a:t> </a:t>
-            </a:r>
-            <a:r>
-              <a:rPr lang="en-US" sz="1575" dirty="0" err="1">
-                <a:solidFill>
-                  <a:srgbClr val="00B0F0"/>
-                </a:solidFill>
-                <a:latin typeface="Cabin"/>
-                <a:ea typeface="Cabin"/>
-                <a:cs typeface="Cabin"/>
-                <a:sym typeface="Cabin"/>
-              </a:rPr>
-              <a:t>равно</a:t>
-            </a:r>
-            <a:r>
-              <a:rPr lang="en-US" sz="1575" dirty="0">
-                <a:solidFill>
-                  <a:srgbClr val="00B0F0"/>
-                </a:solidFill>
-                <a:latin typeface="Cabin"/>
-                <a:ea typeface="Cabin"/>
-                <a:cs typeface="Cabin"/>
-                <a:sym typeface="Cabin"/>
-              </a:rPr>
-              <a:t> 0</a:t>
-            </a:r>
-            <a:r>
-              <a:rPr lang="en-US" sz="1575" dirty="0">
-                <a:latin typeface="Cabin"/>
-                <a:ea typeface="Cabin"/>
-                <a:cs typeface="Cabin"/>
-                <a:sym typeface="Cabin"/>
-              </a:rPr>
               <a:t>. </a:t>
             </a:r>
             <a:r>
-              <a:rPr lang="en-US" sz="1575" dirty="0" err="1">
-                <a:latin typeface="Cabin"/>
-                <a:ea typeface="Cabin"/>
-                <a:cs typeface="Cabin"/>
-                <a:sym typeface="Cabin"/>
-              </a:rPr>
-              <a:t>При</a:t>
-            </a:r>
-            <a:r>
-              <a:rPr lang="en-US" sz="1575" dirty="0">
-                <a:latin typeface="Cabin"/>
-                <a:ea typeface="Cabin"/>
-                <a:cs typeface="Cabin"/>
-                <a:sym typeface="Cabin"/>
-              </a:rPr>
-              <a:t> </a:t>
-            </a:r>
-            <a:r>
-              <a:rPr lang="en-US" sz="1575" dirty="0" err="1">
-                <a:latin typeface="Cabin"/>
-                <a:ea typeface="Cabin"/>
-                <a:cs typeface="Cabin"/>
-                <a:sym typeface="Cabin"/>
-              </a:rPr>
-              <a:t>каждом</a:t>
-            </a:r>
-            <a:r>
-              <a:rPr lang="en-US" sz="1575" dirty="0">
-                <a:latin typeface="Cabin"/>
-                <a:ea typeface="Cabin"/>
-                <a:cs typeface="Cabin"/>
-                <a:sym typeface="Cabin"/>
-              </a:rPr>
-              <a:t> </a:t>
-            </a:r>
-            <a:r>
-              <a:rPr lang="en-US" sz="1575" dirty="0" err="1">
-                <a:latin typeface="Cabin"/>
-                <a:ea typeface="Cabin"/>
-                <a:cs typeface="Cabin"/>
-                <a:sym typeface="Cabin"/>
-              </a:rPr>
-              <a:t>выполнении</a:t>
-            </a:r>
-            <a:r>
-              <a:rPr lang="en-US" sz="1575" dirty="0">
-                <a:latin typeface="Cabin"/>
-                <a:ea typeface="Cabin"/>
-                <a:cs typeface="Cabin"/>
-                <a:sym typeface="Cabin"/>
-              </a:rPr>
-              <a:t> </a:t>
-            </a:r>
-            <a:r>
-              <a:rPr lang="en-US" sz="1575" dirty="0" err="1">
-                <a:latin typeface="Cabin"/>
-                <a:ea typeface="Cabin"/>
-                <a:cs typeface="Cabin"/>
-                <a:sym typeface="Cabin"/>
-              </a:rPr>
-              <a:t>цикла</a:t>
-            </a:r>
-            <a:r>
-              <a:rPr lang="en-US" sz="1575" dirty="0">
-                <a:latin typeface="Cabin"/>
-                <a:ea typeface="Cabin"/>
-                <a:cs typeface="Cabin"/>
-                <a:sym typeface="Cabin"/>
-              </a:rPr>
-              <a:t> к </a:t>
+              <a:rPr lang="ru-RU" sz="1575" dirty="0" smtClean="0">
+                <a:latin typeface="Cabin"/>
+                <a:ea typeface="Cabin"/>
+                <a:cs typeface="Cabin"/>
+                <a:sym typeface="Cabin"/>
+              </a:rPr>
+              <a:t>На каждой итерации цикла </a:t>
+            </a:r>
+            <a:r>
+              <a:rPr lang="en-US" sz="1575" dirty="0" smtClean="0">
+                <a:latin typeface="Cabin"/>
+                <a:ea typeface="Cabin"/>
+                <a:cs typeface="Cabin"/>
+                <a:sym typeface="Cabin"/>
+              </a:rPr>
+              <a:t>к </a:t>
             </a:r>
             <a:r>
               <a:rPr lang="en-US" sz="1575" dirty="0" err="1">
@@ -11082,7 +12359,7 @@
         </p:blipFill>
         <p:spPr>
           <a:xfrm>
-            <a:off x="3131840" y="1772816"/>
+            <a:off x="3059832" y="1832977"/>
             <a:ext cx="3528392" cy="2822714"/>
           </a:xfrm>
           <a:prstGeom prst="rect">
@@ -11090,6 +12367,140 @@
           </a:prstGeom>
         </p:spPr>
       </p:pic>
+      <p:sp>
+        <p:nvSpPr>
+          <p:cNvPr id="3" name="Прямоугольник 2"/>
+          <p:cNvSpPr/>
+          <p:nvPr/>
+        </p:nvSpPr>
+        <p:spPr>
+          <a:xfrm>
+            <a:off x="5220072" y="1700808"/>
+            <a:ext cx="2556469" cy="369332"/>
+          </a:xfrm>
+          <a:prstGeom prst="rect">
+            <a:avLst/>
+          </a:prstGeom>
+        </p:spPr>
+        <p:txBody>
+          <a:bodyPr wrap="none">
+            <a:spAutoFit/>
+          </a:bodyPr>
+          <a:lstStyle/>
+          <a:p>
+            <a:r>
+              <a:rPr lang="en-US" dirty="0" smtClean="0">
+                <a:solidFill>
+                  <a:srgbClr val="00B0F0"/>
+                </a:solidFill>
+                <a:latin typeface="Cabin"/>
+                <a:ea typeface="Cabin"/>
+                <a:cs typeface="Cabin"/>
+                <a:sym typeface="Cabin"/>
+              </a:rPr>
+              <a:t># </a:t>
+            </a:r>
+            <a:r>
+              <a:rPr lang="en-US" dirty="0" err="1" smtClean="0">
+                <a:solidFill>
+                  <a:srgbClr val="00B0F0"/>
+                </a:solidFill>
+                <a:latin typeface="Cabin"/>
+                <a:ea typeface="Cabin"/>
+                <a:cs typeface="Cabin"/>
+                <a:sym typeface="Cabin"/>
+              </a:rPr>
+              <a:t>переменн</a:t>
+            </a:r>
+            <a:r>
+              <a:rPr lang="ru-RU" dirty="0" err="1" smtClean="0">
+                <a:solidFill>
+                  <a:srgbClr val="00B0F0"/>
+                </a:solidFill>
+                <a:latin typeface="Cabin"/>
+                <a:ea typeface="Cabin"/>
+                <a:cs typeface="Cabin"/>
+                <a:sym typeface="Cabin"/>
+              </a:rPr>
+              <a:t>ая</a:t>
+            </a:r>
+            <a:r>
+              <a:rPr lang="en-US" dirty="0" smtClean="0">
+                <a:solidFill>
+                  <a:srgbClr val="00B0F0"/>
+                </a:solidFill>
+                <a:latin typeface="Cabin"/>
+                <a:ea typeface="Cabin"/>
+                <a:cs typeface="Cabin"/>
+                <a:sym typeface="Cabin"/>
+              </a:rPr>
+              <a:t> </a:t>
+            </a:r>
+            <a:r>
+              <a:rPr lang="ru-RU" dirty="0" smtClean="0">
+                <a:solidFill>
+                  <a:srgbClr val="00B0F0"/>
+                </a:solidFill>
+                <a:latin typeface="Cabin"/>
+                <a:ea typeface="Cabin"/>
+                <a:cs typeface="Cabin"/>
+                <a:sym typeface="Cabin"/>
+              </a:rPr>
+              <a:t>счетчик</a:t>
+            </a:r>
+            <a:endParaRPr lang="ru-RU" dirty="0"/>
+          </a:p>
+        </p:txBody>
+      </p:sp>
+      <p:sp>
+        <p:nvSpPr>
+          <p:cNvPr id="6" name="Прямоугольник 5"/>
+          <p:cNvSpPr/>
+          <p:nvPr/>
+        </p:nvSpPr>
+        <p:spPr>
+          <a:xfrm>
+            <a:off x="5220072" y="3429000"/>
+            <a:ext cx="1511952" cy="369332"/>
+          </a:xfrm>
+          <a:prstGeom prst="rect">
+            <a:avLst/>
+          </a:prstGeom>
+        </p:spPr>
+        <p:txBody>
+          <a:bodyPr wrap="none">
+            <a:spAutoFit/>
+          </a:bodyPr>
+          <a:lstStyle/>
+          <a:p>
+            <a:r>
+              <a:rPr lang="en-US" dirty="0" smtClean="0">
+                <a:solidFill>
+                  <a:srgbClr val="00B0F0"/>
+                </a:solidFill>
+                <a:latin typeface="Cabin"/>
+                <a:ea typeface="Cabin"/>
+                <a:cs typeface="Cabin"/>
+                <a:sym typeface="Cabin"/>
+              </a:rPr>
+              <a:t># </a:t>
+            </a:r>
+            <a:r>
+              <a:rPr lang="ru-RU" dirty="0" smtClean="0">
+                <a:solidFill>
+                  <a:srgbClr val="00B0F0"/>
+                </a:solidFill>
+                <a:latin typeface="Cabin"/>
+                <a:ea typeface="Cabin"/>
+                <a:cs typeface="Cabin"/>
+                <a:sym typeface="Cabin"/>
+              </a:rPr>
+              <a:t>инкремент</a:t>
+            </a:r>
+            <a:endParaRPr lang="ru-RU" dirty="0"/>
+          </a:p>
+        </p:txBody>
+      </p:sp>
     </p:spTree>
     <p:extLst>
       <p:ext uri="{BB962C8B-B14F-4D97-AF65-F5344CB8AC3E}">
@@ -11110,7 +12521,7 @@
 </p:sld>
 </file>
 
-<file path=ppt/slides/slide16.xml><?xml version="1.0" encoding="utf-8"?>
+<file path=ppt/slides/slide17.xml><?xml version="1.0" encoding="utf-8"?>
 <p:sld xmlns:a="http://schemas.openxmlformats.org/drawingml/2006/main" xmlns:r="http://schemas.openxmlformats.org/officeDocument/2006/relationships" xmlns:p="http://schemas.openxmlformats.org/presentationml/2006/main">
   <p:cSld>
     <p:spTree>
@@ -11708,6 +13119,79 @@
           </a:prstGeom>
         </p:spPr>
       </p:pic>
+      <p:sp>
+        <p:nvSpPr>
+          <p:cNvPr id="3" name="Прямоугольник 2"/>
+          <p:cNvSpPr/>
+          <p:nvPr/>
+        </p:nvSpPr>
+        <p:spPr>
+          <a:xfrm>
+            <a:off x="5508104" y="1940098"/>
+            <a:ext cx="2459969" cy="369332"/>
+          </a:xfrm>
+          <a:prstGeom prst="rect">
+            <a:avLst/>
+          </a:prstGeom>
+        </p:spPr>
+        <p:txBody>
+          <a:bodyPr wrap="none">
+            <a:spAutoFit/>
+          </a:bodyPr>
+          <a:lstStyle/>
+          <a:p>
+            <a:r>
+              <a:rPr lang="en-US" dirty="0" smtClean="0">
+                <a:solidFill>
+                  <a:srgbClr val="00FF00"/>
+                </a:solidFill>
+                <a:latin typeface="Cabin"/>
+                <a:ea typeface="Cabin"/>
+                <a:cs typeface="Cabin"/>
+                <a:sym typeface="Cabin"/>
+              </a:rPr>
+              <a:t># </a:t>
+            </a:r>
+            <a:r>
+              <a:rPr lang="en-US" dirty="0" err="1" smtClean="0">
+                <a:solidFill>
+                  <a:srgbClr val="00FF00"/>
+                </a:solidFill>
+                <a:latin typeface="Cabin"/>
+                <a:ea typeface="Cabin"/>
+                <a:cs typeface="Cabin"/>
+                <a:sym typeface="Cabin"/>
+              </a:rPr>
+              <a:t>переменная</a:t>
+            </a:r>
+            <a:r>
+              <a:rPr lang="en-US" dirty="0" smtClean="0">
+                <a:solidFill>
+                  <a:srgbClr val="00FF00"/>
+                </a:solidFill>
+                <a:latin typeface="Cabin"/>
+                <a:ea typeface="Cabin"/>
+                <a:cs typeface="Cabin"/>
+                <a:sym typeface="Cabin"/>
+              </a:rPr>
+              <a:t> </a:t>
+            </a:r>
+            <a:r>
+              <a:rPr lang="en-US" dirty="0" err="1">
+                <a:solidFill>
+                  <a:srgbClr val="00FF00"/>
+                </a:solidFill>
+                <a:latin typeface="Cabin"/>
+                <a:ea typeface="Cabin"/>
+                <a:cs typeface="Cabin"/>
+                <a:sym typeface="Cabin"/>
+              </a:rPr>
+              <a:t>суммы</a:t>
+            </a:r>
+            <a:endParaRPr lang="ru-RU" dirty="0"/>
+          </a:p>
+        </p:txBody>
+      </p:sp>
     </p:spTree>
     <p:extLst>
       <p:ext uri="{BB962C8B-B14F-4D97-AF65-F5344CB8AC3E}">
@@ -11728,7 +13212,7 @@
 </p:sld>
 </file>
 
-<file path=ppt/slides/slide17.xml><?xml version="1.0" encoding="utf-8"?>
+<file path=ppt/slides/slide18.xml><?xml version="1.0" encoding="utf-8"?>
 <p:sld xmlns:a="http://schemas.openxmlformats.org/drawingml/2006/main" xmlns:r="http://schemas.openxmlformats.org/officeDocument/2006/relationships" xmlns:p="http://schemas.openxmlformats.org/presentationml/2006/main">
   <p:cSld>
     <p:spTree>
@@ -12030,7 +13514,7 @@
             <a:r>
               <a:rPr lang="en-US" sz="1575" dirty="0" err="1">
                 <a:solidFill>
-                  <a:srgbClr val="00FFFF"/>
+                  <a:srgbClr val="00B0F0"/>
                 </a:solidFill>
                 <a:latin typeface="Cabin"/>
                 <a:ea typeface="Cabin"/>
@@ -12266,6 +13750,164 @@
           </a:prstGeom>
         </p:spPr>
       </p:pic>
+      <p:sp>
+        <p:nvSpPr>
+          <p:cNvPr id="5" name="Прямоугольник 4"/>
+          <p:cNvSpPr/>
+          <p:nvPr/>
+        </p:nvSpPr>
+        <p:spPr>
+          <a:xfrm>
+            <a:off x="5796136" y="2276872"/>
+            <a:ext cx="2459969" cy="369332"/>
+          </a:xfrm>
+          <a:prstGeom prst="rect">
+            <a:avLst/>
+          </a:prstGeom>
+        </p:spPr>
+        <p:txBody>
+          <a:bodyPr wrap="none">
+            <a:spAutoFit/>
+          </a:bodyPr>
+          <a:lstStyle/>
+          <a:p>
+            <a:r>
+              <a:rPr lang="en-US" dirty="0" smtClean="0">
+                <a:solidFill>
+                  <a:srgbClr val="00FF00"/>
+                </a:solidFill>
+                <a:latin typeface="Cabin"/>
+                <a:ea typeface="Cabin"/>
+                <a:cs typeface="Cabin"/>
+                <a:sym typeface="Cabin"/>
+              </a:rPr>
+              <a:t># </a:t>
+            </a:r>
+            <a:r>
+              <a:rPr lang="en-US" dirty="0" err="1" smtClean="0">
+                <a:solidFill>
+                  <a:srgbClr val="00FF00"/>
+                </a:solidFill>
+                <a:latin typeface="Cabin"/>
+                <a:ea typeface="Cabin"/>
+                <a:cs typeface="Cabin"/>
+                <a:sym typeface="Cabin"/>
+              </a:rPr>
+              <a:t>переменная</a:t>
+            </a:r>
+            <a:r>
+              <a:rPr lang="en-US" dirty="0" smtClean="0">
+                <a:solidFill>
+                  <a:srgbClr val="00FF00"/>
+                </a:solidFill>
+                <a:latin typeface="Cabin"/>
+                <a:ea typeface="Cabin"/>
+                <a:cs typeface="Cabin"/>
+                <a:sym typeface="Cabin"/>
+              </a:rPr>
+              <a:t> </a:t>
+            </a:r>
+            <a:r>
+              <a:rPr lang="en-US" dirty="0" err="1">
+                <a:solidFill>
+                  <a:srgbClr val="00FF00"/>
+                </a:solidFill>
+                <a:latin typeface="Cabin"/>
+                <a:ea typeface="Cabin"/>
+                <a:cs typeface="Cabin"/>
+                <a:sym typeface="Cabin"/>
+              </a:rPr>
+              <a:t>суммы</a:t>
+            </a:r>
+            <a:endParaRPr lang="ru-RU" dirty="0"/>
+          </a:p>
+        </p:txBody>
+      </p:sp>
+      <p:sp>
+        <p:nvSpPr>
+          <p:cNvPr id="6" name="Прямоугольник 5"/>
+          <p:cNvSpPr/>
+          <p:nvPr/>
+        </p:nvSpPr>
+        <p:spPr>
+          <a:xfrm>
+            <a:off x="5796136" y="1999160"/>
+            <a:ext cx="2556469" cy="369332"/>
+          </a:xfrm>
+          <a:prstGeom prst="rect">
+            <a:avLst/>
+          </a:prstGeom>
+        </p:spPr>
+        <p:txBody>
+          <a:bodyPr wrap="none">
+            <a:spAutoFit/>
+          </a:bodyPr>
+          <a:lstStyle/>
+          <a:p>
+            <a:r>
+              <a:rPr lang="en-US" dirty="0" smtClean="0">
+                <a:solidFill>
+                  <a:srgbClr val="00B0F0"/>
+                </a:solidFill>
+                <a:latin typeface="Cabin"/>
+                <a:ea typeface="Cabin"/>
+                <a:cs typeface="Cabin"/>
+                <a:sym typeface="Cabin"/>
+              </a:rPr>
+              <a:t># </a:t>
+            </a:r>
+            <a:r>
+              <a:rPr lang="en-US" dirty="0" err="1" smtClean="0">
+                <a:solidFill>
+                  <a:srgbClr val="00B0F0"/>
+                </a:solidFill>
+                <a:latin typeface="Cabin"/>
+                <a:ea typeface="Cabin"/>
+                <a:cs typeface="Cabin"/>
+                <a:sym typeface="Cabin"/>
+              </a:rPr>
+              <a:t>переменн</a:t>
+            </a:r>
+            <a:r>
+              <a:rPr lang="ru-RU" dirty="0" err="1" smtClean="0">
+                <a:solidFill>
+                  <a:srgbClr val="00B0F0"/>
+                </a:solidFill>
+                <a:latin typeface="Cabin"/>
+                <a:ea typeface="Cabin"/>
+                <a:cs typeface="Cabin"/>
+                <a:sym typeface="Cabin"/>
+              </a:rPr>
+              <a:t>ая</a:t>
+            </a:r>
+            <a:r>
+              <a:rPr lang="en-US" dirty="0" smtClean="0">
+                <a:solidFill>
+                  <a:srgbClr val="00B0F0"/>
+                </a:solidFill>
+                <a:latin typeface="Cabin"/>
+                <a:ea typeface="Cabin"/>
+                <a:cs typeface="Cabin"/>
+                <a:sym typeface="Cabin"/>
+              </a:rPr>
+              <a:t> </a:t>
+            </a:r>
+            <a:r>
+              <a:rPr lang="ru-RU" dirty="0" smtClean="0">
+                <a:solidFill>
+                  <a:srgbClr val="00B0F0"/>
+                </a:solidFill>
+                <a:latin typeface="Cabin"/>
+                <a:ea typeface="Cabin"/>
+                <a:cs typeface="Cabin"/>
+                <a:sym typeface="Cabin"/>
+              </a:rPr>
+              <a:t>счетчик</a:t>
+            </a:r>
+            <a:endParaRPr lang="ru-RU" dirty="0"/>
+          </a:p>
+        </p:txBody>
+      </p:sp>
     </p:spTree>
     <p:extLst>
       <p:ext uri="{BB962C8B-B14F-4D97-AF65-F5344CB8AC3E}">
@@ -12286,7 +13928,7 @@
 </p:sld>
 </file>
 
-<file path=ppt/slides/slide18.xml><?xml version="1.0" encoding="utf-8"?>
+<file path=ppt/slides/slide19.xml><?xml version="1.0" encoding="utf-8"?>
 <p:sld xmlns:a="http://schemas.openxmlformats.org/drawingml/2006/main" xmlns:r="http://schemas.openxmlformats.org/officeDocument/2006/relationships" xmlns:p="http://schemas.openxmlformats.org/presentationml/2006/main">
   <p:cSld>
     <p:spTree>
@@ -12602,686 +14244,59 @@
           </a:prstGeom>
         </p:spPr>
       </p:pic>
-    </p:spTree>
-    <p:extLst>
-      <p:ext uri="{BB962C8B-B14F-4D97-AF65-F5344CB8AC3E}">
-        <p14:creationId xmlns:p14="http://schemas.microsoft.com/office/powerpoint/2010/main" val="137489428"/>
-      </p:ext>
-    </p:extLst>
-  </p:cSld>
-  <p:clrMapOvr>
-    <a:masterClrMapping/>
-  </p:clrMapOvr>
-  <p:timing>
-    <p:tnLst>
-      <p:par>
-        <p:cTn id="1" dur="indefinite" restart="never" nodeType="tmRoot"/>
-      </p:par>
-    </p:tnLst>
-  </p:timing>
-</p:sld>
-</file>
-
-<file path=ppt/slides/slide19.xml><?xml version="1.0" encoding="utf-8"?>
-<p:sld xmlns:a="http://schemas.openxmlformats.org/drawingml/2006/main" xmlns:r="http://schemas.openxmlformats.org/officeDocument/2006/relationships" xmlns:p="http://schemas.openxmlformats.org/presentationml/2006/main">
-  <p:cSld>
-    <p:spTree>
-      <p:nvGrpSpPr>
-        <p:cNvPr id="1" name="Shape 498"/>
-        <p:cNvGrpSpPr/>
-        <p:nvPr/>
-      </p:nvGrpSpPr>
-      <p:grpSpPr>
-        <a:xfrm>
-          <a:off x="0" y="0"/>
-          <a:ext cx="0" cy="0"/>
-          <a:chOff x="0" y="0"/>
-          <a:chExt cx="0" cy="0"/>
-        </a:xfrm>
-      </p:grpSpPr>
       <p:sp>
         <p:nvSpPr>
-          <p:cNvPr id="499" name="Shape 499"/>
-          <p:cNvSpPr txBox="1">
-            <a:spLocks noGrp="1"/>
-          </p:cNvSpPr>
-          <p:nvPr>
-            <p:ph type="title"/>
-          </p:nvPr>
+          <p:cNvPr id="3" name="Прямоугольник 2"/>
+          <p:cNvSpPr/>
+          <p:nvPr/>
         </p:nvSpPr>
         <p:spPr>
           <a:xfrm>
-            <a:off x="1043608" y="404664"/>
-            <a:ext cx="7443787" cy="1285875"/>
-          </a:xfrm>
-          <a:prstGeom prst="rect">
-            <a:avLst/>
-          </a:prstGeom>
-          <a:noFill/>
-          <a:ln>
-            <a:noFill/>
-          </a:ln>
-        </p:spPr>
-        <p:txBody>
-          <a:bodyPr vert="horz" lIns="28575" tIns="28575" rIns="28575" bIns="28575" rtlCol="0" anchor="ctr" anchorCtr="0">
-            <a:noAutofit/>
-          </a:bodyPr>
-          <a:lstStyle/>
-          <a:p>
-            <a:pPr>
-              <a:spcBef>
-                <a:spcPts val="0"/>
-              </a:spcBef>
-              <a:buClr>
-                <a:srgbClr val="FFFF00"/>
-              </a:buClr>
-              <a:buSzPct val="25000"/>
-            </a:pPr>
-            <a:r>
-              <a:rPr lang="en-US" sz="3938" dirty="0" err="1">
-                <a:latin typeface="Cabin"/>
-                <a:ea typeface="Cabin"/>
-                <a:cs typeface="Cabin"/>
-                <a:sym typeface="Cabin"/>
-              </a:rPr>
-              <a:t>Операции</a:t>
-            </a:r>
-            <a:r>
-              <a:rPr lang="en-US" sz="3938" dirty="0">
-                <a:latin typeface="Cabin"/>
-                <a:ea typeface="Cabin"/>
-                <a:cs typeface="Cabin"/>
-                <a:sym typeface="Cabin"/>
-              </a:rPr>
-              <a:t> </a:t>
-            </a:r>
-            <a:r>
-              <a:rPr lang="en-US" sz="3938" dirty="0" err="1">
-                <a:latin typeface="Cabin"/>
-                <a:ea typeface="Cabin"/>
-                <a:cs typeface="Cabin"/>
-                <a:sym typeface="Cabin"/>
-              </a:rPr>
-              <a:t>со</a:t>
-            </a:r>
-            <a:r>
-              <a:rPr lang="en-US" sz="3938" dirty="0">
-                <a:latin typeface="Cabin"/>
-                <a:ea typeface="Cabin"/>
-                <a:cs typeface="Cabin"/>
-                <a:sym typeface="Cabin"/>
-              </a:rPr>
-              <a:t> </a:t>
-            </a:r>
-            <a:r>
-              <a:rPr lang="en-US" sz="3938" dirty="0" err="1">
-                <a:latin typeface="Cabin"/>
-                <a:ea typeface="Cabin"/>
-                <a:cs typeface="Cabin"/>
-                <a:sym typeface="Cabin"/>
-              </a:rPr>
-              <a:t>строками</a:t>
-            </a:r>
-            <a:endParaRPr lang="en-US" sz="3938" dirty="0">
-              <a:latin typeface="Cabin"/>
-              <a:ea typeface="Cabin"/>
-              <a:cs typeface="Cabin"/>
-              <a:sym typeface="Cabin"/>
-            </a:endParaRPr>
-          </a:p>
-        </p:txBody>
-      </p:sp>
-      <p:sp>
-        <p:nvSpPr>
-          <p:cNvPr id="500" name="Shape 500"/>
-          <p:cNvSpPr txBox="1">
-            <a:spLocks noGrp="1"/>
-          </p:cNvSpPr>
-          <p:nvPr>
-            <p:ph type="body" idx="1"/>
-          </p:nvPr>
-        </p:nvSpPr>
-        <p:spPr>
-          <a:xfrm>
-            <a:off x="805061" y="1340768"/>
-            <a:ext cx="7920880" cy="3456384"/>
-          </a:xfrm>
-          <a:prstGeom prst="rect">
-            <a:avLst/>
-          </a:prstGeom>
-          <a:noFill/>
-          <a:ln>
-            <a:noFill/>
-          </a:ln>
-        </p:spPr>
-        <p:txBody>
-          <a:bodyPr vert="horz" lIns="28575" tIns="28575" rIns="28575" bIns="28575" rtlCol="0" anchor="ctr" anchorCtr="0">
-            <a:noAutofit/>
-          </a:bodyPr>
-          <a:lstStyle/>
-          <a:p>
-            <a:pPr marL="621506" indent="-325112">
-              <a:spcBef>
-                <a:spcPts val="0"/>
-              </a:spcBef>
-              <a:buClr>
-                <a:schemeClr val="lt1"/>
-              </a:buClr>
-              <a:buSzPct val="100000"/>
-              <a:buFont typeface="Cabin"/>
-              <a:buChar char="•"/>
-            </a:pPr>
-            <a:r>
-              <a:rPr lang="en-US" sz="1800" dirty="0" err="1">
-                <a:latin typeface="Cabin"/>
-                <a:ea typeface="Cabin"/>
-                <a:cs typeface="Cabin"/>
-                <a:sym typeface="Cabin"/>
-              </a:rPr>
-              <a:t>Некоторые</a:t>
-            </a:r>
-            <a:r>
-              <a:rPr lang="en-US" sz="1800" dirty="0">
-                <a:latin typeface="Cabin"/>
-                <a:ea typeface="Cabin"/>
-                <a:cs typeface="Cabin"/>
-                <a:sym typeface="Cabin"/>
-              </a:rPr>
-              <a:t> </a:t>
-            </a:r>
-            <a:r>
-              <a:rPr lang="en-US" sz="1800" b="1" dirty="0" err="1">
-                <a:latin typeface="Cabin"/>
-                <a:ea typeface="Cabin"/>
-                <a:cs typeface="Cabin"/>
-                <a:sym typeface="Cabin"/>
-              </a:rPr>
-              <a:t>операции</a:t>
-            </a:r>
-            <a:r>
-              <a:rPr lang="en-US" sz="1800" dirty="0">
-                <a:solidFill>
-                  <a:schemeClr val="lt1"/>
-                </a:solidFill>
-                <a:latin typeface="Cabin"/>
-                <a:ea typeface="Cabin"/>
-                <a:cs typeface="Cabin"/>
-                <a:sym typeface="Cabin"/>
-              </a:rPr>
-              <a:t> </a:t>
-            </a:r>
-            <a:r>
-              <a:rPr lang="en-US" sz="1800" dirty="0" err="1">
-                <a:latin typeface="Cabin"/>
-                <a:ea typeface="Cabin"/>
-                <a:cs typeface="Cabin"/>
-                <a:sym typeface="Cabin"/>
-              </a:rPr>
-              <a:t>применимы</a:t>
-            </a:r>
-            <a:r>
-              <a:rPr lang="en-US" sz="1800" dirty="0">
-                <a:latin typeface="Cabin"/>
-                <a:ea typeface="Cabin"/>
-                <a:cs typeface="Cabin"/>
-                <a:sym typeface="Cabin"/>
-              </a:rPr>
-              <a:t> к </a:t>
-            </a:r>
-            <a:r>
-              <a:rPr lang="en-US" sz="1800" dirty="0" err="1">
-                <a:latin typeface="Cabin"/>
-                <a:ea typeface="Cabin"/>
-                <a:cs typeface="Cabin"/>
-                <a:sym typeface="Cabin"/>
-              </a:rPr>
-              <a:t>строкам</a:t>
-            </a:r>
-            <a:endParaRPr lang="en-US" sz="1800" dirty="0">
-              <a:latin typeface="Cabin"/>
-              <a:ea typeface="Cabin"/>
-              <a:cs typeface="Cabin"/>
-              <a:sym typeface="Cabin"/>
-            </a:endParaRPr>
-          </a:p>
-          <a:p>
-            <a:pPr marL="546426" lvl="1" indent="0">
-              <a:spcBef>
-                <a:spcPts val="1294"/>
-              </a:spcBef>
-              <a:buClr>
-                <a:schemeClr val="accent5"/>
-              </a:buClr>
-              <a:buSzPct val="100000"/>
-              <a:buNone/>
-            </a:pPr>
-            <a:r>
-              <a:rPr lang="en-US" sz="1800" dirty="0">
-                <a:latin typeface="Cabin"/>
-                <a:ea typeface="Cabin"/>
-                <a:cs typeface="Cabin"/>
-                <a:sym typeface="Cabin"/>
-              </a:rPr>
-              <a:t>+</a:t>
-            </a:r>
-            <a:r>
-              <a:rPr lang="en-US" sz="1800" dirty="0">
-                <a:solidFill>
-                  <a:schemeClr val="accent5"/>
-                </a:solidFill>
-                <a:latin typeface="Cabin"/>
-                <a:ea typeface="Cabin"/>
-                <a:cs typeface="Cabin"/>
-                <a:sym typeface="Cabin"/>
-              </a:rPr>
-              <a:t> </a:t>
-            </a:r>
-            <a:r>
-              <a:rPr lang="en-US" sz="1800" dirty="0" err="1">
-                <a:solidFill>
-                  <a:schemeClr val="accent5"/>
-                </a:solidFill>
-                <a:latin typeface="Cabin"/>
-                <a:ea typeface="Cabin"/>
-                <a:cs typeface="Cabin"/>
-                <a:sym typeface="Cabin"/>
-              </a:rPr>
-              <a:t>означает</a:t>
-            </a:r>
-            <a:r>
-              <a:rPr lang="en-US" sz="1800" dirty="0">
-                <a:solidFill>
-                  <a:schemeClr val="accent5"/>
-                </a:solidFill>
-                <a:latin typeface="Cabin"/>
-                <a:ea typeface="Cabin"/>
-                <a:cs typeface="Cabin"/>
-                <a:sym typeface="Cabin"/>
-              </a:rPr>
-              <a:t> </a:t>
-            </a:r>
-            <a:r>
-              <a:rPr lang="en-US" sz="1800" dirty="0">
-                <a:solidFill>
-                  <a:schemeClr val="accent5"/>
-                </a:solidFill>
-                <a:latin typeface="Arial"/>
-                <a:ea typeface="Arial"/>
-                <a:cs typeface="Arial"/>
-                <a:sym typeface="Arial"/>
-              </a:rPr>
-              <a:t>“</a:t>
-            </a:r>
-            <a:r>
-              <a:rPr lang="en-US" sz="1800" dirty="0" err="1">
-                <a:solidFill>
-                  <a:schemeClr val="accent5"/>
-                </a:solidFill>
-                <a:latin typeface="Cabin"/>
-                <a:ea typeface="Cabin"/>
-                <a:cs typeface="Cabin"/>
-                <a:sym typeface="Cabin"/>
-              </a:rPr>
-              <a:t>конкатенацию</a:t>
-            </a:r>
-            <a:r>
-              <a:rPr lang="en-US" sz="1800" dirty="0">
-                <a:solidFill>
-                  <a:schemeClr val="accent5"/>
-                </a:solidFill>
-                <a:latin typeface="Arial"/>
-                <a:ea typeface="Arial"/>
-                <a:cs typeface="Arial"/>
-                <a:sym typeface="Arial"/>
-              </a:rPr>
-              <a:t>”</a:t>
-            </a:r>
-          </a:p>
-          <a:p>
-            <a:pPr marL="546426" lvl="1" indent="0">
-              <a:spcBef>
-                <a:spcPts val="1294"/>
-              </a:spcBef>
-              <a:buClr>
-                <a:schemeClr val="accent5"/>
-              </a:buClr>
-              <a:buSzPct val="100000"/>
-              <a:buNone/>
-            </a:pPr>
-            <a:r>
-              <a:rPr lang="en-US" sz="1800" dirty="0">
-                <a:latin typeface="Cabin"/>
-                <a:ea typeface="Cabin"/>
-                <a:cs typeface="Cabin"/>
-                <a:sym typeface="Cabin"/>
-              </a:rPr>
-              <a:t>*</a:t>
-            </a:r>
-            <a:r>
-              <a:rPr lang="en-US" sz="1800" dirty="0">
-                <a:solidFill>
-                  <a:schemeClr val="accent5"/>
-                </a:solidFill>
-                <a:latin typeface="Cabin"/>
-                <a:ea typeface="Cabin"/>
-                <a:cs typeface="Cabin"/>
-                <a:sym typeface="Cabin"/>
-              </a:rPr>
-              <a:t> </a:t>
-            </a:r>
-            <a:r>
-              <a:rPr lang="en-US" sz="1800" dirty="0" err="1">
-                <a:solidFill>
-                  <a:schemeClr val="accent5"/>
-                </a:solidFill>
-                <a:latin typeface="Cabin"/>
-                <a:ea typeface="Cabin"/>
-                <a:cs typeface="Cabin"/>
-                <a:sym typeface="Cabin"/>
-              </a:rPr>
-              <a:t>означает</a:t>
-            </a:r>
-            <a:r>
-              <a:rPr lang="en-US" sz="1800" dirty="0">
-                <a:solidFill>
-                  <a:schemeClr val="accent5"/>
-                </a:solidFill>
-                <a:latin typeface="Cabin"/>
-                <a:ea typeface="Cabin"/>
-                <a:cs typeface="Cabin"/>
-                <a:sym typeface="Cabin"/>
-              </a:rPr>
-              <a:t> </a:t>
-            </a:r>
-            <a:r>
-              <a:rPr lang="en-US" sz="1800" dirty="0">
-                <a:solidFill>
-                  <a:schemeClr val="accent5"/>
-                </a:solidFill>
-                <a:latin typeface="Arial"/>
-                <a:ea typeface="Arial"/>
-                <a:cs typeface="Arial"/>
-                <a:sym typeface="Arial"/>
-              </a:rPr>
-              <a:t>“</a:t>
-            </a:r>
-            <a:r>
-              <a:rPr lang="en-US" sz="1800" dirty="0" err="1">
-                <a:solidFill>
-                  <a:schemeClr val="accent5"/>
-                </a:solidFill>
-                <a:latin typeface="Cabin"/>
-                <a:ea typeface="Cabin"/>
-                <a:cs typeface="Cabin"/>
-                <a:sym typeface="Cabin"/>
-              </a:rPr>
-              <a:t>несколько</a:t>
-            </a:r>
-            <a:r>
-              <a:rPr lang="en-US" sz="1800" dirty="0">
-                <a:solidFill>
-                  <a:schemeClr val="accent5"/>
-                </a:solidFill>
-                <a:latin typeface="Cabin"/>
-                <a:ea typeface="Cabin"/>
-                <a:cs typeface="Cabin"/>
-                <a:sym typeface="Cabin"/>
-              </a:rPr>
-              <a:t> </a:t>
-            </a:r>
-            <a:r>
-              <a:rPr lang="en-US" sz="1800" dirty="0" err="1">
-                <a:solidFill>
-                  <a:schemeClr val="accent5"/>
-                </a:solidFill>
-                <a:latin typeface="Cabin"/>
-                <a:ea typeface="Cabin"/>
-                <a:cs typeface="Cabin"/>
-                <a:sym typeface="Cabin"/>
-              </a:rPr>
-              <a:t>конкатенаций</a:t>
-            </a:r>
-            <a:r>
-              <a:rPr lang="en-US" sz="1800" dirty="0">
-                <a:solidFill>
-                  <a:schemeClr val="accent5"/>
-                </a:solidFill>
-                <a:latin typeface="Arial"/>
-                <a:ea typeface="Arial"/>
-                <a:cs typeface="Arial"/>
-                <a:sym typeface="Arial"/>
-              </a:rPr>
-              <a:t>”</a:t>
-            </a:r>
-          </a:p>
-          <a:p>
-            <a:pPr marL="621506" indent="-325112">
-              <a:spcBef>
-                <a:spcPts val="1294"/>
-              </a:spcBef>
-              <a:buClr>
-                <a:schemeClr val="lt1"/>
-              </a:buClr>
-              <a:buSzPct val="100000"/>
-              <a:buFont typeface="Cabin"/>
-              <a:buChar char="•"/>
-            </a:pPr>
-            <a:r>
-              <a:rPr lang="en-US" sz="1800" dirty="0">
-                <a:latin typeface="Cabin"/>
-                <a:ea typeface="Cabin"/>
-                <a:cs typeface="Cabin"/>
-                <a:sym typeface="Cabin"/>
-              </a:rPr>
-              <a:t>Python </a:t>
-            </a:r>
-            <a:r>
-              <a:rPr lang="en-US" sz="1800" dirty="0" err="1">
-                <a:latin typeface="Cabin"/>
-                <a:ea typeface="Cabin"/>
-                <a:cs typeface="Cabin"/>
-                <a:sym typeface="Cabin"/>
-              </a:rPr>
-              <a:t>знает</a:t>
-            </a:r>
-            <a:r>
-              <a:rPr lang="en-US" sz="1800" dirty="0">
-                <a:latin typeface="Cabin"/>
-                <a:ea typeface="Cabin"/>
-                <a:cs typeface="Cabin"/>
-                <a:sym typeface="Cabin"/>
-              </a:rPr>
-              <a:t> </a:t>
-            </a:r>
-            <a:r>
-              <a:rPr lang="en-US" sz="1800" dirty="0" err="1">
-                <a:latin typeface="Cabin"/>
-                <a:ea typeface="Cabin"/>
-                <a:cs typeface="Cabin"/>
-                <a:sym typeface="Cabin"/>
-              </a:rPr>
-              <a:t>разницу</a:t>
-            </a:r>
-            <a:r>
-              <a:rPr lang="en-US" sz="1800" dirty="0">
-                <a:latin typeface="Cabin"/>
-                <a:ea typeface="Cabin"/>
-                <a:cs typeface="Cabin"/>
-                <a:sym typeface="Cabin"/>
-              </a:rPr>
-              <a:t> </a:t>
-            </a:r>
-            <a:r>
-              <a:rPr lang="en-US" sz="1800" dirty="0" err="1">
-                <a:latin typeface="Cabin"/>
-                <a:ea typeface="Cabin"/>
-                <a:cs typeface="Cabin"/>
-                <a:sym typeface="Cabin"/>
-              </a:rPr>
-              <a:t>между</a:t>
-            </a:r>
-            <a:r>
-              <a:rPr lang="en-US" sz="1800" dirty="0">
-                <a:latin typeface="Cabin"/>
-                <a:ea typeface="Cabin"/>
-                <a:cs typeface="Cabin"/>
-                <a:sym typeface="Cabin"/>
-              </a:rPr>
-              <a:t> </a:t>
-            </a:r>
-            <a:r>
-              <a:rPr lang="en-US" sz="1800" dirty="0" err="1">
-                <a:latin typeface="Cabin"/>
-                <a:ea typeface="Cabin"/>
-                <a:cs typeface="Cabin"/>
-                <a:sym typeface="Cabin"/>
-              </a:rPr>
-              <a:t>строкой</a:t>
-            </a:r>
-            <a:r>
-              <a:rPr lang="en-US" sz="1800" dirty="0">
-                <a:latin typeface="Cabin"/>
-                <a:ea typeface="Cabin"/>
-                <a:cs typeface="Cabin"/>
-                <a:sym typeface="Cabin"/>
-              </a:rPr>
-              <a:t> и </a:t>
-            </a:r>
-            <a:r>
-              <a:rPr lang="en-US" sz="1800" dirty="0" err="1">
-                <a:latin typeface="Cabin"/>
-                <a:ea typeface="Cabin"/>
-                <a:cs typeface="Cabin"/>
-                <a:sym typeface="Cabin"/>
-              </a:rPr>
-              <a:t>числом</a:t>
-            </a:r>
-            <a:r>
-              <a:rPr lang="en-US" sz="1800" dirty="0">
-                <a:latin typeface="Cabin"/>
-                <a:ea typeface="Cabin"/>
-                <a:cs typeface="Cabin"/>
-                <a:sym typeface="Cabin"/>
-              </a:rPr>
-              <a:t> и в </a:t>
-            </a:r>
-            <a:r>
-              <a:rPr lang="en-US" sz="1800" dirty="0" err="1">
-                <a:latin typeface="Cabin"/>
-                <a:ea typeface="Cabin"/>
-                <a:cs typeface="Cabin"/>
-                <a:sym typeface="Cabin"/>
-              </a:rPr>
-              <a:t>соответствии</a:t>
-            </a:r>
-            <a:r>
-              <a:rPr lang="en-US" sz="1800" dirty="0">
-                <a:latin typeface="Cabin"/>
-                <a:ea typeface="Cabin"/>
-                <a:cs typeface="Cabin"/>
-                <a:sym typeface="Cabin"/>
-              </a:rPr>
-              <a:t> с </a:t>
-            </a:r>
-            <a:r>
-              <a:rPr lang="en-US" sz="1800" dirty="0" err="1">
-                <a:latin typeface="Cabin"/>
-                <a:ea typeface="Cabin"/>
-                <a:cs typeface="Cabin"/>
-                <a:sym typeface="Cabin"/>
-              </a:rPr>
-              <a:t>этим</a:t>
-            </a:r>
-            <a:r>
-              <a:rPr lang="en-US" sz="1800" dirty="0">
-                <a:latin typeface="Cabin"/>
-                <a:ea typeface="Cabin"/>
-                <a:cs typeface="Cabin"/>
-                <a:sym typeface="Cabin"/>
-              </a:rPr>
-              <a:t> </a:t>
-            </a:r>
-            <a:r>
-              <a:rPr lang="en-US" sz="1800" dirty="0" err="1">
-                <a:latin typeface="Cabin"/>
-                <a:ea typeface="Cabin"/>
-                <a:cs typeface="Cabin"/>
-                <a:sym typeface="Cabin"/>
-              </a:rPr>
-              <a:t>выполняет</a:t>
-            </a:r>
-            <a:r>
-              <a:rPr lang="en-US" sz="1800" dirty="0">
-                <a:latin typeface="Cabin"/>
-                <a:ea typeface="Cabin"/>
-                <a:cs typeface="Cabin"/>
-                <a:sym typeface="Cabin"/>
-              </a:rPr>
-              <a:t> </a:t>
-            </a:r>
-            <a:r>
-              <a:rPr lang="en-US" sz="1800" dirty="0" err="1">
-                <a:latin typeface="Cabin"/>
-                <a:ea typeface="Cabin"/>
-                <a:cs typeface="Cabin"/>
-                <a:sym typeface="Cabin"/>
-              </a:rPr>
-              <a:t>все</a:t>
-            </a:r>
-            <a:r>
-              <a:rPr lang="en-US" sz="1800" dirty="0">
-                <a:latin typeface="Cabin"/>
-                <a:ea typeface="Cabin"/>
-                <a:cs typeface="Cabin"/>
-                <a:sym typeface="Cabin"/>
-              </a:rPr>
-              <a:t> </a:t>
-            </a:r>
-            <a:r>
-              <a:rPr lang="en-US" sz="1800" dirty="0" err="1">
-                <a:latin typeface="Cabin"/>
-                <a:ea typeface="Cabin"/>
-                <a:cs typeface="Cabin"/>
-                <a:sym typeface="Cabin"/>
-              </a:rPr>
-              <a:t>операции</a:t>
-            </a:r>
-            <a:endParaRPr lang="en-US" sz="1800" dirty="0">
-              <a:latin typeface="Cabin"/>
-              <a:ea typeface="Cabin"/>
-              <a:cs typeface="Cabin"/>
-              <a:sym typeface="Cabin"/>
-            </a:endParaRPr>
-          </a:p>
-        </p:txBody>
-      </p:sp>
-      <p:pic>
-        <p:nvPicPr>
-          <p:cNvPr id="2" name="Рисунок 1"/>
-          <p:cNvPicPr>
-            <a:picLocks noChangeAspect="1"/>
-          </p:cNvPicPr>
-          <p:nvPr/>
-        </p:nvPicPr>
-        <p:blipFill rotWithShape="1">
-          <a:blip r:embed="rId3"/>
-          <a:srcRect l="55124" t="73199" r="30308" b="14901"/>
-          <a:stretch/>
-        </p:blipFill>
-        <p:spPr>
-          <a:xfrm>
-            <a:off x="2987824" y="4365104"/>
-            <a:ext cx="3761359" cy="1728192"/>
+            <a:off x="6353435" y="2238177"/>
+            <a:ext cx="2619243" cy="369332"/>
           </a:xfrm>
           <a:prstGeom prst="rect">
             <a:avLst/>
           </a:prstGeom>
         </p:spPr>
-      </p:pic>
+        <p:txBody>
+          <a:bodyPr wrap="none">
+            <a:spAutoFit/>
+          </a:bodyPr>
+          <a:lstStyle/>
+          <a:p>
+            <a:r>
+              <a:rPr lang="en-US" dirty="0" smtClean="0">
+                <a:solidFill>
+                  <a:srgbClr val="00FFFF"/>
+                </a:solidFill>
+                <a:latin typeface="Cabin"/>
+                <a:ea typeface="Cabin"/>
+                <a:cs typeface="Cabin"/>
+                <a:sym typeface="Cabin"/>
+              </a:rPr>
+              <a:t># </a:t>
+            </a:r>
+            <a:r>
+              <a:rPr lang="ru-RU" dirty="0" smtClean="0">
+                <a:solidFill>
+                  <a:srgbClr val="00FFFF"/>
+                </a:solidFill>
+                <a:latin typeface="Cabin"/>
+                <a:ea typeface="Cabin"/>
+                <a:cs typeface="Cabin"/>
+                <a:sym typeface="Cabin"/>
+              </a:rPr>
+              <a:t>условие фильтрации</a:t>
+            </a:r>
+            <a:endParaRPr lang="ru-RU" dirty="0"/>
+          </a:p>
+        </p:txBody>
+      </p:sp>
     </p:spTree>
     <p:extLst>
       <p:ext uri="{BB962C8B-B14F-4D97-AF65-F5344CB8AC3E}">
-        <p14:creationId xmlns:p14="http://schemas.microsoft.com/office/powerpoint/2010/main" val="638381637"/>
+        <p14:creationId xmlns:p14="http://schemas.microsoft.com/office/powerpoint/2010/main" val="137489428"/>
       </p:ext>
     </p:extLst>
   </p:cSld>
@@ -13365,6 +14380,106 @@
           </a:bodyPr>
           <a:lstStyle/>
           <a:p>
+            <a:r>
+              <a:rPr lang="ru-RU" dirty="0" err="1" smtClean="0"/>
+              <a:t>Булевый</a:t>
+            </a:r>
+            <a:r>
+              <a:rPr lang="ru-RU" dirty="0" smtClean="0"/>
+              <a:t> тип данных (</a:t>
+            </a:r>
+            <a:r>
+              <a:rPr lang="en-US" dirty="0" smtClean="0"/>
+              <a:t>bool)</a:t>
+            </a:r>
+          </a:p>
+          <a:p>
+            <a:r>
+              <a:rPr lang="ru-RU" dirty="0" smtClean="0"/>
+              <a:t>Операторы сравнения</a:t>
+            </a:r>
+          </a:p>
+          <a:p>
+            <a:r>
+              <a:rPr lang="ru-RU" dirty="0" smtClean="0"/>
+              <a:t>Что есть истинна (</a:t>
+            </a:r>
+            <a:r>
+              <a:rPr lang="en-US" dirty="0" smtClean="0"/>
+              <a:t>True)</a:t>
+            </a:r>
+            <a:r>
+              <a:rPr lang="ru-RU" dirty="0" smtClean="0"/>
+              <a:t>, а что ложь (</a:t>
+            </a:r>
+            <a:r>
+              <a:rPr lang="en-US" dirty="0" smtClean="0"/>
+              <a:t>False)?</a:t>
+            </a:r>
+          </a:p>
+          <a:p>
+            <a:r>
+              <a:rPr lang="ru-RU" dirty="0" smtClean="0"/>
+              <a:t>Логические операторы и, или, не</a:t>
+            </a:r>
+          </a:p>
+          <a:p>
+            <a:r>
+              <a:rPr lang="ru-RU" dirty="0" smtClean="0"/>
+              <a:t>Односторонние решения. Условие </a:t>
+            </a:r>
+            <a:r>
+              <a:rPr lang="en-US" dirty="0" smtClean="0"/>
+              <a:t>if</a:t>
+            </a:r>
+          </a:p>
+          <a:p>
+            <a:r>
+              <a:rPr lang="ru-RU" dirty="0" smtClean="0"/>
+              <a:t>Что такое блок </a:t>
+            </a:r>
+            <a:r>
+              <a:rPr lang="ru-RU" dirty="0" err="1" smtClean="0"/>
+              <a:t>комманд</a:t>
+            </a:r>
+            <a:r>
+              <a:rPr lang="ru-RU" dirty="0" smtClean="0"/>
+              <a:t>?</a:t>
+            </a:r>
+            <a:endParaRPr lang="en-US" dirty="0" smtClean="0"/>
+          </a:p>
+          <a:p>
+            <a:r>
+              <a:rPr lang="ru-RU" dirty="0" smtClean="0"/>
+              <a:t>Двухсторонние решения. Конструкция </a:t>
+            </a:r>
+            <a:r>
+              <a:rPr lang="en-US" dirty="0" smtClean="0"/>
+              <a:t>else</a:t>
+            </a:r>
+          </a:p>
+          <a:p>
+            <a:r>
+              <a:rPr lang="ru-RU" dirty="0" smtClean="0"/>
+              <a:t>Многосторонние решения. Конструкция </a:t>
+            </a:r>
+            <a:r>
+              <a:rPr lang="en-US" dirty="0" err="1" smtClean="0"/>
+              <a:t>elif</a:t>
+            </a:r>
+            <a:endParaRPr lang="ru-RU" dirty="0" smtClean="0"/>
+          </a:p>
+          <a:p>
+            <a:r>
+              <a:rPr lang="ru-RU" dirty="0" smtClean="0"/>
+              <a:t>Трехместное выражение</a:t>
+            </a:r>
+            <a:endParaRPr lang="en-US" dirty="0" smtClean="0"/>
+          </a:p>
+          <a:p>
+            <a:endParaRPr lang="ru-RU" dirty="0" smtClean="0"/>
+          </a:p>
+          <a:p>
             <a:endParaRPr lang="ru-RU" dirty="0"/>
           </a:p>
         </p:txBody>
@@ -13408,15 +14523,10 @@
                             </p:stCondLst>
                             <p:childTnLst>
                               <p:par>
-                                <p:cTn id="5" presetID="1" presetClass="entr" presetSubtype="0" fill="hold" nodeType="clickEffect" nodePh="1">
+                                <p:cTn id="5" presetID="1" presetClass="entr" presetSubtype="0" fill="hold" nodeType="clickEffect">
                                   <p:stCondLst>
                                     <p:cond delay="0"/>
                                   </p:stCondLst>
-                                  <p:endCondLst>
-                                    <p:cond evt="begin" delay="0">
-                                      <p:tn val="5"/>
-                                    </p:cond>
-                                  </p:endCondLst>
                                   <p:childTnLst>
                                     <p:set>
                                       <p:cBhvr>
@@ -13429,6 +14539,398 @@
                                           <p:spTgt spid="3">
                                             <p:txEl>
                                               <p:pRg st="0" end="0"/>
+                                            </p:txEl>
+                                          </p:spTgt>
+                                        </p:tgtEl>
+                                        <p:attrNameLst>
+                                          <p:attrName>style.visibility</p:attrName>
+                                        </p:attrNameLst>
+                                      </p:cBhvr>
+                                      <p:to>
+                                        <p:strVal val="visible"/>
+                                      </p:to>
+                                    </p:set>
+                                  </p:childTnLst>
+                                </p:cTn>
+                              </p:par>
+                            </p:childTnLst>
+                          </p:cTn>
+                        </p:par>
+                      </p:childTnLst>
+                    </p:cTn>
+                  </p:par>
+                  <p:par>
+                    <p:cTn id="7" fill="hold">
+                      <p:stCondLst>
+                        <p:cond delay="indefinite"/>
+                      </p:stCondLst>
+                      <p:childTnLst>
+                        <p:par>
+                          <p:cTn id="8" fill="hold">
+                            <p:stCondLst>
+                              <p:cond delay="0"/>
+                            </p:stCondLst>
+                            <p:childTnLst>
+                              <p:par>
+                                <p:cTn id="9" presetID="1" presetClass="entr" presetSubtype="0" fill="hold" nodeType="clickEffect">
+                                  <p:stCondLst>
+                                    <p:cond delay="0"/>
+                                  </p:stCondLst>
+                                  <p:childTnLst>
+                                    <p:set>
+                                      <p:cBhvr>
+                                        <p:cTn id="10" dur="1" fill="hold">
+                                          <p:stCondLst>
+                                            <p:cond delay="0"/>
+                                          </p:stCondLst>
+                                        </p:cTn>
+                                        <p:tgtEl>
+                                          <p:spTgt spid="3">
+                                            <p:txEl>
+                                              <p:pRg st="1" end="1"/>
+                                            </p:txEl>
+                                          </p:spTgt>
+                                        </p:tgtEl>
+                                        <p:attrNameLst>
+                                          <p:attrName>style.visibility</p:attrName>
+                                        </p:attrNameLst>
+                                      </p:cBhvr>
+                                      <p:to>
+                                        <p:strVal val="visible"/>
+                                      </p:to>
+                                    </p:set>
+                                  </p:childTnLst>
+                                </p:cTn>
+                              </p:par>
+                            </p:childTnLst>
+                          </p:cTn>
+                        </p:par>
+                      </p:childTnLst>
+                    </p:cTn>
+                  </p:par>
+                  <p:par>
+                    <p:cTn id="11" fill="hold">
+                      <p:stCondLst>
+                        <p:cond delay="indefinite"/>
+                      </p:stCondLst>
+                      <p:childTnLst>
+                        <p:par>
+                          <p:cTn id="12" fill="hold">
+                            <p:stCondLst>
+                              <p:cond delay="0"/>
+                            </p:stCondLst>
+                            <p:childTnLst>
+                              <p:par>
+                                <p:cTn id="13" presetID="1" presetClass="entr" presetSubtype="0" fill="hold" nodeType="clickEffect">
+                                  <p:stCondLst>
+                                    <p:cond delay="0"/>
+                                  </p:stCondLst>
+                                  <p:childTnLst>
+                                    <p:set>
+                                      <p:cBhvr>
+                                        <p:cTn id="14" dur="1" fill="hold">
+                                          <p:stCondLst>
+                                            <p:cond delay="0"/>
+                                          </p:stCondLst>
+                                        </p:cTn>
+                                        <p:tgtEl>
+                                          <p:spTgt spid="3">
+                                            <p:txEl>
+                                              <p:pRg st="2" end="2"/>
+                                            </p:txEl>
+                                          </p:spTgt>
+                                        </p:tgtEl>
+                                        <p:attrNameLst>
+                                          <p:attrName>style.visibility</p:attrName>
+                                        </p:attrNameLst>
+                                      </p:cBhvr>
+                                      <p:to>
+                                        <p:strVal val="visible"/>
+                                      </p:to>
+                                    </p:set>
+                                  </p:childTnLst>
+                                </p:cTn>
+                              </p:par>
+                            </p:childTnLst>
+                          </p:cTn>
+                        </p:par>
+                      </p:childTnLst>
+                    </p:cTn>
+                  </p:par>
+                  <p:par>
+                    <p:cTn id="15" fill="hold">
+                      <p:stCondLst>
+                        <p:cond delay="indefinite"/>
+                      </p:stCondLst>
+                      <p:childTnLst>
+                        <p:par>
+                          <p:cTn id="16" fill="hold">
+                            <p:stCondLst>
+                              <p:cond delay="0"/>
+                            </p:stCondLst>
+                            <p:childTnLst>
+                              <p:par>
+                                <p:cTn id="17" presetID="1" presetClass="entr" presetSubtype="0" fill="hold" nodeType="clickEffect">
+                                  <p:stCondLst>
+                                    <p:cond delay="0"/>
+                                  </p:stCondLst>
+                                  <p:childTnLst>
+                                    <p:set>
+                                      <p:cBhvr>
+                                        <p:cTn id="18" dur="1" fill="hold">
+                                          <p:stCondLst>
+                                            <p:cond delay="0"/>
+                                          </p:stCondLst>
+                                        </p:cTn>
+                                        <p:tgtEl>
+                                          <p:spTgt spid="3">
+                                            <p:txEl>
+                                              <p:pRg st="3" end="3"/>
+                                            </p:txEl>
+                                          </p:spTgt>
+                                        </p:tgtEl>
+                                        <p:attrNameLst>
+                                          <p:attrName>style.visibility</p:attrName>
+                                        </p:attrNameLst>
+                                      </p:cBhvr>
+                                      <p:to>
+                                        <p:strVal val="visible"/>
+                                      </p:to>
+                                    </p:set>
+                                  </p:childTnLst>
+                                </p:cTn>
+                              </p:par>
+                            </p:childTnLst>
+                          </p:cTn>
+                        </p:par>
+                      </p:childTnLst>
+                    </p:cTn>
+                  </p:par>
+                  <p:par>
+                    <p:cTn id="19" fill="hold">
+                      <p:stCondLst>
+                        <p:cond delay="indefinite"/>
+                      </p:stCondLst>
+                      <p:childTnLst>
+                        <p:par>
+                          <p:cTn id="20" fill="hold">
+                            <p:stCondLst>
+                              <p:cond delay="0"/>
+                            </p:stCondLst>
+                            <p:childTnLst>
+                              <p:par>
+                                <p:cTn id="21" presetID="1" presetClass="entr" presetSubtype="0" fill="hold" nodeType="clickEffect">
+                                  <p:stCondLst>
+                                    <p:cond delay="0"/>
+                                  </p:stCondLst>
+                                  <p:childTnLst>
+                                    <p:set>
+                                      <p:cBhvr>
+                                        <p:cTn id="22" dur="1" fill="hold">
+                                          <p:stCondLst>
+                                            <p:cond delay="0"/>
+                                          </p:stCondLst>
+                                        </p:cTn>
+                                        <p:tgtEl>
+                                          <p:spTgt spid="3">
+                                            <p:txEl>
+                                              <p:pRg st="4" end="4"/>
+                                            </p:txEl>
+                                          </p:spTgt>
+                                        </p:tgtEl>
+                                        <p:attrNameLst>
+                                          <p:attrName>style.visibility</p:attrName>
+                                        </p:attrNameLst>
+                                      </p:cBhvr>
+                                      <p:to>
+                                        <p:strVal val="visible"/>
+                                      </p:to>
+                                    </p:set>
+                                  </p:childTnLst>
+                                </p:cTn>
+                              </p:par>
+                            </p:childTnLst>
+                          </p:cTn>
+                        </p:par>
+                      </p:childTnLst>
+                    </p:cTn>
+                  </p:par>
+                  <p:par>
+                    <p:cTn id="23" fill="hold">
+                      <p:stCondLst>
+                        <p:cond delay="indefinite"/>
+                      </p:stCondLst>
+                      <p:childTnLst>
+                        <p:par>
+                          <p:cTn id="24" fill="hold">
+                            <p:stCondLst>
+                              <p:cond delay="0"/>
+                            </p:stCondLst>
+                            <p:childTnLst>
+                              <p:par>
+                                <p:cTn id="25" presetID="1" presetClass="entr" presetSubtype="0" fill="hold" nodeType="clickEffect">
+                                  <p:stCondLst>
+                                    <p:cond delay="0"/>
+                                  </p:stCondLst>
+                                  <p:childTnLst>
+                                    <p:set>
+                                      <p:cBhvr>
+                                        <p:cTn id="26" dur="1" fill="hold">
+                                          <p:stCondLst>
+                                            <p:cond delay="0"/>
+                                          </p:stCondLst>
+                                        </p:cTn>
+                                        <p:tgtEl>
+                                          <p:spTgt spid="3">
+                                            <p:txEl>
+                                              <p:pRg st="5" end="5"/>
+                                            </p:txEl>
+                                          </p:spTgt>
+                                        </p:tgtEl>
+                                        <p:attrNameLst>
+                                          <p:attrName>style.visibility</p:attrName>
+                                        </p:attrNameLst>
+                                      </p:cBhvr>
+                                      <p:to>
+                                        <p:strVal val="visible"/>
+                                      </p:to>
+                                    </p:set>
+                                  </p:childTnLst>
+                                </p:cTn>
+                              </p:par>
+                            </p:childTnLst>
+                          </p:cTn>
+                        </p:par>
+                      </p:childTnLst>
+                    </p:cTn>
+                  </p:par>
+                  <p:par>
+                    <p:cTn id="27" fill="hold">
+                      <p:stCondLst>
+                        <p:cond delay="indefinite"/>
+                      </p:stCondLst>
+                      <p:childTnLst>
+                        <p:par>
+                          <p:cTn id="28" fill="hold">
+                            <p:stCondLst>
+                              <p:cond delay="0"/>
+                            </p:stCondLst>
+                            <p:childTnLst>
+                              <p:par>
+                                <p:cTn id="29" presetID="1" presetClass="entr" presetSubtype="0" fill="hold" nodeType="clickEffect">
+                                  <p:stCondLst>
+                                    <p:cond delay="0"/>
+                                  </p:stCondLst>
+                                  <p:childTnLst>
+                                    <p:set>
+                                      <p:cBhvr>
+                                        <p:cTn id="30" dur="1" fill="hold">
+                                          <p:stCondLst>
+                                            <p:cond delay="0"/>
+                                          </p:stCondLst>
+                                        </p:cTn>
+                                        <p:tgtEl>
+                                          <p:spTgt spid="3">
+                                            <p:txEl>
+                                              <p:pRg st="6" end="6"/>
+                                            </p:txEl>
+                                          </p:spTgt>
+                                        </p:tgtEl>
+                                        <p:attrNameLst>
+                                          <p:attrName>style.visibility</p:attrName>
+                                        </p:attrNameLst>
+                                      </p:cBhvr>
+                                      <p:to>
+                                        <p:strVal val="visible"/>
+                                      </p:to>
+                                    </p:set>
+                                  </p:childTnLst>
+                                </p:cTn>
+                              </p:par>
+                            </p:childTnLst>
+                          </p:cTn>
+                        </p:par>
+                      </p:childTnLst>
+                    </p:cTn>
+                  </p:par>
+                  <p:par>
+                    <p:cTn id="31" fill="hold">
+                      <p:stCondLst>
+                        <p:cond delay="indefinite"/>
+                      </p:stCondLst>
+                      <p:childTnLst>
+                        <p:par>
+                          <p:cTn id="32" fill="hold">
+                            <p:stCondLst>
+                              <p:cond delay="0"/>
+                            </p:stCondLst>
+                            <p:childTnLst>
+                              <p:par>
+                                <p:cTn id="33" presetID="1" presetClass="entr" presetSubtype="0" fill="hold" nodeType="clickEffect">
+                                  <p:stCondLst>
+                                    <p:cond delay="0"/>
+                                  </p:stCondLst>
+                                  <p:childTnLst>
+                                    <p:set>
+                                      <p:cBhvr>
+                                        <p:cTn id="34" dur="1" fill="hold">
+                                          <p:stCondLst>
+                                            <p:cond delay="0"/>
+                                          </p:stCondLst>
+                                        </p:cTn>
+                                        <p:tgtEl>
+                                          <p:spTgt spid="3">
+                                            <p:txEl>
+                                              <p:pRg st="7" end="7"/>
+                                            </p:txEl>
+                                          </p:spTgt>
+                                        </p:tgtEl>
+                                        <p:attrNameLst>
+                                          <p:attrName>style.visibility</p:attrName>
+                                        </p:attrNameLst>
+                                      </p:cBhvr>
+                                      <p:to>
+                                        <p:strVal val="visible"/>
+                                      </p:to>
+                                    </p:set>
+                                  </p:childTnLst>
+                                </p:cTn>
+                              </p:par>
+                            </p:childTnLst>
+                          </p:cTn>
+                        </p:par>
+                      </p:childTnLst>
+                    </p:cTn>
+                  </p:par>
+                  <p:par>
+                    <p:cTn id="35" fill="hold">
+                      <p:stCondLst>
+                        <p:cond delay="indefinite"/>
+                      </p:stCondLst>
+                      <p:childTnLst>
+                        <p:par>
+                          <p:cTn id="36" fill="hold">
+                            <p:stCondLst>
+                              <p:cond delay="0"/>
+                            </p:stCondLst>
+                            <p:childTnLst>
+                              <p:par>
+                                <p:cTn id="37" presetID="1" presetClass="entr" presetSubtype="0" fill="hold" nodeType="clickEffect">
+                                  <p:stCondLst>
+                                    <p:cond delay="0"/>
+                                  </p:stCondLst>
+                                  <p:childTnLst>
+                                    <p:set>
+                                      <p:cBhvr>
+                                        <p:cTn id="38" dur="1" fill="hold">
+                                          <p:stCondLst>
+                                            <p:cond delay="0"/>
+                                          </p:stCondLst>
+                                        </p:cTn>
+                                        <p:tgtEl>
+                                          <p:spTgt spid="3">
+                                            <p:txEl>
+                                              <p:pRg st="8" end="8"/>
                                             </p:txEl>
                                           </p:spTgt>
                                         </p:tgtEl>
@@ -13503,6 +15005,1423 @@
         </p:nvSpPr>
         <p:spPr/>
         <p:txBody>
+          <a:bodyPr>
+            <a:normAutofit/>
+          </a:bodyPr>
+          <a:lstStyle/>
+          <a:p>
+            <a:r>
+              <a:rPr lang="ru-RU" dirty="0" smtClean="0"/>
+              <a:t>Случайные числа.</a:t>
+            </a:r>
+            <a:endParaRPr lang="ru-RU" dirty="0"/>
+          </a:p>
+        </p:txBody>
+      </p:sp>
+      <p:sp>
+        <p:nvSpPr>
+          <p:cNvPr id="3" name="Объект 2"/>
+          <p:cNvSpPr>
+            <a:spLocks noGrp="1"/>
+          </p:cNvSpPr>
+          <p:nvPr>
+            <p:ph idx="1"/>
+          </p:nvPr>
+        </p:nvSpPr>
+        <p:spPr>
+          <a:xfrm>
+            <a:off x="457200" y="1417638"/>
+            <a:ext cx="8435280" cy="4891682"/>
+          </a:xfrm>
+        </p:spPr>
+        <p:txBody>
+          <a:bodyPr>
+            <a:normAutofit fontScale="92500" lnSpcReduction="20000"/>
+          </a:bodyPr>
+          <a:lstStyle/>
+          <a:p>
+            <a:pPr marL="0" indent="0">
+              <a:buNone/>
+            </a:pPr>
+            <a:r>
+              <a:rPr lang="ru-RU" i="1" dirty="0" smtClean="0">
+                <a:latin typeface="Franklin Gothic Heavy" panose="020B0903020102020204" pitchFamily="34" charset="0"/>
+              </a:rPr>
+              <a:t>«</a:t>
+            </a:r>
+            <a:r>
+              <a:rPr lang="ru-RU" dirty="0" smtClean="0">
+                <a:latin typeface="Franklin Gothic Heavy" panose="020B0903020102020204" pitchFamily="34" charset="0"/>
+              </a:rPr>
+              <a:t>Генерация </a:t>
+            </a:r>
+            <a:r>
+              <a:rPr lang="ru-RU" dirty="0">
+                <a:latin typeface="Franklin Gothic Heavy" panose="020B0903020102020204" pitchFamily="34" charset="0"/>
+              </a:rPr>
+              <a:t>случайных чисел слишком важна, чтобы оставлять её на волю случая»</a:t>
+            </a:r>
+          </a:p>
+          <a:p>
+            <a:pPr marL="0" indent="0" algn="r">
+              <a:buNone/>
+            </a:pPr>
+            <a:r>
+              <a:rPr lang="ru-RU" dirty="0" smtClean="0"/>
+              <a:t>—  </a:t>
+            </a:r>
+            <a:r>
+              <a:rPr lang="ru-RU" dirty="0"/>
+              <a:t>Роберт </a:t>
+            </a:r>
+            <a:r>
+              <a:rPr lang="ru-RU" dirty="0" err="1" smtClean="0"/>
+              <a:t>Кавью</a:t>
+            </a:r>
+            <a:endParaRPr lang="en-US" dirty="0" smtClean="0"/>
+          </a:p>
+          <a:p>
+            <a:pPr marL="0" indent="0" algn="r">
+              <a:buNone/>
+            </a:pPr>
+            <a:endParaRPr lang="ru-RU" dirty="0"/>
+          </a:p>
+          <a:p>
+            <a:pPr marL="0" indent="0">
+              <a:buNone/>
+            </a:pPr>
+            <a:r>
+              <a:rPr lang="ru-RU" dirty="0" err="1" smtClean="0"/>
+              <a:t>Python</a:t>
+            </a:r>
+            <a:r>
+              <a:rPr lang="ru-RU" dirty="0" smtClean="0"/>
+              <a:t> </a:t>
+            </a:r>
+            <a:r>
+              <a:rPr lang="ru-RU" dirty="0"/>
+              <a:t>порождает случайные числа на основе формулы, так что они не на самом деле случайные, а, как говорят, </a:t>
+            </a:r>
+            <a:r>
+              <a:rPr lang="ru-RU" dirty="0" smtClean="0"/>
+              <a:t>псевдослучайные. </a:t>
+            </a:r>
+            <a:endParaRPr lang="en-US" dirty="0" smtClean="0"/>
+          </a:p>
+          <a:p>
+            <a:pPr marL="0" indent="0">
+              <a:buNone/>
+            </a:pPr>
+            <a:r>
+              <a:rPr lang="ru-RU" dirty="0" smtClean="0"/>
+              <a:t>Этот </a:t>
+            </a:r>
+            <a:r>
+              <a:rPr lang="ru-RU" dirty="0"/>
+              <a:t>способ удобен для большинства приложений (кроме онлайновых казино</a:t>
+            </a:r>
+            <a:r>
+              <a:rPr lang="ru-RU" dirty="0" smtClean="0"/>
+              <a:t>).</a:t>
+            </a:r>
+            <a:endParaRPr lang="en-US" dirty="0" smtClean="0"/>
+          </a:p>
+          <a:p>
+            <a:pPr marL="0" indent="0">
+              <a:buNone/>
+            </a:pPr>
+            <a:endParaRPr lang="en-US" dirty="0" smtClean="0"/>
+          </a:p>
+          <a:p>
+            <a:pPr marL="0" indent="0">
+              <a:buNone/>
+            </a:pPr>
+            <a:r>
+              <a:rPr lang="en-US" dirty="0">
+                <a:hlinkClick r:id="rId2"/>
+              </a:rPr>
+              <a:t>http://</a:t>
+            </a:r>
+            <a:r>
+              <a:rPr lang="en-US" dirty="0" smtClean="0">
+                <a:hlinkClick r:id="rId2"/>
+              </a:rPr>
+              <a:t>ps.readthedocs.io/ru/latest/random.html</a:t>
+            </a:r>
+            <a:r>
+              <a:rPr lang="en-US" dirty="0" smtClean="0"/>
+              <a:t> </a:t>
+            </a:r>
+            <a:endParaRPr lang="ru-RU" dirty="0"/>
+          </a:p>
+        </p:txBody>
+      </p:sp>
+    </p:spTree>
+    <p:extLst>
+      <p:ext uri="{BB962C8B-B14F-4D97-AF65-F5344CB8AC3E}">
+        <p14:creationId xmlns:p14="http://schemas.microsoft.com/office/powerpoint/2010/main" val="746090593"/>
+      </p:ext>
+    </p:extLst>
+  </p:cSld>
+  <p:clrMapOvr>
+    <a:masterClrMapping/>
+  </p:clrMapOvr>
+</p:sld>
+</file>
+
+<file path=ppt/slides/slide21.xml><?xml version="1.0" encoding="utf-8"?>
+<p:sld xmlns:a="http://schemas.openxmlformats.org/drawingml/2006/main" xmlns:r="http://schemas.openxmlformats.org/officeDocument/2006/relationships" xmlns:p="http://schemas.openxmlformats.org/presentationml/2006/main">
+  <p:cSld>
+    <p:spTree>
+      <p:nvGrpSpPr>
+        <p:cNvPr id="1" name=""/>
+        <p:cNvGrpSpPr/>
+        <p:nvPr/>
+      </p:nvGrpSpPr>
+      <p:grpSpPr>
+        <a:xfrm>
+          <a:off x="0" y="0"/>
+          <a:ext cx="0" cy="0"/>
+          <a:chOff x="0" y="0"/>
+          <a:chExt cx="0" cy="0"/>
+        </a:xfrm>
+      </p:grpSpPr>
+      <p:sp>
+        <p:nvSpPr>
+          <p:cNvPr id="2" name="Заголовок 1"/>
+          <p:cNvSpPr>
+            <a:spLocks noGrp="1"/>
+          </p:cNvSpPr>
+          <p:nvPr>
+            <p:ph type="title"/>
+          </p:nvPr>
+        </p:nvSpPr>
+        <p:spPr/>
+        <p:txBody>
+          <a:bodyPr/>
+          <a:lstStyle/>
+          <a:p>
+            <a:r>
+              <a:rPr lang="ru-RU" dirty="0"/>
+              <a:t>Модуль </a:t>
+            </a:r>
+            <a:r>
+              <a:rPr lang="en-US" dirty="0"/>
+              <a:t>random</a:t>
+            </a:r>
+            <a:endParaRPr lang="ru-RU" dirty="0"/>
+          </a:p>
+        </p:txBody>
+      </p:sp>
+      <p:sp>
+        <p:nvSpPr>
+          <p:cNvPr id="3" name="Объект 2"/>
+          <p:cNvSpPr>
+            <a:spLocks noGrp="1"/>
+          </p:cNvSpPr>
+          <p:nvPr>
+            <p:ph idx="1"/>
+          </p:nvPr>
+        </p:nvSpPr>
+        <p:spPr/>
+        <p:txBody>
+          <a:bodyPr/>
+          <a:lstStyle/>
+          <a:p>
+            <a:r>
+              <a:rPr lang="ru-RU" dirty="0"/>
+              <a:t>Модуль </a:t>
+            </a:r>
+            <a:r>
+              <a:rPr lang="ru-RU" dirty="0" err="1"/>
+              <a:t>random</a:t>
+            </a:r>
+            <a:r>
+              <a:rPr lang="ru-RU" dirty="0"/>
+              <a:t> позволяет генерировать случайные числа. Прежде чем использовать модуль, необходимо подключить его с помощью инструкции:</a:t>
+            </a:r>
+          </a:p>
+        </p:txBody>
+      </p:sp>
+      <p:pic>
+        <p:nvPicPr>
+          <p:cNvPr id="4" name="Рисунок 3"/>
+          <p:cNvPicPr>
+            <a:picLocks noChangeAspect="1"/>
+          </p:cNvPicPr>
+          <p:nvPr/>
+        </p:nvPicPr>
+        <p:blipFill rotWithShape="1">
+          <a:blip r:embed="rId2"/>
+          <a:srcRect l="14175" t="83299" r="77557" b="14212"/>
+          <a:stretch/>
+        </p:blipFill>
+        <p:spPr>
+          <a:xfrm>
+            <a:off x="2915816" y="4221088"/>
+            <a:ext cx="3402378" cy="576064"/>
+          </a:xfrm>
+          <a:prstGeom prst="rect">
+            <a:avLst/>
+          </a:prstGeom>
+        </p:spPr>
+      </p:pic>
+    </p:spTree>
+    <p:extLst>
+      <p:ext uri="{BB962C8B-B14F-4D97-AF65-F5344CB8AC3E}">
+        <p14:creationId xmlns:p14="http://schemas.microsoft.com/office/powerpoint/2010/main" val="3436779112"/>
+      </p:ext>
+    </p:extLst>
+  </p:cSld>
+  <p:clrMapOvr>
+    <a:masterClrMapping/>
+  </p:clrMapOvr>
+</p:sld>
+</file>
+
+<file path=ppt/slides/slide22.xml><?xml version="1.0" encoding="utf-8"?>
+<p:sld xmlns:a="http://schemas.openxmlformats.org/drawingml/2006/main" xmlns:r="http://schemas.openxmlformats.org/officeDocument/2006/relationships" xmlns:p="http://schemas.openxmlformats.org/presentationml/2006/main">
+  <p:cSld>
+    <p:spTree>
+      <p:nvGrpSpPr>
+        <p:cNvPr id="1" name=""/>
+        <p:cNvGrpSpPr/>
+        <p:nvPr/>
+      </p:nvGrpSpPr>
+      <p:grpSpPr>
+        <a:xfrm>
+          <a:off x="0" y="0"/>
+          <a:ext cx="0" cy="0"/>
+          <a:chOff x="0" y="0"/>
+          <a:chExt cx="0" cy="0"/>
+        </a:xfrm>
+      </p:grpSpPr>
+      <p:sp>
+        <p:nvSpPr>
+          <p:cNvPr id="2" name="Заголовок 1"/>
+          <p:cNvSpPr>
+            <a:spLocks noGrp="1"/>
+          </p:cNvSpPr>
+          <p:nvPr>
+            <p:ph type="title"/>
+          </p:nvPr>
+        </p:nvSpPr>
+        <p:spPr/>
+        <p:txBody>
+          <a:bodyPr/>
+          <a:lstStyle/>
+          <a:p>
+            <a:r>
+              <a:rPr lang="en-US" dirty="0" err="1"/>
+              <a:t>random.random</a:t>
+            </a:r>
+            <a:endParaRPr lang="ru-RU" dirty="0"/>
+          </a:p>
+        </p:txBody>
+      </p:sp>
+      <p:sp>
+        <p:nvSpPr>
+          <p:cNvPr id="3" name="Объект 2"/>
+          <p:cNvSpPr>
+            <a:spLocks noGrp="1"/>
+          </p:cNvSpPr>
+          <p:nvPr>
+            <p:ph idx="1"/>
+          </p:nvPr>
+        </p:nvSpPr>
+        <p:spPr>
+          <a:xfrm>
+            <a:off x="457200" y="1600200"/>
+            <a:ext cx="7427168" cy="4525963"/>
+          </a:xfrm>
+        </p:spPr>
+        <p:txBody>
+          <a:bodyPr/>
+          <a:lstStyle/>
+          <a:p>
+            <a:pPr marL="0" indent="0">
+              <a:buNone/>
+            </a:pPr>
+            <a:r>
+              <a:rPr lang="ru-RU" dirty="0" err="1">
+                <a:latin typeface="Courier New" panose="02070309020205020404" pitchFamily="49" charset="0"/>
+                <a:cs typeface="Courier New" panose="02070309020205020404" pitchFamily="49" charset="0"/>
+              </a:rPr>
+              <a:t>random.random</a:t>
+            </a:r>
+            <a:r>
+              <a:rPr lang="ru-RU" dirty="0">
+                <a:latin typeface="Courier New" panose="02070309020205020404" pitchFamily="49" charset="0"/>
+                <a:cs typeface="Courier New" panose="02070309020205020404" pitchFamily="49" charset="0"/>
+              </a:rPr>
+              <a:t>() </a:t>
+            </a:r>
+            <a:r>
+              <a:rPr lang="ru-RU" dirty="0"/>
+              <a:t>— возвращает псевдослучайное число от 0.0 до 1.0</a:t>
+            </a:r>
+          </a:p>
+        </p:txBody>
+      </p:sp>
+      <p:pic>
+        <p:nvPicPr>
+          <p:cNvPr id="4" name="Рисунок 3"/>
+          <p:cNvPicPr>
+            <a:picLocks noChangeAspect="1"/>
+          </p:cNvPicPr>
+          <p:nvPr/>
+        </p:nvPicPr>
+        <p:blipFill rotWithShape="1">
+          <a:blip r:embed="rId2"/>
+          <a:srcRect l="24661" t="78399" r="60626" b="14601"/>
+          <a:stretch/>
+        </p:blipFill>
+        <p:spPr>
+          <a:xfrm>
+            <a:off x="2339752" y="3645024"/>
+            <a:ext cx="4248472" cy="1136969"/>
+          </a:xfrm>
+          <a:prstGeom prst="rect">
+            <a:avLst/>
+          </a:prstGeom>
+        </p:spPr>
+      </p:pic>
+    </p:spTree>
+    <p:extLst>
+      <p:ext uri="{BB962C8B-B14F-4D97-AF65-F5344CB8AC3E}">
+        <p14:creationId xmlns:p14="http://schemas.microsoft.com/office/powerpoint/2010/main" val="4081415037"/>
+      </p:ext>
+    </p:extLst>
+  </p:cSld>
+  <p:clrMapOvr>
+    <a:masterClrMapping/>
+  </p:clrMapOvr>
+</p:sld>
+</file>
+
+<file path=ppt/slides/slide23.xml><?xml version="1.0" encoding="utf-8"?>
+<p:sld xmlns:a="http://schemas.openxmlformats.org/drawingml/2006/main" xmlns:r="http://schemas.openxmlformats.org/officeDocument/2006/relationships" xmlns:p="http://schemas.openxmlformats.org/presentationml/2006/main">
+  <p:cSld>
+    <p:spTree>
+      <p:nvGrpSpPr>
+        <p:cNvPr id="1" name=""/>
+        <p:cNvGrpSpPr/>
+        <p:nvPr/>
+      </p:nvGrpSpPr>
+      <p:grpSpPr>
+        <a:xfrm>
+          <a:off x="0" y="0"/>
+          <a:ext cx="0" cy="0"/>
+          <a:chOff x="0" y="0"/>
+          <a:chExt cx="0" cy="0"/>
+        </a:xfrm>
+      </p:grpSpPr>
+      <p:sp>
+        <p:nvSpPr>
+          <p:cNvPr id="2" name="Заголовок 1"/>
+          <p:cNvSpPr>
+            <a:spLocks noGrp="1"/>
+          </p:cNvSpPr>
+          <p:nvPr>
+            <p:ph type="title"/>
+          </p:nvPr>
+        </p:nvSpPr>
+        <p:spPr/>
+        <p:txBody>
+          <a:bodyPr/>
+          <a:lstStyle/>
+          <a:p>
+            <a:r>
+              <a:rPr lang="en-US" dirty="0" err="1"/>
+              <a:t>random.uniform</a:t>
+            </a:r>
+            <a:endParaRPr lang="ru-RU" dirty="0"/>
+          </a:p>
+        </p:txBody>
+      </p:sp>
+      <p:sp>
+        <p:nvSpPr>
+          <p:cNvPr id="3" name="Объект 2"/>
+          <p:cNvSpPr>
+            <a:spLocks noGrp="1"/>
+          </p:cNvSpPr>
+          <p:nvPr>
+            <p:ph idx="1"/>
+          </p:nvPr>
+        </p:nvSpPr>
+        <p:spPr>
+          <a:xfrm>
+            <a:off x="282352" y="1670074"/>
+            <a:ext cx="8579296" cy="4525963"/>
+          </a:xfrm>
+        </p:spPr>
+        <p:txBody>
+          <a:bodyPr/>
+          <a:lstStyle/>
+          <a:p>
+            <a:pPr marL="0" indent="0">
+              <a:buNone/>
+            </a:pPr>
+            <a:r>
+              <a:rPr lang="ru-RU" dirty="0" err="1">
+                <a:latin typeface="Courier New" panose="02070309020205020404" pitchFamily="49" charset="0"/>
+                <a:cs typeface="Courier New" panose="02070309020205020404" pitchFamily="49" charset="0"/>
+              </a:rPr>
+              <a:t>random.uniform</a:t>
+            </a:r>
+            <a:r>
+              <a:rPr lang="ru-RU" dirty="0">
+                <a:latin typeface="Courier New" panose="02070309020205020404" pitchFamily="49" charset="0"/>
+                <a:cs typeface="Courier New" panose="02070309020205020404" pitchFamily="49" charset="0"/>
+              </a:rPr>
+              <a:t>(&lt;Начало&gt;, &lt;Конец&gt;) </a:t>
+            </a:r>
+            <a:r>
+              <a:rPr lang="ru-RU" dirty="0"/>
+              <a:t>— возвращает псевдослучайное вещественное число в диапазоне от &lt;Начало&gt; до &lt;Конец&gt;:</a:t>
+            </a:r>
+          </a:p>
+        </p:txBody>
+      </p:sp>
+      <p:pic>
+        <p:nvPicPr>
+          <p:cNvPr id="4" name="Рисунок 3"/>
+          <p:cNvPicPr>
+            <a:picLocks noChangeAspect="1"/>
+          </p:cNvPicPr>
+          <p:nvPr/>
+        </p:nvPicPr>
+        <p:blipFill rotWithShape="1">
+          <a:blip r:embed="rId2"/>
+          <a:srcRect l="46462" t="72098" r="34639" b="17402"/>
+          <a:stretch/>
+        </p:blipFill>
+        <p:spPr>
+          <a:xfrm>
+            <a:off x="1979712" y="3933056"/>
+            <a:ext cx="5069363" cy="1584176"/>
+          </a:xfrm>
+          <a:prstGeom prst="rect">
+            <a:avLst/>
+          </a:prstGeom>
+        </p:spPr>
+      </p:pic>
+    </p:spTree>
+    <p:extLst>
+      <p:ext uri="{BB962C8B-B14F-4D97-AF65-F5344CB8AC3E}">
+        <p14:creationId xmlns:p14="http://schemas.microsoft.com/office/powerpoint/2010/main" val="1626524336"/>
+      </p:ext>
+    </p:extLst>
+  </p:cSld>
+  <p:clrMapOvr>
+    <a:masterClrMapping/>
+  </p:clrMapOvr>
+</p:sld>
+</file>
+
+<file path=ppt/slides/slide24.xml><?xml version="1.0" encoding="utf-8"?>
+<p:sld xmlns:a="http://schemas.openxmlformats.org/drawingml/2006/main" xmlns:r="http://schemas.openxmlformats.org/officeDocument/2006/relationships" xmlns:p="http://schemas.openxmlformats.org/presentationml/2006/main">
+  <p:cSld>
+    <p:spTree>
+      <p:nvGrpSpPr>
+        <p:cNvPr id="1" name=""/>
+        <p:cNvGrpSpPr/>
+        <p:nvPr/>
+      </p:nvGrpSpPr>
+      <p:grpSpPr>
+        <a:xfrm>
+          <a:off x="0" y="0"/>
+          <a:ext cx="0" cy="0"/>
+          <a:chOff x="0" y="0"/>
+          <a:chExt cx="0" cy="0"/>
+        </a:xfrm>
+      </p:grpSpPr>
+      <p:sp>
+        <p:nvSpPr>
+          <p:cNvPr id="2" name="Заголовок 1"/>
+          <p:cNvSpPr>
+            <a:spLocks noGrp="1"/>
+          </p:cNvSpPr>
+          <p:nvPr>
+            <p:ph type="title"/>
+          </p:nvPr>
+        </p:nvSpPr>
+        <p:spPr/>
+        <p:txBody>
+          <a:bodyPr/>
+          <a:lstStyle/>
+          <a:p>
+            <a:r>
+              <a:rPr lang="en-US" dirty="0" err="1"/>
+              <a:t>random.randint</a:t>
+            </a:r>
+            <a:endParaRPr lang="ru-RU" dirty="0"/>
+          </a:p>
+        </p:txBody>
+      </p:sp>
+      <p:sp>
+        <p:nvSpPr>
+          <p:cNvPr id="3" name="Объект 2"/>
+          <p:cNvSpPr>
+            <a:spLocks noGrp="1"/>
+          </p:cNvSpPr>
+          <p:nvPr>
+            <p:ph idx="1"/>
+          </p:nvPr>
+        </p:nvSpPr>
+        <p:spPr>
+          <a:xfrm>
+            <a:off x="282352" y="1556792"/>
+            <a:ext cx="8579296" cy="4525963"/>
+          </a:xfrm>
+        </p:spPr>
+        <p:txBody>
+          <a:bodyPr/>
+          <a:lstStyle/>
+          <a:p>
+            <a:pPr marL="0" indent="0">
+              <a:buNone/>
+            </a:pPr>
+            <a:r>
+              <a:rPr lang="ru-RU" dirty="0" err="1">
+                <a:latin typeface="Courier New" panose="02070309020205020404" pitchFamily="49" charset="0"/>
+                <a:cs typeface="Courier New" panose="02070309020205020404" pitchFamily="49" charset="0"/>
+              </a:rPr>
+              <a:t>random.randint</a:t>
+            </a:r>
+            <a:r>
+              <a:rPr lang="ru-RU" dirty="0">
+                <a:latin typeface="Courier New" panose="02070309020205020404" pitchFamily="49" charset="0"/>
+                <a:cs typeface="Courier New" panose="02070309020205020404" pitchFamily="49" charset="0"/>
+              </a:rPr>
+              <a:t>(&lt;Начало&gt;, &lt;Конец&gt;) </a:t>
+            </a:r>
+            <a:r>
+              <a:rPr lang="ru-RU" dirty="0"/>
+              <a:t>— возвращает псевдослучайное целое число в диапазоне от &lt;Начало&gt; до &lt;Конец&gt;:</a:t>
+            </a:r>
+          </a:p>
+        </p:txBody>
+      </p:sp>
+      <p:pic>
+        <p:nvPicPr>
+          <p:cNvPr id="4" name="Рисунок 3"/>
+          <p:cNvPicPr>
+            <a:picLocks noChangeAspect="1"/>
+          </p:cNvPicPr>
+          <p:nvPr/>
+        </p:nvPicPr>
+        <p:blipFill rotWithShape="1">
+          <a:blip r:embed="rId2"/>
+          <a:srcRect l="46462" t="72400" r="35426" b="17801"/>
+          <a:stretch/>
+        </p:blipFill>
+        <p:spPr>
+          <a:xfrm>
+            <a:off x="2087724" y="4005064"/>
+            <a:ext cx="4968552" cy="1512168"/>
+          </a:xfrm>
+          <a:prstGeom prst="rect">
+            <a:avLst/>
+          </a:prstGeom>
+        </p:spPr>
+      </p:pic>
+    </p:spTree>
+    <p:extLst>
+      <p:ext uri="{BB962C8B-B14F-4D97-AF65-F5344CB8AC3E}">
+        <p14:creationId xmlns:p14="http://schemas.microsoft.com/office/powerpoint/2010/main" val="4252321017"/>
+      </p:ext>
+    </p:extLst>
+  </p:cSld>
+  <p:clrMapOvr>
+    <a:masterClrMapping/>
+  </p:clrMapOvr>
+</p:sld>
+</file>
+
+<file path=ppt/slides/slide25.xml><?xml version="1.0" encoding="utf-8"?>
+<p:sld xmlns:a="http://schemas.openxmlformats.org/drawingml/2006/main" xmlns:r="http://schemas.openxmlformats.org/officeDocument/2006/relationships" xmlns:p="http://schemas.openxmlformats.org/presentationml/2006/main">
+  <p:cSld>
+    <p:spTree>
+      <p:nvGrpSpPr>
+        <p:cNvPr id="1" name=""/>
+        <p:cNvGrpSpPr/>
+        <p:nvPr/>
+      </p:nvGrpSpPr>
+      <p:grpSpPr>
+        <a:xfrm>
+          <a:off x="0" y="0"/>
+          <a:ext cx="0" cy="0"/>
+          <a:chOff x="0" y="0"/>
+          <a:chExt cx="0" cy="0"/>
+        </a:xfrm>
+      </p:grpSpPr>
+      <p:sp>
+        <p:nvSpPr>
+          <p:cNvPr id="2" name="Заголовок 1"/>
+          <p:cNvSpPr>
+            <a:spLocks noGrp="1"/>
+          </p:cNvSpPr>
+          <p:nvPr>
+            <p:ph type="title"/>
+          </p:nvPr>
+        </p:nvSpPr>
+        <p:spPr/>
+        <p:txBody>
+          <a:bodyPr/>
+          <a:lstStyle/>
+          <a:p>
+            <a:r>
+              <a:rPr lang="ru-RU" dirty="0" smtClean="0"/>
+              <a:t>Игра угадай число</a:t>
+            </a:r>
+            <a:endParaRPr lang="ru-RU" dirty="0"/>
+          </a:p>
+        </p:txBody>
+      </p:sp>
+      <p:sp>
+        <p:nvSpPr>
+          <p:cNvPr id="3" name="Объект 2"/>
+          <p:cNvSpPr>
+            <a:spLocks noGrp="1"/>
+          </p:cNvSpPr>
+          <p:nvPr>
+            <p:ph idx="1"/>
+          </p:nvPr>
+        </p:nvSpPr>
+        <p:spPr/>
+        <p:txBody>
+          <a:bodyPr/>
+          <a:lstStyle/>
+          <a:p>
+            <a:pPr marL="0" indent="0">
+              <a:buNone/>
+            </a:pPr>
+            <a:r>
+              <a:rPr lang="ru-RU" dirty="0"/>
+              <a:t>В программе генерируется случайное целое число от 0 до 100. Пользователь должен его отгадать не более чем за 10 попыток. После каждой неудачной попытки должно сообщаться больше или меньше введенное пользователем число, чем то, что загадано. Если за 10 попыток число не отгадано, то вывести загаданное число.</a:t>
+            </a:r>
+          </a:p>
+        </p:txBody>
+      </p:sp>
+    </p:spTree>
+    <p:extLst>
+      <p:ext uri="{BB962C8B-B14F-4D97-AF65-F5344CB8AC3E}">
+        <p14:creationId xmlns:p14="http://schemas.microsoft.com/office/powerpoint/2010/main" val="2498111912"/>
+      </p:ext>
+    </p:extLst>
+  </p:cSld>
+  <p:clrMapOvr>
+    <a:masterClrMapping/>
+  </p:clrMapOvr>
+</p:sld>
+</file>
+
+<file path=ppt/slides/slide26.xml><?xml version="1.0" encoding="utf-8"?>
+<p:sld xmlns:a="http://schemas.openxmlformats.org/drawingml/2006/main" xmlns:r="http://schemas.openxmlformats.org/officeDocument/2006/relationships" xmlns:p="http://schemas.openxmlformats.org/presentationml/2006/main">
+  <p:cSld>
+    <p:spTree>
+      <p:nvGrpSpPr>
+        <p:cNvPr id="1" name="Shape 498"/>
+        <p:cNvGrpSpPr/>
+        <p:nvPr/>
+      </p:nvGrpSpPr>
+      <p:grpSpPr>
+        <a:xfrm>
+          <a:off x="0" y="0"/>
+          <a:ext cx="0" cy="0"/>
+          <a:chOff x="0" y="0"/>
+          <a:chExt cx="0" cy="0"/>
+        </a:xfrm>
+      </p:grpSpPr>
+      <p:sp>
+        <p:nvSpPr>
+          <p:cNvPr id="499" name="Shape 499"/>
+          <p:cNvSpPr txBox="1">
+            <a:spLocks noGrp="1"/>
+          </p:cNvSpPr>
+          <p:nvPr>
+            <p:ph type="title"/>
+          </p:nvPr>
+        </p:nvSpPr>
+        <p:spPr>
+          <a:xfrm>
+            <a:off x="1043608" y="404664"/>
+            <a:ext cx="7443787" cy="1285875"/>
+          </a:xfrm>
+          <a:prstGeom prst="rect">
+            <a:avLst/>
+          </a:prstGeom>
+          <a:noFill/>
+          <a:ln>
+            <a:noFill/>
+          </a:ln>
+        </p:spPr>
+        <p:txBody>
+          <a:bodyPr vert="horz" lIns="28575" tIns="28575" rIns="28575" bIns="28575" rtlCol="0" anchor="ctr" anchorCtr="0">
+            <a:noAutofit/>
+          </a:bodyPr>
+          <a:lstStyle/>
+          <a:p>
+            <a:pPr>
+              <a:spcBef>
+                <a:spcPts val="0"/>
+              </a:spcBef>
+              <a:buClr>
+                <a:srgbClr val="FFFF00"/>
+              </a:buClr>
+              <a:buSzPct val="25000"/>
+            </a:pPr>
+            <a:r>
+              <a:rPr lang="en-US" sz="3938" dirty="0" err="1">
+                <a:latin typeface="Cabin"/>
+                <a:ea typeface="Cabin"/>
+                <a:cs typeface="Cabin"/>
+                <a:sym typeface="Cabin"/>
+              </a:rPr>
+              <a:t>Операции</a:t>
+            </a:r>
+            <a:r>
+              <a:rPr lang="en-US" sz="3938" dirty="0">
+                <a:latin typeface="Cabin"/>
+                <a:ea typeface="Cabin"/>
+                <a:cs typeface="Cabin"/>
+                <a:sym typeface="Cabin"/>
+              </a:rPr>
+              <a:t> </a:t>
+            </a:r>
+            <a:r>
+              <a:rPr lang="en-US" sz="3938" dirty="0" err="1">
+                <a:latin typeface="Cabin"/>
+                <a:ea typeface="Cabin"/>
+                <a:cs typeface="Cabin"/>
+                <a:sym typeface="Cabin"/>
+              </a:rPr>
+              <a:t>со</a:t>
+            </a:r>
+            <a:r>
+              <a:rPr lang="en-US" sz="3938" dirty="0">
+                <a:latin typeface="Cabin"/>
+                <a:ea typeface="Cabin"/>
+                <a:cs typeface="Cabin"/>
+                <a:sym typeface="Cabin"/>
+              </a:rPr>
+              <a:t> </a:t>
+            </a:r>
+            <a:r>
+              <a:rPr lang="en-US" sz="3938" dirty="0" err="1">
+                <a:latin typeface="Cabin"/>
+                <a:ea typeface="Cabin"/>
+                <a:cs typeface="Cabin"/>
+                <a:sym typeface="Cabin"/>
+              </a:rPr>
+              <a:t>строками</a:t>
+            </a:r>
+            <a:endParaRPr lang="en-US" sz="3938" dirty="0">
+              <a:latin typeface="Cabin"/>
+              <a:ea typeface="Cabin"/>
+              <a:cs typeface="Cabin"/>
+              <a:sym typeface="Cabin"/>
+            </a:endParaRPr>
+          </a:p>
+        </p:txBody>
+      </p:sp>
+      <p:sp>
+        <p:nvSpPr>
+          <p:cNvPr id="500" name="Shape 500"/>
+          <p:cNvSpPr txBox="1">
+            <a:spLocks noGrp="1"/>
+          </p:cNvSpPr>
+          <p:nvPr>
+            <p:ph type="body" idx="1"/>
+          </p:nvPr>
+        </p:nvSpPr>
+        <p:spPr>
+          <a:xfrm>
+            <a:off x="805061" y="1340768"/>
+            <a:ext cx="7920880" cy="3456384"/>
+          </a:xfrm>
+          <a:prstGeom prst="rect">
+            <a:avLst/>
+          </a:prstGeom>
+          <a:noFill/>
+          <a:ln>
+            <a:noFill/>
+          </a:ln>
+        </p:spPr>
+        <p:txBody>
+          <a:bodyPr vert="horz" lIns="28575" tIns="28575" rIns="28575" bIns="28575" rtlCol="0" anchor="ctr" anchorCtr="0">
+            <a:noAutofit/>
+          </a:bodyPr>
+          <a:lstStyle/>
+          <a:p>
+            <a:pPr marL="621506" indent="-325112">
+              <a:spcBef>
+                <a:spcPts val="0"/>
+              </a:spcBef>
+              <a:buClr>
+                <a:schemeClr val="lt1"/>
+              </a:buClr>
+              <a:buSzPct val="100000"/>
+              <a:buFont typeface="Cabin"/>
+              <a:buChar char="•"/>
+            </a:pPr>
+            <a:r>
+              <a:rPr lang="en-US" sz="1800" dirty="0" err="1">
+                <a:latin typeface="Cabin"/>
+                <a:ea typeface="Cabin"/>
+                <a:cs typeface="Cabin"/>
+                <a:sym typeface="Cabin"/>
+              </a:rPr>
+              <a:t>Некоторые</a:t>
+            </a:r>
+            <a:r>
+              <a:rPr lang="en-US" sz="1800" dirty="0">
+                <a:latin typeface="Cabin"/>
+                <a:ea typeface="Cabin"/>
+                <a:cs typeface="Cabin"/>
+                <a:sym typeface="Cabin"/>
+              </a:rPr>
+              <a:t> </a:t>
+            </a:r>
+            <a:r>
+              <a:rPr lang="en-US" sz="1800" b="1" dirty="0" err="1">
+                <a:latin typeface="Cabin"/>
+                <a:ea typeface="Cabin"/>
+                <a:cs typeface="Cabin"/>
+                <a:sym typeface="Cabin"/>
+              </a:rPr>
+              <a:t>операции</a:t>
+            </a:r>
+            <a:r>
+              <a:rPr lang="en-US" sz="1800" dirty="0">
+                <a:solidFill>
+                  <a:schemeClr val="lt1"/>
+                </a:solidFill>
+                <a:latin typeface="Cabin"/>
+                <a:ea typeface="Cabin"/>
+                <a:cs typeface="Cabin"/>
+                <a:sym typeface="Cabin"/>
+              </a:rPr>
+              <a:t> </a:t>
+            </a:r>
+            <a:r>
+              <a:rPr lang="en-US" sz="1800" dirty="0" err="1">
+                <a:latin typeface="Cabin"/>
+                <a:ea typeface="Cabin"/>
+                <a:cs typeface="Cabin"/>
+                <a:sym typeface="Cabin"/>
+              </a:rPr>
+              <a:t>применимы</a:t>
+            </a:r>
+            <a:r>
+              <a:rPr lang="en-US" sz="1800" dirty="0">
+                <a:latin typeface="Cabin"/>
+                <a:ea typeface="Cabin"/>
+                <a:cs typeface="Cabin"/>
+                <a:sym typeface="Cabin"/>
+              </a:rPr>
+              <a:t> к </a:t>
+            </a:r>
+            <a:r>
+              <a:rPr lang="en-US" sz="1800" dirty="0" err="1">
+                <a:latin typeface="Cabin"/>
+                <a:ea typeface="Cabin"/>
+                <a:cs typeface="Cabin"/>
+                <a:sym typeface="Cabin"/>
+              </a:rPr>
+              <a:t>строкам</a:t>
+            </a:r>
+            <a:endParaRPr lang="en-US" sz="1800" dirty="0">
+              <a:latin typeface="Cabin"/>
+              <a:ea typeface="Cabin"/>
+              <a:cs typeface="Cabin"/>
+              <a:sym typeface="Cabin"/>
+            </a:endParaRPr>
+          </a:p>
+          <a:p>
+            <a:pPr marL="546426" lvl="1" indent="0">
+              <a:spcBef>
+                <a:spcPts val="1294"/>
+              </a:spcBef>
+              <a:buClr>
+                <a:schemeClr val="accent5"/>
+              </a:buClr>
+              <a:buSzPct val="100000"/>
+              <a:buNone/>
+            </a:pPr>
+            <a:r>
+              <a:rPr lang="en-US" sz="1800" dirty="0">
+                <a:latin typeface="Cabin"/>
+                <a:ea typeface="Cabin"/>
+                <a:cs typeface="Cabin"/>
+                <a:sym typeface="Cabin"/>
+              </a:rPr>
+              <a:t>+</a:t>
+            </a:r>
+            <a:r>
+              <a:rPr lang="en-US" sz="1800" dirty="0">
+                <a:solidFill>
+                  <a:schemeClr val="accent5"/>
+                </a:solidFill>
+                <a:latin typeface="Cabin"/>
+                <a:ea typeface="Cabin"/>
+                <a:cs typeface="Cabin"/>
+                <a:sym typeface="Cabin"/>
+              </a:rPr>
+              <a:t> </a:t>
+            </a:r>
+            <a:r>
+              <a:rPr lang="en-US" sz="1800" dirty="0" err="1">
+                <a:solidFill>
+                  <a:schemeClr val="accent5"/>
+                </a:solidFill>
+                <a:latin typeface="Cabin"/>
+                <a:ea typeface="Cabin"/>
+                <a:cs typeface="Cabin"/>
+                <a:sym typeface="Cabin"/>
+              </a:rPr>
+              <a:t>означает</a:t>
+            </a:r>
+            <a:r>
+              <a:rPr lang="en-US" sz="1800" dirty="0">
+                <a:solidFill>
+                  <a:schemeClr val="accent5"/>
+                </a:solidFill>
+                <a:latin typeface="Cabin"/>
+                <a:ea typeface="Cabin"/>
+                <a:cs typeface="Cabin"/>
+                <a:sym typeface="Cabin"/>
+              </a:rPr>
+              <a:t> </a:t>
+            </a:r>
+            <a:r>
+              <a:rPr lang="en-US" sz="1800" dirty="0">
+                <a:solidFill>
+                  <a:schemeClr val="accent5"/>
+                </a:solidFill>
+                <a:latin typeface="Arial"/>
+                <a:ea typeface="Arial"/>
+                <a:cs typeface="Arial"/>
+                <a:sym typeface="Arial"/>
+              </a:rPr>
+              <a:t>“</a:t>
+            </a:r>
+            <a:r>
+              <a:rPr lang="en-US" sz="1800" dirty="0" err="1">
+                <a:solidFill>
+                  <a:schemeClr val="accent5"/>
+                </a:solidFill>
+                <a:latin typeface="Cabin"/>
+                <a:ea typeface="Cabin"/>
+                <a:cs typeface="Cabin"/>
+                <a:sym typeface="Cabin"/>
+              </a:rPr>
+              <a:t>конкатенацию</a:t>
+            </a:r>
+            <a:r>
+              <a:rPr lang="en-US" sz="1800" dirty="0">
+                <a:solidFill>
+                  <a:schemeClr val="accent5"/>
+                </a:solidFill>
+                <a:latin typeface="Arial"/>
+                <a:ea typeface="Arial"/>
+                <a:cs typeface="Arial"/>
+                <a:sym typeface="Arial"/>
+              </a:rPr>
+              <a:t>”</a:t>
+            </a:r>
+          </a:p>
+          <a:p>
+            <a:pPr marL="546426" lvl="1" indent="0">
+              <a:spcBef>
+                <a:spcPts val="1294"/>
+              </a:spcBef>
+              <a:buClr>
+                <a:schemeClr val="accent5"/>
+              </a:buClr>
+              <a:buSzPct val="100000"/>
+              <a:buNone/>
+            </a:pPr>
+            <a:r>
+              <a:rPr lang="en-US" sz="1800" dirty="0">
+                <a:latin typeface="Cabin"/>
+                <a:ea typeface="Cabin"/>
+                <a:cs typeface="Cabin"/>
+                <a:sym typeface="Cabin"/>
+              </a:rPr>
+              <a:t>*</a:t>
+            </a:r>
+            <a:r>
+              <a:rPr lang="en-US" sz="1800" dirty="0">
+                <a:solidFill>
+                  <a:schemeClr val="accent5"/>
+                </a:solidFill>
+                <a:latin typeface="Cabin"/>
+                <a:ea typeface="Cabin"/>
+                <a:cs typeface="Cabin"/>
+                <a:sym typeface="Cabin"/>
+              </a:rPr>
+              <a:t> </a:t>
+            </a:r>
+            <a:r>
+              <a:rPr lang="en-US" sz="1800" dirty="0" err="1">
+                <a:solidFill>
+                  <a:schemeClr val="accent5"/>
+                </a:solidFill>
+                <a:latin typeface="Cabin"/>
+                <a:ea typeface="Cabin"/>
+                <a:cs typeface="Cabin"/>
+                <a:sym typeface="Cabin"/>
+              </a:rPr>
+              <a:t>означает</a:t>
+            </a:r>
+            <a:r>
+              <a:rPr lang="en-US" sz="1800" dirty="0">
+                <a:solidFill>
+                  <a:schemeClr val="accent5"/>
+                </a:solidFill>
+                <a:latin typeface="Cabin"/>
+                <a:ea typeface="Cabin"/>
+                <a:cs typeface="Cabin"/>
+                <a:sym typeface="Cabin"/>
+              </a:rPr>
+              <a:t> </a:t>
+            </a:r>
+            <a:r>
+              <a:rPr lang="en-US" sz="1800" dirty="0">
+                <a:solidFill>
+                  <a:schemeClr val="accent5"/>
+                </a:solidFill>
+                <a:latin typeface="Arial"/>
+                <a:ea typeface="Arial"/>
+                <a:cs typeface="Arial"/>
+                <a:sym typeface="Arial"/>
+              </a:rPr>
+              <a:t>“</a:t>
+            </a:r>
+            <a:r>
+              <a:rPr lang="en-US" sz="1800" dirty="0" err="1">
+                <a:solidFill>
+                  <a:schemeClr val="accent5"/>
+                </a:solidFill>
+                <a:latin typeface="Cabin"/>
+                <a:ea typeface="Cabin"/>
+                <a:cs typeface="Cabin"/>
+                <a:sym typeface="Cabin"/>
+              </a:rPr>
+              <a:t>несколько</a:t>
+            </a:r>
+            <a:r>
+              <a:rPr lang="en-US" sz="1800" dirty="0">
+                <a:solidFill>
+                  <a:schemeClr val="accent5"/>
+                </a:solidFill>
+                <a:latin typeface="Cabin"/>
+                <a:ea typeface="Cabin"/>
+                <a:cs typeface="Cabin"/>
+                <a:sym typeface="Cabin"/>
+              </a:rPr>
+              <a:t> </a:t>
+            </a:r>
+            <a:r>
+              <a:rPr lang="en-US" sz="1800" dirty="0" err="1">
+                <a:solidFill>
+                  <a:schemeClr val="accent5"/>
+                </a:solidFill>
+                <a:latin typeface="Cabin"/>
+                <a:ea typeface="Cabin"/>
+                <a:cs typeface="Cabin"/>
+                <a:sym typeface="Cabin"/>
+              </a:rPr>
+              <a:t>конкатенаций</a:t>
+            </a:r>
+            <a:r>
+              <a:rPr lang="en-US" sz="1800" dirty="0">
+                <a:solidFill>
+                  <a:schemeClr val="accent5"/>
+                </a:solidFill>
+                <a:latin typeface="Arial"/>
+                <a:ea typeface="Arial"/>
+                <a:cs typeface="Arial"/>
+                <a:sym typeface="Arial"/>
+              </a:rPr>
+              <a:t>”</a:t>
+            </a:r>
+          </a:p>
+          <a:p>
+            <a:pPr marL="621506" indent="-325112">
+              <a:spcBef>
+                <a:spcPts val="1294"/>
+              </a:spcBef>
+              <a:buClr>
+                <a:schemeClr val="lt1"/>
+              </a:buClr>
+              <a:buSzPct val="100000"/>
+              <a:buFont typeface="Cabin"/>
+              <a:buChar char="•"/>
+            </a:pPr>
+            <a:r>
+              <a:rPr lang="en-US" sz="1800" dirty="0">
+                <a:latin typeface="Cabin"/>
+                <a:ea typeface="Cabin"/>
+                <a:cs typeface="Cabin"/>
+                <a:sym typeface="Cabin"/>
+              </a:rPr>
+              <a:t>Python </a:t>
+            </a:r>
+            <a:r>
+              <a:rPr lang="en-US" sz="1800" dirty="0" err="1">
+                <a:latin typeface="Cabin"/>
+                <a:ea typeface="Cabin"/>
+                <a:cs typeface="Cabin"/>
+                <a:sym typeface="Cabin"/>
+              </a:rPr>
+              <a:t>знает</a:t>
+            </a:r>
+            <a:r>
+              <a:rPr lang="en-US" sz="1800" dirty="0">
+                <a:latin typeface="Cabin"/>
+                <a:ea typeface="Cabin"/>
+                <a:cs typeface="Cabin"/>
+                <a:sym typeface="Cabin"/>
+              </a:rPr>
+              <a:t> </a:t>
+            </a:r>
+            <a:r>
+              <a:rPr lang="en-US" sz="1800" dirty="0" err="1">
+                <a:latin typeface="Cabin"/>
+                <a:ea typeface="Cabin"/>
+                <a:cs typeface="Cabin"/>
+                <a:sym typeface="Cabin"/>
+              </a:rPr>
+              <a:t>разницу</a:t>
+            </a:r>
+            <a:r>
+              <a:rPr lang="en-US" sz="1800" dirty="0">
+                <a:latin typeface="Cabin"/>
+                <a:ea typeface="Cabin"/>
+                <a:cs typeface="Cabin"/>
+                <a:sym typeface="Cabin"/>
+              </a:rPr>
+              <a:t> </a:t>
+            </a:r>
+            <a:r>
+              <a:rPr lang="en-US" sz="1800" dirty="0" err="1">
+                <a:latin typeface="Cabin"/>
+                <a:ea typeface="Cabin"/>
+                <a:cs typeface="Cabin"/>
+                <a:sym typeface="Cabin"/>
+              </a:rPr>
+              <a:t>между</a:t>
+            </a:r>
+            <a:r>
+              <a:rPr lang="en-US" sz="1800" dirty="0">
+                <a:latin typeface="Cabin"/>
+                <a:ea typeface="Cabin"/>
+                <a:cs typeface="Cabin"/>
+                <a:sym typeface="Cabin"/>
+              </a:rPr>
+              <a:t> </a:t>
+            </a:r>
+            <a:r>
+              <a:rPr lang="en-US" sz="1800" dirty="0" err="1">
+                <a:latin typeface="Cabin"/>
+                <a:ea typeface="Cabin"/>
+                <a:cs typeface="Cabin"/>
+                <a:sym typeface="Cabin"/>
+              </a:rPr>
+              <a:t>строкой</a:t>
+            </a:r>
+            <a:r>
+              <a:rPr lang="en-US" sz="1800" dirty="0">
+                <a:latin typeface="Cabin"/>
+                <a:ea typeface="Cabin"/>
+                <a:cs typeface="Cabin"/>
+                <a:sym typeface="Cabin"/>
+              </a:rPr>
+              <a:t> и </a:t>
+            </a:r>
+            <a:r>
+              <a:rPr lang="en-US" sz="1800" dirty="0" err="1">
+                <a:latin typeface="Cabin"/>
+                <a:ea typeface="Cabin"/>
+                <a:cs typeface="Cabin"/>
+                <a:sym typeface="Cabin"/>
+              </a:rPr>
+              <a:t>числом</a:t>
+            </a:r>
+            <a:r>
+              <a:rPr lang="en-US" sz="1800" dirty="0">
+                <a:latin typeface="Cabin"/>
+                <a:ea typeface="Cabin"/>
+                <a:cs typeface="Cabin"/>
+                <a:sym typeface="Cabin"/>
+              </a:rPr>
+              <a:t> и в </a:t>
+            </a:r>
+            <a:r>
+              <a:rPr lang="en-US" sz="1800" dirty="0" err="1">
+                <a:latin typeface="Cabin"/>
+                <a:ea typeface="Cabin"/>
+                <a:cs typeface="Cabin"/>
+                <a:sym typeface="Cabin"/>
+              </a:rPr>
+              <a:t>соответствии</a:t>
+            </a:r>
+            <a:r>
+              <a:rPr lang="en-US" sz="1800" dirty="0">
+                <a:latin typeface="Cabin"/>
+                <a:ea typeface="Cabin"/>
+                <a:cs typeface="Cabin"/>
+                <a:sym typeface="Cabin"/>
+              </a:rPr>
+              <a:t> с </a:t>
+            </a:r>
+            <a:r>
+              <a:rPr lang="en-US" sz="1800" dirty="0" err="1">
+                <a:latin typeface="Cabin"/>
+                <a:ea typeface="Cabin"/>
+                <a:cs typeface="Cabin"/>
+                <a:sym typeface="Cabin"/>
+              </a:rPr>
+              <a:t>этим</a:t>
+            </a:r>
+            <a:r>
+              <a:rPr lang="en-US" sz="1800" dirty="0">
+                <a:latin typeface="Cabin"/>
+                <a:ea typeface="Cabin"/>
+                <a:cs typeface="Cabin"/>
+                <a:sym typeface="Cabin"/>
+              </a:rPr>
+              <a:t> </a:t>
+            </a:r>
+            <a:r>
+              <a:rPr lang="en-US" sz="1800" dirty="0" err="1">
+                <a:latin typeface="Cabin"/>
+                <a:ea typeface="Cabin"/>
+                <a:cs typeface="Cabin"/>
+                <a:sym typeface="Cabin"/>
+              </a:rPr>
+              <a:t>выполняет</a:t>
+            </a:r>
+            <a:r>
+              <a:rPr lang="en-US" sz="1800" dirty="0">
+                <a:latin typeface="Cabin"/>
+                <a:ea typeface="Cabin"/>
+                <a:cs typeface="Cabin"/>
+                <a:sym typeface="Cabin"/>
+              </a:rPr>
+              <a:t> </a:t>
+            </a:r>
+            <a:r>
+              <a:rPr lang="en-US" sz="1800" dirty="0" err="1">
+                <a:latin typeface="Cabin"/>
+                <a:ea typeface="Cabin"/>
+                <a:cs typeface="Cabin"/>
+                <a:sym typeface="Cabin"/>
+              </a:rPr>
+              <a:t>все</a:t>
+            </a:r>
+            <a:r>
+              <a:rPr lang="en-US" sz="1800" dirty="0">
+                <a:latin typeface="Cabin"/>
+                <a:ea typeface="Cabin"/>
+                <a:cs typeface="Cabin"/>
+                <a:sym typeface="Cabin"/>
+              </a:rPr>
+              <a:t> </a:t>
+            </a:r>
+            <a:r>
+              <a:rPr lang="en-US" sz="1800" dirty="0" err="1">
+                <a:latin typeface="Cabin"/>
+                <a:ea typeface="Cabin"/>
+                <a:cs typeface="Cabin"/>
+                <a:sym typeface="Cabin"/>
+              </a:rPr>
+              <a:t>операции</a:t>
+            </a:r>
+            <a:endParaRPr lang="en-US" sz="1800" dirty="0">
+              <a:latin typeface="Cabin"/>
+              <a:ea typeface="Cabin"/>
+              <a:cs typeface="Cabin"/>
+              <a:sym typeface="Cabin"/>
+            </a:endParaRPr>
+          </a:p>
+        </p:txBody>
+      </p:sp>
+      <p:pic>
+        <p:nvPicPr>
+          <p:cNvPr id="2" name="Рисунок 1"/>
+          <p:cNvPicPr>
+            <a:picLocks noChangeAspect="1"/>
+          </p:cNvPicPr>
+          <p:nvPr/>
+        </p:nvPicPr>
+        <p:blipFill rotWithShape="1">
+          <a:blip r:embed="rId3"/>
+          <a:srcRect l="55124" t="73199" r="30308" b="14901"/>
+          <a:stretch/>
+        </p:blipFill>
+        <p:spPr>
+          <a:xfrm>
+            <a:off x="2987824" y="4365104"/>
+            <a:ext cx="3761359" cy="1728192"/>
+          </a:xfrm>
+          <a:prstGeom prst="rect">
+            <a:avLst/>
+          </a:prstGeom>
+        </p:spPr>
+      </p:pic>
+    </p:spTree>
+    <p:extLst>
+      <p:ext uri="{BB962C8B-B14F-4D97-AF65-F5344CB8AC3E}">
+        <p14:creationId xmlns:p14="http://schemas.microsoft.com/office/powerpoint/2010/main" val="638381637"/>
+      </p:ext>
+    </p:extLst>
+  </p:cSld>
+  <p:clrMapOvr>
+    <a:masterClrMapping/>
+  </p:clrMapOvr>
+  <p:timing>
+    <p:tnLst>
+      <p:par>
+        <p:cTn id="1" dur="indefinite" restart="never" nodeType="tmRoot"/>
+      </p:par>
+    </p:tnLst>
+  </p:timing>
+</p:sld>
+</file>
+
+<file path=ppt/slides/slide27.xml><?xml version="1.0" encoding="utf-8"?>
+<p:sld xmlns:a="http://schemas.openxmlformats.org/drawingml/2006/main" xmlns:r="http://schemas.openxmlformats.org/officeDocument/2006/relationships" xmlns:p="http://schemas.openxmlformats.org/presentationml/2006/main">
+  <p:cSld>
+    <p:spTree>
+      <p:nvGrpSpPr>
+        <p:cNvPr id="1" name=""/>
+        <p:cNvGrpSpPr/>
+        <p:nvPr/>
+      </p:nvGrpSpPr>
+      <p:grpSpPr>
+        <a:xfrm>
+          <a:off x="0" y="0"/>
+          <a:ext cx="0" cy="0"/>
+          <a:chOff x="0" y="0"/>
+          <a:chExt cx="0" cy="0"/>
+        </a:xfrm>
+      </p:grpSpPr>
+      <p:sp>
+        <p:nvSpPr>
+          <p:cNvPr id="2" name="Заголовок 1"/>
+          <p:cNvSpPr>
+            <a:spLocks noGrp="1"/>
+          </p:cNvSpPr>
+          <p:nvPr>
+            <p:ph type="title"/>
+          </p:nvPr>
+        </p:nvSpPr>
+        <p:spPr/>
+        <p:txBody>
           <a:bodyPr/>
           <a:lstStyle/>
           <a:p>
@@ -13575,7 +16494,7 @@
 </p:sld>
 </file>
 
-<file path=ppt/slides/slide21.xml><?xml version="1.0" encoding="utf-8"?>
+<file path=ppt/slides/slide28.xml><?xml version="1.0" encoding="utf-8"?>
 <p:sld xmlns:a="http://schemas.openxmlformats.org/drawingml/2006/main" xmlns:r="http://schemas.openxmlformats.org/officeDocument/2006/relationships" xmlns:p="http://schemas.openxmlformats.org/presentationml/2006/main" show="0">
   <p:cSld>
     <p:spTree>
@@ -15185,7 +18104,31 @@
                 <a:cs typeface="Courier New"/>
                 <a:sym typeface="Courier New"/>
               </a:rPr>
-              <a:t>'Blastoff!‘</a:t>
+              <a:t>‘</a:t>
+            </a:r>
+            <a:r>
+              <a:rPr lang="ru-RU" sz="1688" dirty="0" smtClean="0">
+                <a:solidFill>
+                  <a:srgbClr val="FF7F00"/>
+                </a:solidFill>
+                <a:latin typeface="Courier New"/>
+                <a:ea typeface="Courier New"/>
+                <a:cs typeface="Courier New"/>
+                <a:sym typeface="Courier New"/>
+              </a:rPr>
+              <a:t>Взлет</a:t>
+            </a:r>
+            <a:r>
+              <a:rPr lang="en-US" sz="1688" dirty="0" smtClean="0">
+                <a:solidFill>
+                  <a:srgbClr val="FF7F00"/>
+                </a:solidFill>
+                <a:latin typeface="Courier New"/>
+                <a:ea typeface="Courier New"/>
+                <a:cs typeface="Courier New"/>
+                <a:sym typeface="Courier New"/>
+              </a:rPr>
+              <a:t>!‘</a:t>
             </a:r>
             <a:r>
               <a:rPr lang="ru-RU" sz="1688" dirty="0" smtClean="0">
@@ -15661,8 +18604,74 @@
               </a:buClr>
               <a:buSzPct val="25000"/>
             </a:pPr>
-            <a:r>
-              <a:rPr lang="en-US" sz="1575" dirty="0" err="1">
+            <a:endParaRPr lang="ru-RU" sz="1575" dirty="0" smtClean="0">
+              <a:latin typeface="Cabin"/>
+              <a:ea typeface="Cabin"/>
+              <a:cs typeface="Cabin"/>
+              <a:sym typeface="Cabin"/>
+            </a:endParaRPr>
+          </a:p>
+          <a:p>
+            <a:pPr algn="ctr">
+              <a:buClr>
+                <a:schemeClr val="lt1"/>
+              </a:buClr>
+              <a:buSzPct val="25000"/>
+            </a:pPr>
+            <a:r>
+              <a:rPr lang="ru-RU" sz="1575" dirty="0">
+                <a:latin typeface="Cabin"/>
+                <a:ea typeface="Cabin"/>
+                <a:cs typeface="Cabin"/>
+                <a:sym typeface="Cabin"/>
+              </a:rPr>
+              <a:t>Один шаг цикла и называется </a:t>
+            </a:r>
+            <a:r>
+              <a:rPr lang="ru-RU" sz="1575" b="1" dirty="0">
+                <a:solidFill>
+                  <a:schemeClr val="tx2"/>
+                </a:solidFill>
+                <a:latin typeface="Cabin"/>
+                <a:ea typeface="Cabin"/>
+                <a:cs typeface="Cabin"/>
+                <a:sym typeface="Cabin"/>
+              </a:rPr>
+              <a:t>итерацией</a:t>
+            </a:r>
+            <a:r>
+              <a:rPr lang="ru-RU" sz="1575" dirty="0" smtClean="0">
+                <a:latin typeface="Cabin"/>
+                <a:ea typeface="Cabin"/>
+                <a:cs typeface="Cabin"/>
+                <a:sym typeface="Cabin"/>
+              </a:rPr>
+              <a:t>.</a:t>
+            </a:r>
+          </a:p>
+          <a:p>
+            <a:pPr algn="ctr">
+              <a:buClr>
+                <a:schemeClr val="lt1"/>
+              </a:buClr>
+              <a:buSzPct val="25000"/>
+            </a:pPr>
+            <a:endParaRPr lang="ru-RU" sz="1575" dirty="0">
+              <a:latin typeface="Cabin"/>
+              <a:ea typeface="Cabin"/>
+              <a:cs typeface="Cabin"/>
+              <a:sym typeface="Cabin"/>
+            </a:endParaRPr>
+          </a:p>
+          <a:p>
+            <a:pPr algn="ctr">
+              <a:buClr>
+                <a:schemeClr val="lt1"/>
+              </a:buClr>
+              <a:buSzPct val="25000"/>
+            </a:pPr>
+            <a:r>
+              <a:rPr lang="en-US" sz="1575" dirty="0" err="1" smtClean="0">
                 <a:latin typeface="Cabin"/>
                 <a:ea typeface="Cabin"/>
                 <a:cs typeface="Cabin"/>
@@ -15671,7 +18680,7 @@
               <a:t>Циклы</a:t>
             </a:r>
             <a:r>
-              <a:rPr lang="en-US" sz="1575" dirty="0">
+              <a:rPr lang="en-US" sz="1575" dirty="0" smtClean="0">
                 <a:latin typeface="Cabin"/>
                 <a:ea typeface="Cabin"/>
                 <a:cs typeface="Cabin"/>
@@ -15680,7 +18689,7 @@
               <a:t> (</a:t>
             </a:r>
             <a:r>
-              <a:rPr lang="en-US" sz="1575" dirty="0" err="1">
+              <a:rPr lang="en-US" sz="1575" dirty="0" err="1" smtClean="0">
                 <a:latin typeface="Cabin"/>
                 <a:ea typeface="Cabin"/>
                 <a:cs typeface="Cabin"/>
@@ -15689,16 +18698,16 @@
               <a:t>повторяющиеся</a:t>
             </a:r>
             <a:r>
-              <a:rPr lang="en-US" sz="1575" dirty="0">
-                <a:latin typeface="Cabin"/>
-                <a:ea typeface="Cabin"/>
-                <a:cs typeface="Cabin"/>
-                <a:sym typeface="Cabin"/>
-              </a:rPr>
-              <a:t> </a:t>
-            </a:r>
-            <a:r>
-              <a:rPr lang="en-US" sz="1575" dirty="0" err="1">
+              <a:rPr lang="en-US" sz="1575" dirty="0" smtClean="0">
+                <a:latin typeface="Cabin"/>
+                <a:ea typeface="Cabin"/>
+                <a:cs typeface="Cabin"/>
+                <a:sym typeface="Cabin"/>
+              </a:rPr>
+              <a:t> </a:t>
+            </a:r>
+            <a:r>
+              <a:rPr lang="en-US" sz="1575" dirty="0" err="1" smtClean="0">
                 <a:latin typeface="Cabin"/>
                 <a:ea typeface="Cabin"/>
                 <a:cs typeface="Cabin"/>
@@ -15707,7 +18716,7 @@
               <a:t>шаги</a:t>
             </a:r>
             <a:r>
-              <a:rPr lang="en-US" sz="1575" dirty="0">
+              <a:rPr lang="en-US" sz="1575" dirty="0" smtClean="0">
                 <a:latin typeface="Cabin"/>
                 <a:ea typeface="Cabin"/>
                 <a:cs typeface="Cabin"/>
@@ -15716,7 +18725,7 @@
               <a:t>) </a:t>
             </a:r>
             <a:r>
-              <a:rPr lang="en-US" sz="1575" dirty="0" err="1">
+              <a:rPr lang="en-US" sz="1575" dirty="0" err="1" smtClean="0">
                 <a:latin typeface="Cabin"/>
                 <a:ea typeface="Cabin"/>
                 <a:cs typeface="Cabin"/>
@@ -15725,16 +18734,16 @@
               <a:t>имеют</a:t>
             </a:r>
             <a:r>
-              <a:rPr lang="en-US" sz="1575" dirty="0">
-                <a:latin typeface="Cabin"/>
-                <a:ea typeface="Cabin"/>
-                <a:cs typeface="Cabin"/>
-                <a:sym typeface="Cabin"/>
-              </a:rPr>
-              <a:t> </a:t>
-            </a:r>
-            <a:r>
-              <a:rPr lang="en-US" sz="1575" dirty="0" err="1">
+              <a:rPr lang="en-US" sz="1575" dirty="0" smtClean="0">
+                <a:latin typeface="Cabin"/>
+                <a:ea typeface="Cabin"/>
+                <a:cs typeface="Cabin"/>
+                <a:sym typeface="Cabin"/>
+              </a:rPr>
+              <a:t> </a:t>
+            </a:r>
+            <a:r>
+              <a:rPr lang="en-US" sz="1575" dirty="0" err="1" smtClean="0">
                 <a:solidFill>
                   <a:srgbClr val="00FF00"/>
                 </a:solidFill>
@@ -15746,7 +18755,7 @@
               <a:t>итерационные</a:t>
             </a:r>
             <a:r>
-              <a:rPr lang="en-US" sz="1575" dirty="0">
+              <a:rPr lang="en-US" sz="1575" dirty="0" smtClean="0">
                 <a:solidFill>
                   <a:srgbClr val="00FF00"/>
                 </a:solidFill>
@@ -15758,7 +18767,7 @@
               <a:t> </a:t>
             </a:r>
             <a:r>
-              <a:rPr lang="en-US" sz="1575" dirty="0" err="1">
+              <a:rPr lang="en-US" sz="1575" dirty="0" err="1" smtClean="0">
                 <a:solidFill>
                   <a:srgbClr val="00FF00"/>
                 </a:solidFill>
@@ -15770,7 +18779,7 @@
               <a:t>переменные</a:t>
             </a:r>
             <a:r>
-              <a:rPr lang="en-US" sz="1575" dirty="0">
+              <a:rPr lang="en-US" sz="1575" dirty="0" smtClean="0">
                 <a:solidFill>
                   <a:srgbClr val="00FF00"/>
                 </a:solidFill>
@@ -15782,7 +18791,7 @@
               <a:t>,</a:t>
             </a:r>
             <a:r>
-              <a:rPr lang="en-US" sz="1575" dirty="0">
+              <a:rPr lang="en-US" sz="1575" dirty="0" smtClean="0">
                 <a:solidFill>
                   <a:srgbClr val="FF0000"/>
                 </a:solidFill>
@@ -15794,7 +18803,7 @@
               <a:t> </a:t>
             </a:r>
             <a:r>
-              <a:rPr lang="en-US" sz="1575" dirty="0" err="1">
+              <a:rPr lang="en-US" sz="1575" dirty="0" err="1" smtClean="0">
                 <a:latin typeface="Cabin"/>
                 <a:ea typeface="Cabin"/>
                 <a:cs typeface="Cabin"/>
@@ -15803,16 +18812,16 @@
               <a:t>которые</a:t>
             </a:r>
             <a:r>
-              <a:rPr lang="en-US" sz="1575" dirty="0">
-                <a:latin typeface="Cabin"/>
-                <a:ea typeface="Cabin"/>
-                <a:cs typeface="Cabin"/>
-                <a:sym typeface="Cabin"/>
-              </a:rPr>
-              <a:t> </a:t>
-            </a:r>
-            <a:r>
-              <a:rPr lang="en-US" sz="1575" dirty="0" err="1">
+              <a:rPr lang="en-US" sz="1575" dirty="0" smtClean="0">
+                <a:latin typeface="Cabin"/>
+                <a:ea typeface="Cabin"/>
+                <a:cs typeface="Cabin"/>
+                <a:sym typeface="Cabin"/>
+              </a:rPr>
+              <a:t> </a:t>
+            </a:r>
+            <a:r>
+              <a:rPr lang="en-US" sz="1575" dirty="0" err="1" smtClean="0">
                 <a:latin typeface="Cabin"/>
                 <a:ea typeface="Cabin"/>
                 <a:cs typeface="Cabin"/>
@@ -15821,16 +18830,16 @@
               <a:t>изменяются</a:t>
             </a:r>
             <a:r>
-              <a:rPr lang="en-US" sz="1575" dirty="0">
-                <a:latin typeface="Cabin"/>
-                <a:ea typeface="Cabin"/>
-                <a:cs typeface="Cabin"/>
-                <a:sym typeface="Cabin"/>
-              </a:rPr>
-              <a:t> </a:t>
-            </a:r>
-            <a:r>
-              <a:rPr lang="en-US" sz="1575" dirty="0" err="1">
+              <a:rPr lang="en-US" sz="1575" dirty="0" smtClean="0">
+                <a:latin typeface="Cabin"/>
+                <a:ea typeface="Cabin"/>
+                <a:cs typeface="Cabin"/>
+                <a:sym typeface="Cabin"/>
+              </a:rPr>
+              <a:t> </a:t>
+            </a:r>
+            <a:r>
+              <a:rPr lang="en-US" sz="1575" dirty="0" err="1" smtClean="0">
                 <a:latin typeface="Cabin"/>
                 <a:ea typeface="Cabin"/>
                 <a:cs typeface="Cabin"/>
@@ -15839,16 +18848,16 @@
               <a:t>при</a:t>
             </a:r>
             <a:r>
-              <a:rPr lang="en-US" sz="1575" dirty="0">
-                <a:latin typeface="Cabin"/>
-                <a:ea typeface="Cabin"/>
-                <a:cs typeface="Cabin"/>
-                <a:sym typeface="Cabin"/>
-              </a:rPr>
-              <a:t> </a:t>
-            </a:r>
-            <a:r>
-              <a:rPr lang="en-US" sz="1575" dirty="0" err="1">
+              <a:rPr lang="en-US" sz="1575" dirty="0" smtClean="0">
+                <a:latin typeface="Cabin"/>
+                <a:ea typeface="Cabin"/>
+                <a:cs typeface="Cabin"/>
+                <a:sym typeface="Cabin"/>
+              </a:rPr>
+              <a:t> </a:t>
+            </a:r>
+            <a:r>
+              <a:rPr lang="en-US" sz="1575" dirty="0" err="1" smtClean="0">
                 <a:latin typeface="Cabin"/>
                 <a:ea typeface="Cabin"/>
                 <a:cs typeface="Cabin"/>
@@ -15857,16 +18866,16 @@
               <a:t>каждом</a:t>
             </a:r>
             <a:r>
-              <a:rPr lang="en-US" sz="1575" dirty="0">
-                <a:latin typeface="Cabin"/>
-                <a:ea typeface="Cabin"/>
-                <a:cs typeface="Cabin"/>
-                <a:sym typeface="Cabin"/>
-              </a:rPr>
-              <a:t> </a:t>
-            </a:r>
-            <a:r>
-              <a:rPr lang="en-US" sz="1575" dirty="0" err="1">
+              <a:rPr lang="en-US" sz="1575" dirty="0" smtClean="0">
+                <a:latin typeface="Cabin"/>
+                <a:ea typeface="Cabin"/>
+                <a:cs typeface="Cabin"/>
+                <a:sym typeface="Cabin"/>
+              </a:rPr>
+              <a:t> </a:t>
+            </a:r>
+            <a:r>
+              <a:rPr lang="en-US" sz="1575" dirty="0" err="1" smtClean="0">
                 <a:latin typeface="Cabin"/>
                 <a:ea typeface="Cabin"/>
                 <a:cs typeface="Cabin"/>
@@ -15875,16 +18884,16 @@
               <a:t>выполнении</a:t>
             </a:r>
             <a:r>
-              <a:rPr lang="en-US" sz="1575" dirty="0">
-                <a:latin typeface="Cabin"/>
-                <a:ea typeface="Cabin"/>
-                <a:cs typeface="Cabin"/>
-                <a:sym typeface="Cabin"/>
-              </a:rPr>
-              <a:t> </a:t>
-            </a:r>
-            <a:r>
-              <a:rPr lang="en-US" sz="1575" dirty="0" err="1">
+              <a:rPr lang="en-US" sz="1575" dirty="0" smtClean="0">
+                <a:latin typeface="Cabin"/>
+                <a:ea typeface="Cabin"/>
+                <a:cs typeface="Cabin"/>
+                <a:sym typeface="Cabin"/>
+              </a:rPr>
+              <a:t> </a:t>
+            </a:r>
+            <a:r>
+              <a:rPr lang="en-US" sz="1575" dirty="0" err="1" smtClean="0">
                 <a:latin typeface="Cabin"/>
                 <a:ea typeface="Cabin"/>
                 <a:cs typeface="Cabin"/>
@@ -15893,7 +18902,7 @@
               <a:t>цикла</a:t>
             </a:r>
             <a:r>
-              <a:rPr lang="en-US" sz="1575" dirty="0">
+              <a:rPr lang="en-US" sz="1575" dirty="0" smtClean="0">
                 <a:latin typeface="Cabin"/>
                 <a:ea typeface="Cabin"/>
                 <a:cs typeface="Cabin"/>
@@ -15901,8 +18910,36 @@
               </a:rPr>
               <a:t>.  </a:t>
             </a:r>
-            <a:r>
-              <a:rPr lang="en-US" sz="1575" dirty="0" err="1">
+            <a:endParaRPr lang="ru-RU" sz="1575" dirty="0" smtClean="0">
+              <a:latin typeface="Cabin"/>
+              <a:ea typeface="Cabin"/>
+              <a:cs typeface="Cabin"/>
+              <a:sym typeface="Cabin"/>
+            </a:endParaRPr>
+          </a:p>
+          <a:p>
+            <a:pPr algn="ctr">
+              <a:buClr>
+                <a:schemeClr val="lt1"/>
+              </a:buClr>
+              <a:buSzPct val="25000"/>
+            </a:pPr>
+            <a:endParaRPr lang="ru-RU" sz="1575" dirty="0" smtClean="0">
+              <a:latin typeface="Cabin"/>
+              <a:ea typeface="Cabin"/>
+              <a:cs typeface="Cabin"/>
+              <a:sym typeface="Cabin"/>
+            </a:endParaRPr>
+          </a:p>
+          <a:p>
+            <a:pPr algn="ctr">
+              <a:buClr>
+                <a:schemeClr val="lt1"/>
+              </a:buClr>
+              <a:buSzPct val="25000"/>
+            </a:pPr>
+            <a:r>
+              <a:rPr lang="en-US" sz="1575" dirty="0" err="1" smtClean="0">
                 <a:latin typeface="Cabin"/>
                 <a:ea typeface="Cabin"/>
                 <a:cs typeface="Cabin"/>
@@ -15911,16 +18948,16 @@
               <a:t>Часто</a:t>
             </a:r>
             <a:r>
-              <a:rPr lang="en-US" sz="1575" dirty="0">
-                <a:latin typeface="Cabin"/>
-                <a:ea typeface="Cabin"/>
-                <a:cs typeface="Cabin"/>
-                <a:sym typeface="Cabin"/>
-              </a:rPr>
-              <a:t> </a:t>
-            </a:r>
-            <a:r>
-              <a:rPr lang="en-US" sz="1575" dirty="0" err="1">
+              <a:rPr lang="en-US" sz="1575" dirty="0" smtClean="0">
+                <a:latin typeface="Cabin"/>
+                <a:ea typeface="Cabin"/>
+                <a:cs typeface="Cabin"/>
+                <a:sym typeface="Cabin"/>
+              </a:rPr>
+              <a:t> </a:t>
+            </a:r>
+            <a:r>
+              <a:rPr lang="en-US" sz="1575" dirty="0" err="1" smtClean="0">
                 <a:solidFill>
                   <a:srgbClr val="00FF00"/>
                 </a:solidFill>
@@ -15932,7 +18969,7 @@
               <a:t>итерационные</a:t>
             </a:r>
             <a:r>
-              <a:rPr lang="en-US" sz="1575" dirty="0">
+              <a:rPr lang="en-US" sz="1575" dirty="0" smtClean="0">
                 <a:solidFill>
                   <a:srgbClr val="00FF00"/>
                 </a:solidFill>
@@ -15944,7 +18981,7 @@
               <a:t> </a:t>
             </a:r>
             <a:r>
-              <a:rPr lang="en-US" sz="1575" dirty="0" err="1">
+              <a:rPr lang="en-US" sz="1575" dirty="0" err="1" smtClean="0">
                 <a:solidFill>
                   <a:srgbClr val="00FF00"/>
                 </a:solidFill>
@@ -15956,7 +18993,7 @@
               <a:t>переменные</a:t>
             </a:r>
             <a:r>
-              <a:rPr lang="en-US" sz="1575" dirty="0">
+              <a:rPr lang="en-US" sz="1575" dirty="0" smtClean="0">
                 <a:solidFill>
                   <a:srgbClr val="00FF00"/>
                 </a:solidFill>
@@ -15968,7 +19005,7 @@
               <a:t> </a:t>
             </a:r>
             <a:r>
-              <a:rPr lang="en-US" sz="1575" dirty="0" err="1">
+              <a:rPr lang="en-US" sz="1575" dirty="0" err="1" smtClean="0">
                 <a:latin typeface="Cabin"/>
                 <a:ea typeface="Cabin"/>
                 <a:cs typeface="Cabin"/>
@@ -15977,16 +19014,16 @@
               <a:t>поочередно</a:t>
             </a:r>
             <a:r>
-              <a:rPr lang="en-US" sz="1575" dirty="0">
-                <a:latin typeface="Cabin"/>
-                <a:ea typeface="Cabin"/>
-                <a:cs typeface="Cabin"/>
-                <a:sym typeface="Cabin"/>
-              </a:rPr>
-              <a:t> </a:t>
-            </a:r>
-            <a:r>
-              <a:rPr lang="en-US" sz="1575" dirty="0" err="1">
+              <a:rPr lang="en-US" sz="1575" dirty="0" smtClean="0">
+                <a:latin typeface="Cabin"/>
+                <a:ea typeface="Cabin"/>
+                <a:cs typeface="Cabin"/>
+                <a:sym typeface="Cabin"/>
+              </a:rPr>
+              <a:t> </a:t>
+            </a:r>
+            <a:r>
+              <a:rPr lang="en-US" sz="1575" dirty="0" err="1" smtClean="0">
                 <a:latin typeface="Cabin"/>
                 <a:ea typeface="Cabin"/>
                 <a:cs typeface="Cabin"/>
@@ -15995,16 +19032,16 @@
               <a:t>принимают</a:t>
             </a:r>
             <a:r>
-              <a:rPr lang="en-US" sz="1575" dirty="0">
-                <a:latin typeface="Cabin"/>
-                <a:ea typeface="Cabin"/>
-                <a:cs typeface="Cabin"/>
-                <a:sym typeface="Cabin"/>
-              </a:rPr>
-              <a:t> </a:t>
-            </a:r>
-            <a:r>
-              <a:rPr lang="en-US" sz="1575" dirty="0" err="1">
+              <a:rPr lang="en-US" sz="1575" dirty="0" smtClean="0">
+                <a:latin typeface="Cabin"/>
+                <a:ea typeface="Cabin"/>
+                <a:cs typeface="Cabin"/>
+                <a:sym typeface="Cabin"/>
+              </a:rPr>
+              <a:t> </a:t>
+            </a:r>
+            <a:r>
+              <a:rPr lang="en-US" sz="1575" dirty="0" err="1" smtClean="0">
                 <a:latin typeface="Cabin"/>
                 <a:ea typeface="Cabin"/>
                 <a:cs typeface="Cabin"/>
@@ -16013,16 +19050,16 @@
               <a:t>значения</a:t>
             </a:r>
             <a:r>
-              <a:rPr lang="en-US" sz="1575" dirty="0">
-                <a:latin typeface="Cabin"/>
-                <a:ea typeface="Cabin"/>
-                <a:cs typeface="Cabin"/>
-                <a:sym typeface="Cabin"/>
-              </a:rPr>
-              <a:t> </a:t>
-            </a:r>
-            <a:r>
-              <a:rPr lang="en-US" sz="1575" dirty="0" err="1">
+              <a:rPr lang="en-US" sz="1575" dirty="0" smtClean="0">
+                <a:latin typeface="Cabin"/>
+                <a:ea typeface="Cabin"/>
+                <a:cs typeface="Cabin"/>
+                <a:sym typeface="Cabin"/>
+              </a:rPr>
+              <a:t> </a:t>
+            </a:r>
+            <a:r>
+              <a:rPr lang="en-US" sz="1575" dirty="0" err="1" smtClean="0">
                 <a:latin typeface="Cabin"/>
                 <a:ea typeface="Cabin"/>
                 <a:cs typeface="Cabin"/>
@@ -16031,16 +19068,16 @@
               <a:t>числовой</a:t>
             </a:r>
             <a:r>
-              <a:rPr lang="en-US" sz="1575" dirty="0">
-                <a:latin typeface="Cabin"/>
-                <a:ea typeface="Cabin"/>
-                <a:cs typeface="Cabin"/>
-                <a:sym typeface="Cabin"/>
-              </a:rPr>
-              <a:t> </a:t>
-            </a:r>
-            <a:r>
-              <a:rPr lang="en-US" sz="1575" dirty="0" err="1">
+              <a:rPr lang="en-US" sz="1575" dirty="0" smtClean="0">
+                <a:latin typeface="Cabin"/>
+                <a:ea typeface="Cabin"/>
+                <a:cs typeface="Cabin"/>
+                <a:sym typeface="Cabin"/>
+              </a:rPr>
+              <a:t> </a:t>
+            </a:r>
+            <a:r>
+              <a:rPr lang="en-US" sz="1575" dirty="0" err="1" smtClean="0">
                 <a:latin typeface="Cabin"/>
                 <a:ea typeface="Cabin"/>
                 <a:cs typeface="Cabin"/>
@@ -16049,7 +19086,7 @@
               <a:t>последовательности</a:t>
             </a:r>
             <a:r>
-              <a:rPr lang="en-US" sz="1575" dirty="0">
+              <a:rPr lang="en-US" sz="1575" dirty="0" smtClean="0">
                 <a:solidFill>
                   <a:schemeClr val="lt1"/>
                 </a:solidFill>
@@ -16060,6 +19097,15 @@
               </a:rPr>
               <a:t>.</a:t>
             </a:r>
+            <a:endParaRPr lang="en-US" sz="1575" dirty="0">
+              <a:solidFill>
+                <a:schemeClr val="lt1"/>
+              </a:solidFill>
+              <a:latin typeface="Cabin"/>
+              <a:ea typeface="Cabin"/>
+              <a:cs typeface="Cabin"/>
+              <a:sym typeface="Cabin"/>
+            </a:endParaRPr>
           </a:p>
         </p:txBody>
       </p:sp>
@@ -16176,7 +19222,31 @@
                 <a:cs typeface="Cabin"/>
                 <a:sym typeface="Cabin"/>
               </a:rPr>
-              <a:t>'Blastoff‘</a:t>
+              <a:t>‘</a:t>
+            </a:r>
+            <a:r>
+              <a:rPr lang="ru-RU" sz="1969" dirty="0" smtClean="0">
+                <a:solidFill>
+                  <a:schemeClr val="lt1"/>
+                </a:solidFill>
+                <a:latin typeface="Cabin"/>
+                <a:ea typeface="Cabin"/>
+                <a:cs typeface="Cabin"/>
+                <a:sym typeface="Cabin"/>
+              </a:rPr>
+              <a:t>Взлет</a:t>
+            </a:r>
+            <a:r>
+              <a:rPr lang="en-US" sz="1969" dirty="0" smtClean="0">
+                <a:solidFill>
+                  <a:schemeClr val="lt1"/>
+                </a:solidFill>
+                <a:latin typeface="Cabin"/>
+                <a:ea typeface="Cabin"/>
+                <a:cs typeface="Cabin"/>
+                <a:sym typeface="Cabin"/>
+              </a:rPr>
+              <a:t>‘</a:t>
             </a:r>
             <a:r>
               <a:rPr lang="ru-RU" sz="1969" dirty="0" smtClean="0">
@@ -16562,7 +19632,7 @@
               <a:buSzPct val="25000"/>
             </a:pPr>
             <a:r>
-              <a:rPr lang="en-US" sz="2025" dirty="0">
+              <a:rPr lang="ru-RU" sz="2025" dirty="0" smtClean="0">
                 <a:solidFill>
                   <a:srgbClr val="FF00FF"/>
                 </a:solidFill>
@@ -16571,8 +19641,29 @@
                 <a:cs typeface="Cabin"/>
                 <a:sym typeface="Cabin"/>
               </a:rPr>
-              <a:t>Blastoff! </a:t>
-            </a:r>
+              <a:t>Взлет</a:t>
+            </a:r>
+            <a:r>
+              <a:rPr lang="en-US" sz="2025" dirty="0" smtClean="0">
+                <a:solidFill>
+                  <a:srgbClr val="FF00FF"/>
+                </a:solidFill>
+                <a:latin typeface="Cabin"/>
+                <a:ea typeface="Cabin"/>
+                <a:cs typeface="Cabin"/>
+                <a:sym typeface="Cabin"/>
+              </a:rPr>
+              <a:t>! </a:t>
+            </a:r>
+            <a:endParaRPr lang="en-US" sz="2025" dirty="0">
+              <a:solidFill>
+                <a:srgbClr val="FF00FF"/>
+              </a:solidFill>
+              <a:latin typeface="Cabin"/>
+              <a:ea typeface="Cabin"/>
+              <a:cs typeface="Cabin"/>
+              <a:sym typeface="Cabin"/>
+            </a:endParaRPr>
           </a:p>
           <a:p>
             <a:pPr>
@@ -16665,6 +19756,578 @@
 </file>
 
 <file path=ppt/slides/slide6.xml><?xml version="1.0" encoding="utf-8"?>
+<p:sld xmlns:a="http://schemas.openxmlformats.org/drawingml/2006/main" xmlns:r="http://schemas.openxmlformats.org/officeDocument/2006/relationships" xmlns:p="http://schemas.openxmlformats.org/presentationml/2006/main">
+  <p:cSld>
+    <p:spTree>
+      <p:nvGrpSpPr>
+        <p:cNvPr id="1" name=""/>
+        <p:cNvGrpSpPr/>
+        <p:nvPr/>
+      </p:nvGrpSpPr>
+      <p:grpSpPr>
+        <a:xfrm>
+          <a:off x="0" y="0"/>
+          <a:ext cx="0" cy="0"/>
+          <a:chOff x="0" y="0"/>
+          <a:chExt cx="0" cy="0"/>
+        </a:xfrm>
+      </p:grpSpPr>
+      <p:sp>
+        <p:nvSpPr>
+          <p:cNvPr id="2" name="Заголовок 1"/>
+          <p:cNvSpPr>
+            <a:spLocks noGrp="1"/>
+          </p:cNvSpPr>
+          <p:nvPr>
+            <p:ph type="title"/>
+          </p:nvPr>
+        </p:nvSpPr>
+        <p:spPr/>
+        <p:txBody>
+          <a:bodyPr>
+            <a:normAutofit fontScale="90000"/>
+          </a:bodyPr>
+          <a:lstStyle/>
+          <a:p>
+            <a:r>
+              <a:rPr lang="ru-RU" dirty="0" smtClean="0"/>
+              <a:t>Сокращенные </a:t>
+            </a:r>
+            <a:r>
+              <a:rPr lang="ru-RU" dirty="0" smtClean="0"/>
+              <a:t>операции</a:t>
+            </a:r>
+            <a:r>
+              <a:rPr lang="en-US" dirty="0" smtClean="0"/>
+              <a:t> </a:t>
+            </a:r>
+            <a:r>
+              <a:rPr lang="ru-RU" dirty="0" smtClean="0"/>
+              <a:t>присвоения</a:t>
+            </a:r>
+            <a:endParaRPr lang="ru-RU" dirty="0"/>
+          </a:p>
+        </p:txBody>
+      </p:sp>
+      <p:graphicFrame>
+        <p:nvGraphicFramePr>
+          <p:cNvPr id="4" name="Объект 3"/>
+          <p:cNvGraphicFramePr>
+            <a:graphicFrameLocks noGrp="1"/>
+          </p:cNvGraphicFramePr>
+          <p:nvPr>
+            <p:ph idx="1"/>
+            <p:extLst>
+              <p:ext uri="{D42A27DB-BD31-4B8C-83A1-F6EECF244321}">
+                <p14:modId xmlns:p14="http://schemas.microsoft.com/office/powerpoint/2010/main" val="3235595558"/>
+              </p:ext>
+            </p:extLst>
+          </p:nvPr>
+        </p:nvGraphicFramePr>
+        <p:xfrm>
+          <a:off x="390365" y="1556792"/>
+          <a:ext cx="8363270" cy="4608510"/>
+        </p:xfrm>
+        <a:graphic>
+          <a:graphicData uri="http://schemas.openxmlformats.org/drawingml/2006/table">
+            <a:tbl>
+              <a:tblPr firstRow="1" bandRow="1">
+                <a:tableStyleId>{5940675A-B579-460E-94D1-54222C63F5DA}</a:tableStyleId>
+              </a:tblPr>
+              <a:tblGrid>
+                <a:gridCol w="3157149">
+                  <a:extLst>
+                    <a:ext uri="{9D8B030D-6E8A-4147-A177-3AD203B41FA5}">
+                      <a16:colId xmlns:a16="http://schemas.microsoft.com/office/drawing/2014/main" val="2142840333"/>
+                    </a:ext>
+                  </a:extLst>
+                </a:gridCol>
+                <a:gridCol w="1829440">
+                  <a:extLst>
+                    <a:ext uri="{9D8B030D-6E8A-4147-A177-3AD203B41FA5}">
+                      <a16:colId xmlns:a16="http://schemas.microsoft.com/office/drawing/2014/main" val="2534420475"/>
+                    </a:ext>
+                  </a:extLst>
+                </a:gridCol>
+                <a:gridCol w="1390374">
+                  <a:extLst>
+                    <a:ext uri="{9D8B030D-6E8A-4147-A177-3AD203B41FA5}">
+                      <a16:colId xmlns:a16="http://schemas.microsoft.com/office/drawing/2014/main" val="1511521227"/>
+                    </a:ext>
+                  </a:extLst>
+                </a:gridCol>
+                <a:gridCol w="1986307">
+                  <a:extLst>
+                    <a:ext uri="{9D8B030D-6E8A-4147-A177-3AD203B41FA5}">
+                      <a16:colId xmlns:a16="http://schemas.microsoft.com/office/drawing/2014/main" val="4263179452"/>
+                    </a:ext>
+                  </a:extLst>
+                </a:gridCol>
+              </a:tblGrid>
+              <a:tr h="470161">
+                <a:tc>
+                  <a:txBody>
+                    <a:bodyPr/>
+                    <a:lstStyle/>
+                    <a:p>
+                      <a:pPr algn="ctr"/>
+                      <a:r>
+                        <a:rPr lang="ru-RU" sz="2400" dirty="0"/>
+                        <a:t>Операция</a:t>
+                      </a:r>
+                    </a:p>
+                  </a:txBody>
+                  <a:tcPr marL="9525" marR="9525" marT="9525" marB="9525" anchor="ctr"/>
+                </a:tc>
+                <a:tc>
+                  <a:txBody>
+                    <a:bodyPr/>
+                    <a:lstStyle/>
+                    <a:p>
+                      <a:pPr algn="ctr"/>
+                      <a:r>
+                        <a:rPr lang="ru-RU" sz="2400"/>
+                        <a:t>Обозначение</a:t>
+                      </a:r>
+                    </a:p>
+                  </a:txBody>
+                  <a:tcPr marL="9525" marR="9525" marT="9525" marB="9525" anchor="ctr"/>
+                </a:tc>
+                <a:tc>
+                  <a:txBody>
+                    <a:bodyPr/>
+                    <a:lstStyle/>
+                    <a:p>
+                      <a:pPr algn="ctr"/>
+                      <a:r>
+                        <a:rPr lang="ru-RU" sz="2400"/>
+                        <a:t>Пример</a:t>
+                      </a:r>
+                    </a:p>
+                  </a:txBody>
+                  <a:tcPr marL="9525" marR="9525" marT="9525" marB="9525" anchor="ctr"/>
+                </a:tc>
+                <a:tc>
+                  <a:txBody>
+                    <a:bodyPr/>
+                    <a:lstStyle/>
+                    <a:p>
+                      <a:pPr algn="ctr"/>
+                      <a:r>
+                        <a:rPr lang="ru-RU" sz="2400"/>
+                        <a:t>Экв.пример</a:t>
+                      </a:r>
+                    </a:p>
+                  </a:txBody>
+                  <a:tcPr marL="9525" marR="9525" marT="9525" marB="9525" anchor="ctr"/>
+                </a:tc>
+                <a:extLst>
+                  <a:ext uri="{0D108BD9-81ED-4DB2-BD59-A6C34878D82A}">
+                    <a16:rowId xmlns:a16="http://schemas.microsoft.com/office/drawing/2014/main" val="1301351956"/>
+                  </a:ext>
+                </a:extLst>
+              </a:tr>
+              <a:tr h="917047">
+                <a:tc>
+                  <a:txBody>
+                    <a:bodyPr/>
+                    <a:lstStyle/>
+                    <a:p>
+                      <a:pPr algn="ctr"/>
+                      <a:r>
+                        <a:rPr lang="ru-RU" sz="2400" dirty="0" smtClean="0"/>
+                        <a:t>присваивания-сложения (</a:t>
+                      </a:r>
+                      <a:r>
+                        <a:rPr lang="ru-RU" sz="2400" b="1" dirty="0" smtClean="0"/>
+                        <a:t>инкремент</a:t>
+                      </a:r>
+                      <a:r>
+                        <a:rPr lang="ru-RU" sz="2400" dirty="0" smtClean="0"/>
+                        <a:t>)</a:t>
+                      </a:r>
+                      <a:endParaRPr lang="ru-RU" sz="2400" dirty="0"/>
+                    </a:p>
+                  </a:txBody>
+                  <a:tcPr marL="9525" marR="9525" marT="9525" marB="9525" anchor="ctr"/>
+                </a:tc>
+                <a:tc>
+                  <a:txBody>
+                    <a:bodyPr/>
+                    <a:lstStyle/>
+                    <a:p>
+                      <a:pPr algn="ctr"/>
+                      <a:r>
+                        <a:rPr lang="ru-RU" sz="2400" dirty="0"/>
+                        <a:t>+=</a:t>
+                      </a:r>
+                    </a:p>
+                  </a:txBody>
+                  <a:tcPr marL="9525" marR="9525" marT="9525" marB="9525" anchor="ctr"/>
+                </a:tc>
+                <a:tc>
+                  <a:txBody>
+                    <a:bodyPr/>
+                    <a:lstStyle/>
+                    <a:p>
+                      <a:pPr algn="ctr"/>
+                      <a:r>
+                        <a:rPr lang="en-US" sz="2400"/>
+                        <a:t>var += 16</a:t>
+                      </a:r>
+                    </a:p>
+                  </a:txBody>
+                  <a:tcPr marL="9525" marR="9525" marT="9525" marB="9525" anchor="ctr"/>
+                </a:tc>
+                <a:tc>
+                  <a:txBody>
+                    <a:bodyPr/>
+                    <a:lstStyle/>
+                    <a:p>
+                      <a:pPr algn="ctr"/>
+                      <a:r>
+                        <a:rPr lang="en-US" sz="2400" dirty="0" err="1"/>
+                        <a:t>var</a:t>
+                      </a:r>
+                      <a:r>
+                        <a:rPr lang="en-US" sz="2400" dirty="0"/>
+                        <a:t> = </a:t>
+                      </a:r>
+                      <a:r>
+                        <a:rPr lang="en-US" sz="2400" dirty="0" err="1"/>
+                        <a:t>var</a:t>
+                      </a:r>
+                      <a:r>
+                        <a:rPr lang="en-US" sz="2400" dirty="0"/>
+                        <a:t> + 16</a:t>
+                      </a:r>
+                    </a:p>
+                  </a:txBody>
+                  <a:tcPr marL="9525" marR="9525" marT="9525" marB="9525" anchor="ctr"/>
+                </a:tc>
+                <a:extLst>
+                  <a:ext uri="{0D108BD9-81ED-4DB2-BD59-A6C34878D82A}">
+                    <a16:rowId xmlns:a16="http://schemas.microsoft.com/office/drawing/2014/main" val="2719285803"/>
+                  </a:ext>
+                </a:extLst>
+              </a:tr>
+              <a:tr h="917047">
+                <a:tc>
+                  <a:txBody>
+                    <a:bodyPr/>
+                    <a:lstStyle/>
+                    <a:p>
+                      <a:pPr algn="ctr"/>
+                      <a:r>
+                        <a:rPr lang="ru-RU" sz="2400" dirty="0" smtClean="0"/>
+                        <a:t>присваивания-вычитания (</a:t>
+                      </a:r>
+                      <a:r>
+                        <a:rPr lang="ru-RU" sz="2400" b="1" dirty="0" smtClean="0"/>
+                        <a:t>декремент</a:t>
+                      </a:r>
+                      <a:r>
+                        <a:rPr lang="ru-RU" sz="2400" dirty="0" smtClean="0"/>
+                        <a:t>)</a:t>
+                      </a:r>
+                      <a:endParaRPr lang="ru-RU" sz="2400" dirty="0"/>
+                    </a:p>
+                  </a:txBody>
+                  <a:tcPr marL="9525" marR="9525" marT="9525" marB="9525" anchor="ctr"/>
+                </a:tc>
+                <a:tc>
+                  <a:txBody>
+                    <a:bodyPr/>
+                    <a:lstStyle/>
+                    <a:p>
+                      <a:pPr algn="ctr"/>
+                      <a:r>
+                        <a:rPr lang="ru-RU" sz="2400"/>
+                        <a:t>-=</a:t>
+                      </a:r>
+                    </a:p>
+                  </a:txBody>
+                  <a:tcPr marL="9525" marR="9525" marT="9525" marB="9525" anchor="ctr"/>
+                </a:tc>
+                <a:tc>
+                  <a:txBody>
+                    <a:bodyPr/>
+                    <a:lstStyle/>
+                    <a:p>
+                      <a:pPr algn="ctr"/>
+                      <a:r>
+                        <a:rPr lang="en-US" sz="2400"/>
+                        <a:t>var -= 16</a:t>
+                      </a:r>
+                    </a:p>
+                  </a:txBody>
+                  <a:tcPr marL="9525" marR="9525" marT="9525" marB="9525" anchor="ctr"/>
+                </a:tc>
+                <a:tc>
+                  <a:txBody>
+                    <a:bodyPr/>
+                    <a:lstStyle/>
+                    <a:p>
+                      <a:pPr algn="ctr"/>
+                      <a:r>
+                        <a:rPr lang="en-US" sz="2400"/>
+                        <a:t>var = var — 16</a:t>
+                      </a:r>
+                    </a:p>
+                  </a:txBody>
+                  <a:tcPr marL="9525" marR="9525" marT="9525" marB="9525" anchor="ctr"/>
+                </a:tc>
+                <a:extLst>
+                  <a:ext uri="{0D108BD9-81ED-4DB2-BD59-A6C34878D82A}">
+                    <a16:rowId xmlns:a16="http://schemas.microsoft.com/office/drawing/2014/main" val="3461989946"/>
+                  </a:ext>
+                </a:extLst>
+              </a:tr>
+              <a:tr h="917047">
+                <a:tc>
+                  <a:txBody>
+                    <a:bodyPr/>
+                    <a:lstStyle/>
+                    <a:p>
+                      <a:pPr algn="ctr"/>
+                      <a:r>
+                        <a:rPr lang="ru-RU" sz="2400" dirty="0" smtClean="0"/>
+                        <a:t>присваивания-умножения</a:t>
+                      </a:r>
+                      <a:endParaRPr lang="ru-RU" sz="2400" dirty="0"/>
+                    </a:p>
+                  </a:txBody>
+                  <a:tcPr marL="9525" marR="9525" marT="9525" marB="9525" anchor="ctr"/>
+                </a:tc>
+                <a:tc>
+                  <a:txBody>
+                    <a:bodyPr/>
+                    <a:lstStyle/>
+                    <a:p>
+                      <a:pPr algn="ctr"/>
+                      <a:r>
+                        <a:rPr lang="ru-RU" sz="2400" dirty="0"/>
+                        <a:t>*=</a:t>
+                      </a:r>
+                    </a:p>
+                  </a:txBody>
+                  <a:tcPr marL="9525" marR="9525" marT="9525" marB="9525" anchor="ctr"/>
+                </a:tc>
+                <a:tc>
+                  <a:txBody>
+                    <a:bodyPr/>
+                    <a:lstStyle/>
+                    <a:p>
+                      <a:pPr algn="ctr"/>
+                      <a:r>
+                        <a:rPr lang="en-US" sz="2400"/>
+                        <a:t>var *= 16</a:t>
+                      </a:r>
+                    </a:p>
+                  </a:txBody>
+                  <a:tcPr marL="9525" marR="9525" marT="9525" marB="9525" anchor="ctr"/>
+                </a:tc>
+                <a:tc>
+                  <a:txBody>
+                    <a:bodyPr/>
+                    <a:lstStyle/>
+                    <a:p>
+                      <a:pPr algn="ctr"/>
+                      <a:r>
+                        <a:rPr lang="en-US" sz="2400" dirty="0" err="1"/>
+                        <a:t>var</a:t>
+                      </a:r>
+                      <a:r>
+                        <a:rPr lang="en-US" sz="2400" dirty="0"/>
+                        <a:t> = </a:t>
+                      </a:r>
+                      <a:r>
+                        <a:rPr lang="en-US" sz="2400" dirty="0" err="1"/>
+                        <a:t>var</a:t>
+                      </a:r>
+                      <a:r>
+                        <a:rPr lang="en-US" sz="2400" dirty="0"/>
+                        <a:t> * 16</a:t>
+                      </a:r>
+                    </a:p>
+                  </a:txBody>
+                  <a:tcPr marL="9525" marR="9525" marT="9525" marB="9525" anchor="ctr"/>
+                </a:tc>
+                <a:extLst>
+                  <a:ext uri="{0D108BD9-81ED-4DB2-BD59-A6C34878D82A}">
+                    <a16:rowId xmlns:a16="http://schemas.microsoft.com/office/drawing/2014/main" val="3908222938"/>
+                  </a:ext>
+                </a:extLst>
+              </a:tr>
+              <a:tr h="470161">
+                <a:tc>
+                  <a:txBody>
+                    <a:bodyPr/>
+                    <a:lstStyle/>
+                    <a:p>
+                      <a:pPr algn="ctr"/>
+                      <a:r>
+                        <a:rPr lang="ru-RU" sz="2400" dirty="0" smtClean="0"/>
+                        <a:t>присваивания-деления</a:t>
+                      </a:r>
+                      <a:endParaRPr lang="ru-RU" sz="2400" dirty="0"/>
+                    </a:p>
+                  </a:txBody>
+                  <a:tcPr marL="9525" marR="9525" marT="9525" marB="9525" anchor="ctr"/>
+                </a:tc>
+                <a:tc>
+                  <a:txBody>
+                    <a:bodyPr/>
+                    <a:lstStyle/>
+                    <a:p>
+                      <a:pPr algn="ctr"/>
+                      <a:r>
+                        <a:rPr lang="ru-RU" sz="2400" dirty="0"/>
+                        <a:t>/=</a:t>
+                      </a:r>
+                    </a:p>
+                  </a:txBody>
+                  <a:tcPr marL="9525" marR="9525" marT="9525" marB="9525" anchor="ctr"/>
+                </a:tc>
+                <a:tc>
+                  <a:txBody>
+                    <a:bodyPr/>
+                    <a:lstStyle/>
+                    <a:p>
+                      <a:pPr algn="ctr"/>
+                      <a:r>
+                        <a:rPr lang="en-US" sz="2400" dirty="0" err="1"/>
+                        <a:t>var</a:t>
+                      </a:r>
+                      <a:r>
+                        <a:rPr lang="en-US" sz="2400" dirty="0"/>
+                        <a:t> /= 16</a:t>
+                      </a:r>
+                    </a:p>
+                  </a:txBody>
+                  <a:tcPr marL="9525" marR="9525" marT="9525" marB="9525" anchor="ctr"/>
+                </a:tc>
+                <a:tc>
+                  <a:txBody>
+                    <a:bodyPr/>
+                    <a:lstStyle/>
+                    <a:p>
+                      <a:pPr algn="ctr"/>
+                      <a:r>
+                        <a:rPr lang="en-US" sz="2400"/>
+                        <a:t>var = var / 16</a:t>
+                      </a:r>
+                    </a:p>
+                  </a:txBody>
+                  <a:tcPr marL="9525" marR="9525" marT="9525" marB="9525" anchor="ctr"/>
+                </a:tc>
+                <a:extLst>
+                  <a:ext uri="{0D108BD9-81ED-4DB2-BD59-A6C34878D82A}">
+                    <a16:rowId xmlns:a16="http://schemas.microsoft.com/office/drawing/2014/main" val="358583584"/>
+                  </a:ext>
+                </a:extLst>
+              </a:tr>
+              <a:tr h="917047">
+                <a:tc>
+                  <a:txBody>
+                    <a:bodyPr/>
+                    <a:lstStyle/>
+                    <a:p>
+                      <a:pPr algn="ctr"/>
+                      <a:r>
+                        <a:rPr lang="ru-RU" sz="2400" dirty="0" smtClean="0"/>
+                        <a:t>присваивания-остатка </a:t>
+                      </a:r>
+                      <a:r>
+                        <a:rPr lang="ru-RU" sz="2400" dirty="0"/>
+                        <a:t>от деления</a:t>
+                      </a:r>
+                    </a:p>
+                  </a:txBody>
+                  <a:tcPr marL="9525" marR="9525" marT="9525" marB="9525" anchor="ctr"/>
+                </a:tc>
+                <a:tc>
+                  <a:txBody>
+                    <a:bodyPr/>
+                    <a:lstStyle/>
+                    <a:p>
+                      <a:pPr algn="ctr"/>
+                      <a:r>
+                        <a:rPr lang="ru-RU" sz="2400"/>
+                        <a:t>%=</a:t>
+                      </a:r>
+                    </a:p>
+                  </a:txBody>
+                  <a:tcPr marL="9525" marR="9525" marT="9525" marB="9525" anchor="ctr"/>
+                </a:tc>
+                <a:tc>
+                  <a:txBody>
+                    <a:bodyPr/>
+                    <a:lstStyle/>
+                    <a:p>
+                      <a:pPr algn="ctr"/>
+                      <a:r>
+                        <a:rPr lang="en-US" sz="2400" dirty="0" err="1"/>
+                        <a:t>var</a:t>
+                      </a:r>
+                      <a:r>
+                        <a:rPr lang="en-US" sz="2400" dirty="0"/>
+                        <a:t> %= 16</a:t>
+                      </a:r>
+                    </a:p>
+                  </a:txBody>
+                  <a:tcPr marL="9525" marR="9525" marT="9525" marB="9525" anchor="ctr"/>
+                </a:tc>
+                <a:tc>
+                  <a:txBody>
+                    <a:bodyPr/>
+                    <a:lstStyle/>
+                    <a:p>
+                      <a:pPr algn="ctr"/>
+                      <a:r>
+                        <a:rPr lang="en-US" sz="2400" dirty="0" err="1"/>
+                        <a:t>var</a:t>
+                      </a:r>
+                      <a:r>
+                        <a:rPr lang="en-US" sz="2400" dirty="0"/>
+                        <a:t> = </a:t>
+                      </a:r>
+                      <a:r>
+                        <a:rPr lang="en-US" sz="2400" dirty="0" err="1"/>
+                        <a:t>var</a:t>
+                      </a:r>
+                      <a:r>
+                        <a:rPr lang="en-US" sz="2400" dirty="0"/>
+                        <a:t> % 16</a:t>
+                      </a:r>
+                    </a:p>
+                  </a:txBody>
+                  <a:tcPr marL="9525" marR="9525" marT="9525" marB="9525" anchor="ctr"/>
+                </a:tc>
+                <a:extLst>
+                  <a:ext uri="{0D108BD9-81ED-4DB2-BD59-A6C34878D82A}">
+                    <a16:rowId xmlns:a16="http://schemas.microsoft.com/office/drawing/2014/main" val="4027759349"/>
+                  </a:ext>
+                </a:extLst>
+              </a:tr>
+            </a:tbl>
+          </a:graphicData>
+        </a:graphic>
+      </p:graphicFrame>
+    </p:spTree>
+    <p:extLst>
+      <p:ext uri="{BB962C8B-B14F-4D97-AF65-F5344CB8AC3E}">
+        <p14:creationId xmlns:p14="http://schemas.microsoft.com/office/powerpoint/2010/main" val="1122120122"/>
+      </p:ext>
+    </p:extLst>
+  </p:cSld>
+  <p:clrMapOvr>
+    <a:masterClrMapping/>
+  </p:clrMapOvr>
+</p:sld>
+</file>
+
+<file path=ppt/slides/slide7.xml><?xml version="1.0" encoding="utf-8"?>
 <p:sld xmlns:a="http://schemas.openxmlformats.org/drawingml/2006/main" xmlns:r="http://schemas.openxmlformats.org/officeDocument/2006/relationships" xmlns:p="http://schemas.openxmlformats.org/presentationml/2006/main">
   <p:cSld>
     <p:spTree>
@@ -16763,8 +20426,8 @@
         </p:nvSpPr>
         <p:spPr>
           <a:xfrm>
-            <a:off x="5004048" y="1778737"/>
-            <a:ext cx="2582043" cy="1557394"/>
+            <a:off x="5508104" y="2564904"/>
+            <a:ext cx="3024336" cy="1557394"/>
           </a:xfrm>
           <a:prstGeom prst="rect">
             <a:avLst/>
@@ -17007,7 +20670,7 @@
               <a:t>(</a:t>
             </a:r>
             <a:r>
-              <a:rPr lang="en-US" sz="1688" dirty="0" smtClean="0">
+              <a:rPr lang="en-US" sz="1688" dirty="0">
                 <a:solidFill>
                   <a:srgbClr val="FF7F00"/>
                 </a:solidFill>
@@ -17016,7 +20679,31 @@
                 <a:cs typeface="Courier New"/>
                 <a:sym typeface="Courier New"/>
               </a:rPr>
-              <a:t>'Lather’</a:t>
+              <a:t>'</a:t>
+            </a:r>
+            <a:r>
+              <a:rPr lang="en-US" sz="1688" dirty="0" err="1">
+                <a:solidFill>
+                  <a:srgbClr val="FF7F00"/>
+                </a:solidFill>
+                <a:latin typeface="Courier New"/>
+                <a:ea typeface="Courier New"/>
+                <a:cs typeface="Courier New"/>
+                <a:sym typeface="Courier New"/>
+              </a:rPr>
+              <a:t>Намылить</a:t>
+            </a:r>
+            <a:r>
+              <a:rPr lang="en-US" sz="1688" dirty="0">
+                <a:solidFill>
+                  <a:srgbClr val="FF7F00"/>
+                </a:solidFill>
+                <a:latin typeface="Courier New"/>
+                <a:ea typeface="Courier New"/>
+                <a:cs typeface="Courier New"/>
+                <a:sym typeface="Courier New"/>
+              </a:rPr>
+              <a:t>’</a:t>
             </a:r>
             <a:r>
               <a:rPr lang="ru-RU" sz="1688" dirty="0" smtClean="0">
@@ -17084,7 +20771,7 @@
               <a:t>(</a:t>
             </a:r>
             <a:r>
-              <a:rPr lang="en-US" sz="1688" dirty="0" smtClean="0">
+              <a:rPr lang="en-US" sz="1688" dirty="0">
                 <a:solidFill>
                   <a:srgbClr val="FF7F00"/>
                 </a:solidFill>
@@ -17093,7 +20780,31 @@
                 <a:cs typeface="Courier New"/>
                 <a:sym typeface="Courier New"/>
               </a:rPr>
-              <a:t>'Rinse‘</a:t>
+              <a:t>'</a:t>
+            </a:r>
+            <a:r>
+              <a:rPr lang="en-US" sz="1688" dirty="0" err="1">
+                <a:solidFill>
+                  <a:srgbClr val="FF7F00"/>
+                </a:solidFill>
+                <a:latin typeface="Courier New"/>
+                <a:ea typeface="Courier New"/>
+                <a:cs typeface="Courier New"/>
+                <a:sym typeface="Courier New"/>
+              </a:rPr>
+              <a:t>Смыть</a:t>
+            </a:r>
+            <a:r>
+              <a:rPr lang="en-US" sz="1688" dirty="0">
+                <a:solidFill>
+                  <a:srgbClr val="FF7F00"/>
+                </a:solidFill>
+                <a:latin typeface="Courier New"/>
+                <a:ea typeface="Courier New"/>
+                <a:cs typeface="Courier New"/>
+                <a:sym typeface="Courier New"/>
+              </a:rPr>
+              <a:t>‘</a:t>
             </a:r>
             <a:r>
               <a:rPr lang="ru-RU" sz="1688" dirty="0" smtClean="0">
@@ -17149,7 +20860,7 @@
               <a:t>(</a:t>
             </a:r>
             <a:r>
-              <a:rPr lang="en-US" sz="1688" dirty="0" smtClean="0">
+              <a:rPr lang="en-US" sz="1688" dirty="0">
                 <a:solidFill>
                   <a:srgbClr val="FF7F00"/>
                 </a:solidFill>
@@ -17158,10 +20869,10 @@
                 <a:cs typeface="Courier New"/>
                 <a:sym typeface="Courier New"/>
               </a:rPr>
-              <a:t>'Dry </a:t>
-            </a:r>
-            <a:r>
-              <a:rPr lang="en-US" sz="1688" dirty="0">
+              <a:t>'</a:t>
+            </a:r>
+            <a:r>
+              <a:rPr lang="en-US" sz="1688" dirty="0" err="1">
                 <a:solidFill>
                   <a:srgbClr val="FF7F00"/>
                 </a:solidFill>
@@ -17170,10 +20881,10 @@
                 <a:cs typeface="Courier New"/>
                 <a:sym typeface="Courier New"/>
               </a:rPr>
-              <a:t>off</a:t>
-            </a:r>
-            <a:r>
-              <a:rPr lang="en-US" sz="1688" dirty="0" smtClean="0">
+              <a:t>Высушить</a:t>
+            </a:r>
+            <a:r>
+              <a:rPr lang="en-US" sz="1688" dirty="0">
                 <a:solidFill>
                   <a:srgbClr val="FF7F00"/>
                 </a:solidFill>
@@ -17210,7 +20921,7 @@
         </p:nvCxnSpPr>
         <p:spPr>
           <a:xfrm rot="10800000">
-            <a:off x="1596628" y="1613594"/>
+            <a:off x="2100684" y="2399761"/>
             <a:ext cx="8036" cy="318789"/>
           </a:xfrm>
           <a:prstGeom prst="straightConnector1">
@@ -17236,7 +20947,7 @@
         </p:nvSpPr>
         <p:spPr>
           <a:xfrm>
-            <a:off x="800100" y="1928813"/>
+            <a:off x="1304156" y="2714980"/>
             <a:ext cx="1614488" cy="714375"/>
           </a:xfrm>
           <a:prstGeom prst="diamond">
@@ -17290,7 +21001,7 @@
         </p:nvCxnSpPr>
         <p:spPr>
           <a:xfrm rot="10800000" flipH="1">
-            <a:off x="1595734" y="2643188"/>
+            <a:off x="2099790" y="3429355"/>
             <a:ext cx="11608" cy="1303734"/>
           </a:xfrm>
           <a:prstGeom prst="straightConnector1">
@@ -17316,7 +21027,7 @@
         </p:nvCxnSpPr>
         <p:spPr>
           <a:xfrm rot="10800000">
-            <a:off x="2364567" y="2282357"/>
+            <a:off x="2868623" y="3068524"/>
             <a:ext cx="460856" cy="4388"/>
           </a:xfrm>
           <a:prstGeom prst="straightConnector1">
@@ -17342,7 +21053,7 @@
         </p:nvCxnSpPr>
         <p:spPr>
           <a:xfrm rot="10800000" flipH="1">
-            <a:off x="2826246" y="2282428"/>
+            <a:off x="3330302" y="3068595"/>
             <a:ext cx="8930" cy="362545"/>
           </a:xfrm>
           <a:prstGeom prst="straightConnector1">
@@ -17368,7 +21079,7 @@
         </p:nvCxnSpPr>
         <p:spPr>
           <a:xfrm flipH="1">
-            <a:off x="2826245" y="2748558"/>
+            <a:off x="3330301" y="3534725"/>
             <a:ext cx="893" cy="1177826"/>
           </a:xfrm>
           <a:prstGeom prst="straightConnector1">
@@ -17394,7 +21105,7 @@
         </p:nvCxnSpPr>
         <p:spPr>
           <a:xfrm>
-            <a:off x="1604664" y="3928170"/>
+            <a:off x="2108720" y="4714337"/>
             <a:ext cx="1230510" cy="8036"/>
           </a:xfrm>
           <a:prstGeom prst="straightConnector1">
@@ -17420,7 +21131,7 @@
         </p:nvCxnSpPr>
         <p:spPr>
           <a:xfrm flipH="1">
-            <a:off x="600075" y="2291358"/>
+            <a:off x="1104131" y="3077525"/>
             <a:ext cx="223242" cy="1785"/>
           </a:xfrm>
           <a:prstGeom prst="straightConnector1">
@@ -17446,7 +21157,7 @@
         </p:nvCxnSpPr>
         <p:spPr>
           <a:xfrm rot="10800000" flipH="1">
-            <a:off x="1597520" y="4196953"/>
+            <a:off x="2101576" y="4983120"/>
             <a:ext cx="8930" cy="362545"/>
           </a:xfrm>
           <a:prstGeom prst="straightConnector1">
@@ -17472,7 +21183,7 @@
         </p:nvCxnSpPr>
         <p:spPr>
           <a:xfrm rot="10800000">
-            <a:off x="598289" y="2275284"/>
+            <a:off x="1102345" y="3061451"/>
             <a:ext cx="20538" cy="1931491"/>
           </a:xfrm>
           <a:prstGeom prst="straightConnector1">
@@ -17498,7 +21209,7 @@
         </p:nvCxnSpPr>
         <p:spPr>
           <a:xfrm>
-            <a:off x="609897" y="4206776"/>
+            <a:off x="1113953" y="4992943"/>
             <a:ext cx="985838" cy="0"/>
           </a:xfrm>
           <a:prstGeom prst="straightConnector1">
@@ -17524,7 +21235,7 @@
         </p:nvSpPr>
         <p:spPr>
           <a:xfrm>
-            <a:off x="193613" y="1864519"/>
+            <a:off x="697669" y="2650686"/>
             <a:ext cx="518906" cy="349987"/>
           </a:xfrm>
           <a:prstGeom prst="rect">
@@ -17579,7 +21290,7 @@
         </p:nvSpPr>
         <p:spPr>
           <a:xfrm>
-            <a:off x="785812" y="4543425"/>
+            <a:off x="1289868" y="5329592"/>
             <a:ext cx="1643063" cy="421481"/>
           </a:xfrm>
           <a:prstGeom prst="rect">
@@ -17633,7 +21344,7 @@
         </p:nvSpPr>
         <p:spPr>
           <a:xfrm>
-            <a:off x="2620863" y="1864519"/>
+            <a:off x="3124919" y="2650686"/>
             <a:ext cx="408086" cy="350043"/>
           </a:xfrm>
           <a:prstGeom prst="rect">
@@ -17688,7 +21399,7 @@
         </p:nvSpPr>
         <p:spPr>
           <a:xfrm>
-            <a:off x="785812" y="1200150"/>
+            <a:off x="1289868" y="1986317"/>
             <a:ext cx="1643063" cy="421481"/>
           </a:xfrm>
           <a:prstGeom prst="rect">
@@ -17742,8 +21453,8 @@
         </p:nvSpPr>
         <p:spPr>
           <a:xfrm>
-            <a:off x="2017217" y="2650332"/>
-            <a:ext cx="1636811" cy="420587"/>
+            <a:off x="2296056" y="3419385"/>
+            <a:ext cx="2122735" cy="420587"/>
           </a:xfrm>
           <a:prstGeom prst="rect">
             <a:avLst/>
@@ -17774,7 +21485,7 @@
               <a:buSzPct val="25000"/>
             </a:pPr>
             <a:r>
-              <a:rPr lang="en-US" sz="1969">
+              <a:rPr lang="en-US" sz="1969" dirty="0">
                 <a:solidFill>
                   <a:schemeClr val="lt1"/>
                 </a:solidFill>
@@ -17786,7 +21497,19 @@
               <a:t>print </a:t>
             </a:r>
             <a:r>
-              <a:rPr lang="en-US" sz="1969">
+              <a:rPr lang="ru-RU" sz="1969" dirty="0" smtClean="0">
+                <a:solidFill>
+                  <a:schemeClr val="lt1"/>
+                </a:solidFill>
+                <a:latin typeface="Cabin"/>
+                <a:ea typeface="Cabin"/>
+                <a:cs typeface="Cabin"/>
+                <a:sym typeface="Cabin"/>
+              </a:rPr>
+              <a:t>(</a:t>
+            </a:r>
+            <a:r>
+              <a:rPr lang="en-US" sz="1969" dirty="0" smtClean="0">
                 <a:solidFill>
                   <a:srgbClr val="FF0000"/>
                 </a:solidFill>
@@ -17795,8 +21518,53 @@
                 <a:cs typeface="Cabin"/>
                 <a:sym typeface="Cabin"/>
               </a:rPr>
-              <a:t>'Lather'</a:t>
-            </a:r>
+              <a:t>‘</a:t>
+            </a:r>
+            <a:r>
+              <a:rPr lang="ru-RU" sz="1969" dirty="0" smtClean="0">
+                <a:solidFill>
+                  <a:srgbClr val="FF0000"/>
+                </a:solidFill>
+                <a:latin typeface="Cabin"/>
+                <a:ea typeface="Cabin"/>
+                <a:cs typeface="Cabin"/>
+                <a:sym typeface="Cabin"/>
+              </a:rPr>
+              <a:t>Намылить</a:t>
+            </a:r>
+            <a:r>
+              <a:rPr lang="en-US" sz="1969" dirty="0" smtClean="0">
+                <a:solidFill>
+                  <a:srgbClr val="FF0000"/>
+                </a:solidFill>
+                <a:latin typeface="Cabin"/>
+                <a:ea typeface="Cabin"/>
+                <a:cs typeface="Cabin"/>
+                <a:sym typeface="Cabin"/>
+              </a:rPr>
+              <a:t>'</a:t>
+            </a:r>
+            <a:r>
+              <a:rPr lang="ru-RU" sz="1969" dirty="0">
+                <a:solidFill>
+                  <a:schemeClr val="lt1"/>
+                </a:solidFill>
+                <a:latin typeface="Cabin"/>
+                <a:ea typeface="Cabin"/>
+                <a:cs typeface="Cabin"/>
+                <a:sym typeface="Cabin"/>
+              </a:rPr>
+              <a:t>)</a:t>
+            </a:r>
+            <a:endParaRPr lang="en-US" sz="1969" dirty="0">
+              <a:solidFill>
+                <a:srgbClr val="FF0000"/>
+              </a:solidFill>
+              <a:latin typeface="Cabin"/>
+              <a:ea typeface="Cabin"/>
+              <a:cs typeface="Cabin"/>
+              <a:sym typeface="Cabin"/>
+            </a:endParaRPr>
           </a:p>
         </p:txBody>
       </p:sp>
@@ -17808,7 +21576,7 @@
         </p:nvSpPr>
         <p:spPr>
           <a:xfrm>
-            <a:off x="2007394" y="3336131"/>
+            <a:off x="2511450" y="4122298"/>
             <a:ext cx="1643063" cy="421481"/>
           </a:xfrm>
           <a:prstGeom prst="rect">
@@ -17840,7 +21608,7 @@
               <a:buSzPct val="25000"/>
             </a:pPr>
             <a:r>
-              <a:rPr lang="en-US" sz="1969">
+              <a:rPr lang="en-US" sz="1969" dirty="0">
                 <a:solidFill>
                   <a:schemeClr val="lt1"/>
                 </a:solidFill>
@@ -17852,7 +21620,19 @@
               <a:t>print </a:t>
             </a:r>
             <a:r>
-              <a:rPr lang="en-US" sz="1969">
+              <a:rPr lang="ru-RU" sz="1969" dirty="0" smtClean="0">
+                <a:solidFill>
+                  <a:schemeClr val="lt1"/>
+                </a:solidFill>
+                <a:latin typeface="Cabin"/>
+                <a:ea typeface="Cabin"/>
+                <a:cs typeface="Cabin"/>
+                <a:sym typeface="Cabin"/>
+              </a:rPr>
+              <a:t>(</a:t>
+            </a:r>
+            <a:r>
+              <a:rPr lang="en-US" sz="1969" dirty="0" smtClean="0">
                 <a:solidFill>
                   <a:srgbClr val="FF0000"/>
                 </a:solidFill>
@@ -17863,6 +21643,27 @@
               </a:rPr>
               <a:t>'Rinse'</a:t>
             </a:r>
+            <a:r>
+              <a:rPr lang="ru-RU" sz="1969" dirty="0">
+                <a:solidFill>
+                  <a:schemeClr val="lt1"/>
+                </a:solidFill>
+                <a:latin typeface="Cabin"/>
+                <a:ea typeface="Cabin"/>
+                <a:cs typeface="Cabin"/>
+                <a:sym typeface="Cabin"/>
+              </a:rPr>
+              <a:t>)</a:t>
+            </a:r>
+            <a:endParaRPr lang="en-US" sz="1969" dirty="0">
+              <a:solidFill>
+                <a:srgbClr val="FF0000"/>
+              </a:solidFill>
+              <a:latin typeface="Cabin"/>
+              <a:ea typeface="Cabin"/>
+              <a:cs typeface="Cabin"/>
+              <a:sym typeface="Cabin"/>
+            </a:endParaRPr>
           </a:p>
         </p:txBody>
       </p:sp>
@@ -17874,7 +21675,7 @@
         </p:nvSpPr>
         <p:spPr>
           <a:xfrm>
-            <a:off x="4520663" y="3846966"/>
+            <a:off x="5024719" y="4633133"/>
             <a:ext cx="3548812" cy="349987"/>
           </a:xfrm>
           <a:prstGeom prst="rect">
@@ -18016,7 +21817,7 @@
 </p:sld>
 </file>
 
-<file path=ppt/slides/slide7.xml><?xml version="1.0" encoding="utf-8"?>
+<file path=ppt/slides/slide8.xml><?xml version="1.0" encoding="utf-8"?>
 <p:sld xmlns:a="http://schemas.openxmlformats.org/drawingml/2006/main" xmlns:r="http://schemas.openxmlformats.org/officeDocument/2006/relationships" xmlns:p="http://schemas.openxmlformats.org/presentationml/2006/main">
   <p:cSld>
     <p:spTree>
@@ -18045,7 +21846,7 @@
         </p:nvSpPr>
         <p:spPr>
           <a:xfrm>
-            <a:off x="4427984" y="610738"/>
+            <a:off x="2785628" y="298898"/>
             <a:ext cx="3707606" cy="1292963"/>
           </a:xfrm>
           <a:prstGeom prst="rect">
@@ -18631,7 +22432,7 @@
         </p:nvCxnSpPr>
         <p:spPr>
           <a:xfrm rot="10800000">
-            <a:off x="1596628" y="1613594"/>
+            <a:off x="2000994" y="2270875"/>
             <a:ext cx="8036" cy="318789"/>
           </a:xfrm>
           <a:prstGeom prst="straightConnector1">
@@ -18657,7 +22458,7 @@
         </p:nvSpPr>
         <p:spPr>
           <a:xfrm>
-            <a:off x="800100" y="1928813"/>
+            <a:off x="1204466" y="2586094"/>
             <a:ext cx="1614488" cy="714375"/>
           </a:xfrm>
           <a:prstGeom prst="diamond">
@@ -18711,7 +22512,7 @@
         </p:nvCxnSpPr>
         <p:spPr>
           <a:xfrm rot="10800000" flipH="1">
-            <a:off x="1595734" y="2643188"/>
+            <a:off x="2000100" y="3300469"/>
             <a:ext cx="11608" cy="1303734"/>
           </a:xfrm>
           <a:prstGeom prst="straightConnector1">
@@ -18737,7 +22538,7 @@
         </p:nvCxnSpPr>
         <p:spPr>
           <a:xfrm rot="10800000">
-            <a:off x="2364568" y="2282414"/>
+            <a:off x="2768934" y="2939695"/>
             <a:ext cx="437568" cy="8943"/>
           </a:xfrm>
           <a:prstGeom prst="straightConnector1">
@@ -18763,7 +22564,7 @@
         </p:nvCxnSpPr>
         <p:spPr>
           <a:xfrm rot="10800000" flipH="1">
-            <a:off x="2826246" y="2282428"/>
+            <a:off x="3230612" y="2939709"/>
             <a:ext cx="8930" cy="362545"/>
           </a:xfrm>
           <a:prstGeom prst="straightConnector1">
@@ -18789,7 +22590,7 @@
         </p:nvCxnSpPr>
         <p:spPr>
           <a:xfrm flipH="1">
-            <a:off x="2826245" y="2748558"/>
+            <a:off x="3230611" y="3405839"/>
             <a:ext cx="893" cy="1177826"/>
           </a:xfrm>
           <a:prstGeom prst="straightConnector1">
@@ -18815,7 +22616,7 @@
         </p:nvCxnSpPr>
         <p:spPr>
           <a:xfrm>
-            <a:off x="1604664" y="3928170"/>
+            <a:off x="2009030" y="4585451"/>
             <a:ext cx="1230510" cy="8036"/>
           </a:xfrm>
           <a:prstGeom prst="straightConnector1">
@@ -18841,7 +22642,7 @@
         </p:nvCxnSpPr>
         <p:spPr>
           <a:xfrm flipH="1">
-            <a:off x="600075" y="2291358"/>
+            <a:off x="1004441" y="2948639"/>
             <a:ext cx="223242" cy="1785"/>
           </a:xfrm>
           <a:prstGeom prst="straightConnector1">
@@ -18867,7 +22668,7 @@
         </p:nvCxnSpPr>
         <p:spPr>
           <a:xfrm rot="10800000" flipH="1">
-            <a:off x="1597520" y="4196953"/>
+            <a:off x="2001886" y="4854234"/>
             <a:ext cx="8930" cy="362545"/>
           </a:xfrm>
           <a:prstGeom prst="straightConnector1">
@@ -18893,7 +22694,7 @@
         </p:nvCxnSpPr>
         <p:spPr>
           <a:xfrm rot="10800000">
-            <a:off x="598289" y="2275284"/>
+            <a:off x="1002655" y="2932565"/>
             <a:ext cx="20538" cy="1931491"/>
           </a:xfrm>
           <a:prstGeom prst="straightConnector1">
@@ -18919,7 +22720,7 @@
         </p:nvCxnSpPr>
         <p:spPr>
           <a:xfrm>
-            <a:off x="609897" y="4206776"/>
+            <a:off x="1014263" y="4864057"/>
             <a:ext cx="985838" cy="0"/>
           </a:xfrm>
           <a:prstGeom prst="straightConnector1">
@@ -18945,7 +22746,7 @@
         </p:nvSpPr>
         <p:spPr>
           <a:xfrm>
-            <a:off x="202036" y="1864519"/>
+            <a:off x="606402" y="2521800"/>
             <a:ext cx="510637" cy="349987"/>
           </a:xfrm>
           <a:prstGeom prst="rect">
@@ -19000,7 +22801,7 @@
         </p:nvSpPr>
         <p:spPr>
           <a:xfrm>
-            <a:off x="785813" y="4543425"/>
+            <a:off x="1190179" y="5200706"/>
             <a:ext cx="1916493" cy="421537"/>
           </a:xfrm>
           <a:prstGeom prst="rect">
@@ -19066,7 +22867,7 @@
         </p:nvSpPr>
         <p:spPr>
           <a:xfrm>
-            <a:off x="2620863" y="1864519"/>
+            <a:off x="3025229" y="2521800"/>
             <a:ext cx="408086" cy="350043"/>
           </a:xfrm>
           <a:prstGeom prst="rect">
@@ -19121,7 +22922,7 @@
         </p:nvSpPr>
         <p:spPr>
           <a:xfrm>
-            <a:off x="785812" y="1200150"/>
+            <a:off x="1190178" y="1857431"/>
             <a:ext cx="1643063" cy="421481"/>
           </a:xfrm>
           <a:prstGeom prst="rect">
@@ -19175,7 +22976,142 @@
         </p:nvSpPr>
         <p:spPr>
           <a:xfrm>
-            <a:off x="2014537" y="2650331"/>
+            <a:off x="2198995" y="3307462"/>
+            <a:ext cx="2081089" cy="421481"/>
+          </a:xfrm>
+          <a:prstGeom prst="rect">
+            <a:avLst/>
+          </a:prstGeom>
+          <a:solidFill>
+            <a:srgbClr val="0000FF"/>
+          </a:solidFill>
+          <a:ln w="9525" cap="flat" cmpd="sng">
+            <a:solidFill>
+              <a:srgbClr val="0000FF"/>
+            </a:solidFill>
+            <a:prstDash val="solid"/>
+            <a:round/>
+            <a:headEnd type="none" w="med" len="med"/>
+            <a:tailEnd type="none" w="med" len="med"/>
+          </a:ln>
+        </p:spPr>
+        <p:txBody>
+          <a:bodyPr lIns="0" tIns="0" rIns="0" bIns="0" anchor="ctr" anchorCtr="0">
+            <a:noAutofit/>
+          </a:bodyPr>
+          <a:lstStyle/>
+          <a:p>
+            <a:pPr algn="ctr">
+              <a:buClr>
+                <a:schemeClr val="lt1"/>
+              </a:buClr>
+              <a:buSzPct val="25000"/>
+            </a:pPr>
+            <a:r>
+              <a:rPr lang="en-US" sz="1969" dirty="0">
+                <a:solidFill>
+                  <a:schemeClr val="lt1"/>
+                </a:solidFill>
+                <a:latin typeface="Cabin"/>
+                <a:ea typeface="Cabin"/>
+                <a:cs typeface="Cabin"/>
+                <a:sym typeface="Cabin"/>
+              </a:rPr>
+              <a:t>print</a:t>
+            </a:r>
+            <a:r>
+              <a:rPr lang="en-US" sz="1463" dirty="0">
+                <a:solidFill>
+                  <a:schemeClr val="lt1"/>
+                </a:solidFill>
+                <a:latin typeface="Cabin"/>
+                <a:ea typeface="Cabin"/>
+                <a:cs typeface="Cabin"/>
+                <a:sym typeface="Cabin"/>
+              </a:rPr>
+              <a:t> </a:t>
+            </a:r>
+            <a:r>
+              <a:rPr lang="ru-RU" sz="1463" dirty="0" smtClean="0">
+                <a:solidFill>
+                  <a:schemeClr val="lt1"/>
+                </a:solidFill>
+                <a:latin typeface="Cabin"/>
+                <a:ea typeface="Cabin"/>
+                <a:cs typeface="Cabin"/>
+                <a:sym typeface="Cabin"/>
+              </a:rPr>
+              <a:t>(</a:t>
+            </a:r>
+            <a:r>
+              <a:rPr lang="en-US" sz="1600" dirty="0" smtClean="0">
+                <a:solidFill>
+                  <a:srgbClr val="FF0000"/>
+                </a:solidFill>
+                <a:latin typeface="Cabin"/>
+                <a:ea typeface="Cabin"/>
+                <a:cs typeface="Cabin"/>
+                <a:sym typeface="Cabin"/>
+              </a:rPr>
+              <a:t>’</a:t>
+            </a:r>
+            <a:r>
+              <a:rPr lang="ru-RU" sz="1600" dirty="0" smtClean="0">
+                <a:solidFill>
+                  <a:srgbClr val="FF0000"/>
+                </a:solidFill>
+                <a:latin typeface="Cabin"/>
+                <a:ea typeface="Cabin"/>
+                <a:cs typeface="Cabin"/>
+                <a:sym typeface="Cabin"/>
+              </a:rPr>
+              <a:t>Намылить</a:t>
+            </a:r>
+            <a:r>
+              <a:rPr lang="en-US" sz="1463" dirty="0" smtClean="0">
+                <a:solidFill>
+                  <a:srgbClr val="FF0000"/>
+                </a:solidFill>
+                <a:latin typeface="Cabin"/>
+                <a:ea typeface="Cabin"/>
+                <a:cs typeface="Cabin"/>
+                <a:sym typeface="Cabin"/>
+              </a:rPr>
+              <a:t>'</a:t>
+            </a:r>
+            <a:r>
+              <a:rPr lang="ru-RU" sz="1600" dirty="0">
+                <a:solidFill>
+                  <a:schemeClr val="lt1"/>
+                </a:solidFill>
+                <a:latin typeface="Cabin"/>
+                <a:ea typeface="Cabin"/>
+                <a:cs typeface="Cabin"/>
+                <a:sym typeface="Cabin"/>
+              </a:rPr>
+              <a:t>)</a:t>
+            </a:r>
+            <a:endParaRPr lang="en-US" sz="1463" dirty="0">
+              <a:solidFill>
+                <a:srgbClr val="FF0000"/>
+              </a:solidFill>
+              <a:latin typeface="Cabin"/>
+              <a:ea typeface="Cabin"/>
+              <a:cs typeface="Cabin"/>
+              <a:sym typeface="Cabin"/>
+            </a:endParaRPr>
+          </a:p>
+        </p:txBody>
+      </p:sp>
+      <p:sp>
+        <p:nvSpPr>
+          <p:cNvPr id="281" name="Shape 281"/>
+          <p:cNvSpPr txBox="1"/>
+          <p:nvPr/>
+        </p:nvSpPr>
+        <p:spPr>
+          <a:xfrm>
+            <a:off x="2411760" y="3993412"/>
             <a:ext cx="1643063" cy="421481"/>
           </a:xfrm>
           <a:prstGeom prst="rect">
@@ -19207,7 +23143,7 @@
               <a:buSzPct val="25000"/>
             </a:pPr>
             <a:r>
-              <a:rPr lang="en-US" sz="1969">
+              <a:rPr lang="en-US" sz="1969" dirty="0">
                 <a:solidFill>
                   <a:schemeClr val="lt1"/>
                 </a:solidFill>
@@ -19216,10 +23152,10 @@
                 <a:cs typeface="Cabin"/>
                 <a:sym typeface="Cabin"/>
               </a:rPr>
-              <a:t>print</a:t>
-            </a:r>
-            <a:r>
-              <a:rPr lang="en-US" sz="1463">
+              <a:t>print </a:t>
+            </a:r>
+            <a:r>
+              <a:rPr lang="ru-RU" sz="1969" dirty="0" smtClean="0">
                 <a:solidFill>
                   <a:schemeClr val="lt1"/>
                 </a:solidFill>
@@ -19228,10 +23164,10 @@
                 <a:cs typeface="Cabin"/>
                 <a:sym typeface="Cabin"/>
               </a:rPr>
-              <a:t> </a:t>
-            </a:r>
-            <a:r>
-              <a:rPr lang="en-US" sz="1463">
+              <a:t>(</a:t>
+            </a:r>
+            <a:r>
+              <a:rPr lang="en-US" sz="1969" dirty="0" smtClean="0">
                 <a:solidFill>
                   <a:srgbClr val="FF0000"/>
                 </a:solidFill>
@@ -19240,52 +23176,34 @@
                 <a:cs typeface="Cabin"/>
                 <a:sym typeface="Cabin"/>
               </a:rPr>
-              <a:t>'Намылить'</a:t>
-            </a:r>
-          </a:p>
-        </p:txBody>
-      </p:sp>
-      <p:sp>
-        <p:nvSpPr>
-          <p:cNvPr id="281" name="Shape 281"/>
-          <p:cNvSpPr txBox="1"/>
-          <p:nvPr/>
-        </p:nvSpPr>
-        <p:spPr>
-          <a:xfrm>
-            <a:off x="2007394" y="3336131"/>
-            <a:ext cx="1643063" cy="421481"/>
-          </a:xfrm>
-          <a:prstGeom prst="rect">
-            <a:avLst/>
-          </a:prstGeom>
-          <a:solidFill>
-            <a:srgbClr val="0000FF"/>
-          </a:solidFill>
-          <a:ln w="9525" cap="flat" cmpd="sng">
-            <a:solidFill>
-              <a:srgbClr val="0000FF"/>
-            </a:solidFill>
-            <a:prstDash val="solid"/>
-            <a:round/>
-            <a:headEnd type="none" w="med" len="med"/>
-            <a:tailEnd type="none" w="med" len="med"/>
-          </a:ln>
-        </p:spPr>
-        <p:txBody>
-          <a:bodyPr lIns="0" tIns="0" rIns="0" bIns="0" anchor="ctr" anchorCtr="0">
-            <a:noAutofit/>
-          </a:bodyPr>
-          <a:lstStyle/>
-          <a:p>
-            <a:pPr algn="ctr">
-              <a:buClr>
-                <a:schemeClr val="lt1"/>
-              </a:buClr>
-              <a:buSzPct val="25000"/>
-            </a:pPr>
-            <a:r>
-              <a:rPr lang="en-US" sz="1969">
+              <a:t>'</a:t>
+            </a:r>
+            <a:r>
+              <a:rPr lang="en-US" sz="1969" dirty="0" err="1" smtClean="0">
+                <a:solidFill>
+                  <a:srgbClr val="FF0000"/>
+                </a:solidFill>
+                <a:latin typeface="Cabin"/>
+                <a:ea typeface="Cabin"/>
+                <a:cs typeface="Cabin"/>
+                <a:sym typeface="Cabin"/>
+              </a:rPr>
+              <a:t>Смыть</a:t>
+            </a:r>
+            <a:r>
+              <a:rPr lang="en-US" sz="1969" dirty="0" smtClean="0">
+                <a:solidFill>
+                  <a:srgbClr val="FF0000"/>
+                </a:solidFill>
+                <a:latin typeface="Cabin"/>
+                <a:ea typeface="Cabin"/>
+                <a:cs typeface="Cabin"/>
+                <a:sym typeface="Cabin"/>
+              </a:rPr>
+              <a:t>'</a:t>
+            </a:r>
+            <a:r>
+              <a:rPr lang="ru-RU" sz="1969" dirty="0">
                 <a:solidFill>
                   <a:schemeClr val="lt1"/>
                 </a:solidFill>
@@ -19294,20 +23212,17 @@
                 <a:cs typeface="Cabin"/>
                 <a:sym typeface="Cabin"/>
               </a:rPr>
-              <a:t>print </a:t>
-            </a:r>
-            <a:r>
-              <a:rPr lang="en-US" sz="1969">
-                <a:solidFill>
-                  <a:srgbClr val="FF0000"/>
-                </a:solidFill>
-                <a:latin typeface="Cabin"/>
-                <a:ea typeface="Cabin"/>
-                <a:cs typeface="Cabin"/>
-                <a:sym typeface="Cabin"/>
-              </a:rPr>
-              <a:t>'Смыть'</a:t>
-            </a:r>
+              <a:t>)</a:t>
+            </a:r>
+            <a:endParaRPr lang="en-US" sz="1969" dirty="0">
+              <a:solidFill>
+                <a:srgbClr val="FF0000"/>
+              </a:solidFill>
+              <a:latin typeface="Cabin"/>
+              <a:ea typeface="Cabin"/>
+              <a:cs typeface="Cabin"/>
+              <a:sym typeface="Cabin"/>
+            </a:endParaRPr>
           </a:p>
         </p:txBody>
       </p:sp>
@@ -19343,7 +23258,7 @@
               <a:buSzPct val="25000"/>
             </a:pPr>
             <a:r>
-              <a:rPr lang="en-US" sz="2025">
+              <a:rPr lang="en-US" sz="2025" dirty="0" err="1">
                 <a:solidFill>
                   <a:srgbClr val="FF00FF"/>
                 </a:solidFill>
@@ -19352,7 +23267,91 @@
                 <a:cs typeface="Cabin"/>
                 <a:sym typeface="Cabin"/>
               </a:rPr>
-              <a:t>Что делает этот цикл?</a:t>
+              <a:t>Что</a:t>
+            </a:r>
+            <a:r>
+              <a:rPr lang="en-US" sz="2025" dirty="0">
+                <a:solidFill>
+                  <a:srgbClr val="FF00FF"/>
+                </a:solidFill>
+                <a:latin typeface="Cabin"/>
+                <a:ea typeface="Cabin"/>
+                <a:cs typeface="Cabin"/>
+                <a:sym typeface="Cabin"/>
+              </a:rPr>
+              <a:t> </a:t>
+            </a:r>
+            <a:r>
+              <a:rPr lang="ru-RU" sz="2025" dirty="0" smtClean="0">
+                <a:solidFill>
+                  <a:srgbClr val="FF00FF"/>
+                </a:solidFill>
+                <a:latin typeface="Cabin"/>
+                <a:ea typeface="Cabin"/>
+                <a:cs typeface="Cabin"/>
+                <a:sym typeface="Cabin"/>
+              </a:rPr>
+              <a:t>делает</a:t>
+            </a:r>
+            <a:r>
+              <a:rPr lang="en-US" sz="2025" dirty="0" smtClean="0">
+                <a:solidFill>
+                  <a:srgbClr val="FF00FF"/>
+                </a:solidFill>
+                <a:latin typeface="Cabin"/>
+                <a:ea typeface="Cabin"/>
+                <a:cs typeface="Cabin"/>
+                <a:sym typeface="Cabin"/>
+              </a:rPr>
+              <a:t> </a:t>
+            </a:r>
+            <a:r>
+              <a:rPr lang="en-US" sz="2025" dirty="0" err="1">
+                <a:solidFill>
+                  <a:srgbClr val="FF00FF"/>
+                </a:solidFill>
+                <a:latin typeface="Cabin"/>
+                <a:ea typeface="Cabin"/>
+                <a:cs typeface="Cabin"/>
+                <a:sym typeface="Cabin"/>
+              </a:rPr>
+              <a:t>этот</a:t>
+            </a:r>
+            <a:r>
+              <a:rPr lang="en-US" sz="2025" dirty="0">
+                <a:solidFill>
+                  <a:srgbClr val="FF00FF"/>
+                </a:solidFill>
+                <a:latin typeface="Cabin"/>
+                <a:ea typeface="Cabin"/>
+                <a:cs typeface="Cabin"/>
+                <a:sym typeface="Cabin"/>
+              </a:rPr>
+              <a:t> </a:t>
+            </a:r>
+            <a:r>
+              <a:rPr lang="en-US" sz="2025" dirty="0" err="1">
+                <a:solidFill>
+                  <a:srgbClr val="FF00FF"/>
+                </a:solidFill>
+                <a:latin typeface="Cabin"/>
+                <a:ea typeface="Cabin"/>
+                <a:cs typeface="Cabin"/>
+                <a:sym typeface="Cabin"/>
+              </a:rPr>
+              <a:t>цикл</a:t>
+            </a:r>
+            <a:r>
+              <a:rPr lang="en-US" sz="2025" dirty="0">
+                <a:solidFill>
+                  <a:srgbClr val="FF00FF"/>
+                </a:solidFill>
+                <a:latin typeface="Cabin"/>
+                <a:ea typeface="Cabin"/>
+                <a:cs typeface="Cabin"/>
+                <a:sym typeface="Cabin"/>
+              </a:rPr>
+              <a:t>?</a:t>
             </a:r>
           </a:p>
         </p:txBody>
@@ -19361,1239 +23360,6 @@
     <p:extLst>
       <p:ext uri="{BB962C8B-B14F-4D97-AF65-F5344CB8AC3E}">
         <p14:creationId xmlns:p14="http://schemas.microsoft.com/office/powerpoint/2010/main" val="3742643916"/>
-      </p:ext>
-    </p:extLst>
-  </p:cSld>
-  <p:clrMapOvr>
-    <a:masterClrMapping/>
-  </p:clrMapOvr>
-  <p:timing>
-    <p:tnLst>
-      <p:par>
-        <p:cTn id="1" dur="indefinite" restart="never" nodeType="tmRoot"/>
-      </p:par>
-    </p:tnLst>
-  </p:timing>
-</p:sld>
-</file>
-
-<file path=ppt/slides/slide8.xml><?xml version="1.0" encoding="utf-8"?>
-<p:sld xmlns:a="http://schemas.openxmlformats.org/drawingml/2006/main" xmlns:r="http://schemas.openxmlformats.org/officeDocument/2006/relationships" xmlns:p="http://schemas.openxmlformats.org/presentationml/2006/main">
-  <p:cSld>
-    <p:spTree>
-      <p:nvGrpSpPr>
-        <p:cNvPr id="1" name="Shape 286"/>
-        <p:cNvGrpSpPr/>
-        <p:nvPr/>
-      </p:nvGrpSpPr>
-      <p:grpSpPr>
-        <a:xfrm>
-          <a:off x="0" y="0"/>
-          <a:ext cx="0" cy="0"/>
-          <a:chOff x="0" y="0"/>
-          <a:chExt cx="0" cy="0"/>
-        </a:xfrm>
-      </p:grpSpPr>
-      <p:sp>
-        <p:nvSpPr>
-          <p:cNvPr id="287" name="Shape 287"/>
-          <p:cNvSpPr txBox="1">
-            <a:spLocks noGrp="1"/>
-          </p:cNvSpPr>
-          <p:nvPr>
-            <p:ph type="title"/>
-          </p:nvPr>
-        </p:nvSpPr>
-        <p:spPr>
-          <a:xfrm>
-            <a:off x="721519" y="370453"/>
-            <a:ext cx="7836750" cy="1121513"/>
-          </a:xfrm>
-          <a:prstGeom prst="rect">
-            <a:avLst/>
-          </a:prstGeom>
-          <a:noFill/>
-          <a:ln>
-            <a:noFill/>
-          </a:ln>
-        </p:spPr>
-        <p:txBody>
-          <a:bodyPr vert="horz" lIns="21431" tIns="21431" rIns="21431" bIns="21431" rtlCol="0" anchor="ctr" anchorCtr="0">
-            <a:noAutofit/>
-          </a:bodyPr>
-          <a:lstStyle/>
-          <a:p>
-            <a:pPr>
-              <a:spcBef>
-                <a:spcPts val="0"/>
-              </a:spcBef>
-              <a:buClr>
-                <a:srgbClr val="FFFF00"/>
-              </a:buClr>
-              <a:buSzPct val="25000"/>
-            </a:pPr>
-            <a:r>
-              <a:rPr lang="en-US" sz="4275" dirty="0" err="1">
-                <a:latin typeface="Cabin"/>
-                <a:ea typeface="Cabin"/>
-                <a:cs typeface="Cabin"/>
-                <a:sym typeface="Cabin"/>
-              </a:rPr>
-              <a:t>Выход</a:t>
-            </a:r>
-            <a:r>
-              <a:rPr lang="en-US" sz="4275" dirty="0">
-                <a:latin typeface="Cabin"/>
-                <a:ea typeface="Cabin"/>
-                <a:cs typeface="Cabin"/>
-                <a:sym typeface="Cabin"/>
-              </a:rPr>
-              <a:t> </a:t>
-            </a:r>
-            <a:r>
-              <a:rPr lang="en-US" sz="4275" dirty="0" err="1">
-                <a:latin typeface="Cabin"/>
-                <a:ea typeface="Cabin"/>
-                <a:cs typeface="Cabin"/>
-                <a:sym typeface="Cabin"/>
-              </a:rPr>
-              <a:t>из</a:t>
-            </a:r>
-            <a:r>
-              <a:rPr lang="en-US" sz="4275" dirty="0">
-                <a:latin typeface="Cabin"/>
-                <a:ea typeface="Cabin"/>
-                <a:cs typeface="Cabin"/>
-                <a:sym typeface="Cabin"/>
-              </a:rPr>
-              <a:t> </a:t>
-            </a:r>
-            <a:r>
-              <a:rPr lang="en-US" sz="4275" dirty="0" err="1">
-                <a:latin typeface="Cabin"/>
-                <a:ea typeface="Cabin"/>
-                <a:cs typeface="Cabin"/>
-                <a:sym typeface="Cabin"/>
-              </a:rPr>
-              <a:t>цикла</a:t>
-            </a:r>
-            <a:endParaRPr lang="en-US" sz="4275" dirty="0">
-              <a:latin typeface="Cabin"/>
-              <a:ea typeface="Cabin"/>
-              <a:cs typeface="Cabin"/>
-              <a:sym typeface="Cabin"/>
-            </a:endParaRPr>
-          </a:p>
-        </p:txBody>
-      </p:sp>
-      <p:sp>
-        <p:nvSpPr>
-          <p:cNvPr id="288" name="Shape 288"/>
-          <p:cNvSpPr txBox="1">
-            <a:spLocks noGrp="1"/>
-          </p:cNvSpPr>
-          <p:nvPr>
-            <p:ph type="body" idx="1"/>
-          </p:nvPr>
-        </p:nvSpPr>
-        <p:spPr>
-          <a:xfrm>
-            <a:off x="721519" y="1491966"/>
-            <a:ext cx="7915274" cy="1607343"/>
-          </a:xfrm>
-          <a:prstGeom prst="rect">
-            <a:avLst/>
-          </a:prstGeom>
-          <a:noFill/>
-          <a:ln>
-            <a:noFill/>
-          </a:ln>
-        </p:spPr>
-        <p:txBody>
-          <a:bodyPr vert="horz" lIns="21431" tIns="21431" rIns="21431" bIns="21431" rtlCol="0" anchor="ctr" anchorCtr="0">
-            <a:noAutofit/>
-          </a:bodyPr>
-          <a:lstStyle/>
-          <a:p>
-            <a:pPr marL="421481" indent="-194453">
-              <a:spcBef>
-                <a:spcPts val="0"/>
-              </a:spcBef>
-              <a:buClr>
-                <a:schemeClr val="lt1"/>
-              </a:buClr>
-              <a:buSzPct val="100000"/>
-              <a:buFont typeface="Cabin"/>
-              <a:buChar char="•"/>
-            </a:pPr>
-            <a:r>
-              <a:rPr lang="en-US" sz="1800" dirty="0" err="1">
-                <a:latin typeface="Cabin"/>
-                <a:ea typeface="Cabin"/>
-                <a:cs typeface="Cabin"/>
-                <a:sym typeface="Cabin"/>
-              </a:rPr>
-              <a:t>Инструкция</a:t>
-            </a:r>
-            <a:r>
-              <a:rPr lang="en-US" sz="1800" dirty="0">
-                <a:latin typeface="Cabin"/>
-                <a:ea typeface="Cabin"/>
-                <a:cs typeface="Cabin"/>
-                <a:sym typeface="Cabin"/>
-              </a:rPr>
-              <a:t> </a:t>
-            </a:r>
-            <a:r>
-              <a:rPr lang="en-US" sz="1800" dirty="0">
-                <a:solidFill>
-                  <a:srgbClr val="00B0F0"/>
-                </a:solidFill>
-                <a:latin typeface="Cabin"/>
-                <a:ea typeface="Cabin"/>
-                <a:cs typeface="Cabin"/>
-                <a:sym typeface="Cabin"/>
-              </a:rPr>
-              <a:t>break</a:t>
-            </a:r>
-            <a:r>
-              <a:rPr lang="en-US" sz="1800" dirty="0">
-                <a:latin typeface="Cabin"/>
-                <a:ea typeface="Cabin"/>
-                <a:cs typeface="Cabin"/>
-                <a:sym typeface="Cabin"/>
-              </a:rPr>
-              <a:t> </a:t>
-            </a:r>
-            <a:r>
-              <a:rPr lang="en-US" sz="1800" dirty="0" err="1">
-                <a:latin typeface="Cabin"/>
-                <a:ea typeface="Cabin"/>
-                <a:cs typeface="Cabin"/>
-                <a:sym typeface="Cabin"/>
-              </a:rPr>
-              <a:t>завершает</a:t>
-            </a:r>
-            <a:r>
-              <a:rPr lang="en-US" sz="1800" dirty="0">
-                <a:latin typeface="Cabin"/>
-                <a:ea typeface="Cabin"/>
-                <a:cs typeface="Cabin"/>
-                <a:sym typeface="Cabin"/>
-              </a:rPr>
-              <a:t> </a:t>
-            </a:r>
-            <a:r>
-              <a:rPr lang="en-US" sz="1800" dirty="0" err="1">
-                <a:latin typeface="Cabin"/>
-                <a:ea typeface="Cabin"/>
-                <a:cs typeface="Cabin"/>
-                <a:sym typeface="Cabin"/>
-              </a:rPr>
-              <a:t>текущий</a:t>
-            </a:r>
-            <a:r>
-              <a:rPr lang="en-US" sz="1800" dirty="0">
-                <a:latin typeface="Cabin"/>
-                <a:ea typeface="Cabin"/>
-                <a:cs typeface="Cabin"/>
-                <a:sym typeface="Cabin"/>
-              </a:rPr>
-              <a:t> </a:t>
-            </a:r>
-            <a:r>
-              <a:rPr lang="en-US" sz="1800" dirty="0" err="1">
-                <a:latin typeface="Cabin"/>
-                <a:ea typeface="Cabin"/>
-                <a:cs typeface="Cabin"/>
-                <a:sym typeface="Cabin"/>
-              </a:rPr>
-              <a:t>цикл</a:t>
-            </a:r>
-            <a:r>
-              <a:rPr lang="en-US" sz="1800" dirty="0">
-                <a:latin typeface="Cabin"/>
-                <a:ea typeface="Cabin"/>
-                <a:cs typeface="Cabin"/>
-                <a:sym typeface="Cabin"/>
-              </a:rPr>
-              <a:t> и </a:t>
-            </a:r>
-            <a:r>
-              <a:rPr lang="en-US" sz="1800" dirty="0" err="1">
-                <a:latin typeface="Cabin"/>
-                <a:ea typeface="Cabin"/>
-                <a:cs typeface="Cabin"/>
-                <a:sym typeface="Cabin"/>
-              </a:rPr>
-              <a:t>переходит</a:t>
-            </a:r>
-            <a:r>
-              <a:rPr lang="en-US" sz="1800" dirty="0">
-                <a:latin typeface="Cabin"/>
-                <a:ea typeface="Cabin"/>
-                <a:cs typeface="Cabin"/>
-                <a:sym typeface="Cabin"/>
-              </a:rPr>
-              <a:t> к </a:t>
-            </a:r>
-            <a:r>
-              <a:rPr lang="en-US" sz="1800" dirty="0" err="1">
-                <a:latin typeface="Cabin"/>
-                <a:ea typeface="Cabin"/>
-                <a:cs typeface="Cabin"/>
-                <a:sym typeface="Cabin"/>
-              </a:rPr>
-              <a:t>строке</a:t>
-            </a:r>
-            <a:r>
-              <a:rPr lang="en-US" sz="1800" dirty="0">
-                <a:latin typeface="Cabin"/>
-                <a:ea typeface="Cabin"/>
-                <a:cs typeface="Cabin"/>
-                <a:sym typeface="Cabin"/>
-              </a:rPr>
-              <a:t>, </a:t>
-            </a:r>
-            <a:r>
-              <a:rPr lang="en-US" sz="1800" dirty="0" err="1">
-                <a:latin typeface="Cabin"/>
-                <a:ea typeface="Cabin"/>
-                <a:cs typeface="Cabin"/>
-                <a:sym typeface="Cabin"/>
-              </a:rPr>
-              <a:t>непосредственно</a:t>
-            </a:r>
-            <a:r>
-              <a:rPr lang="en-US" sz="1800" dirty="0">
-                <a:latin typeface="Cabin"/>
-                <a:ea typeface="Cabin"/>
-                <a:cs typeface="Cabin"/>
-                <a:sym typeface="Cabin"/>
-              </a:rPr>
-              <a:t> </a:t>
-            </a:r>
-            <a:r>
-              <a:rPr lang="en-US" sz="1800" dirty="0" err="1">
-                <a:latin typeface="Cabin"/>
-                <a:ea typeface="Cabin"/>
-                <a:cs typeface="Cabin"/>
-                <a:sym typeface="Cabin"/>
-              </a:rPr>
-              <a:t>следующей</a:t>
-            </a:r>
-            <a:r>
-              <a:rPr lang="en-US" sz="1800" dirty="0">
-                <a:latin typeface="Cabin"/>
-                <a:ea typeface="Cabin"/>
-                <a:cs typeface="Cabin"/>
-                <a:sym typeface="Cabin"/>
-              </a:rPr>
-              <a:t> </a:t>
-            </a:r>
-            <a:r>
-              <a:rPr lang="en-US" sz="1800" dirty="0" err="1">
-                <a:latin typeface="Cabin"/>
-                <a:ea typeface="Cabin"/>
-                <a:cs typeface="Cabin"/>
-                <a:sym typeface="Cabin"/>
-              </a:rPr>
-              <a:t>за</a:t>
-            </a:r>
-            <a:r>
-              <a:rPr lang="en-US" sz="1800" dirty="0">
-                <a:latin typeface="Cabin"/>
-                <a:ea typeface="Cabin"/>
-                <a:cs typeface="Cabin"/>
-                <a:sym typeface="Cabin"/>
-              </a:rPr>
-              <a:t> </a:t>
-            </a:r>
-            <a:r>
-              <a:rPr lang="en-US" sz="1800" dirty="0" err="1">
-                <a:latin typeface="Cabin"/>
-                <a:ea typeface="Cabin"/>
-                <a:cs typeface="Cabin"/>
-                <a:sym typeface="Cabin"/>
-              </a:rPr>
-              <a:t>циклом</a:t>
-            </a:r>
-            <a:endParaRPr lang="en-US" sz="1800" dirty="0">
-              <a:latin typeface="Cabin"/>
-              <a:ea typeface="Cabin"/>
-              <a:cs typeface="Cabin"/>
-              <a:sym typeface="Cabin"/>
-            </a:endParaRPr>
-          </a:p>
-          <a:p>
-            <a:pPr marL="421481" indent="-194453">
-              <a:spcBef>
-                <a:spcPts val="1969"/>
-              </a:spcBef>
-              <a:buClr>
-                <a:schemeClr val="lt1"/>
-              </a:buClr>
-              <a:buSzPct val="100000"/>
-              <a:buFont typeface="Cabin"/>
-              <a:buChar char="•"/>
-            </a:pPr>
-            <a:r>
-              <a:rPr lang="en-US" sz="1800" dirty="0" err="1">
-                <a:latin typeface="Cabin"/>
-                <a:ea typeface="Cabin"/>
-                <a:cs typeface="Cabin"/>
-                <a:sym typeface="Cabin"/>
-              </a:rPr>
-              <a:t>Это</a:t>
-            </a:r>
-            <a:r>
-              <a:rPr lang="en-US" sz="1800" dirty="0">
-                <a:latin typeface="Cabin"/>
-                <a:ea typeface="Cabin"/>
-                <a:cs typeface="Cabin"/>
-                <a:sym typeface="Cabin"/>
-              </a:rPr>
-              <a:t> </a:t>
-            </a:r>
-            <a:r>
-              <a:rPr lang="en-US" sz="1800" dirty="0" err="1">
-                <a:latin typeface="Cabin"/>
-                <a:ea typeface="Cabin"/>
-                <a:cs typeface="Cabin"/>
-                <a:sym typeface="Cabin"/>
-              </a:rPr>
-              <a:t>похоже</a:t>
-            </a:r>
-            <a:r>
-              <a:rPr lang="en-US" sz="1800" dirty="0">
-                <a:latin typeface="Cabin"/>
-                <a:ea typeface="Cabin"/>
-                <a:cs typeface="Cabin"/>
-                <a:sym typeface="Cabin"/>
-              </a:rPr>
-              <a:t> </a:t>
-            </a:r>
-            <a:r>
-              <a:rPr lang="en-US" sz="1800" dirty="0" err="1">
-                <a:latin typeface="Cabin"/>
-                <a:ea typeface="Cabin"/>
-                <a:cs typeface="Cabin"/>
-                <a:sym typeface="Cabin"/>
-              </a:rPr>
-              <a:t>на</a:t>
-            </a:r>
-            <a:r>
-              <a:rPr lang="en-US" sz="1800" dirty="0">
-                <a:latin typeface="Cabin"/>
-                <a:ea typeface="Cabin"/>
-                <a:cs typeface="Cabin"/>
-                <a:sym typeface="Cabin"/>
-              </a:rPr>
-              <a:t> </a:t>
-            </a:r>
-            <a:r>
-              <a:rPr lang="en-US" sz="1800" dirty="0" err="1">
-                <a:latin typeface="Cabin"/>
-                <a:ea typeface="Cabin"/>
-                <a:cs typeface="Cabin"/>
-                <a:sym typeface="Cabin"/>
-              </a:rPr>
-              <a:t>тестирование</a:t>
-            </a:r>
-            <a:r>
-              <a:rPr lang="en-US" sz="1800" dirty="0">
-                <a:latin typeface="Cabin"/>
-                <a:ea typeface="Cabin"/>
-                <a:cs typeface="Cabin"/>
-                <a:sym typeface="Cabin"/>
-              </a:rPr>
-              <a:t> </a:t>
-            </a:r>
-            <a:r>
-              <a:rPr lang="en-US" sz="1800" dirty="0" err="1">
-                <a:latin typeface="Cabin"/>
-                <a:ea typeface="Cabin"/>
-                <a:cs typeface="Cabin"/>
-                <a:sym typeface="Cabin"/>
-              </a:rPr>
-              <a:t>цикла</a:t>
-            </a:r>
-            <a:r>
-              <a:rPr lang="en-US" sz="1800" dirty="0">
-                <a:latin typeface="Cabin"/>
-                <a:ea typeface="Cabin"/>
-                <a:cs typeface="Cabin"/>
-                <a:sym typeface="Cabin"/>
-              </a:rPr>
-              <a:t>, </a:t>
-            </a:r>
-            <a:r>
-              <a:rPr lang="en-US" sz="1800" dirty="0" err="1">
-                <a:latin typeface="Cabin"/>
-                <a:ea typeface="Cabin"/>
-                <a:cs typeface="Cabin"/>
-                <a:sym typeface="Cabin"/>
-              </a:rPr>
-              <a:t>которое</a:t>
-            </a:r>
-            <a:r>
-              <a:rPr lang="en-US" sz="1800" dirty="0">
-                <a:latin typeface="Cabin"/>
-                <a:ea typeface="Cabin"/>
-                <a:cs typeface="Cabin"/>
-                <a:sym typeface="Cabin"/>
-              </a:rPr>
-              <a:t> </a:t>
-            </a:r>
-            <a:r>
-              <a:rPr lang="en-US" sz="1800" dirty="0" err="1">
-                <a:latin typeface="Cabin"/>
-                <a:ea typeface="Cabin"/>
-                <a:cs typeface="Cabin"/>
-                <a:sym typeface="Cabin"/>
-              </a:rPr>
-              <a:t>может</a:t>
-            </a:r>
-            <a:r>
-              <a:rPr lang="en-US" sz="1800" dirty="0">
-                <a:latin typeface="Cabin"/>
-                <a:ea typeface="Cabin"/>
-                <a:cs typeface="Cabin"/>
-                <a:sym typeface="Cabin"/>
-              </a:rPr>
-              <a:t> </a:t>
-            </a:r>
-            <a:r>
-              <a:rPr lang="en-US" sz="1800" dirty="0" err="1">
-                <a:latin typeface="Cabin"/>
-                <a:ea typeface="Cabin"/>
-                <a:cs typeface="Cabin"/>
-                <a:sym typeface="Cabin"/>
-              </a:rPr>
-              <a:t>произойти</a:t>
-            </a:r>
-            <a:r>
-              <a:rPr lang="en-US" sz="1800" dirty="0">
-                <a:latin typeface="Cabin"/>
-                <a:ea typeface="Cabin"/>
-                <a:cs typeface="Cabin"/>
-                <a:sym typeface="Cabin"/>
-              </a:rPr>
-              <a:t> в </a:t>
-            </a:r>
-            <a:r>
-              <a:rPr lang="en-US" sz="1800" dirty="0" err="1">
-                <a:latin typeface="Cabin"/>
-                <a:ea typeface="Cabin"/>
-                <a:cs typeface="Cabin"/>
-                <a:sym typeface="Cabin"/>
-              </a:rPr>
-              <a:t>любой</a:t>
-            </a:r>
-            <a:r>
-              <a:rPr lang="en-US" sz="1800" dirty="0">
-                <a:latin typeface="Cabin"/>
-                <a:ea typeface="Cabin"/>
-                <a:cs typeface="Cabin"/>
-                <a:sym typeface="Cabin"/>
-              </a:rPr>
-              <a:t> </a:t>
-            </a:r>
-            <a:r>
-              <a:rPr lang="en-US" sz="1800" dirty="0" err="1">
-                <a:latin typeface="Cabin"/>
-                <a:ea typeface="Cabin"/>
-                <a:cs typeface="Cabin"/>
-                <a:sym typeface="Cabin"/>
-              </a:rPr>
-              <a:t>его</a:t>
-            </a:r>
-            <a:r>
-              <a:rPr lang="en-US" sz="1800" dirty="0">
-                <a:latin typeface="Cabin"/>
-                <a:ea typeface="Cabin"/>
-                <a:cs typeface="Cabin"/>
-                <a:sym typeface="Cabin"/>
-              </a:rPr>
-              <a:t> </a:t>
-            </a:r>
-            <a:r>
-              <a:rPr lang="en-US" sz="1800" dirty="0" err="1">
-                <a:latin typeface="Cabin"/>
-                <a:ea typeface="Cabin"/>
-                <a:cs typeface="Cabin"/>
-                <a:sym typeface="Cabin"/>
-              </a:rPr>
-              <a:t>части</a:t>
-            </a:r>
-            <a:endParaRPr lang="en-US" sz="1800" dirty="0">
-              <a:latin typeface="Cabin"/>
-              <a:ea typeface="Cabin"/>
-              <a:cs typeface="Cabin"/>
-              <a:sym typeface="Cabin"/>
-            </a:endParaRPr>
-          </a:p>
-        </p:txBody>
-      </p:sp>
-      <p:sp>
-        <p:nvSpPr>
-          <p:cNvPr id="289" name="Shape 289"/>
-          <p:cNvSpPr txBox="1"/>
-          <p:nvPr/>
-        </p:nvSpPr>
-        <p:spPr>
-          <a:xfrm>
-            <a:off x="6156176" y="3429000"/>
-            <a:ext cx="1800200" cy="1869919"/>
-          </a:xfrm>
-          <a:prstGeom prst="rect">
-            <a:avLst/>
-          </a:prstGeom>
-          <a:noFill/>
-          <a:ln>
-            <a:noFill/>
-          </a:ln>
-        </p:spPr>
-        <p:txBody>
-          <a:bodyPr lIns="0" tIns="0" rIns="0" bIns="0" anchor="ctr" anchorCtr="0">
-            <a:noAutofit/>
-          </a:bodyPr>
-          <a:lstStyle/>
-          <a:p>
-            <a:pPr>
-              <a:buClr>
-                <a:schemeClr val="lt1"/>
-              </a:buClr>
-              <a:buSzPct val="25000"/>
-            </a:pPr>
-            <a:r>
-              <a:rPr lang="en-US" sz="2025" dirty="0" smtClean="0">
-                <a:latin typeface="Cabin"/>
-                <a:ea typeface="Cabin"/>
-                <a:cs typeface="Cabin"/>
-                <a:sym typeface="Cabin"/>
-              </a:rPr>
-              <a:t>&gt;&gt;&gt;</a:t>
-            </a:r>
-            <a:r>
-              <a:rPr lang="en-US" sz="2025" dirty="0" smtClean="0">
-                <a:solidFill>
-                  <a:schemeClr val="lt1"/>
-                </a:solidFill>
-                <a:latin typeface="Cabin"/>
-                <a:ea typeface="Cabin"/>
-                <a:cs typeface="Cabin"/>
-                <a:sym typeface="Cabin"/>
-              </a:rPr>
-              <a:t> </a:t>
-            </a:r>
-            <a:r>
-              <a:rPr lang="en-US" sz="2025" dirty="0">
-                <a:solidFill>
-                  <a:srgbClr val="00FF00"/>
-                </a:solidFill>
-                <a:latin typeface="Cabin"/>
-                <a:ea typeface="Cabin"/>
-                <a:cs typeface="Cabin"/>
-                <a:sym typeface="Cabin"/>
-              </a:rPr>
-              <a:t>hello there</a:t>
-            </a:r>
-          </a:p>
-          <a:p>
-            <a:pPr>
-              <a:buClr>
-                <a:schemeClr val="lt1"/>
-              </a:buClr>
-              <a:buSzPct val="25000"/>
-            </a:pPr>
-            <a:r>
-              <a:rPr lang="en-US" sz="2025" dirty="0">
-                <a:latin typeface="Cabin"/>
-                <a:ea typeface="Cabin"/>
-                <a:cs typeface="Cabin"/>
-                <a:sym typeface="Cabin"/>
-              </a:rPr>
-              <a:t>hello there</a:t>
-            </a:r>
-          </a:p>
-          <a:p>
-            <a:pPr>
-              <a:buClr>
-                <a:schemeClr val="lt1"/>
-              </a:buClr>
-              <a:buSzPct val="25000"/>
-            </a:pPr>
-            <a:r>
-              <a:rPr lang="en-US" sz="2025" dirty="0" smtClean="0">
-                <a:latin typeface="Cabin"/>
-                <a:ea typeface="Cabin"/>
-                <a:cs typeface="Cabin"/>
-                <a:sym typeface="Cabin"/>
-              </a:rPr>
-              <a:t>&gt;&gt;&gt;</a:t>
-            </a:r>
-            <a:r>
-              <a:rPr lang="en-US" sz="2025" dirty="0" smtClean="0">
-                <a:solidFill>
-                  <a:schemeClr val="lt1"/>
-                </a:solidFill>
-                <a:latin typeface="Cabin"/>
-                <a:ea typeface="Cabin"/>
-                <a:cs typeface="Cabin"/>
-                <a:sym typeface="Cabin"/>
-              </a:rPr>
-              <a:t> </a:t>
-            </a:r>
-            <a:r>
-              <a:rPr lang="en-US" sz="2025" dirty="0">
-                <a:solidFill>
-                  <a:srgbClr val="00FF00"/>
-                </a:solidFill>
-                <a:latin typeface="Cabin"/>
-                <a:ea typeface="Cabin"/>
-                <a:cs typeface="Cabin"/>
-                <a:sym typeface="Cabin"/>
-              </a:rPr>
-              <a:t>finished</a:t>
-            </a:r>
-          </a:p>
-          <a:p>
-            <a:pPr>
-              <a:buClr>
-                <a:schemeClr val="lt1"/>
-              </a:buClr>
-              <a:buSzPct val="25000"/>
-            </a:pPr>
-            <a:r>
-              <a:rPr lang="en-US" sz="2025" dirty="0">
-                <a:latin typeface="Cabin"/>
-                <a:ea typeface="Cabin"/>
-                <a:cs typeface="Cabin"/>
-                <a:sym typeface="Cabin"/>
-              </a:rPr>
-              <a:t>finished</a:t>
-            </a:r>
-          </a:p>
-          <a:p>
-            <a:pPr>
-              <a:buClr>
-                <a:schemeClr val="lt1"/>
-              </a:buClr>
-              <a:buSzPct val="25000"/>
-            </a:pPr>
-            <a:r>
-              <a:rPr lang="en-US" sz="2025" dirty="0" smtClean="0">
-                <a:latin typeface="Cabin"/>
-                <a:ea typeface="Cabin"/>
-                <a:cs typeface="Cabin"/>
-                <a:sym typeface="Cabin"/>
-              </a:rPr>
-              <a:t>&gt;&gt;&gt; </a:t>
-            </a:r>
-            <a:r>
-              <a:rPr lang="en-US" sz="2025" dirty="0">
-                <a:solidFill>
-                  <a:srgbClr val="00FF00"/>
-                </a:solidFill>
-                <a:latin typeface="Cabin"/>
-                <a:ea typeface="Cabin"/>
-                <a:cs typeface="Cabin"/>
-                <a:sym typeface="Cabin"/>
-              </a:rPr>
-              <a:t>done</a:t>
-            </a:r>
-          </a:p>
-          <a:p>
-            <a:pPr>
-              <a:buClr>
-                <a:schemeClr val="lt1"/>
-              </a:buClr>
-              <a:buSzPct val="25000"/>
-            </a:pPr>
-            <a:r>
-              <a:rPr lang="en-US" sz="2025" dirty="0">
-                <a:latin typeface="Cabin"/>
-                <a:ea typeface="Cabin"/>
-                <a:cs typeface="Cabin"/>
-                <a:sym typeface="Cabin"/>
-              </a:rPr>
-              <a:t>Done!</a:t>
-            </a:r>
-          </a:p>
-        </p:txBody>
-      </p:sp>
-      <p:sp>
-        <p:nvSpPr>
-          <p:cNvPr id="290" name="Shape 290"/>
-          <p:cNvSpPr txBox="1"/>
-          <p:nvPr/>
-        </p:nvSpPr>
-        <p:spPr>
-          <a:xfrm>
-            <a:off x="1691680" y="3356992"/>
-            <a:ext cx="3617156" cy="1869919"/>
-          </a:xfrm>
-          <a:prstGeom prst="rect">
-            <a:avLst/>
-          </a:prstGeom>
-          <a:noFill/>
-          <a:ln>
-            <a:noFill/>
-          </a:ln>
-        </p:spPr>
-        <p:txBody>
-          <a:bodyPr lIns="0" tIns="0" rIns="0" bIns="0" anchor="ctr" anchorCtr="0">
-            <a:noAutofit/>
-          </a:bodyPr>
-          <a:lstStyle/>
-          <a:p>
-            <a:pPr>
-              <a:buClr>
-                <a:srgbClr val="FFFF00"/>
-              </a:buClr>
-              <a:buSzPct val="25000"/>
-            </a:pPr>
-            <a:r>
-              <a:rPr lang="en-US" sz="1688" dirty="0">
-                <a:latin typeface="Courier New"/>
-                <a:ea typeface="Courier New"/>
-                <a:cs typeface="Courier New"/>
-                <a:sym typeface="Courier New"/>
-              </a:rPr>
-              <a:t>while</a:t>
-            </a:r>
-            <a:r>
-              <a:rPr lang="en-US" sz="1688" dirty="0">
-                <a:solidFill>
-                  <a:schemeClr val="lt1"/>
-                </a:solidFill>
-                <a:latin typeface="Courier New"/>
-                <a:ea typeface="Courier New"/>
-                <a:cs typeface="Courier New"/>
-                <a:sym typeface="Courier New"/>
-              </a:rPr>
-              <a:t> </a:t>
-            </a:r>
-            <a:r>
-              <a:rPr lang="en-US" sz="1688" dirty="0" smtClean="0">
-                <a:solidFill>
-                  <a:srgbClr val="FF7F00"/>
-                </a:solidFill>
-                <a:latin typeface="Courier New"/>
-                <a:ea typeface="Courier New"/>
-                <a:cs typeface="Courier New"/>
-                <a:sym typeface="Courier New"/>
-              </a:rPr>
-              <a:t>True </a:t>
-            </a:r>
-            <a:r>
-              <a:rPr lang="en-US" sz="1688" dirty="0" smtClean="0">
-                <a:latin typeface="Courier New"/>
-                <a:ea typeface="Courier New"/>
-                <a:cs typeface="Courier New"/>
-                <a:sym typeface="Courier New"/>
-              </a:rPr>
-              <a:t>:</a:t>
-            </a:r>
-            <a:endParaRPr lang="en-US" sz="1688" dirty="0">
-              <a:latin typeface="Courier New"/>
-              <a:ea typeface="Courier New"/>
-              <a:cs typeface="Courier New"/>
-              <a:sym typeface="Courier New"/>
-            </a:endParaRPr>
-          </a:p>
-          <a:p>
-            <a:pPr>
-              <a:buClr>
-                <a:schemeClr val="lt1"/>
-              </a:buClr>
-              <a:buSzPct val="25000"/>
-            </a:pPr>
-            <a:r>
-              <a:rPr lang="en-US" sz="1688" dirty="0">
-                <a:solidFill>
-                  <a:schemeClr val="lt1"/>
-                </a:solidFill>
-                <a:latin typeface="Courier New"/>
-                <a:ea typeface="Courier New"/>
-                <a:cs typeface="Courier New"/>
-                <a:sym typeface="Courier New"/>
-              </a:rPr>
-              <a:t>    </a:t>
-            </a:r>
-            <a:r>
-              <a:rPr lang="en-US" sz="1688" dirty="0">
-                <a:solidFill>
-                  <a:srgbClr val="00FF00"/>
-                </a:solidFill>
-                <a:latin typeface="Courier New"/>
-                <a:ea typeface="Courier New"/>
-                <a:cs typeface="Courier New"/>
-                <a:sym typeface="Courier New"/>
-              </a:rPr>
-              <a:t>line</a:t>
-            </a:r>
-            <a:r>
-              <a:rPr lang="en-US" sz="1688" dirty="0">
-                <a:solidFill>
-                  <a:schemeClr val="lt1"/>
-                </a:solidFill>
-                <a:latin typeface="Courier New"/>
-                <a:ea typeface="Courier New"/>
-                <a:cs typeface="Courier New"/>
-                <a:sym typeface="Courier New"/>
-              </a:rPr>
-              <a:t> </a:t>
-            </a:r>
-            <a:r>
-              <a:rPr lang="en-US" sz="1688" dirty="0">
-                <a:solidFill>
-                  <a:srgbClr val="00FFFF"/>
-                </a:solidFill>
-                <a:latin typeface="Courier New"/>
-                <a:ea typeface="Courier New"/>
-                <a:cs typeface="Courier New"/>
-                <a:sym typeface="Courier New"/>
-              </a:rPr>
-              <a:t>=</a:t>
-            </a:r>
-            <a:r>
-              <a:rPr lang="en-US" sz="1688" dirty="0">
-                <a:solidFill>
-                  <a:schemeClr val="lt1"/>
-                </a:solidFill>
-                <a:latin typeface="Courier New"/>
-                <a:ea typeface="Courier New"/>
-                <a:cs typeface="Courier New"/>
-                <a:sym typeface="Courier New"/>
-              </a:rPr>
-              <a:t> </a:t>
-            </a:r>
-            <a:r>
-              <a:rPr lang="en-US" sz="1688" dirty="0" smtClean="0">
-                <a:solidFill>
-                  <a:srgbClr val="FF00FF"/>
-                </a:solidFill>
-                <a:latin typeface="Courier New"/>
-                <a:ea typeface="Courier New"/>
-                <a:cs typeface="Courier New"/>
-                <a:sym typeface="Courier New"/>
-              </a:rPr>
-              <a:t>input</a:t>
-            </a:r>
-            <a:r>
-              <a:rPr lang="en-US" sz="1688" dirty="0">
-                <a:latin typeface="Courier New"/>
-                <a:ea typeface="Courier New"/>
-                <a:cs typeface="Courier New"/>
-                <a:sym typeface="Courier New"/>
-              </a:rPr>
-              <a:t>('&gt; ')</a:t>
-            </a:r>
-          </a:p>
-          <a:p>
-            <a:pPr>
-              <a:buClr>
-                <a:schemeClr val="lt1"/>
-              </a:buClr>
-              <a:buSzPct val="25000"/>
-            </a:pPr>
-            <a:r>
-              <a:rPr lang="en-US" sz="1688" dirty="0">
-                <a:solidFill>
-                  <a:schemeClr val="lt1"/>
-                </a:solidFill>
-                <a:latin typeface="Courier New"/>
-                <a:ea typeface="Courier New"/>
-                <a:cs typeface="Courier New"/>
-                <a:sym typeface="Courier New"/>
-              </a:rPr>
-              <a:t>    </a:t>
-            </a:r>
-            <a:r>
-              <a:rPr lang="en-US" sz="1688" dirty="0">
-                <a:latin typeface="Courier New"/>
-                <a:ea typeface="Courier New"/>
-                <a:cs typeface="Courier New"/>
-                <a:sym typeface="Courier New"/>
-              </a:rPr>
-              <a:t>if</a:t>
-            </a:r>
-            <a:r>
-              <a:rPr lang="en-US" sz="1688" dirty="0">
-                <a:solidFill>
-                  <a:srgbClr val="FFFF00"/>
-                </a:solidFill>
-                <a:latin typeface="Courier New"/>
-                <a:ea typeface="Courier New"/>
-                <a:cs typeface="Courier New"/>
-                <a:sym typeface="Courier New"/>
-              </a:rPr>
-              <a:t> </a:t>
-            </a:r>
-            <a:r>
-              <a:rPr lang="en-US" sz="1688" dirty="0">
-                <a:solidFill>
-                  <a:srgbClr val="00FF00"/>
-                </a:solidFill>
-                <a:latin typeface="Courier New"/>
-                <a:ea typeface="Courier New"/>
-                <a:cs typeface="Courier New"/>
-                <a:sym typeface="Courier New"/>
-              </a:rPr>
-              <a:t>line</a:t>
-            </a:r>
-            <a:r>
-              <a:rPr lang="en-US" sz="1688" dirty="0">
-                <a:solidFill>
-                  <a:schemeClr val="lt1"/>
-                </a:solidFill>
-                <a:latin typeface="Courier New"/>
-                <a:ea typeface="Courier New"/>
-                <a:cs typeface="Courier New"/>
-                <a:sym typeface="Courier New"/>
-              </a:rPr>
-              <a:t> </a:t>
-            </a:r>
-            <a:r>
-              <a:rPr lang="en-US" sz="1688" dirty="0">
-                <a:solidFill>
-                  <a:srgbClr val="FF7F00"/>
-                </a:solidFill>
-                <a:latin typeface="Courier New"/>
-                <a:ea typeface="Courier New"/>
-                <a:cs typeface="Courier New"/>
-                <a:sym typeface="Courier New"/>
-              </a:rPr>
-              <a:t>==</a:t>
-            </a:r>
-            <a:r>
-              <a:rPr lang="en-US" sz="1688" dirty="0">
-                <a:solidFill>
-                  <a:schemeClr val="lt1"/>
-                </a:solidFill>
-                <a:latin typeface="Courier New"/>
-                <a:ea typeface="Courier New"/>
-                <a:cs typeface="Courier New"/>
-                <a:sym typeface="Courier New"/>
-              </a:rPr>
-              <a:t> </a:t>
-            </a:r>
-            <a:r>
-              <a:rPr lang="en-US" sz="1688" dirty="0">
-                <a:latin typeface="Courier New"/>
-                <a:ea typeface="Courier New"/>
-                <a:cs typeface="Courier New"/>
-                <a:sym typeface="Courier New"/>
-              </a:rPr>
-              <a:t>'</a:t>
-            </a:r>
-            <a:r>
-              <a:rPr lang="en-US" sz="1688" dirty="0">
-                <a:solidFill>
-                  <a:srgbClr val="FF7F00"/>
-                </a:solidFill>
-                <a:latin typeface="Courier New"/>
-                <a:ea typeface="Courier New"/>
-                <a:cs typeface="Courier New"/>
-                <a:sym typeface="Courier New"/>
-              </a:rPr>
-              <a:t>done</a:t>
-            </a:r>
-            <a:r>
-              <a:rPr lang="en-US" sz="1688" dirty="0">
-                <a:latin typeface="Courier New"/>
-                <a:ea typeface="Courier New"/>
-                <a:cs typeface="Courier New"/>
-                <a:sym typeface="Courier New"/>
-              </a:rPr>
-              <a:t>' :</a:t>
-            </a:r>
-          </a:p>
-          <a:p>
-            <a:pPr>
-              <a:buClr>
-                <a:schemeClr val="lt1"/>
-              </a:buClr>
-              <a:buSzPct val="25000"/>
-            </a:pPr>
-            <a:r>
-              <a:rPr lang="en-US" sz="1688" dirty="0">
-                <a:solidFill>
-                  <a:schemeClr val="lt1"/>
-                </a:solidFill>
-                <a:latin typeface="Courier New"/>
-                <a:ea typeface="Courier New"/>
-                <a:cs typeface="Courier New"/>
-                <a:sym typeface="Courier New"/>
-              </a:rPr>
-              <a:t>        </a:t>
-            </a:r>
-            <a:r>
-              <a:rPr lang="en-US" sz="1688" dirty="0">
-                <a:latin typeface="Courier New"/>
-                <a:ea typeface="Courier New"/>
-                <a:cs typeface="Courier New"/>
-                <a:sym typeface="Courier New"/>
-              </a:rPr>
-              <a:t>break</a:t>
-            </a:r>
-          </a:p>
-          <a:p>
-            <a:pPr>
-              <a:buClr>
-                <a:schemeClr val="lt1"/>
-              </a:buClr>
-              <a:buSzPct val="25000"/>
-            </a:pPr>
-            <a:r>
-              <a:rPr lang="en-US" sz="1688" dirty="0">
-                <a:solidFill>
-                  <a:schemeClr val="lt1"/>
-                </a:solidFill>
-                <a:latin typeface="Courier New"/>
-                <a:ea typeface="Courier New"/>
-                <a:cs typeface="Courier New"/>
-                <a:sym typeface="Courier New"/>
-              </a:rPr>
-              <a:t>    </a:t>
-            </a:r>
-            <a:r>
-              <a:rPr lang="en-US" sz="1688" dirty="0">
-                <a:latin typeface="Courier New"/>
-                <a:ea typeface="Courier New"/>
-                <a:cs typeface="Courier New"/>
-                <a:sym typeface="Courier New"/>
-              </a:rPr>
-              <a:t>print</a:t>
-            </a:r>
-            <a:r>
-              <a:rPr lang="en-US" sz="1688" dirty="0">
-                <a:solidFill>
-                  <a:schemeClr val="lt1"/>
-                </a:solidFill>
-                <a:latin typeface="Courier New"/>
-                <a:ea typeface="Courier New"/>
-                <a:cs typeface="Courier New"/>
-                <a:sym typeface="Courier New"/>
-              </a:rPr>
-              <a:t> </a:t>
-            </a:r>
-            <a:r>
-              <a:rPr lang="ru-RU" sz="1688" dirty="0" smtClean="0">
-                <a:latin typeface="Courier New"/>
-                <a:ea typeface="Courier New"/>
-                <a:cs typeface="Courier New"/>
-                <a:sym typeface="Courier New"/>
-              </a:rPr>
-              <a:t>(</a:t>
-            </a:r>
-            <a:r>
-              <a:rPr lang="en-US" sz="1688" dirty="0" smtClean="0">
-                <a:solidFill>
-                  <a:srgbClr val="00FF00"/>
-                </a:solidFill>
-                <a:latin typeface="Courier New"/>
-                <a:ea typeface="Courier New"/>
-                <a:cs typeface="Courier New"/>
-                <a:sym typeface="Courier New"/>
-              </a:rPr>
-              <a:t>line</a:t>
-            </a:r>
-            <a:r>
-              <a:rPr lang="ru-RU" sz="1688" dirty="0" smtClean="0">
-                <a:latin typeface="Courier New"/>
-                <a:ea typeface="Courier New"/>
-                <a:cs typeface="Courier New"/>
-                <a:sym typeface="Courier New"/>
-              </a:rPr>
-              <a:t>)</a:t>
-            </a:r>
-            <a:endParaRPr lang="en-US" sz="1688" dirty="0">
-              <a:solidFill>
-                <a:srgbClr val="00FF00"/>
-              </a:solidFill>
-              <a:latin typeface="Courier New"/>
-              <a:ea typeface="Courier New"/>
-              <a:cs typeface="Courier New"/>
-              <a:sym typeface="Courier New"/>
-            </a:endParaRPr>
-          </a:p>
-          <a:p>
-            <a:pPr>
-              <a:buClr>
-                <a:srgbClr val="FFFF00"/>
-              </a:buClr>
-              <a:buSzPct val="25000"/>
-            </a:pPr>
-            <a:r>
-              <a:rPr lang="en-US" sz="1688" dirty="0" smtClean="0">
-                <a:latin typeface="Courier New"/>
-                <a:ea typeface="Courier New"/>
-                <a:cs typeface="Courier New"/>
-                <a:sym typeface="Courier New"/>
-              </a:rPr>
-              <a:t>print</a:t>
-            </a:r>
-            <a:r>
-              <a:rPr lang="en-US" sz="1688" dirty="0" smtClean="0">
-                <a:solidFill>
-                  <a:schemeClr val="lt1"/>
-                </a:solidFill>
-                <a:latin typeface="Courier New"/>
-                <a:ea typeface="Courier New"/>
-                <a:cs typeface="Courier New"/>
-                <a:sym typeface="Courier New"/>
-              </a:rPr>
-              <a:t> </a:t>
-            </a:r>
-            <a:r>
-              <a:rPr lang="ru-RU" sz="1688" dirty="0" smtClean="0">
-                <a:latin typeface="Courier New"/>
-                <a:ea typeface="Courier New"/>
-                <a:cs typeface="Courier New"/>
-                <a:sym typeface="Courier New"/>
-              </a:rPr>
-              <a:t>(</a:t>
-            </a:r>
-            <a:r>
-              <a:rPr lang="en-US" sz="1688" dirty="0" smtClean="0">
-                <a:solidFill>
-                  <a:srgbClr val="FF7F00"/>
-                </a:solidFill>
-                <a:latin typeface="Courier New"/>
-                <a:ea typeface="Courier New"/>
-                <a:cs typeface="Courier New"/>
-                <a:sym typeface="Courier New"/>
-              </a:rPr>
-              <a:t>'Done!'</a:t>
-            </a:r>
-            <a:r>
-              <a:rPr lang="ru-RU" sz="1688" dirty="0" smtClean="0">
-                <a:latin typeface="Courier New"/>
-                <a:ea typeface="Courier New"/>
-                <a:cs typeface="Courier New"/>
-                <a:sym typeface="Courier New"/>
-              </a:rPr>
-              <a:t>)</a:t>
-            </a:r>
-            <a:endParaRPr lang="en-US" sz="1688" dirty="0">
-              <a:solidFill>
-                <a:srgbClr val="FF7F00"/>
-              </a:solidFill>
-              <a:latin typeface="Courier New"/>
-              <a:ea typeface="Courier New"/>
-              <a:cs typeface="Courier New"/>
-              <a:sym typeface="Courier New"/>
-            </a:endParaRPr>
-          </a:p>
-        </p:txBody>
-      </p:sp>
-    </p:spTree>
-    <p:extLst>
-      <p:ext uri="{BB962C8B-B14F-4D97-AF65-F5344CB8AC3E}">
-        <p14:creationId xmlns:p14="http://schemas.microsoft.com/office/powerpoint/2010/main" val="2860555611"/>
       </p:ext>
     </p:extLst>
   </p:cSld>
@@ -20818,9 +23584,6 @@
             </a:r>
             <a:r>
               <a:rPr lang="en-US" sz="1800" dirty="0" err="1">
-                <a:solidFill>
-                  <a:schemeClr val="accent1"/>
-                </a:solidFill>
                 <a:latin typeface="Cabin"/>
                 <a:ea typeface="Cabin"/>
                 <a:cs typeface="Cabin"/>
@@ -20830,9 +23593,6 @@
             </a:r>
             <a:r>
               <a:rPr lang="en-US" sz="1800" dirty="0">
-                <a:solidFill>
-                  <a:schemeClr val="accent1"/>
-                </a:solidFill>
                 <a:latin typeface="Cabin"/>
                 <a:ea typeface="Cabin"/>
                 <a:cs typeface="Cabin"/>
@@ -20842,9 +23602,6 @@
             </a:r>
             <a:r>
               <a:rPr lang="en-US" sz="1800" dirty="0" err="1">
-                <a:solidFill>
-                  <a:schemeClr val="accent1"/>
-                </a:solidFill>
                 <a:latin typeface="Cabin"/>
                 <a:ea typeface="Cabin"/>
                 <a:cs typeface="Cabin"/>
@@ -20854,15 +23611,21 @@
             </a:r>
             <a:r>
               <a:rPr lang="en-US" sz="1800" dirty="0">
-                <a:solidFill>
-                  <a:schemeClr val="accent1"/>
-                </a:solidFill>
-                <a:latin typeface="Cabin"/>
-                <a:ea typeface="Cabin"/>
-                <a:cs typeface="Cabin"/>
-                <a:sym typeface="Cabin"/>
-              </a:rPr>
-              <a:t> </a:t>
+                <a:latin typeface="Cabin"/>
+                <a:ea typeface="Cabin"/>
+                <a:cs typeface="Cabin"/>
+                <a:sym typeface="Cabin"/>
+              </a:rPr>
+              <a:t> и </a:t>
+            </a:r>
+            <a:r>
+              <a:rPr lang="en-US" sz="1800" dirty="0" err="1">
+                <a:latin typeface="Cabin"/>
+                <a:ea typeface="Cabin"/>
+                <a:cs typeface="Cabin"/>
+                <a:sym typeface="Cabin"/>
+              </a:rPr>
+              <a:t>переходит</a:t>
             </a:r>
             <a:r>
               <a:rPr lang="en-US" sz="1800" dirty="0">
@@ -20871,7 +23634,7 @@
                 <a:cs typeface="Cabin"/>
                 <a:sym typeface="Cabin"/>
               </a:rPr>
-              <a:t>и </a:t>
+              <a:t> к </a:t>
             </a:r>
             <a:r>
               <a:rPr lang="en-US" sz="1800" dirty="0" err="1">
@@ -20880,7 +23643,7 @@
                 <a:cs typeface="Cabin"/>
                 <a:sym typeface="Cabin"/>
               </a:rPr>
-              <a:t>переходит</a:t>
+              <a:t>строке</a:t>
             </a:r>
             <a:r>
               <a:rPr lang="en-US" sz="1800" dirty="0">
@@ -20889,7 +23652,7 @@
                 <a:cs typeface="Cabin"/>
                 <a:sym typeface="Cabin"/>
               </a:rPr>
-              <a:t> к </a:t>
+              <a:t>, </a:t>
             </a:r>
             <a:r>
               <a:rPr lang="en-US" sz="1800" dirty="0" err="1">
@@ -20898,7 +23661,7 @@
                 <a:cs typeface="Cabin"/>
                 <a:sym typeface="Cabin"/>
               </a:rPr>
-              <a:t>строке</a:t>
+              <a:t>непосредственно</a:t>
             </a:r>
             <a:r>
               <a:rPr lang="en-US" sz="1800" dirty="0">
@@ -20907,7 +23670,7 @@
                 <a:cs typeface="Cabin"/>
                 <a:sym typeface="Cabin"/>
               </a:rPr>
-              <a:t>, </a:t>
+              <a:t> </a:t>
             </a:r>
             <a:r>
               <a:rPr lang="en-US" sz="1800" dirty="0" err="1">
@@ -20916,7 +23679,7 @@
                 <a:cs typeface="Cabin"/>
                 <a:sym typeface="Cabin"/>
               </a:rPr>
-              <a:t>непосредственно</a:t>
+              <a:t>следующей</a:t>
             </a:r>
             <a:r>
               <a:rPr lang="en-US" sz="1800" dirty="0">
@@ -20934,7 +23697,7 @@
                 <a:cs typeface="Cabin"/>
                 <a:sym typeface="Cabin"/>
               </a:rPr>
-              <a:t>следующей</a:t>
+              <a:t>за</a:t>
             </a:r>
             <a:r>
               <a:rPr lang="en-US" sz="1800" dirty="0">
@@ -20946,239 +23709,13 @@
               <a:t> </a:t>
             </a:r>
             <a:r>
-              <a:rPr lang="en-US" sz="1800" dirty="0" err="1">
-                <a:latin typeface="Cabin"/>
-                <a:ea typeface="Cabin"/>
-                <a:cs typeface="Cabin"/>
-                <a:sym typeface="Cabin"/>
-              </a:rPr>
-              <a:t>за</a:t>
-            </a:r>
-            <a:r>
-              <a:rPr lang="en-US" sz="1800" dirty="0">
-                <a:latin typeface="Cabin"/>
-                <a:ea typeface="Cabin"/>
-                <a:cs typeface="Cabin"/>
-                <a:sym typeface="Cabin"/>
-              </a:rPr>
-              <a:t> </a:t>
-            </a:r>
-            <a:r>
-              <a:rPr lang="en-US" sz="1800" dirty="0" err="1">
+              <a:rPr lang="en-US" sz="1800" dirty="0" err="1" smtClean="0">
                 <a:latin typeface="Cabin"/>
                 <a:ea typeface="Cabin"/>
                 <a:cs typeface="Cabin"/>
                 <a:sym typeface="Cabin"/>
               </a:rPr>
               <a:t>циклом</a:t>
-            </a:r>
-            <a:endParaRPr lang="en-US" sz="1800" dirty="0">
-              <a:latin typeface="Cabin"/>
-              <a:ea typeface="Cabin"/>
-              <a:cs typeface="Cabin"/>
-              <a:sym typeface="Cabin"/>
-            </a:endParaRPr>
-          </a:p>
-          <a:p>
-            <a:pPr marL="421481" indent="-194453">
-              <a:spcBef>
-                <a:spcPts val="1969"/>
-              </a:spcBef>
-              <a:buClr>
-                <a:schemeClr val="lt1"/>
-              </a:buClr>
-              <a:buSzPct val="100000"/>
-              <a:buFont typeface="Cabin"/>
-              <a:buChar char="•"/>
-            </a:pPr>
-            <a:r>
-              <a:rPr lang="en-US" sz="1800" dirty="0" err="1">
-                <a:latin typeface="Cabin"/>
-                <a:ea typeface="Cabin"/>
-                <a:cs typeface="Cabin"/>
-                <a:sym typeface="Cabin"/>
-              </a:rPr>
-              <a:t>Это</a:t>
-            </a:r>
-            <a:r>
-              <a:rPr lang="en-US" sz="1800" dirty="0">
-                <a:latin typeface="Cabin"/>
-                <a:ea typeface="Cabin"/>
-                <a:cs typeface="Cabin"/>
-                <a:sym typeface="Cabin"/>
-              </a:rPr>
-              <a:t> </a:t>
-            </a:r>
-            <a:r>
-              <a:rPr lang="en-US" sz="1800" dirty="0" err="1">
-                <a:latin typeface="Cabin"/>
-                <a:ea typeface="Cabin"/>
-                <a:cs typeface="Cabin"/>
-                <a:sym typeface="Cabin"/>
-              </a:rPr>
-              <a:t>похоже</a:t>
-            </a:r>
-            <a:r>
-              <a:rPr lang="en-US" sz="1800" dirty="0">
-                <a:latin typeface="Cabin"/>
-                <a:ea typeface="Cabin"/>
-                <a:cs typeface="Cabin"/>
-                <a:sym typeface="Cabin"/>
-              </a:rPr>
-              <a:t> </a:t>
-            </a:r>
-            <a:r>
-              <a:rPr lang="en-US" sz="1800" dirty="0" err="1">
-                <a:latin typeface="Cabin"/>
-                <a:ea typeface="Cabin"/>
-                <a:cs typeface="Cabin"/>
-                <a:sym typeface="Cabin"/>
-              </a:rPr>
-              <a:t>на</a:t>
-            </a:r>
-            <a:r>
-              <a:rPr lang="en-US" sz="1800" dirty="0">
-                <a:latin typeface="Cabin"/>
-                <a:ea typeface="Cabin"/>
-                <a:cs typeface="Cabin"/>
-                <a:sym typeface="Cabin"/>
-              </a:rPr>
-              <a:t> </a:t>
-            </a:r>
-            <a:r>
-              <a:rPr lang="en-US" sz="1800" dirty="0" err="1">
-                <a:latin typeface="Cabin"/>
-                <a:ea typeface="Cabin"/>
-                <a:cs typeface="Cabin"/>
-                <a:sym typeface="Cabin"/>
-              </a:rPr>
-              <a:t>тестирование</a:t>
-            </a:r>
-            <a:r>
-              <a:rPr lang="en-US" sz="1800" dirty="0">
-                <a:latin typeface="Cabin"/>
-                <a:ea typeface="Cabin"/>
-                <a:cs typeface="Cabin"/>
-                <a:sym typeface="Cabin"/>
-              </a:rPr>
-              <a:t> </a:t>
-            </a:r>
-            <a:r>
-              <a:rPr lang="en-US" sz="1800" dirty="0" err="1">
-                <a:latin typeface="Cabin"/>
-                <a:ea typeface="Cabin"/>
-                <a:cs typeface="Cabin"/>
-                <a:sym typeface="Cabin"/>
-              </a:rPr>
-              <a:t>цикла</a:t>
-            </a:r>
-            <a:r>
-              <a:rPr lang="en-US" sz="1800" dirty="0">
-                <a:latin typeface="Cabin"/>
-                <a:ea typeface="Cabin"/>
-                <a:cs typeface="Cabin"/>
-                <a:sym typeface="Cabin"/>
-              </a:rPr>
-              <a:t>, </a:t>
-            </a:r>
-            <a:r>
-              <a:rPr lang="en-US" sz="1800" dirty="0" err="1">
-                <a:latin typeface="Cabin"/>
-                <a:ea typeface="Cabin"/>
-                <a:cs typeface="Cabin"/>
-                <a:sym typeface="Cabin"/>
-              </a:rPr>
-              <a:t>которое</a:t>
-            </a:r>
-            <a:r>
-              <a:rPr lang="en-US" sz="1800" dirty="0">
-                <a:latin typeface="Cabin"/>
-                <a:ea typeface="Cabin"/>
-                <a:cs typeface="Cabin"/>
-                <a:sym typeface="Cabin"/>
-              </a:rPr>
-              <a:t> </a:t>
-            </a:r>
-            <a:r>
-              <a:rPr lang="en-US" sz="1800" dirty="0" err="1">
-                <a:latin typeface="Cabin"/>
-                <a:ea typeface="Cabin"/>
-                <a:cs typeface="Cabin"/>
-                <a:sym typeface="Cabin"/>
-              </a:rPr>
-              <a:t>может</a:t>
-            </a:r>
-            <a:r>
-              <a:rPr lang="en-US" sz="1800" dirty="0">
-                <a:latin typeface="Cabin"/>
-                <a:ea typeface="Cabin"/>
-                <a:cs typeface="Cabin"/>
-                <a:sym typeface="Cabin"/>
-              </a:rPr>
-              <a:t> </a:t>
-            </a:r>
-            <a:r>
-              <a:rPr lang="en-US" sz="1800" dirty="0" err="1">
-                <a:latin typeface="Cabin"/>
-                <a:ea typeface="Cabin"/>
-                <a:cs typeface="Cabin"/>
-                <a:sym typeface="Cabin"/>
-              </a:rPr>
-              <a:t>произойти</a:t>
-            </a:r>
-            <a:r>
-              <a:rPr lang="en-US" sz="1800" dirty="0">
-                <a:latin typeface="Cabin"/>
-                <a:ea typeface="Cabin"/>
-                <a:cs typeface="Cabin"/>
-                <a:sym typeface="Cabin"/>
-              </a:rPr>
-              <a:t> в </a:t>
-            </a:r>
-            <a:r>
-              <a:rPr lang="en-US" sz="1800" dirty="0" err="1">
-                <a:latin typeface="Cabin"/>
-                <a:ea typeface="Cabin"/>
-                <a:cs typeface="Cabin"/>
-                <a:sym typeface="Cabin"/>
-              </a:rPr>
-              <a:t>любой</a:t>
-            </a:r>
-            <a:r>
-              <a:rPr lang="en-US" sz="1800" dirty="0">
-                <a:latin typeface="Cabin"/>
-                <a:ea typeface="Cabin"/>
-                <a:cs typeface="Cabin"/>
-                <a:sym typeface="Cabin"/>
-              </a:rPr>
-              <a:t> </a:t>
-            </a:r>
-            <a:r>
-              <a:rPr lang="en-US" sz="1800" dirty="0" err="1">
-                <a:latin typeface="Cabin"/>
-                <a:ea typeface="Cabin"/>
-                <a:cs typeface="Cabin"/>
-                <a:sym typeface="Cabin"/>
-              </a:rPr>
-              <a:t>его</a:t>
-            </a:r>
-            <a:r>
-              <a:rPr lang="en-US" sz="1800" dirty="0">
-                <a:latin typeface="Cabin"/>
-                <a:ea typeface="Cabin"/>
-                <a:cs typeface="Cabin"/>
-                <a:sym typeface="Cabin"/>
-              </a:rPr>
-              <a:t> </a:t>
-            </a:r>
-            <a:r>
-              <a:rPr lang="en-US" sz="1800" dirty="0" err="1">
-                <a:latin typeface="Cabin"/>
-                <a:ea typeface="Cabin"/>
-                <a:cs typeface="Cabin"/>
-                <a:sym typeface="Cabin"/>
-              </a:rPr>
-              <a:t>части</a:t>
             </a:r>
             <a:endParaRPr lang="en-US" sz="1800" dirty="0">
               <a:latin typeface="Cabin"/>
@@ -21844,62 +24381,10 @@
           </a:p>
         </p:txBody>
       </p:sp>
-      <p:cxnSp>
-        <p:nvCxnSpPr>
-          <p:cNvPr id="6" name="Shape 299"/>
-          <p:cNvCxnSpPr/>
-          <p:nvPr/>
-        </p:nvCxnSpPr>
-        <p:spPr>
-          <a:xfrm rot="10800000">
-            <a:off x="1291679" y="4580726"/>
-            <a:ext cx="294131" cy="361968"/>
-          </a:xfrm>
-          <a:prstGeom prst="straightConnector1">
-            <a:avLst/>
-          </a:prstGeom>
-          <a:noFill/>
-          <a:ln w="50800" cap="rnd" cmpd="sng">
-            <a:solidFill>
-              <a:srgbClr val="0070C0"/>
-            </a:solidFill>
-            <a:prstDash val="solid"/>
-            <a:miter/>
-            <a:headEnd type="stealth" w="med" len="med"/>
-            <a:tailEnd type="none" w="med" len="med"/>
-          </a:ln>
-        </p:spPr>
-      </p:cxnSp>
-      <p:cxnSp>
-        <p:nvCxnSpPr>
-          <p:cNvPr id="7" name="Shape 300"/>
-          <p:cNvCxnSpPr/>
-          <p:nvPr/>
-        </p:nvCxnSpPr>
-        <p:spPr>
-          <a:xfrm flipV="1">
-            <a:off x="1259632" y="4437112"/>
-            <a:ext cx="1368152" cy="133820"/>
-          </a:xfrm>
-          <a:prstGeom prst="straightConnector1">
-            <a:avLst/>
-          </a:prstGeom>
-          <a:noFill/>
-          <a:ln w="50800" cap="rnd" cmpd="sng">
-            <a:solidFill>
-              <a:srgbClr val="0070C0"/>
-            </a:solidFill>
-            <a:prstDash val="solid"/>
-            <a:miter/>
-            <a:headEnd type="stealth" w="med" len="med"/>
-            <a:tailEnd type="none" w="med" len="med"/>
-          </a:ln>
-        </p:spPr>
-      </p:cxnSp>
     </p:spTree>
     <p:extLst>
       <p:ext uri="{BB962C8B-B14F-4D97-AF65-F5344CB8AC3E}">
-        <p14:creationId xmlns:p14="http://schemas.microsoft.com/office/powerpoint/2010/main" val="527994190"/>
+        <p14:creationId xmlns:p14="http://schemas.microsoft.com/office/powerpoint/2010/main" val="2860555611"/>
       </p:ext>
     </p:extLst>
   </p:cSld>

--- a/week02/04.Loops.pptx
+++ b/week02/04.Loops.pptx
@@ -136,7 +136,7 @@
   </p:defaultTextStyle>
   <p:extLst>
     <p:ext uri="{EFAFB233-063F-42B5-8137-9DF3F51BA10A}">
-      <p15:sldGuideLst xmlns:p15="http://schemas.microsoft.com/office/powerpoint/2012/main">
+      <p15:sldGuideLst xmlns:p15="http://schemas.microsoft.com/office/powerpoint/2012/main" xmlns="">
         <p15:guide id="1" orient="horz" pos="2160">
           <p15:clr>
             <a:srgbClr val="A4A3A4"/>
@@ -15166,6 +15166,13 @@
   <p:clrMapOvr>
     <a:masterClrMapping/>
   </p:clrMapOvr>
+  <p:timing>
+    <p:tnLst>
+      <p:par>
+        <p:cTn id="1" dur="indefinite" restart="never" nodeType="tmRoot"/>
+      </p:par>
+    </p:tnLst>
+  </p:timing>
 </p:sld>
 </file>
 
@@ -15276,6 +15283,13 @@
   <p:clrMapOvr>
     <a:masterClrMapping/>
   </p:clrMapOvr>
+  <p:timing>
+    <p:tnLst>
+      <p:par>
+        <p:cTn id="1" dur="indefinite" restart="never" nodeType="tmRoot"/>
+      </p:par>
+    </p:tnLst>
+  </p:timing>
 </p:sld>
 </file>
 
@@ -15396,6 +15410,13 @@
   <p:clrMapOvr>
     <a:masterClrMapping/>
   </p:clrMapOvr>
+  <p:timing>
+    <p:tnLst>
+      <p:par>
+        <p:cTn id="1" dur="indefinite" restart="never" nodeType="tmRoot"/>
+      </p:par>
+    </p:tnLst>
+  </p:timing>
 </p:sld>
 </file>
 
@@ -17456,6 +17477,13 @@
   <p:clrMapOvr>
     <a:masterClrMapping/>
   </p:clrMapOvr>
+  <p:timing>
+    <p:tnLst>
+      <p:par>
+        <p:cTn id="1" dur="indefinite" restart="never" nodeType="tmRoot"/>
+      </p:par>
+    </p:tnLst>
+  </p:timing>
 </p:sld>
 </file>
 
@@ -19791,11 +19819,7 @@
           <a:p>
             <a:r>
               <a:rPr lang="ru-RU" dirty="0" smtClean="0"/>
-              <a:t>Сокращенные </a:t>
-            </a:r>
-            <a:r>
-              <a:rPr lang="ru-RU" dirty="0" smtClean="0"/>
-              <a:t>операции</a:t>
+              <a:t>Сокращенные операции</a:t>
             </a:r>
             <a:r>
               <a:rPr lang="en-US" dirty="0" smtClean="0"/>
@@ -19838,28 +19862,28 @@
                 <a:gridCol w="3157149">
                   <a:extLst>
                     <a:ext uri="{9D8B030D-6E8A-4147-A177-3AD203B41FA5}">
-                      <a16:colId xmlns:a16="http://schemas.microsoft.com/office/drawing/2014/main" val="2142840333"/>
+                      <a16:colId xmlns:a16="http://schemas.microsoft.com/office/drawing/2014/main" xmlns="" val="2142840333"/>
                     </a:ext>
                   </a:extLst>
                 </a:gridCol>
                 <a:gridCol w="1829440">
                   <a:extLst>
                     <a:ext uri="{9D8B030D-6E8A-4147-A177-3AD203B41FA5}">
-                      <a16:colId xmlns:a16="http://schemas.microsoft.com/office/drawing/2014/main" val="2534420475"/>
+                      <a16:colId xmlns:a16="http://schemas.microsoft.com/office/drawing/2014/main" xmlns="" val="2534420475"/>
                     </a:ext>
                   </a:extLst>
                 </a:gridCol>
                 <a:gridCol w="1390374">
                   <a:extLst>
                     <a:ext uri="{9D8B030D-6E8A-4147-A177-3AD203B41FA5}">
-                      <a16:colId xmlns:a16="http://schemas.microsoft.com/office/drawing/2014/main" val="1511521227"/>
+                      <a16:colId xmlns:a16="http://schemas.microsoft.com/office/drawing/2014/main" xmlns="" val="1511521227"/>
                     </a:ext>
                   </a:extLst>
                 </a:gridCol>
                 <a:gridCol w="1986307">
                   <a:extLst>
                     <a:ext uri="{9D8B030D-6E8A-4147-A177-3AD203B41FA5}">
-                      <a16:colId xmlns:a16="http://schemas.microsoft.com/office/drawing/2014/main" val="4263179452"/>
+                      <a16:colId xmlns:a16="http://schemas.microsoft.com/office/drawing/2014/main" xmlns="" val="4263179452"/>
                     </a:ext>
                   </a:extLst>
                 </a:gridCol>
@@ -19923,7 +19947,7 @@
                 </a:tc>
                 <a:extLst>
                   <a:ext uri="{0D108BD9-81ED-4DB2-BD59-A6C34878D82A}">
-                    <a16:rowId xmlns:a16="http://schemas.microsoft.com/office/drawing/2014/main" val="1301351956"/>
+                    <a16:rowId xmlns:a16="http://schemas.microsoft.com/office/drawing/2014/main" xmlns="" val="1301351956"/>
                   </a:ext>
                 </a:extLst>
               </a:tr>
@@ -20007,7 +20031,7 @@
                 </a:tc>
                 <a:extLst>
                   <a:ext uri="{0D108BD9-81ED-4DB2-BD59-A6C34878D82A}">
-                    <a16:rowId xmlns:a16="http://schemas.microsoft.com/office/drawing/2014/main" val="2719285803"/>
+                    <a16:rowId xmlns:a16="http://schemas.microsoft.com/office/drawing/2014/main" xmlns="" val="2719285803"/>
                   </a:ext>
                 </a:extLst>
               </a:tr>
@@ -20079,7 +20103,7 @@
                 </a:tc>
                 <a:extLst>
                   <a:ext uri="{0D108BD9-81ED-4DB2-BD59-A6C34878D82A}">
-                    <a16:rowId xmlns:a16="http://schemas.microsoft.com/office/drawing/2014/main" val="3461989946"/>
+                    <a16:rowId xmlns:a16="http://schemas.microsoft.com/office/drawing/2014/main" xmlns="" val="3461989946"/>
                   </a:ext>
                 </a:extLst>
               </a:tr>
@@ -20155,7 +20179,7 @@
                 </a:tc>
                 <a:extLst>
                   <a:ext uri="{0D108BD9-81ED-4DB2-BD59-A6C34878D82A}">
-                    <a16:rowId xmlns:a16="http://schemas.microsoft.com/office/drawing/2014/main" val="3908222938"/>
+                    <a16:rowId xmlns:a16="http://schemas.microsoft.com/office/drawing/2014/main" xmlns="" val="3908222938"/>
                   </a:ext>
                 </a:extLst>
               </a:tr>
@@ -20223,7 +20247,7 @@
                 </a:tc>
                 <a:extLst>
                   <a:ext uri="{0D108BD9-81ED-4DB2-BD59-A6C34878D82A}">
-                    <a16:rowId xmlns:a16="http://schemas.microsoft.com/office/drawing/2014/main" val="358583584"/>
+                    <a16:rowId xmlns:a16="http://schemas.microsoft.com/office/drawing/2014/main" xmlns="" val="358583584"/>
                   </a:ext>
                 </a:extLst>
               </a:tr>
@@ -20306,7 +20330,7 @@
                 </a:tc>
                 <a:extLst>
                   <a:ext uri="{0D108BD9-81ED-4DB2-BD59-A6C34878D82A}">
-                    <a16:rowId xmlns:a16="http://schemas.microsoft.com/office/drawing/2014/main" val="4027759349"/>
+                    <a16:rowId xmlns:a16="http://schemas.microsoft.com/office/drawing/2014/main" xmlns="" val="4027759349"/>
                   </a:ext>
                 </a:extLst>
               </a:tr>
@@ -20324,6 +20348,13 @@
   <p:clrMapOvr>
     <a:masterClrMapping/>
   </p:clrMapOvr>
+  <p:timing>
+    <p:tnLst>
+      <p:par>
+        <p:cTn id="1" dur="indefinite" restart="never" nodeType="tmRoot"/>
+      </p:par>
+    </p:tnLst>
+  </p:timing>
 </p:sld>
 </file>
 
@@ -21291,7 +21322,7 @@
         <p:spPr>
           <a:xfrm>
             <a:off x="1289868" y="5329592"/>
-            <a:ext cx="1643063" cy="421481"/>
+            <a:ext cx="2490044" cy="421481"/>
           </a:xfrm>
           <a:prstGeom prst="rect">
             <a:avLst/>
@@ -21322,7 +21353,7 @@
               <a:buSzPct val="25000"/>
             </a:pPr>
             <a:r>
-              <a:rPr lang="en-US" sz="1969">
+              <a:rPr lang="en-US" sz="1969" dirty="0">
                 <a:solidFill>
                   <a:schemeClr val="lt1"/>
                 </a:solidFill>
@@ -21331,8 +21362,65 @@
                 <a:cs typeface="Cabin"/>
                 <a:sym typeface="Cabin"/>
               </a:rPr>
-              <a:t>print 'Dry off!'</a:t>
-            </a:r>
+              <a:t>print </a:t>
+            </a:r>
+            <a:r>
+              <a:rPr lang="en-US" sz="1969" dirty="0" smtClean="0">
+                <a:solidFill>
+                  <a:schemeClr val="lt1"/>
+                </a:solidFill>
+                <a:latin typeface="Cabin"/>
+                <a:ea typeface="Cabin"/>
+                <a:cs typeface="Cabin"/>
+                <a:sym typeface="Cabin"/>
+              </a:rPr>
+              <a:t>(‘</a:t>
+            </a:r>
+            <a:r>
+              <a:rPr lang="ru-RU" sz="1969" dirty="0" smtClean="0">
+                <a:solidFill>
+                  <a:srgbClr val="FF3399"/>
+                </a:solidFill>
+                <a:latin typeface="Cabin"/>
+                <a:ea typeface="Cabin"/>
+                <a:cs typeface="Cabin"/>
+                <a:sym typeface="Cabin"/>
+              </a:rPr>
+              <a:t>Высушить</a:t>
+            </a:r>
+            <a:r>
+              <a:rPr lang="en-US" sz="1969" dirty="0" smtClean="0">
+                <a:solidFill>
+                  <a:srgbClr val="FF3399"/>
+                </a:solidFill>
+                <a:latin typeface="Cabin"/>
+                <a:ea typeface="Cabin"/>
+                <a:cs typeface="Cabin"/>
+                <a:sym typeface="Cabin"/>
+              </a:rPr>
+              <a:t>!</a:t>
+            </a:r>
+            <a:r>
+              <a:rPr lang="en-US" sz="1969" dirty="0" smtClean="0">
+                <a:solidFill>
+                  <a:schemeClr val="lt1"/>
+                </a:solidFill>
+                <a:latin typeface="Cabin"/>
+                <a:ea typeface="Cabin"/>
+                <a:cs typeface="Cabin"/>
+                <a:sym typeface="Cabin"/>
+              </a:rPr>
+              <a:t>‘)</a:t>
+            </a:r>
+            <a:endParaRPr lang="en-US" sz="1969" dirty="0">
+              <a:solidFill>
+                <a:schemeClr val="lt1"/>
+              </a:solidFill>
+              <a:latin typeface="Cabin"/>
+              <a:ea typeface="Cabin"/>
+              <a:cs typeface="Cabin"/>
+              <a:sym typeface="Cabin"/>
+            </a:endParaRPr>
           </a:p>
         </p:txBody>
       </p:sp>
@@ -21634,6 +21722,18 @@
             <a:r>
               <a:rPr lang="en-US" sz="1969" dirty="0" smtClean="0">
                 <a:solidFill>
+                  <a:srgbClr val="FF3399"/>
+                </a:solidFill>
+                <a:latin typeface="Cabin"/>
+                <a:ea typeface="Cabin"/>
+                <a:cs typeface="Cabin"/>
+                <a:sym typeface="Cabin"/>
+              </a:rPr>
+              <a:t>‘</a:t>
+            </a:r>
+            <a:r>
+              <a:rPr lang="ru-RU" sz="1969" dirty="0" smtClean="0">
+                <a:solidFill>
                   <a:srgbClr val="FF0000"/>
                 </a:solidFill>
                 <a:latin typeface="Cabin"/>
@@ -21641,7 +21741,19 @@
                 <a:cs typeface="Cabin"/>
                 <a:sym typeface="Cabin"/>
               </a:rPr>
-              <a:t>'Rinse'</a:t>
+              <a:t>Смыть</a:t>
+            </a:r>
+            <a:r>
+              <a:rPr lang="en-US" sz="1969" dirty="0" smtClean="0">
+                <a:solidFill>
+                  <a:srgbClr val="FF0000"/>
+                </a:solidFill>
+                <a:latin typeface="Cabin"/>
+                <a:ea typeface="Cabin"/>
+                <a:cs typeface="Cabin"/>
+                <a:sym typeface="Cabin"/>
+              </a:rPr>
+              <a:t>'</a:t>
             </a:r>
             <a:r>
               <a:rPr lang="ru-RU" sz="1969" dirty="0">
@@ -22833,7 +22945,7 @@
               <a:buSzPct val="25000"/>
             </a:pPr>
             <a:r>
-              <a:rPr lang="en-US" sz="1969">
+              <a:rPr lang="en-US" sz="1969" dirty="0">
                 <a:solidFill>
                   <a:schemeClr val="lt1"/>
                 </a:solidFill>
@@ -22842,10 +22954,10 @@
                 <a:cs typeface="Cabin"/>
                 <a:sym typeface="Cabin"/>
               </a:rPr>
-              <a:t>print '</a:t>
-            </a:r>
-            <a:r>
-              <a:rPr lang="en-US" sz="1688">
+              <a:t>print </a:t>
+            </a:r>
+            <a:r>
+              <a:rPr lang="ru-RU" sz="1969" dirty="0" smtClean="0">
                 <a:solidFill>
                   <a:schemeClr val="lt1"/>
                 </a:solidFill>
@@ -22854,8 +22966,65 @@
                 <a:cs typeface="Cabin"/>
                 <a:sym typeface="Cabin"/>
               </a:rPr>
-              <a:t>Высушить!'</a:t>
-            </a:r>
+              <a:t>(</a:t>
+            </a:r>
+            <a:r>
+              <a:rPr lang="en-US" sz="1969" dirty="0" smtClean="0">
+                <a:solidFill>
+                  <a:srgbClr val="FF3399"/>
+                </a:solidFill>
+                <a:latin typeface="Cabin"/>
+                <a:ea typeface="Cabin"/>
+                <a:cs typeface="Cabin"/>
+                <a:sym typeface="Cabin"/>
+              </a:rPr>
+              <a:t>'</a:t>
+            </a:r>
+            <a:r>
+              <a:rPr lang="en-US" sz="1688" dirty="0" err="1" smtClean="0">
+                <a:solidFill>
+                  <a:srgbClr val="FF3399"/>
+                </a:solidFill>
+                <a:latin typeface="Cabin"/>
+                <a:ea typeface="Cabin"/>
+                <a:cs typeface="Cabin"/>
+                <a:sym typeface="Cabin"/>
+              </a:rPr>
+              <a:t>Высушить</a:t>
+            </a:r>
+            <a:r>
+              <a:rPr lang="en-US" sz="1688" dirty="0" smtClean="0">
+                <a:solidFill>
+                  <a:srgbClr val="FF3399"/>
+                </a:solidFill>
+                <a:latin typeface="Cabin"/>
+                <a:ea typeface="Cabin"/>
+                <a:cs typeface="Cabin"/>
+                <a:sym typeface="Cabin"/>
+              </a:rPr>
+              <a:t>!‘</a:t>
+            </a:r>
+            <a:r>
+              <a:rPr lang="ru-RU" sz="1688" dirty="0" smtClean="0">
+                <a:solidFill>
+                  <a:schemeClr val="lt1"/>
+                </a:solidFill>
+                <a:latin typeface="Cabin"/>
+                <a:ea typeface="Cabin"/>
+                <a:cs typeface="Cabin"/>
+                <a:sym typeface="Cabin"/>
+              </a:rPr>
+              <a:t>)</a:t>
+            </a:r>
+            <a:endParaRPr lang="en-US" sz="1688" dirty="0">
+              <a:solidFill>
+                <a:schemeClr val="lt1"/>
+              </a:solidFill>
+              <a:latin typeface="Cabin"/>
+              <a:ea typeface="Cabin"/>
+              <a:cs typeface="Cabin"/>
+              <a:sym typeface="Cabin"/>
+            </a:endParaRPr>
           </a:p>
         </p:txBody>
       </p:sp>
@@ -24941,7 +25110,7 @@
   <a:extraClrSchemeLst/>
   <a:extLst>
     <a:ext uri="{05A4C25C-085E-4340-85A3-A5531E510DB2}">
-      <thm15:themeFamily xmlns:thm15="http://schemas.microsoft.com/office/thememl/2012/main" name="Office Theme" id="{62F939B6-93AF-4DB8-9C6B-D6C7DFDC589F}" vid="{4A3C46E8-61CC-4603-A589-7422A47A8E4A}"/>
+      <thm15:themeFamily xmlns:thm15="http://schemas.microsoft.com/office/thememl/2012/main" xmlns="" name="Office Theme" id="{62F939B6-93AF-4DB8-9C6B-D6C7DFDC589F}" vid="{4A3C46E8-61CC-4603-A589-7422A47A8E4A}"/>
     </a:ext>
   </a:extLst>
 </a:theme>

--- a/week02/04.Loops.pptx
+++ b/week02/04.Loops.pptx
@@ -5,7 +5,7 @@
     <p:sldMasterId id="2147483648" r:id="rId1"/>
   </p:sldMasterIdLst>
   <p:notesMasterIdLst>
-    <p:notesMasterId r:id="rId30"/>
+    <p:notesMasterId r:id="rId29"/>
   </p:notesMasterIdLst>
   <p:sldIdLst>
     <p:sldId id="256" r:id="rId2"/>
@@ -33,9 +33,8 @@
     <p:sldId id="396" r:id="rId24"/>
     <p:sldId id="397" r:id="rId25"/>
     <p:sldId id="398" r:id="rId26"/>
-    <p:sldId id="322" r:id="rId27"/>
-    <p:sldId id="329" r:id="rId28"/>
-    <p:sldId id="351" r:id="rId29"/>
+    <p:sldId id="329" r:id="rId27"/>
+    <p:sldId id="351" r:id="rId28"/>
   </p:sldIdLst>
   <p:sldSz cx="9144000" cy="6858000" type="screen4x3"/>
   <p:notesSz cx="6858000" cy="9144000"/>
@@ -136,7 +135,7 @@
   </p:defaultTextStyle>
   <p:extLst>
     <p:ext uri="{EFAFB233-063F-42B5-8137-9DF3F51BA10A}">
-      <p15:sldGuideLst xmlns:p15="http://schemas.microsoft.com/office/powerpoint/2012/main" xmlns="">
+      <p15:sldGuideLst xmlns:p15="http://schemas.microsoft.com/office/powerpoint/2012/main">
         <p15:guide id="1" orient="horz" pos="2160">
           <p15:clr>
             <a:srgbClr val="A4A3A4"/>
@@ -1164,112 +1163,6 @@
 </file>
 
 <file path=ppt/notesSlides/notesSlide15.xml><?xml version="1.0" encoding="utf-8"?>
-<p:notes xmlns:a="http://schemas.openxmlformats.org/drawingml/2006/main" xmlns:r="http://schemas.openxmlformats.org/officeDocument/2006/relationships" xmlns:p="http://schemas.openxmlformats.org/presentationml/2006/main" showMasterSp="0" showMasterPhAnim="0">
-  <p:cSld>
-    <p:spTree>
-      <p:nvGrpSpPr>
-        <p:cNvPr id="1" name="Shape 495"/>
-        <p:cNvGrpSpPr/>
-        <p:nvPr/>
-      </p:nvGrpSpPr>
-      <p:grpSpPr>
-        <a:xfrm>
-          <a:off x="0" y="0"/>
-          <a:ext cx="0" cy="0"/>
-          <a:chOff x="0" y="0"/>
-          <a:chExt cx="0" cy="0"/>
-        </a:xfrm>
-      </p:grpSpPr>
-      <p:sp>
-        <p:nvSpPr>
-          <p:cNvPr id="496" name="Shape 496"/>
-          <p:cNvSpPr txBox="1">
-            <a:spLocks noGrp="1"/>
-          </p:cNvSpPr>
-          <p:nvPr>
-            <p:ph type="body" idx="1"/>
-          </p:nvPr>
-        </p:nvSpPr>
-        <p:spPr>
-          <a:xfrm>
-            <a:off x="685800" y="4343400"/>
-            <a:ext cx="5486399" cy="4114800"/>
-          </a:xfrm>
-          <a:prstGeom prst="rect">
-            <a:avLst/>
-          </a:prstGeom>
-        </p:spPr>
-        <p:txBody>
-          <a:bodyPr lIns="91425" tIns="91425" rIns="91425" bIns="91425" anchor="ctr" anchorCtr="0">
-            <a:noAutofit/>
-          </a:bodyPr>
-          <a:lstStyle/>
-          <a:p>
-            <a:pPr lvl="0">
-              <a:spcBef>
-                <a:spcPts val="0"/>
-              </a:spcBef>
-              <a:buNone/>
-            </a:pPr>
-            <a:endParaRPr/>
-          </a:p>
-        </p:txBody>
-      </p:sp>
-      <p:sp>
-        <p:nvSpPr>
-          <p:cNvPr id="497" name="Shape 497"/>
-          <p:cNvSpPr>
-            <a:spLocks noGrp="1" noRot="1" noChangeAspect="1"/>
-          </p:cNvSpPr>
-          <p:nvPr>
-            <p:ph type="sldImg" idx="2"/>
-          </p:nvPr>
-        </p:nvSpPr>
-        <p:spPr>
-          <a:xfrm>
-            <a:off x="1143000" y="685800"/>
-            <a:ext cx="4572000" cy="3429000"/>
-          </a:xfrm>
-          <a:custGeom>
-            <a:avLst/>
-            <a:gdLst/>
-            <a:ahLst/>
-            <a:cxnLst/>
-            <a:rect l="0" t="0" r="0" b="0"/>
-            <a:pathLst>
-              <a:path w="120000" h="120000" extrusionOk="0">
-                <a:moveTo>
-                  <a:pt x="0" y="0"/>
-                </a:moveTo>
-                <a:lnTo>
-                  <a:pt x="120000" y="0"/>
-                </a:lnTo>
-                <a:lnTo>
-                  <a:pt x="120000" y="120000"/>
-                </a:lnTo>
-                <a:lnTo>
-                  <a:pt x="0" y="120000"/>
-                </a:lnTo>
-                <a:close/>
-              </a:path>
-            </a:pathLst>
-          </a:custGeom>
-        </p:spPr>
-      </p:sp>
-    </p:spTree>
-    <p:extLst>
-      <p:ext uri="{BB962C8B-B14F-4D97-AF65-F5344CB8AC3E}">
-        <p14:creationId xmlns:p14="http://schemas.microsoft.com/office/powerpoint/2010/main" val="2553330137"/>
-      </p:ext>
-    </p:extLst>
-  </p:cSld>
-  <p:clrMapOvr>
-    <a:masterClrMapping/>
-  </p:clrMapOvr>
-</p:notes>
-</file>
-
-<file path=ppt/notesSlides/notesSlide16.xml><?xml version="1.0" encoding="utf-8"?>
 <p:notes xmlns:a="http://schemas.openxmlformats.org/drawingml/2006/main" xmlns:r="http://schemas.openxmlformats.org/officeDocument/2006/relationships" xmlns:p="http://schemas.openxmlformats.org/presentationml/2006/main" showMasterSp="0" showMasterPhAnim="0">
   <p:cSld>
     <p:spTree>
@@ -15743,682 +15636,6 @@
   <p:cSld>
     <p:spTree>
       <p:nvGrpSpPr>
-        <p:cNvPr id="1" name="Shape 498"/>
-        <p:cNvGrpSpPr/>
-        <p:nvPr/>
-      </p:nvGrpSpPr>
-      <p:grpSpPr>
-        <a:xfrm>
-          <a:off x="0" y="0"/>
-          <a:ext cx="0" cy="0"/>
-          <a:chOff x="0" y="0"/>
-          <a:chExt cx="0" cy="0"/>
-        </a:xfrm>
-      </p:grpSpPr>
-      <p:sp>
-        <p:nvSpPr>
-          <p:cNvPr id="499" name="Shape 499"/>
-          <p:cNvSpPr txBox="1">
-            <a:spLocks noGrp="1"/>
-          </p:cNvSpPr>
-          <p:nvPr>
-            <p:ph type="title"/>
-          </p:nvPr>
-        </p:nvSpPr>
-        <p:spPr>
-          <a:xfrm>
-            <a:off x="1043608" y="404664"/>
-            <a:ext cx="7443787" cy="1285875"/>
-          </a:xfrm>
-          <a:prstGeom prst="rect">
-            <a:avLst/>
-          </a:prstGeom>
-          <a:noFill/>
-          <a:ln>
-            <a:noFill/>
-          </a:ln>
-        </p:spPr>
-        <p:txBody>
-          <a:bodyPr vert="horz" lIns="28575" tIns="28575" rIns="28575" bIns="28575" rtlCol="0" anchor="ctr" anchorCtr="0">
-            <a:noAutofit/>
-          </a:bodyPr>
-          <a:lstStyle/>
-          <a:p>
-            <a:pPr>
-              <a:spcBef>
-                <a:spcPts val="0"/>
-              </a:spcBef>
-              <a:buClr>
-                <a:srgbClr val="FFFF00"/>
-              </a:buClr>
-              <a:buSzPct val="25000"/>
-            </a:pPr>
-            <a:r>
-              <a:rPr lang="en-US" sz="3938" dirty="0" err="1">
-                <a:latin typeface="Cabin"/>
-                <a:ea typeface="Cabin"/>
-                <a:cs typeface="Cabin"/>
-                <a:sym typeface="Cabin"/>
-              </a:rPr>
-              <a:t>Операции</a:t>
-            </a:r>
-            <a:r>
-              <a:rPr lang="en-US" sz="3938" dirty="0">
-                <a:latin typeface="Cabin"/>
-                <a:ea typeface="Cabin"/>
-                <a:cs typeface="Cabin"/>
-                <a:sym typeface="Cabin"/>
-              </a:rPr>
-              <a:t> </a:t>
-            </a:r>
-            <a:r>
-              <a:rPr lang="en-US" sz="3938" dirty="0" err="1">
-                <a:latin typeface="Cabin"/>
-                <a:ea typeface="Cabin"/>
-                <a:cs typeface="Cabin"/>
-                <a:sym typeface="Cabin"/>
-              </a:rPr>
-              <a:t>со</a:t>
-            </a:r>
-            <a:r>
-              <a:rPr lang="en-US" sz="3938" dirty="0">
-                <a:latin typeface="Cabin"/>
-                <a:ea typeface="Cabin"/>
-                <a:cs typeface="Cabin"/>
-                <a:sym typeface="Cabin"/>
-              </a:rPr>
-              <a:t> </a:t>
-            </a:r>
-            <a:r>
-              <a:rPr lang="en-US" sz="3938" dirty="0" err="1">
-                <a:latin typeface="Cabin"/>
-                <a:ea typeface="Cabin"/>
-                <a:cs typeface="Cabin"/>
-                <a:sym typeface="Cabin"/>
-              </a:rPr>
-              <a:t>строками</a:t>
-            </a:r>
-            <a:endParaRPr lang="en-US" sz="3938" dirty="0">
-              <a:latin typeface="Cabin"/>
-              <a:ea typeface="Cabin"/>
-              <a:cs typeface="Cabin"/>
-              <a:sym typeface="Cabin"/>
-            </a:endParaRPr>
-          </a:p>
-        </p:txBody>
-      </p:sp>
-      <p:sp>
-        <p:nvSpPr>
-          <p:cNvPr id="500" name="Shape 500"/>
-          <p:cNvSpPr txBox="1">
-            <a:spLocks noGrp="1"/>
-          </p:cNvSpPr>
-          <p:nvPr>
-            <p:ph type="body" idx="1"/>
-          </p:nvPr>
-        </p:nvSpPr>
-        <p:spPr>
-          <a:xfrm>
-            <a:off x="805061" y="1340768"/>
-            <a:ext cx="7920880" cy="3456384"/>
-          </a:xfrm>
-          <a:prstGeom prst="rect">
-            <a:avLst/>
-          </a:prstGeom>
-          <a:noFill/>
-          <a:ln>
-            <a:noFill/>
-          </a:ln>
-        </p:spPr>
-        <p:txBody>
-          <a:bodyPr vert="horz" lIns="28575" tIns="28575" rIns="28575" bIns="28575" rtlCol="0" anchor="ctr" anchorCtr="0">
-            <a:noAutofit/>
-          </a:bodyPr>
-          <a:lstStyle/>
-          <a:p>
-            <a:pPr marL="621506" indent="-325112">
-              <a:spcBef>
-                <a:spcPts val="0"/>
-              </a:spcBef>
-              <a:buClr>
-                <a:schemeClr val="lt1"/>
-              </a:buClr>
-              <a:buSzPct val="100000"/>
-              <a:buFont typeface="Cabin"/>
-              <a:buChar char="•"/>
-            </a:pPr>
-            <a:r>
-              <a:rPr lang="en-US" sz="1800" dirty="0" err="1">
-                <a:latin typeface="Cabin"/>
-                <a:ea typeface="Cabin"/>
-                <a:cs typeface="Cabin"/>
-                <a:sym typeface="Cabin"/>
-              </a:rPr>
-              <a:t>Некоторые</a:t>
-            </a:r>
-            <a:r>
-              <a:rPr lang="en-US" sz="1800" dirty="0">
-                <a:latin typeface="Cabin"/>
-                <a:ea typeface="Cabin"/>
-                <a:cs typeface="Cabin"/>
-                <a:sym typeface="Cabin"/>
-              </a:rPr>
-              <a:t> </a:t>
-            </a:r>
-            <a:r>
-              <a:rPr lang="en-US" sz="1800" b="1" dirty="0" err="1">
-                <a:latin typeface="Cabin"/>
-                <a:ea typeface="Cabin"/>
-                <a:cs typeface="Cabin"/>
-                <a:sym typeface="Cabin"/>
-              </a:rPr>
-              <a:t>операции</a:t>
-            </a:r>
-            <a:r>
-              <a:rPr lang="en-US" sz="1800" dirty="0">
-                <a:solidFill>
-                  <a:schemeClr val="lt1"/>
-                </a:solidFill>
-                <a:latin typeface="Cabin"/>
-                <a:ea typeface="Cabin"/>
-                <a:cs typeface="Cabin"/>
-                <a:sym typeface="Cabin"/>
-              </a:rPr>
-              <a:t> </a:t>
-            </a:r>
-            <a:r>
-              <a:rPr lang="en-US" sz="1800" dirty="0" err="1">
-                <a:latin typeface="Cabin"/>
-                <a:ea typeface="Cabin"/>
-                <a:cs typeface="Cabin"/>
-                <a:sym typeface="Cabin"/>
-              </a:rPr>
-              <a:t>применимы</a:t>
-            </a:r>
-            <a:r>
-              <a:rPr lang="en-US" sz="1800" dirty="0">
-                <a:latin typeface="Cabin"/>
-                <a:ea typeface="Cabin"/>
-                <a:cs typeface="Cabin"/>
-                <a:sym typeface="Cabin"/>
-              </a:rPr>
-              <a:t> к </a:t>
-            </a:r>
-            <a:r>
-              <a:rPr lang="en-US" sz="1800" dirty="0" err="1">
-                <a:latin typeface="Cabin"/>
-                <a:ea typeface="Cabin"/>
-                <a:cs typeface="Cabin"/>
-                <a:sym typeface="Cabin"/>
-              </a:rPr>
-              <a:t>строкам</a:t>
-            </a:r>
-            <a:endParaRPr lang="en-US" sz="1800" dirty="0">
-              <a:latin typeface="Cabin"/>
-              <a:ea typeface="Cabin"/>
-              <a:cs typeface="Cabin"/>
-              <a:sym typeface="Cabin"/>
-            </a:endParaRPr>
-          </a:p>
-          <a:p>
-            <a:pPr marL="546426" lvl="1" indent="0">
-              <a:spcBef>
-                <a:spcPts val="1294"/>
-              </a:spcBef>
-              <a:buClr>
-                <a:schemeClr val="accent5"/>
-              </a:buClr>
-              <a:buSzPct val="100000"/>
-              <a:buNone/>
-            </a:pPr>
-            <a:r>
-              <a:rPr lang="en-US" sz="1800" dirty="0">
-                <a:latin typeface="Cabin"/>
-                <a:ea typeface="Cabin"/>
-                <a:cs typeface="Cabin"/>
-                <a:sym typeface="Cabin"/>
-              </a:rPr>
-              <a:t>+</a:t>
-            </a:r>
-            <a:r>
-              <a:rPr lang="en-US" sz="1800" dirty="0">
-                <a:solidFill>
-                  <a:schemeClr val="accent5"/>
-                </a:solidFill>
-                <a:latin typeface="Cabin"/>
-                <a:ea typeface="Cabin"/>
-                <a:cs typeface="Cabin"/>
-                <a:sym typeface="Cabin"/>
-              </a:rPr>
-              <a:t> </a:t>
-            </a:r>
-            <a:r>
-              <a:rPr lang="en-US" sz="1800" dirty="0" err="1">
-                <a:solidFill>
-                  <a:schemeClr val="accent5"/>
-                </a:solidFill>
-                <a:latin typeface="Cabin"/>
-                <a:ea typeface="Cabin"/>
-                <a:cs typeface="Cabin"/>
-                <a:sym typeface="Cabin"/>
-              </a:rPr>
-              <a:t>означает</a:t>
-            </a:r>
-            <a:r>
-              <a:rPr lang="en-US" sz="1800" dirty="0">
-                <a:solidFill>
-                  <a:schemeClr val="accent5"/>
-                </a:solidFill>
-                <a:latin typeface="Cabin"/>
-                <a:ea typeface="Cabin"/>
-                <a:cs typeface="Cabin"/>
-                <a:sym typeface="Cabin"/>
-              </a:rPr>
-              <a:t> </a:t>
-            </a:r>
-            <a:r>
-              <a:rPr lang="en-US" sz="1800" dirty="0">
-                <a:solidFill>
-                  <a:schemeClr val="accent5"/>
-                </a:solidFill>
-                <a:latin typeface="Arial"/>
-                <a:ea typeface="Arial"/>
-                <a:cs typeface="Arial"/>
-                <a:sym typeface="Arial"/>
-              </a:rPr>
-              <a:t>“</a:t>
-            </a:r>
-            <a:r>
-              <a:rPr lang="en-US" sz="1800" dirty="0" err="1">
-                <a:solidFill>
-                  <a:schemeClr val="accent5"/>
-                </a:solidFill>
-                <a:latin typeface="Cabin"/>
-                <a:ea typeface="Cabin"/>
-                <a:cs typeface="Cabin"/>
-                <a:sym typeface="Cabin"/>
-              </a:rPr>
-              <a:t>конкатенацию</a:t>
-            </a:r>
-            <a:r>
-              <a:rPr lang="en-US" sz="1800" dirty="0">
-                <a:solidFill>
-                  <a:schemeClr val="accent5"/>
-                </a:solidFill>
-                <a:latin typeface="Arial"/>
-                <a:ea typeface="Arial"/>
-                <a:cs typeface="Arial"/>
-                <a:sym typeface="Arial"/>
-              </a:rPr>
-              <a:t>”</a:t>
-            </a:r>
-          </a:p>
-          <a:p>
-            <a:pPr marL="546426" lvl="1" indent="0">
-              <a:spcBef>
-                <a:spcPts val="1294"/>
-              </a:spcBef>
-              <a:buClr>
-                <a:schemeClr val="accent5"/>
-              </a:buClr>
-              <a:buSzPct val="100000"/>
-              <a:buNone/>
-            </a:pPr>
-            <a:r>
-              <a:rPr lang="en-US" sz="1800" dirty="0">
-                <a:latin typeface="Cabin"/>
-                <a:ea typeface="Cabin"/>
-                <a:cs typeface="Cabin"/>
-                <a:sym typeface="Cabin"/>
-              </a:rPr>
-              <a:t>*</a:t>
-            </a:r>
-            <a:r>
-              <a:rPr lang="en-US" sz="1800" dirty="0">
-                <a:solidFill>
-                  <a:schemeClr val="accent5"/>
-                </a:solidFill>
-                <a:latin typeface="Cabin"/>
-                <a:ea typeface="Cabin"/>
-                <a:cs typeface="Cabin"/>
-                <a:sym typeface="Cabin"/>
-              </a:rPr>
-              <a:t> </a:t>
-            </a:r>
-            <a:r>
-              <a:rPr lang="en-US" sz="1800" dirty="0" err="1">
-                <a:solidFill>
-                  <a:schemeClr val="accent5"/>
-                </a:solidFill>
-                <a:latin typeface="Cabin"/>
-                <a:ea typeface="Cabin"/>
-                <a:cs typeface="Cabin"/>
-                <a:sym typeface="Cabin"/>
-              </a:rPr>
-              <a:t>означает</a:t>
-            </a:r>
-            <a:r>
-              <a:rPr lang="en-US" sz="1800" dirty="0">
-                <a:solidFill>
-                  <a:schemeClr val="accent5"/>
-                </a:solidFill>
-                <a:latin typeface="Cabin"/>
-                <a:ea typeface="Cabin"/>
-                <a:cs typeface="Cabin"/>
-                <a:sym typeface="Cabin"/>
-              </a:rPr>
-              <a:t> </a:t>
-            </a:r>
-            <a:r>
-              <a:rPr lang="en-US" sz="1800" dirty="0">
-                <a:solidFill>
-                  <a:schemeClr val="accent5"/>
-                </a:solidFill>
-                <a:latin typeface="Arial"/>
-                <a:ea typeface="Arial"/>
-                <a:cs typeface="Arial"/>
-                <a:sym typeface="Arial"/>
-              </a:rPr>
-              <a:t>“</a:t>
-            </a:r>
-            <a:r>
-              <a:rPr lang="en-US" sz="1800" dirty="0" err="1">
-                <a:solidFill>
-                  <a:schemeClr val="accent5"/>
-                </a:solidFill>
-                <a:latin typeface="Cabin"/>
-                <a:ea typeface="Cabin"/>
-                <a:cs typeface="Cabin"/>
-                <a:sym typeface="Cabin"/>
-              </a:rPr>
-              <a:t>несколько</a:t>
-            </a:r>
-            <a:r>
-              <a:rPr lang="en-US" sz="1800" dirty="0">
-                <a:solidFill>
-                  <a:schemeClr val="accent5"/>
-                </a:solidFill>
-                <a:latin typeface="Cabin"/>
-                <a:ea typeface="Cabin"/>
-                <a:cs typeface="Cabin"/>
-                <a:sym typeface="Cabin"/>
-              </a:rPr>
-              <a:t> </a:t>
-            </a:r>
-            <a:r>
-              <a:rPr lang="en-US" sz="1800" dirty="0" err="1">
-                <a:solidFill>
-                  <a:schemeClr val="accent5"/>
-                </a:solidFill>
-                <a:latin typeface="Cabin"/>
-                <a:ea typeface="Cabin"/>
-                <a:cs typeface="Cabin"/>
-                <a:sym typeface="Cabin"/>
-              </a:rPr>
-              <a:t>конкатенаций</a:t>
-            </a:r>
-            <a:r>
-              <a:rPr lang="en-US" sz="1800" dirty="0">
-                <a:solidFill>
-                  <a:schemeClr val="accent5"/>
-                </a:solidFill>
-                <a:latin typeface="Arial"/>
-                <a:ea typeface="Arial"/>
-                <a:cs typeface="Arial"/>
-                <a:sym typeface="Arial"/>
-              </a:rPr>
-              <a:t>”</a:t>
-            </a:r>
-          </a:p>
-          <a:p>
-            <a:pPr marL="621506" indent="-325112">
-              <a:spcBef>
-                <a:spcPts val="1294"/>
-              </a:spcBef>
-              <a:buClr>
-                <a:schemeClr val="lt1"/>
-              </a:buClr>
-              <a:buSzPct val="100000"/>
-              <a:buFont typeface="Cabin"/>
-              <a:buChar char="•"/>
-            </a:pPr>
-            <a:r>
-              <a:rPr lang="en-US" sz="1800" dirty="0">
-                <a:latin typeface="Cabin"/>
-                <a:ea typeface="Cabin"/>
-                <a:cs typeface="Cabin"/>
-                <a:sym typeface="Cabin"/>
-              </a:rPr>
-              <a:t>Python </a:t>
-            </a:r>
-            <a:r>
-              <a:rPr lang="en-US" sz="1800" dirty="0" err="1">
-                <a:latin typeface="Cabin"/>
-                <a:ea typeface="Cabin"/>
-                <a:cs typeface="Cabin"/>
-                <a:sym typeface="Cabin"/>
-              </a:rPr>
-              <a:t>знает</a:t>
-            </a:r>
-            <a:r>
-              <a:rPr lang="en-US" sz="1800" dirty="0">
-                <a:latin typeface="Cabin"/>
-                <a:ea typeface="Cabin"/>
-                <a:cs typeface="Cabin"/>
-                <a:sym typeface="Cabin"/>
-              </a:rPr>
-              <a:t> </a:t>
-            </a:r>
-            <a:r>
-              <a:rPr lang="en-US" sz="1800" dirty="0" err="1">
-                <a:latin typeface="Cabin"/>
-                <a:ea typeface="Cabin"/>
-                <a:cs typeface="Cabin"/>
-                <a:sym typeface="Cabin"/>
-              </a:rPr>
-              <a:t>разницу</a:t>
-            </a:r>
-            <a:r>
-              <a:rPr lang="en-US" sz="1800" dirty="0">
-                <a:latin typeface="Cabin"/>
-                <a:ea typeface="Cabin"/>
-                <a:cs typeface="Cabin"/>
-                <a:sym typeface="Cabin"/>
-              </a:rPr>
-              <a:t> </a:t>
-            </a:r>
-            <a:r>
-              <a:rPr lang="en-US" sz="1800" dirty="0" err="1">
-                <a:latin typeface="Cabin"/>
-                <a:ea typeface="Cabin"/>
-                <a:cs typeface="Cabin"/>
-                <a:sym typeface="Cabin"/>
-              </a:rPr>
-              <a:t>между</a:t>
-            </a:r>
-            <a:r>
-              <a:rPr lang="en-US" sz="1800" dirty="0">
-                <a:latin typeface="Cabin"/>
-                <a:ea typeface="Cabin"/>
-                <a:cs typeface="Cabin"/>
-                <a:sym typeface="Cabin"/>
-              </a:rPr>
-              <a:t> </a:t>
-            </a:r>
-            <a:r>
-              <a:rPr lang="en-US" sz="1800" dirty="0" err="1">
-                <a:latin typeface="Cabin"/>
-                <a:ea typeface="Cabin"/>
-                <a:cs typeface="Cabin"/>
-                <a:sym typeface="Cabin"/>
-              </a:rPr>
-              <a:t>строкой</a:t>
-            </a:r>
-            <a:r>
-              <a:rPr lang="en-US" sz="1800" dirty="0">
-                <a:latin typeface="Cabin"/>
-                <a:ea typeface="Cabin"/>
-                <a:cs typeface="Cabin"/>
-                <a:sym typeface="Cabin"/>
-              </a:rPr>
-              <a:t> и </a:t>
-            </a:r>
-            <a:r>
-              <a:rPr lang="en-US" sz="1800" dirty="0" err="1">
-                <a:latin typeface="Cabin"/>
-                <a:ea typeface="Cabin"/>
-                <a:cs typeface="Cabin"/>
-                <a:sym typeface="Cabin"/>
-              </a:rPr>
-              <a:t>числом</a:t>
-            </a:r>
-            <a:r>
-              <a:rPr lang="en-US" sz="1800" dirty="0">
-                <a:latin typeface="Cabin"/>
-                <a:ea typeface="Cabin"/>
-                <a:cs typeface="Cabin"/>
-                <a:sym typeface="Cabin"/>
-              </a:rPr>
-              <a:t> и в </a:t>
-            </a:r>
-            <a:r>
-              <a:rPr lang="en-US" sz="1800" dirty="0" err="1">
-                <a:latin typeface="Cabin"/>
-                <a:ea typeface="Cabin"/>
-                <a:cs typeface="Cabin"/>
-                <a:sym typeface="Cabin"/>
-              </a:rPr>
-              <a:t>соответствии</a:t>
-            </a:r>
-            <a:r>
-              <a:rPr lang="en-US" sz="1800" dirty="0">
-                <a:latin typeface="Cabin"/>
-                <a:ea typeface="Cabin"/>
-                <a:cs typeface="Cabin"/>
-                <a:sym typeface="Cabin"/>
-              </a:rPr>
-              <a:t> с </a:t>
-            </a:r>
-            <a:r>
-              <a:rPr lang="en-US" sz="1800" dirty="0" err="1">
-                <a:latin typeface="Cabin"/>
-                <a:ea typeface="Cabin"/>
-                <a:cs typeface="Cabin"/>
-                <a:sym typeface="Cabin"/>
-              </a:rPr>
-              <a:t>этим</a:t>
-            </a:r>
-            <a:r>
-              <a:rPr lang="en-US" sz="1800" dirty="0">
-                <a:latin typeface="Cabin"/>
-                <a:ea typeface="Cabin"/>
-                <a:cs typeface="Cabin"/>
-                <a:sym typeface="Cabin"/>
-              </a:rPr>
-              <a:t> </a:t>
-            </a:r>
-            <a:r>
-              <a:rPr lang="en-US" sz="1800" dirty="0" err="1">
-                <a:latin typeface="Cabin"/>
-                <a:ea typeface="Cabin"/>
-                <a:cs typeface="Cabin"/>
-                <a:sym typeface="Cabin"/>
-              </a:rPr>
-              <a:t>выполняет</a:t>
-            </a:r>
-            <a:r>
-              <a:rPr lang="en-US" sz="1800" dirty="0">
-                <a:latin typeface="Cabin"/>
-                <a:ea typeface="Cabin"/>
-                <a:cs typeface="Cabin"/>
-                <a:sym typeface="Cabin"/>
-              </a:rPr>
-              <a:t> </a:t>
-            </a:r>
-            <a:r>
-              <a:rPr lang="en-US" sz="1800" dirty="0" err="1">
-                <a:latin typeface="Cabin"/>
-                <a:ea typeface="Cabin"/>
-                <a:cs typeface="Cabin"/>
-                <a:sym typeface="Cabin"/>
-              </a:rPr>
-              <a:t>все</a:t>
-            </a:r>
-            <a:r>
-              <a:rPr lang="en-US" sz="1800" dirty="0">
-                <a:latin typeface="Cabin"/>
-                <a:ea typeface="Cabin"/>
-                <a:cs typeface="Cabin"/>
-                <a:sym typeface="Cabin"/>
-              </a:rPr>
-              <a:t> </a:t>
-            </a:r>
-            <a:r>
-              <a:rPr lang="en-US" sz="1800" dirty="0" err="1">
-                <a:latin typeface="Cabin"/>
-                <a:ea typeface="Cabin"/>
-                <a:cs typeface="Cabin"/>
-                <a:sym typeface="Cabin"/>
-              </a:rPr>
-              <a:t>операции</a:t>
-            </a:r>
-            <a:endParaRPr lang="en-US" sz="1800" dirty="0">
-              <a:latin typeface="Cabin"/>
-              <a:ea typeface="Cabin"/>
-              <a:cs typeface="Cabin"/>
-              <a:sym typeface="Cabin"/>
-            </a:endParaRPr>
-          </a:p>
-        </p:txBody>
-      </p:sp>
-      <p:pic>
-        <p:nvPicPr>
-          <p:cNvPr id="2" name="Рисунок 1"/>
-          <p:cNvPicPr>
-            <a:picLocks noChangeAspect="1"/>
-          </p:cNvPicPr>
-          <p:nvPr/>
-        </p:nvPicPr>
-        <p:blipFill rotWithShape="1">
-          <a:blip r:embed="rId3"/>
-          <a:srcRect l="55124" t="73199" r="30308" b="14901"/>
-          <a:stretch/>
-        </p:blipFill>
-        <p:spPr>
-          <a:xfrm>
-            <a:off x="2987824" y="4365104"/>
-            <a:ext cx="3761359" cy="1728192"/>
-          </a:xfrm>
-          <a:prstGeom prst="rect">
-            <a:avLst/>
-          </a:prstGeom>
-        </p:spPr>
-      </p:pic>
-    </p:spTree>
-    <p:extLst>
-      <p:ext uri="{BB962C8B-B14F-4D97-AF65-F5344CB8AC3E}">
-        <p14:creationId xmlns:p14="http://schemas.microsoft.com/office/powerpoint/2010/main" val="638381637"/>
-      </p:ext>
-    </p:extLst>
-  </p:cSld>
-  <p:clrMapOvr>
-    <a:masterClrMapping/>
-  </p:clrMapOvr>
-  <p:timing>
-    <p:tnLst>
-      <p:par>
-        <p:cTn id="1" dur="indefinite" restart="never" nodeType="tmRoot"/>
-      </p:par>
-    </p:tnLst>
-  </p:timing>
-</p:sld>
-</file>
-
-<file path=ppt/slides/slide27.xml><?xml version="1.0" encoding="utf-8"?>
-<p:sld xmlns:a="http://schemas.openxmlformats.org/drawingml/2006/main" xmlns:r="http://schemas.openxmlformats.org/officeDocument/2006/relationships" xmlns:p="http://schemas.openxmlformats.org/presentationml/2006/main">
-  <p:cSld>
-    <p:spTree>
-      <p:nvGrpSpPr>
         <p:cNvPr id="1" name=""/>
         <p:cNvGrpSpPr/>
         <p:nvPr/>
@@ -16515,7 +15732,7 @@
 </p:sld>
 </file>
 
-<file path=ppt/slides/slide28.xml><?xml version="1.0" encoding="utf-8"?>
+<file path=ppt/slides/slide27.xml><?xml version="1.0" encoding="utf-8"?>
 <p:sld xmlns:a="http://schemas.openxmlformats.org/drawingml/2006/main" xmlns:r="http://schemas.openxmlformats.org/officeDocument/2006/relationships" xmlns:p="http://schemas.openxmlformats.org/presentationml/2006/main" show="0">
   <p:cSld>
     <p:spTree>
@@ -19862,28 +19079,28 @@
                 <a:gridCol w="3157149">
                   <a:extLst>
                     <a:ext uri="{9D8B030D-6E8A-4147-A177-3AD203B41FA5}">
-                      <a16:colId xmlns:a16="http://schemas.microsoft.com/office/drawing/2014/main" xmlns="" val="2142840333"/>
+                      <a16:colId xmlns:a16="http://schemas.microsoft.com/office/drawing/2014/main" val="2142840333"/>
                     </a:ext>
                   </a:extLst>
                 </a:gridCol>
                 <a:gridCol w="1829440">
                   <a:extLst>
                     <a:ext uri="{9D8B030D-6E8A-4147-A177-3AD203B41FA5}">
-                      <a16:colId xmlns:a16="http://schemas.microsoft.com/office/drawing/2014/main" xmlns="" val="2534420475"/>
+                      <a16:colId xmlns:a16="http://schemas.microsoft.com/office/drawing/2014/main" val="2534420475"/>
                     </a:ext>
                   </a:extLst>
                 </a:gridCol>
                 <a:gridCol w="1390374">
                   <a:extLst>
                     <a:ext uri="{9D8B030D-6E8A-4147-A177-3AD203B41FA5}">
-                      <a16:colId xmlns:a16="http://schemas.microsoft.com/office/drawing/2014/main" xmlns="" val="1511521227"/>
+                      <a16:colId xmlns:a16="http://schemas.microsoft.com/office/drawing/2014/main" val="1511521227"/>
                     </a:ext>
                   </a:extLst>
                 </a:gridCol>
                 <a:gridCol w="1986307">
                   <a:extLst>
                     <a:ext uri="{9D8B030D-6E8A-4147-A177-3AD203B41FA5}">
-                      <a16:colId xmlns:a16="http://schemas.microsoft.com/office/drawing/2014/main" xmlns="" val="4263179452"/>
+                      <a16:colId xmlns:a16="http://schemas.microsoft.com/office/drawing/2014/main" val="4263179452"/>
                     </a:ext>
                   </a:extLst>
                 </a:gridCol>
@@ -19947,7 +19164,7 @@
                 </a:tc>
                 <a:extLst>
                   <a:ext uri="{0D108BD9-81ED-4DB2-BD59-A6C34878D82A}">
-                    <a16:rowId xmlns:a16="http://schemas.microsoft.com/office/drawing/2014/main" xmlns="" val="1301351956"/>
+                    <a16:rowId xmlns:a16="http://schemas.microsoft.com/office/drawing/2014/main" val="1301351956"/>
                   </a:ext>
                 </a:extLst>
               </a:tr>
@@ -20031,7 +19248,7 @@
                 </a:tc>
                 <a:extLst>
                   <a:ext uri="{0D108BD9-81ED-4DB2-BD59-A6C34878D82A}">
-                    <a16:rowId xmlns:a16="http://schemas.microsoft.com/office/drawing/2014/main" xmlns="" val="2719285803"/>
+                    <a16:rowId xmlns:a16="http://schemas.microsoft.com/office/drawing/2014/main" val="2719285803"/>
                   </a:ext>
                 </a:extLst>
               </a:tr>
@@ -20103,7 +19320,7 @@
                 </a:tc>
                 <a:extLst>
                   <a:ext uri="{0D108BD9-81ED-4DB2-BD59-A6C34878D82A}">
-                    <a16:rowId xmlns:a16="http://schemas.microsoft.com/office/drawing/2014/main" xmlns="" val="3461989946"/>
+                    <a16:rowId xmlns:a16="http://schemas.microsoft.com/office/drawing/2014/main" val="3461989946"/>
                   </a:ext>
                 </a:extLst>
               </a:tr>
@@ -20179,7 +19396,7 @@
                 </a:tc>
                 <a:extLst>
                   <a:ext uri="{0D108BD9-81ED-4DB2-BD59-A6C34878D82A}">
-                    <a16:rowId xmlns:a16="http://schemas.microsoft.com/office/drawing/2014/main" xmlns="" val="3908222938"/>
+                    <a16:rowId xmlns:a16="http://schemas.microsoft.com/office/drawing/2014/main" val="3908222938"/>
                   </a:ext>
                 </a:extLst>
               </a:tr>
@@ -20247,7 +19464,7 @@
                 </a:tc>
                 <a:extLst>
                   <a:ext uri="{0D108BD9-81ED-4DB2-BD59-A6C34878D82A}">
-                    <a16:rowId xmlns:a16="http://schemas.microsoft.com/office/drawing/2014/main" xmlns="" val="358583584"/>
+                    <a16:rowId xmlns:a16="http://schemas.microsoft.com/office/drawing/2014/main" val="358583584"/>
                   </a:ext>
                 </a:extLst>
               </a:tr>
@@ -20330,7 +19547,7 @@
                 </a:tc>
                 <a:extLst>
                   <a:ext uri="{0D108BD9-81ED-4DB2-BD59-A6C34878D82A}">
-                    <a16:rowId xmlns:a16="http://schemas.microsoft.com/office/drawing/2014/main" xmlns="" val="4027759349"/>
+                    <a16:rowId xmlns:a16="http://schemas.microsoft.com/office/drawing/2014/main" val="4027759349"/>
                   </a:ext>
                 </a:extLst>
               </a:tr>
@@ -25110,7 +24327,7 @@
   <a:extraClrSchemeLst/>
   <a:extLst>
     <a:ext uri="{05A4C25C-085E-4340-85A3-A5531E510DB2}">
-      <thm15:themeFamily xmlns:thm15="http://schemas.microsoft.com/office/thememl/2012/main" xmlns="" name="Office Theme" id="{62F939B6-93AF-4DB8-9C6B-D6C7DFDC589F}" vid="{4A3C46E8-61CC-4603-A589-7422A47A8E4A}"/>
+      <thm15:themeFamily xmlns:thm15="http://schemas.microsoft.com/office/thememl/2012/main" name="Office Theme" id="{62F939B6-93AF-4DB8-9C6B-D6C7DFDC589F}" vid="{4A3C46E8-61CC-4603-A589-7422A47A8E4A}"/>
     </a:ext>
   </a:extLst>
 </a:theme>
